--- a/2025/2025-03-07-AI-Updates.pptx
+++ b/2025/2025-03-07-AI-Updates.pptx
@@ -5,7 +5,7 @@
     <p:sldMasterId id="2147483661" r:id="rId1"/>
   </p:sldMasterIdLst>
   <p:notesMasterIdLst>
-    <p:notesMasterId r:id="rId19"/>
+    <p:notesMasterId r:id="rId21"/>
   </p:notesMasterIdLst>
   <p:sldIdLst>
     <p:sldId id="256" r:id="rId2"/>
@@ -25,6 +25,8 @@
     <p:sldId id="270" r:id="rId16"/>
     <p:sldId id="271" r:id="rId17"/>
     <p:sldId id="272" r:id="rId18"/>
+    <p:sldId id="273" r:id="rId19"/>
+    <p:sldId id="274" r:id="rId20"/>
   </p:sldIdLst>
   <p:sldSz cx="9144000" cy="5143500" type="screen16x9"/>
   <p:notesSz cx="6858000" cy="9144000"/>
@@ -966,7 +968,7 @@
   <p:cSld>
     <p:spTree>
       <p:nvGrpSpPr>
-        <p:cNvPr id="1" name="Shape 157"/>
+        <p:cNvPr id="1" name="Shape 158"/>
         <p:cNvGrpSpPr/>
         <p:nvPr/>
       </p:nvGrpSpPr>
@@ -980,7 +982,7 @@
       </p:grpSpPr>
       <p:sp>
         <p:nvSpPr>
-          <p:cNvPr id="158" name="Google Shape;158;g2dd0a008ffc_1_0:notes"/>
+          <p:cNvPr id="159" name="Google Shape;159;g2dd0a008ffc_1_0:notes"/>
           <p:cNvSpPr>
             <a:spLocks noGrp="1" noRot="1" noChangeAspect="1"/>
           </p:cNvSpPr>
@@ -1031,7 +1033,7 @@
       </p:sp>
       <p:sp>
         <p:nvSpPr>
-          <p:cNvPr id="159" name="Google Shape;159;g2dd0a008ffc_1_0:notes"/>
+          <p:cNvPr id="160" name="Google Shape;160;g2dd0a008ffc_1_0:notes"/>
           <p:cNvSpPr txBox="1">
             <a:spLocks noGrp="1"/>
           </p:cNvSpPr>
@@ -1088,7 +1090,7 @@
   <p:cSld>
     <p:spTree>
       <p:nvGrpSpPr>
-        <p:cNvPr id="1" name="Shape 166"/>
+        <p:cNvPr id="1" name="Shape 170"/>
         <p:cNvGrpSpPr/>
         <p:nvPr/>
       </p:nvGrpSpPr>
@@ -1102,7 +1104,7 @@
       </p:grpSpPr>
       <p:sp>
         <p:nvSpPr>
-          <p:cNvPr id="167" name="Google Shape;167;g2e3b457214a_0_41:notes"/>
+          <p:cNvPr id="171" name="Google Shape;171;g2e3b457214a_0_41:notes"/>
           <p:cNvSpPr>
             <a:spLocks noGrp="1" noRot="1" noChangeAspect="1"/>
           </p:cNvSpPr>
@@ -1153,7 +1155,7 @@
       </p:sp>
       <p:sp>
         <p:nvSpPr>
-          <p:cNvPr id="168" name="Google Shape;168;g2e3b457214a_0_41:notes"/>
+          <p:cNvPr id="172" name="Google Shape;172;g2e3b457214a_0_41:notes"/>
           <p:cNvSpPr txBox="1">
             <a:spLocks noGrp="1"/>
           </p:cNvSpPr>
@@ -1210,7 +1212,7 @@
   <p:cSld>
     <p:spTree>
       <p:nvGrpSpPr>
-        <p:cNvPr id="1" name="Shape 176"/>
+        <p:cNvPr id="1" name="Shape 180"/>
         <p:cNvGrpSpPr/>
         <p:nvPr/>
       </p:nvGrpSpPr>
@@ -1224,7 +1226,251 @@
       </p:grpSpPr>
       <p:sp>
         <p:nvSpPr>
-          <p:cNvPr id="177" name="Google Shape;177;g2f03ac7ac9f_0_5:notes"/>
+          <p:cNvPr id="181" name="Google Shape;181;g2e3c69944a1_0_0:notes"/>
+          <p:cNvSpPr>
+            <a:spLocks noGrp="1" noRot="1" noChangeAspect="1"/>
+          </p:cNvSpPr>
+          <p:nvPr>
+            <p:ph type="sldImg" idx="2"/>
+          </p:nvPr>
+        </p:nvSpPr>
+        <p:spPr>
+          <a:xfrm>
+            <a:off x="381000" y="685800"/>
+            <a:ext cx="6096000" cy="3429000"/>
+          </a:xfrm>
+          <a:custGeom>
+            <a:avLst/>
+            <a:gdLst/>
+            <a:ahLst/>
+            <a:cxnLst/>
+            <a:rect l="l" t="t" r="r" b="b"/>
+            <a:pathLst>
+              <a:path w="120000" h="120000" extrusionOk="0">
+                <a:moveTo>
+                  <a:pt x="0" y="0"/>
+                </a:moveTo>
+                <a:lnTo>
+                  <a:pt x="120000" y="0"/>
+                </a:lnTo>
+                <a:lnTo>
+                  <a:pt x="120000" y="120000"/>
+                </a:lnTo>
+                <a:lnTo>
+                  <a:pt x="0" y="120000"/>
+                </a:lnTo>
+                <a:close/>
+              </a:path>
+            </a:pathLst>
+          </a:custGeom>
+          <a:noFill/>
+          <a:ln w="9525" cap="flat" cmpd="sng">
+            <a:solidFill>
+              <a:srgbClr val="000000"/>
+            </a:solidFill>
+            <a:prstDash val="solid"/>
+            <a:round/>
+            <a:headEnd type="none" w="sm" len="sm"/>
+            <a:tailEnd type="none" w="sm" len="sm"/>
+          </a:ln>
+        </p:spPr>
+      </p:sp>
+      <p:sp>
+        <p:nvSpPr>
+          <p:cNvPr id="182" name="Google Shape;182;g2e3c69944a1_0_0:notes"/>
+          <p:cNvSpPr txBox="1">
+            <a:spLocks noGrp="1"/>
+          </p:cNvSpPr>
+          <p:nvPr>
+            <p:ph type="body" idx="1"/>
+          </p:nvPr>
+        </p:nvSpPr>
+        <p:spPr>
+          <a:xfrm>
+            <a:off x="685800" y="4343400"/>
+            <a:ext cx="5486400" cy="4114800"/>
+          </a:xfrm>
+          <a:prstGeom prst="rect">
+            <a:avLst/>
+          </a:prstGeom>
+          <a:noFill/>
+          <a:ln>
+            <a:noFill/>
+          </a:ln>
+        </p:spPr>
+        <p:txBody>
+          <a:bodyPr spcFirstLastPara="1" wrap="square" lIns="91425" tIns="91425" rIns="91425" bIns="91425" anchor="t" anchorCtr="0">
+            <a:noAutofit/>
+          </a:bodyPr>
+          <a:lstStyle/>
+          <a:p>
+            <a:pPr marL="0" lvl="0" indent="0" algn="l" rtl="0">
+              <a:lnSpc>
+                <a:spcPct val="100000"/>
+              </a:lnSpc>
+              <a:spcBef>
+                <a:spcPts val="0"/>
+              </a:spcBef>
+              <a:spcAft>
+                <a:spcPts val="0"/>
+              </a:spcAft>
+              <a:buSzPts val="1100"/>
+              <a:buNone/>
+            </a:pPr>
+            <a:endParaRPr/>
+          </a:p>
+        </p:txBody>
+      </p:sp>
+    </p:spTree>
+  </p:cSld>
+  <p:clrMapOvr>
+    <a:masterClrMapping/>
+  </p:clrMapOvr>
+</p:notes>
+</file>
+
+<file path=ppt/notesSlides/notesSlide13.xml><?xml version="1.0" encoding="utf-8"?>
+<p:notes xmlns:a="http://schemas.openxmlformats.org/drawingml/2006/main" xmlns:r="http://schemas.openxmlformats.org/officeDocument/2006/relationships" xmlns:p="http://schemas.openxmlformats.org/presentationml/2006/main" showMasterSp="0" showMasterPhAnim="0">
+  <p:cSld>
+    <p:spTree>
+      <p:nvGrpSpPr>
+        <p:cNvPr id="1" name="Shape 190"/>
+        <p:cNvGrpSpPr/>
+        <p:nvPr/>
+      </p:nvGrpSpPr>
+      <p:grpSpPr>
+        <a:xfrm>
+          <a:off x="0" y="0"/>
+          <a:ext cx="0" cy="0"/>
+          <a:chOff x="0" y="0"/>
+          <a:chExt cx="0" cy="0"/>
+        </a:xfrm>
+      </p:grpSpPr>
+      <p:sp>
+        <p:nvSpPr>
+          <p:cNvPr id="191" name="Google Shape;191;g2e3cbcb3af6_1_9:notes"/>
+          <p:cNvSpPr>
+            <a:spLocks noGrp="1" noRot="1" noChangeAspect="1"/>
+          </p:cNvSpPr>
+          <p:nvPr>
+            <p:ph type="sldImg" idx="2"/>
+          </p:nvPr>
+        </p:nvSpPr>
+        <p:spPr>
+          <a:xfrm>
+            <a:off x="381000" y="685800"/>
+            <a:ext cx="6096000" cy="3429000"/>
+          </a:xfrm>
+          <a:custGeom>
+            <a:avLst/>
+            <a:gdLst/>
+            <a:ahLst/>
+            <a:cxnLst/>
+            <a:rect l="l" t="t" r="r" b="b"/>
+            <a:pathLst>
+              <a:path w="120000" h="120000" extrusionOk="0">
+                <a:moveTo>
+                  <a:pt x="0" y="0"/>
+                </a:moveTo>
+                <a:lnTo>
+                  <a:pt x="120000" y="0"/>
+                </a:lnTo>
+                <a:lnTo>
+                  <a:pt x="120000" y="120000"/>
+                </a:lnTo>
+                <a:lnTo>
+                  <a:pt x="0" y="120000"/>
+                </a:lnTo>
+                <a:close/>
+              </a:path>
+            </a:pathLst>
+          </a:custGeom>
+          <a:noFill/>
+          <a:ln w="9525" cap="flat" cmpd="sng">
+            <a:solidFill>
+              <a:srgbClr val="000000"/>
+            </a:solidFill>
+            <a:prstDash val="solid"/>
+            <a:round/>
+            <a:headEnd type="none" w="sm" len="sm"/>
+            <a:tailEnd type="none" w="sm" len="sm"/>
+          </a:ln>
+        </p:spPr>
+      </p:sp>
+      <p:sp>
+        <p:nvSpPr>
+          <p:cNvPr id="192" name="Google Shape;192;g2e3cbcb3af6_1_9:notes"/>
+          <p:cNvSpPr txBox="1">
+            <a:spLocks noGrp="1"/>
+          </p:cNvSpPr>
+          <p:nvPr>
+            <p:ph type="body" idx="1"/>
+          </p:nvPr>
+        </p:nvSpPr>
+        <p:spPr>
+          <a:xfrm>
+            <a:off x="685800" y="4343400"/>
+            <a:ext cx="5486400" cy="4114800"/>
+          </a:xfrm>
+          <a:prstGeom prst="rect">
+            <a:avLst/>
+          </a:prstGeom>
+          <a:noFill/>
+          <a:ln>
+            <a:noFill/>
+          </a:ln>
+        </p:spPr>
+        <p:txBody>
+          <a:bodyPr spcFirstLastPara="1" wrap="square" lIns="91425" tIns="91425" rIns="91425" bIns="91425" anchor="t" anchorCtr="0">
+            <a:noAutofit/>
+          </a:bodyPr>
+          <a:lstStyle/>
+          <a:p>
+            <a:pPr marL="0" lvl="0" indent="0" algn="l" rtl="0">
+              <a:lnSpc>
+                <a:spcPct val="100000"/>
+              </a:lnSpc>
+              <a:spcBef>
+                <a:spcPts val="0"/>
+              </a:spcBef>
+              <a:spcAft>
+                <a:spcPts val="0"/>
+              </a:spcAft>
+              <a:buSzPts val="1100"/>
+              <a:buNone/>
+            </a:pPr>
+            <a:endParaRPr/>
+          </a:p>
+        </p:txBody>
+      </p:sp>
+    </p:spTree>
+  </p:cSld>
+  <p:clrMapOvr>
+    <a:masterClrMapping/>
+  </p:clrMapOvr>
+</p:notes>
+</file>
+
+<file path=ppt/notesSlides/notesSlide14.xml><?xml version="1.0" encoding="utf-8"?>
+<p:notes xmlns:a="http://schemas.openxmlformats.org/drawingml/2006/main" xmlns:r="http://schemas.openxmlformats.org/officeDocument/2006/relationships" xmlns:p="http://schemas.openxmlformats.org/presentationml/2006/main" showMasterSp="0" showMasterPhAnim="0">
+  <p:cSld>
+    <p:spTree>
+      <p:nvGrpSpPr>
+        <p:cNvPr id="1" name="Shape 198"/>
+        <p:cNvGrpSpPr/>
+        <p:nvPr/>
+      </p:nvGrpSpPr>
+      <p:grpSpPr>
+        <a:xfrm>
+          <a:off x="0" y="0"/>
+          <a:ext cx="0" cy="0"/>
+          <a:chOff x="0" y="0"/>
+          <a:chExt cx="0" cy="0"/>
+        </a:xfrm>
+      </p:grpSpPr>
+      <p:sp>
+        <p:nvSpPr>
+          <p:cNvPr id="199" name="Google Shape;199;g2f03ac7ac9f_0_5:notes"/>
           <p:cNvSpPr>
             <a:spLocks noGrp="1" noRot="1" noChangeAspect="1"/>
           </p:cNvSpPr>
@@ -1275,7 +1521,7 @@
       </p:sp>
       <p:sp>
         <p:nvSpPr>
-          <p:cNvPr id="178" name="Google Shape;178;g2f03ac7ac9f_0_5:notes"/>
+          <p:cNvPr id="200" name="Google Shape;200;g2f03ac7ac9f_0_5:notes"/>
           <p:cNvSpPr txBox="1">
             <a:spLocks noGrp="1"/>
           </p:cNvSpPr>
@@ -1327,12 +1573,12 @@
 </p:notes>
 </file>
 
-<file path=ppt/notesSlides/notesSlide13.xml><?xml version="1.0" encoding="utf-8"?>
+<file path=ppt/notesSlides/notesSlide15.xml><?xml version="1.0" encoding="utf-8"?>
 <p:notes xmlns:a="http://schemas.openxmlformats.org/drawingml/2006/main" xmlns:r="http://schemas.openxmlformats.org/officeDocument/2006/relationships" xmlns:p="http://schemas.openxmlformats.org/presentationml/2006/main" showMasterSp="0" showMasterPhAnim="0">
   <p:cSld>
     <p:spTree>
       <p:nvGrpSpPr>
-        <p:cNvPr id="1" name="Shape 235"/>
+        <p:cNvPr id="1" name="Shape 257"/>
         <p:cNvGrpSpPr/>
         <p:nvPr/>
       </p:nvGrpSpPr>
@@ -1346,7 +1592,7 @@
       </p:grpSpPr>
       <p:sp>
         <p:nvSpPr>
-          <p:cNvPr id="236" name="Google Shape;236;g2dcea13964c_1_9:notes"/>
+          <p:cNvPr id="258" name="Google Shape;258;g2dcea13964c_1_9:notes"/>
           <p:cNvSpPr>
             <a:spLocks noGrp="1" noRot="1" noChangeAspect="1"/>
           </p:cNvSpPr>
@@ -1397,7 +1643,7 @@
       </p:sp>
       <p:sp>
         <p:nvSpPr>
-          <p:cNvPr id="237" name="Google Shape;237;g2dcea13964c_1_9:notes"/>
+          <p:cNvPr id="259" name="Google Shape;259;g2dcea13964c_1_9:notes"/>
           <p:cNvSpPr txBox="1">
             <a:spLocks noGrp="1"/>
           </p:cNvSpPr>
@@ -1449,12 +1695,12 @@
 </p:notes>
 </file>
 
-<file path=ppt/notesSlides/notesSlide14.xml><?xml version="1.0" encoding="utf-8"?>
+<file path=ppt/notesSlides/notesSlide16.xml><?xml version="1.0" encoding="utf-8"?>
 <p:notes xmlns:a="http://schemas.openxmlformats.org/drawingml/2006/main" xmlns:r="http://schemas.openxmlformats.org/officeDocument/2006/relationships" xmlns:p="http://schemas.openxmlformats.org/presentationml/2006/main" showMasterSp="0" showMasterPhAnim="0">
   <p:cSld>
     <p:spTree>
       <p:nvGrpSpPr>
-        <p:cNvPr id="1" name="Shape 242"/>
+        <p:cNvPr id="1" name="Shape 264"/>
         <p:cNvGrpSpPr/>
         <p:nvPr/>
       </p:nvGrpSpPr>
@@ -1468,7 +1714,7 @@
       </p:grpSpPr>
       <p:sp>
         <p:nvSpPr>
-          <p:cNvPr id="243" name="Google Shape;243;g33b7881e569_2_0:notes"/>
+          <p:cNvPr id="265" name="Google Shape;265;g33b7881e569_2_0:notes"/>
           <p:cNvSpPr>
             <a:spLocks noGrp="1" noRot="1" noChangeAspect="1"/>
           </p:cNvSpPr>
@@ -1519,7 +1765,7 @@
       </p:sp>
       <p:sp>
         <p:nvSpPr>
-          <p:cNvPr id="244" name="Google Shape;244;g33b7881e569_2_0:notes"/>
+          <p:cNvPr id="266" name="Google Shape;266;g33b7881e569_2_0:notes"/>
           <p:cNvSpPr txBox="1">
             <a:spLocks noGrp="1"/>
           </p:cNvSpPr>
@@ -1571,12 +1817,12 @@
 </p:notes>
 </file>
 
-<file path=ppt/notesSlides/notesSlide15.xml><?xml version="1.0" encoding="utf-8"?>
+<file path=ppt/notesSlides/notesSlide17.xml><?xml version="1.0" encoding="utf-8"?>
 <p:notes xmlns:a="http://schemas.openxmlformats.org/drawingml/2006/main" xmlns:r="http://schemas.openxmlformats.org/officeDocument/2006/relationships" xmlns:p="http://schemas.openxmlformats.org/presentationml/2006/main" showMasterSp="0" showMasterPhAnim="0">
   <p:cSld>
     <p:spTree>
       <p:nvGrpSpPr>
-        <p:cNvPr id="1" name="Shape 250"/>
+        <p:cNvPr id="1" name="Shape 275"/>
         <p:cNvGrpSpPr/>
         <p:nvPr/>
       </p:nvGrpSpPr>
@@ -1590,7 +1836,7 @@
       </p:grpSpPr>
       <p:sp>
         <p:nvSpPr>
-          <p:cNvPr id="251" name="Google Shape;251;g33bf17572e6_0_0:notes"/>
+          <p:cNvPr id="276" name="Google Shape;276;g33bf17572e6_0_0:notes"/>
           <p:cNvSpPr>
             <a:spLocks noGrp="1" noRot="1" noChangeAspect="1"/>
           </p:cNvSpPr>
@@ -1641,7 +1887,7 @@
       </p:sp>
       <p:sp>
         <p:nvSpPr>
-          <p:cNvPr id="252" name="Google Shape;252;g33bf17572e6_0_0:notes"/>
+          <p:cNvPr id="277" name="Google Shape;277;g33bf17572e6_0_0:notes"/>
           <p:cNvSpPr txBox="1">
             <a:spLocks noGrp="1"/>
           </p:cNvSpPr>
@@ -1693,12 +1939,12 @@
 </p:notes>
 </file>
 
-<file path=ppt/notesSlides/notesSlide16.xml><?xml version="1.0" encoding="utf-8"?>
+<file path=ppt/notesSlides/notesSlide18.xml><?xml version="1.0" encoding="utf-8"?>
 <p:notes xmlns:a="http://schemas.openxmlformats.org/drawingml/2006/main" xmlns:r="http://schemas.openxmlformats.org/officeDocument/2006/relationships" xmlns:p="http://schemas.openxmlformats.org/presentationml/2006/main" showMasterSp="0" showMasterPhAnim="0">
   <p:cSld>
     <p:spTree>
       <p:nvGrpSpPr>
-        <p:cNvPr id="1" name="Shape 259"/>
+        <p:cNvPr id="1" name="Shape 284"/>
         <p:cNvGrpSpPr/>
         <p:nvPr/>
       </p:nvGrpSpPr>
@@ -1712,7 +1958,7 @@
       </p:grpSpPr>
       <p:sp>
         <p:nvSpPr>
-          <p:cNvPr id="260" name="Google Shape;260;p22:notes"/>
+          <p:cNvPr id="285" name="Google Shape;285;p22:notes"/>
           <p:cNvSpPr>
             <a:spLocks noGrp="1" noRot="1" noChangeAspect="1"/>
           </p:cNvSpPr>
@@ -1763,7 +2009,7 @@
       </p:sp>
       <p:sp>
         <p:nvSpPr>
-          <p:cNvPr id="261" name="Google Shape;261;p22:notes"/>
+          <p:cNvPr id="286" name="Google Shape;286;p22:notes"/>
           <p:cNvSpPr txBox="1">
             <a:spLocks noGrp="1"/>
           </p:cNvSpPr>
@@ -1815,12 +2061,12 @@
 </p:notes>
 </file>
 
-<file path=ppt/notesSlides/notesSlide17.xml><?xml version="1.0" encoding="utf-8"?>
+<file path=ppt/notesSlides/notesSlide19.xml><?xml version="1.0" encoding="utf-8"?>
 <p:notes xmlns:a="http://schemas.openxmlformats.org/drawingml/2006/main" xmlns:r="http://schemas.openxmlformats.org/officeDocument/2006/relationships" xmlns:p="http://schemas.openxmlformats.org/presentationml/2006/main" showMasterSp="0" showMasterPhAnim="0">
   <p:cSld>
     <p:spTree>
       <p:nvGrpSpPr>
-        <p:cNvPr id="1" name="Shape 269"/>
+        <p:cNvPr id="1" name="Shape 294"/>
         <p:cNvGrpSpPr/>
         <p:nvPr/>
       </p:nvGrpSpPr>
@@ -1834,7 +2080,7 @@
       </p:grpSpPr>
       <p:sp>
         <p:nvSpPr>
-          <p:cNvPr id="270" name="Google Shape;270;p23:notes"/>
+          <p:cNvPr id="295" name="Google Shape;295;p23:notes"/>
           <p:cNvSpPr>
             <a:spLocks noGrp="1" noRot="1" noChangeAspect="1"/>
           </p:cNvSpPr>
@@ -1885,7 +2131,7 @@
       </p:sp>
       <p:sp>
         <p:nvSpPr>
-          <p:cNvPr id="271" name="Google Shape;271;p23:notes"/>
+          <p:cNvPr id="296" name="Google Shape;296;p23:notes"/>
           <p:cNvSpPr txBox="1">
             <a:spLocks noGrp="1"/>
           </p:cNvSpPr>
@@ -2796,7 +3042,7 @@
   <p:cSld>
     <p:spTree>
       <p:nvGrpSpPr>
-        <p:cNvPr id="1" name="Shape 148"/>
+        <p:cNvPr id="1" name="Shape 149"/>
         <p:cNvGrpSpPr/>
         <p:nvPr/>
       </p:nvGrpSpPr>
@@ -2810,7 +3056,7 @@
       </p:grpSpPr>
       <p:sp>
         <p:nvSpPr>
-          <p:cNvPr id="149" name="Google Shape;149;g2e3b457214a_0_12:notes"/>
+          <p:cNvPr id="150" name="Google Shape;150;g2e3b457214a_0_12:notes"/>
           <p:cNvSpPr>
             <a:spLocks noGrp="1" noRot="1" noChangeAspect="1"/>
           </p:cNvSpPr>
@@ -2861,7 +3107,7 @@
       </p:sp>
       <p:sp>
         <p:nvSpPr>
-          <p:cNvPr id="150" name="Google Shape;150;g2e3b457214a_0_12:notes"/>
+          <p:cNvPr id="151" name="Google Shape;151;g2e3b457214a_0_12:notes"/>
           <p:cNvSpPr txBox="1">
             <a:spLocks noGrp="1"/>
           </p:cNvSpPr>
@@ -12440,7 +12686,7 @@
         </p:nvSpPr>
         <p:spPr>
           <a:xfrm>
-            <a:off x="3184500" y="159462"/>
+            <a:off x="1398325" y="85037"/>
             <a:ext cx="2775000" cy="880500"/>
           </a:xfrm>
           <a:prstGeom prst="rect">
@@ -13119,8 +13365,8 @@
         </p:nvSpPr>
         <p:spPr>
           <a:xfrm>
-            <a:off x="4606752" y="1102460"/>
-            <a:ext cx="4420200" cy="2493600"/>
+            <a:off x="4606752" y="569060"/>
+            <a:ext cx="4420200" cy="3186300"/>
           </a:xfrm>
           <a:prstGeom prst="rect">
             <a:avLst/>
@@ -13427,7 +13673,7 @@
                 <a:cs typeface="Calibri"/>
                 <a:sym typeface="Calibri"/>
               </a:rPr>
-              <a:t>Turing Award for RL to A. Barto and R. Sutton</a:t>
+              <a:t>Sutton and Barto win the Turing Award for RL</a:t>
             </a:r>
             <a:endParaRPr sz="1500" b="1">
               <a:solidFill>
@@ -13465,6 +13711,117 @@
                 <a:sym typeface="Calibri"/>
               </a:rPr>
               <a:t>China Fantastic Four</a:t>
+            </a:r>
+            <a:endParaRPr sz="1500" b="1">
+              <a:solidFill>
+                <a:srgbClr val="3C78D8"/>
+              </a:solidFill>
+              <a:latin typeface="Calibri"/>
+              <a:ea typeface="Calibri"/>
+              <a:cs typeface="Calibri"/>
+              <a:sym typeface="Calibri"/>
+            </a:endParaRPr>
+          </a:p>
+          <a:p>
+            <a:pPr marL="228600" lvl="0" indent="-209550" algn="l" rtl="0">
+              <a:spcBef>
+                <a:spcPts val="0"/>
+              </a:spcBef>
+              <a:spcAft>
+                <a:spcPts val="0"/>
+              </a:spcAft>
+              <a:buClr>
+                <a:srgbClr val="3C78D8"/>
+              </a:buClr>
+              <a:buSzPts val="1500"/>
+              <a:buFont typeface="Calibri"/>
+              <a:buChar char="●"/>
+            </a:pPr>
+            <a:r>
+              <a:rPr lang="en" sz="1500" b="1">
+                <a:solidFill>
+                  <a:srgbClr val="3C78D8"/>
+                </a:solidFill>
+                <a:latin typeface="Calibri"/>
+                <a:ea typeface="Calibri"/>
+                <a:cs typeface="Calibri"/>
+                <a:sym typeface="Calibri"/>
+              </a:rPr>
+              <a:t>Larry Page Dynatomics - AI designs</a:t>
+            </a:r>
+            <a:endParaRPr sz="1500" b="1">
+              <a:solidFill>
+                <a:srgbClr val="3C78D8"/>
+              </a:solidFill>
+              <a:latin typeface="Calibri"/>
+              <a:ea typeface="Calibri"/>
+              <a:cs typeface="Calibri"/>
+              <a:sym typeface="Calibri"/>
+            </a:endParaRPr>
+          </a:p>
+          <a:p>
+            <a:pPr marL="228600" lvl="0" indent="-209550" algn="l" rtl="0">
+              <a:spcBef>
+                <a:spcPts val="0"/>
+              </a:spcBef>
+              <a:spcAft>
+                <a:spcPts val="0"/>
+              </a:spcAft>
+              <a:buClr>
+                <a:srgbClr val="3C78D8"/>
+              </a:buClr>
+              <a:buSzPts val="1500"/>
+              <a:buFont typeface="Calibri"/>
+              <a:buChar char="●"/>
+            </a:pPr>
+            <a:r>
+              <a:rPr lang="en" sz="1500" b="1">
+                <a:solidFill>
+                  <a:srgbClr val="3C78D8"/>
+                </a:solidFill>
+                <a:latin typeface="Calibri"/>
+                <a:ea typeface="Calibri"/>
+                <a:cs typeface="Calibri"/>
+                <a:sym typeface="Calibri"/>
+              </a:rPr>
+              <a:t>Mistral OCR</a:t>
+            </a:r>
+            <a:endParaRPr sz="1500" b="1">
+              <a:solidFill>
+                <a:srgbClr val="3C78D8"/>
+              </a:solidFill>
+              <a:latin typeface="Calibri"/>
+              <a:ea typeface="Calibri"/>
+              <a:cs typeface="Calibri"/>
+              <a:sym typeface="Calibri"/>
+            </a:endParaRPr>
+          </a:p>
+          <a:p>
+            <a:pPr marL="228600" lvl="0" indent="-209550" algn="l" rtl="0">
+              <a:spcBef>
+                <a:spcPts val="0"/>
+              </a:spcBef>
+              <a:spcAft>
+                <a:spcPts val="0"/>
+              </a:spcAft>
+              <a:buClr>
+                <a:srgbClr val="3C78D8"/>
+              </a:buClr>
+              <a:buSzPts val="1500"/>
+              <a:buFont typeface="Calibri"/>
+              <a:buChar char="●"/>
+            </a:pPr>
+            <a:r>
+              <a:rPr lang="en" sz="1500" b="1">
+                <a:solidFill>
+                  <a:srgbClr val="3C78D8"/>
+                </a:solidFill>
+                <a:latin typeface="Calibri"/>
+                <a:ea typeface="Calibri"/>
+                <a:cs typeface="Calibri"/>
+                <a:sym typeface="Calibri"/>
+              </a:rPr>
+              <a:t>Manus AI Assistant</a:t>
             </a:r>
             <a:endParaRPr sz="1500" b="1">
               <a:solidFill>
@@ -13491,7 +13848,7 @@
   <p:cSld>
     <p:spTree>
       <p:nvGrpSpPr>
-        <p:cNvPr id="1" name="Shape 160"/>
+        <p:cNvPr id="1" name="Shape 161"/>
         <p:cNvGrpSpPr/>
         <p:nvPr/>
       </p:nvGrpSpPr>
@@ -13505,14 +13862,14 @@
       </p:grpSpPr>
       <p:sp>
         <p:nvSpPr>
-          <p:cNvPr id="161" name="Google Shape;161;p24"/>
+          <p:cNvPr id="162" name="Google Shape;162;p24"/>
           <p:cNvSpPr txBox="1"/>
           <p:nvPr/>
         </p:nvSpPr>
         <p:spPr>
           <a:xfrm>
             <a:off x="55075" y="52750"/>
-            <a:ext cx="7252800" cy="326400"/>
+            <a:ext cx="4970700" cy="326400"/>
           </a:xfrm>
           <a:prstGeom prst="rect">
             <a:avLst/>
@@ -13552,7 +13909,7 @@
                 <a:cs typeface="Calibri"/>
                 <a:sym typeface="Calibri"/>
               </a:rPr>
-              <a:t>Pioneers of Reinforcement Learning Win the Turing Award</a:t>
+              <a:t>Sutton and Barto win the Turing Award for RL</a:t>
             </a:r>
             <a:endParaRPr sz="2000" b="1">
               <a:solidFill>
@@ -13568,7 +13925,7 @@
       </p:sp>
       <p:sp>
         <p:nvSpPr>
-          <p:cNvPr id="162" name="Google Shape;162;p24"/>
+          <p:cNvPr id="163" name="Google Shape;163;p24"/>
           <p:cNvSpPr txBox="1"/>
           <p:nvPr/>
         </p:nvSpPr>
@@ -13724,7 +14081,7 @@
       </p:sp>
       <p:pic>
         <p:nvPicPr>
-          <p:cNvPr id="163" name="Google Shape;163;p24"/>
+          <p:cNvPr id="164" name="Google Shape;164;p24"/>
           <p:cNvPicPr preferRelativeResize="0"/>
           <p:nvPr/>
         </p:nvPicPr>
@@ -13743,8 +14100,8 @@
         </p:blipFill>
         <p:spPr>
           <a:xfrm>
-            <a:off x="110500" y="1392438"/>
-            <a:ext cx="2923552" cy="2169475"/>
+            <a:off x="110500" y="1347650"/>
+            <a:ext cx="1821249" cy="1351483"/>
           </a:xfrm>
           <a:prstGeom prst="rect">
             <a:avLst/>
@@ -13763,7 +14120,7 @@
       </p:pic>
       <p:pic>
         <p:nvPicPr>
-          <p:cNvPr id="164" name="Google Shape;164;p24"/>
+          <p:cNvPr id="165" name="Google Shape;165;p24"/>
           <p:cNvPicPr preferRelativeResize="0"/>
           <p:nvPr/>
         </p:nvPicPr>
@@ -13782,8 +14139,8 @@
         </p:blipFill>
         <p:spPr>
           <a:xfrm>
-            <a:off x="3124625" y="1392450"/>
-            <a:ext cx="1658189" cy="2169450"/>
+            <a:off x="3405601" y="1392450"/>
+            <a:ext cx="1418800" cy="1856250"/>
           </a:xfrm>
           <a:prstGeom prst="rect">
             <a:avLst/>
@@ -13802,13 +14159,13 @@
       </p:pic>
       <p:sp>
         <p:nvSpPr>
-          <p:cNvPr id="165" name="Google Shape;165;p24"/>
+          <p:cNvPr id="166" name="Google Shape;166;p24"/>
           <p:cNvSpPr txBox="1"/>
           <p:nvPr/>
         </p:nvSpPr>
         <p:spPr>
           <a:xfrm>
-            <a:off x="4940675" y="476450"/>
+            <a:off x="4939400" y="259950"/>
             <a:ext cx="4092000" cy="4082100"/>
           </a:xfrm>
           <a:prstGeom prst="rect">
@@ -14277,6 +14634,164 @@
           </a:p>
         </p:txBody>
       </p:sp>
+      <p:pic>
+        <p:nvPicPr>
+          <p:cNvPr id="167" name="Google Shape;167;p24"/>
+          <p:cNvPicPr preferRelativeResize="0"/>
+          <p:nvPr/>
+        </p:nvPicPr>
+        <p:blipFill>
+          <a:blip r:embed="rId5" cstate="email">
+            <a:alphaModFix/>
+            <a:extLst>
+              <a:ext uri="{28A0092B-C50C-407E-A947-70E740481C1C}">
+                <a14:useLocalDpi xmlns:a14="http://schemas.microsoft.com/office/drawing/2010/main"/>
+              </a:ext>
+            </a:extLst>
+          </a:blip>
+          <a:stretch>
+            <a:fillRect/>
+          </a:stretch>
+        </p:blipFill>
+        <p:spPr>
+          <a:xfrm>
+            <a:off x="110500" y="2795225"/>
+            <a:ext cx="1821250" cy="2269275"/>
+          </a:xfrm>
+          <a:prstGeom prst="rect">
+            <a:avLst/>
+          </a:prstGeom>
+          <a:noFill/>
+          <a:ln>
+            <a:noFill/>
+          </a:ln>
+        </p:spPr>
+      </p:pic>
+      <p:sp>
+        <p:nvSpPr>
+          <p:cNvPr id="168" name="Google Shape;168;p24"/>
+          <p:cNvSpPr txBox="1"/>
+          <p:nvPr/>
+        </p:nvSpPr>
+        <p:spPr>
+          <a:xfrm>
+            <a:off x="4763100" y="4676600"/>
+            <a:ext cx="3046800" cy="387900"/>
+          </a:xfrm>
+          <a:prstGeom prst="rect">
+            <a:avLst/>
+          </a:prstGeom>
+          <a:solidFill>
+            <a:srgbClr val="FFF2CC"/>
+          </a:solidFill>
+          <a:ln w="9525" cap="flat" cmpd="sng">
+            <a:solidFill>
+              <a:srgbClr val="FF0000"/>
+            </a:solidFill>
+            <a:prstDash val="solid"/>
+            <a:round/>
+            <a:headEnd type="none" w="sm" len="sm"/>
+            <a:tailEnd type="none" w="sm" len="sm"/>
+          </a:ln>
+        </p:spPr>
+        <p:txBody>
+          <a:bodyPr spcFirstLastPara="1" wrap="square" lIns="9125" tIns="9125" rIns="9125" bIns="9125" anchor="t" anchorCtr="0">
+            <a:spAutoFit/>
+          </a:bodyPr>
+          <a:lstStyle/>
+          <a:p>
+            <a:pPr marL="0" lvl="0" indent="0" algn="l" rtl="0">
+              <a:spcBef>
+                <a:spcPts val="0"/>
+              </a:spcBef>
+              <a:spcAft>
+                <a:spcPts val="0"/>
+              </a:spcAft>
+              <a:buNone/>
+            </a:pPr>
+            <a:r>
+              <a:rPr lang="en" sz="1200">
+                <a:latin typeface="Calibri"/>
+                <a:ea typeface="Calibri"/>
+                <a:cs typeface="Calibri"/>
+                <a:sym typeface="Calibri"/>
+              </a:rPr>
+              <a:t>Positive reinforcement "good puppy" training:</a:t>
+            </a:r>
+            <a:endParaRPr sz="1200">
+              <a:latin typeface="Calibri"/>
+              <a:ea typeface="Calibri"/>
+              <a:cs typeface="Calibri"/>
+              <a:sym typeface="Calibri"/>
+            </a:endParaRPr>
+          </a:p>
+          <a:p>
+            <a:pPr marL="0" lvl="0" indent="0" algn="l" rtl="0">
+              <a:spcBef>
+                <a:spcPts val="0"/>
+              </a:spcBef>
+              <a:spcAft>
+                <a:spcPts val="0"/>
+              </a:spcAft>
+              <a:buNone/>
+            </a:pPr>
+            <a:r>
+              <a:rPr lang="en" sz="1200">
+                <a:latin typeface="Calibri"/>
+                <a:ea typeface="Calibri"/>
+                <a:cs typeface="Calibri"/>
+                <a:sym typeface="Calibri"/>
+              </a:rPr>
+              <a:t>rewarding desired behaviors</a:t>
+            </a:r>
+            <a:endParaRPr sz="1200">
+              <a:latin typeface="Calibri"/>
+              <a:ea typeface="Calibri"/>
+              <a:cs typeface="Calibri"/>
+              <a:sym typeface="Calibri"/>
+            </a:endParaRPr>
+          </a:p>
+        </p:txBody>
+      </p:sp>
+      <p:pic>
+        <p:nvPicPr>
+          <p:cNvPr id="169" name="Google Shape;169;p24"/>
+          <p:cNvPicPr preferRelativeResize="0"/>
+          <p:nvPr/>
+        </p:nvPicPr>
+        <p:blipFill>
+          <a:blip r:embed="rId6" cstate="email">
+            <a:alphaModFix/>
+            <a:extLst>
+              <a:ext uri="{28A0092B-C50C-407E-A947-70E740481C1C}">
+                <a14:useLocalDpi xmlns:a14="http://schemas.microsoft.com/office/drawing/2010/main"/>
+              </a:ext>
+            </a:extLst>
+          </a:blip>
+          <a:stretch>
+            <a:fillRect/>
+          </a:stretch>
+        </p:blipFill>
+        <p:spPr>
+          <a:xfrm>
+            <a:off x="3456648" y="3741964"/>
+            <a:ext cx="1257228" cy="1351475"/>
+          </a:xfrm>
+          <a:prstGeom prst="rect">
+            <a:avLst/>
+          </a:prstGeom>
+          <a:noFill/>
+          <a:ln w="9525" cap="flat" cmpd="sng">
+            <a:solidFill>
+              <a:srgbClr val="FF0000"/>
+            </a:solidFill>
+            <a:prstDash val="solid"/>
+            <a:round/>
+            <a:headEnd type="none" w="sm" len="sm"/>
+            <a:tailEnd type="none" w="sm" len="sm"/>
+          </a:ln>
+        </p:spPr>
+      </p:pic>
     </p:spTree>
   </p:cSld>
   <p:clrMapOvr>
@@ -14290,7 +14805,7 @@
   <p:cSld>
     <p:spTree>
       <p:nvGrpSpPr>
-        <p:cNvPr id="1" name="Shape 169"/>
+        <p:cNvPr id="1" name="Shape 173"/>
         <p:cNvGrpSpPr/>
         <p:nvPr/>
       </p:nvGrpSpPr>
@@ -14304,7 +14819,7 @@
       </p:grpSpPr>
       <p:sp>
         <p:nvSpPr>
-          <p:cNvPr id="170" name="Google Shape;170;p25"/>
+          <p:cNvPr id="174" name="Google Shape;174;p25"/>
           <p:cNvSpPr txBox="1"/>
           <p:nvPr/>
         </p:nvSpPr>
@@ -14367,7 +14882,7 @@
       </p:sp>
       <p:sp>
         <p:nvSpPr>
-          <p:cNvPr id="171" name="Google Shape;171;p25"/>
+          <p:cNvPr id="175" name="Google Shape;175;p25"/>
           <p:cNvSpPr txBox="1"/>
           <p:nvPr/>
         </p:nvSpPr>
@@ -14460,7 +14975,7 @@
       </p:sp>
       <p:pic>
         <p:nvPicPr>
-          <p:cNvPr id="172" name="Google Shape;172;p25"/>
+          <p:cNvPr id="176" name="Google Shape;176;p25"/>
           <p:cNvPicPr preferRelativeResize="0"/>
           <p:nvPr/>
         </p:nvPicPr>
@@ -14499,7 +15014,7 @@
       </p:pic>
       <p:pic>
         <p:nvPicPr>
-          <p:cNvPr id="173" name="Google Shape;173;p25"/>
+          <p:cNvPr id="177" name="Google Shape;177;p25"/>
           <p:cNvPicPr preferRelativeResize="0"/>
           <p:nvPr/>
         </p:nvPicPr>
@@ -14538,7 +15053,7 @@
       </p:pic>
       <p:pic>
         <p:nvPicPr>
-          <p:cNvPr id="174" name="Google Shape;174;p25"/>
+          <p:cNvPr id="178" name="Google Shape;178;p25"/>
           <p:cNvPicPr preferRelativeResize="0"/>
           <p:nvPr/>
         </p:nvPicPr>
@@ -14577,7 +15092,7 @@
       </p:pic>
       <p:pic>
         <p:nvPicPr>
-          <p:cNvPr id="175" name="Google Shape;175;p25"/>
+          <p:cNvPr id="179" name="Google Shape;179;p25"/>
           <p:cNvPicPr preferRelativeResize="0"/>
           <p:nvPr/>
         </p:nvPicPr>
@@ -14627,7 +15142,7 @@
   <p:cSld>
     <p:spTree>
       <p:nvGrpSpPr>
-        <p:cNvPr id="1" name="Shape 179"/>
+        <p:cNvPr id="1" name="Shape 183"/>
         <p:cNvGrpSpPr/>
         <p:nvPr/>
       </p:nvGrpSpPr>
@@ -14641,7 +15156,1339 @@
       </p:grpSpPr>
       <p:sp>
         <p:nvSpPr>
-          <p:cNvPr id="180" name="Google Shape;180;p26"/>
+          <p:cNvPr id="184" name="Google Shape;184;p26"/>
+          <p:cNvSpPr txBox="1"/>
+          <p:nvPr/>
+        </p:nvSpPr>
+        <p:spPr>
+          <a:xfrm>
+            <a:off x="55075" y="52750"/>
+            <a:ext cx="3700200" cy="326400"/>
+          </a:xfrm>
+          <a:prstGeom prst="rect">
+            <a:avLst/>
+          </a:prstGeom>
+          <a:noFill/>
+          <a:ln>
+            <a:noFill/>
+          </a:ln>
+        </p:spPr>
+        <p:txBody>
+          <a:bodyPr spcFirstLastPara="1" wrap="square" lIns="9125" tIns="9125" rIns="9125" bIns="9125" anchor="t" anchorCtr="0">
+            <a:spAutoFit/>
+          </a:bodyPr>
+          <a:lstStyle/>
+          <a:p>
+            <a:pPr marL="0" lvl="0" indent="0" algn="l" rtl="0">
+              <a:spcBef>
+                <a:spcPts val="0"/>
+              </a:spcBef>
+              <a:spcAft>
+                <a:spcPts val="0"/>
+              </a:spcAft>
+              <a:buClr>
+                <a:schemeClr val="dk1"/>
+              </a:buClr>
+              <a:buSzPts val="1100"/>
+              <a:buFont typeface="Arial"/>
+              <a:buNone/>
+            </a:pPr>
+            <a:r>
+              <a:rPr lang="en" sz="2000" b="1">
+                <a:solidFill>
+                  <a:schemeClr val="dk1"/>
+                </a:solidFill>
+                <a:latin typeface="Calibri"/>
+                <a:ea typeface="Calibri"/>
+                <a:cs typeface="Calibri"/>
+                <a:sym typeface="Calibri"/>
+              </a:rPr>
+              <a:t>AI Updates 4</a:t>
+            </a:r>
+            <a:endParaRPr sz="2000" b="1">
+              <a:solidFill>
+                <a:schemeClr val="dk1"/>
+              </a:solidFill>
+              <a:latin typeface="Calibri"/>
+              <a:ea typeface="Calibri"/>
+              <a:cs typeface="Calibri"/>
+              <a:sym typeface="Calibri"/>
+            </a:endParaRPr>
+          </a:p>
+        </p:txBody>
+      </p:sp>
+      <p:sp>
+        <p:nvSpPr>
+          <p:cNvPr id="185" name="Google Shape;185;p26"/>
+          <p:cNvSpPr txBox="1"/>
+          <p:nvPr/>
+        </p:nvSpPr>
+        <p:spPr>
+          <a:xfrm>
+            <a:off x="55075" y="518900"/>
+            <a:ext cx="4353300" cy="1696200"/>
+          </a:xfrm>
+          <a:prstGeom prst="rect">
+            <a:avLst/>
+          </a:prstGeom>
+          <a:solidFill>
+            <a:srgbClr val="FFF2CC"/>
+          </a:solidFill>
+          <a:ln w="9525" cap="flat" cmpd="sng">
+            <a:solidFill>
+              <a:srgbClr val="FF0000"/>
+            </a:solidFill>
+            <a:prstDash val="solid"/>
+            <a:round/>
+            <a:headEnd type="none" w="sm" len="sm"/>
+            <a:tailEnd type="none" w="sm" len="sm"/>
+          </a:ln>
+        </p:spPr>
+        <p:txBody>
+          <a:bodyPr spcFirstLastPara="1" wrap="square" lIns="9125" tIns="9125" rIns="9125" bIns="9125" anchor="t" anchorCtr="0">
+            <a:spAutoFit/>
+          </a:bodyPr>
+          <a:lstStyle/>
+          <a:p>
+            <a:pPr marL="0" lvl="0" indent="0" algn="l" rtl="0">
+              <a:spcBef>
+                <a:spcPts val="0"/>
+              </a:spcBef>
+              <a:spcAft>
+                <a:spcPts val="0"/>
+              </a:spcAft>
+              <a:buClr>
+                <a:schemeClr val="dk1"/>
+              </a:buClr>
+              <a:buSzPts val="1100"/>
+              <a:buFont typeface="Arial"/>
+              <a:buNone/>
+            </a:pPr>
+            <a:r>
+              <a:rPr lang="en" sz="1300" b="1">
+                <a:solidFill>
+                  <a:srgbClr val="FF0000"/>
+                </a:solidFill>
+                <a:latin typeface="Calibri"/>
+                <a:ea typeface="Calibri"/>
+                <a:cs typeface="Calibri"/>
+                <a:sym typeface="Calibri"/>
+              </a:rPr>
+              <a:t>Larry Page Dynatomics AI designs</a:t>
+            </a:r>
+            <a:endParaRPr sz="1300" b="1">
+              <a:solidFill>
+                <a:srgbClr val="FF0000"/>
+              </a:solidFill>
+              <a:latin typeface="Calibri"/>
+              <a:ea typeface="Calibri"/>
+              <a:cs typeface="Calibri"/>
+              <a:sym typeface="Calibri"/>
+            </a:endParaRPr>
+          </a:p>
+          <a:p>
+            <a:pPr marL="0" lvl="0" indent="0" algn="l" rtl="0">
+              <a:spcBef>
+                <a:spcPts val="0"/>
+              </a:spcBef>
+              <a:spcAft>
+                <a:spcPts val="0"/>
+              </a:spcAft>
+              <a:buNone/>
+            </a:pPr>
+            <a:r>
+              <a:rPr lang="en" sz="1300">
+                <a:latin typeface="Calibri"/>
+                <a:ea typeface="Calibri"/>
+                <a:cs typeface="Calibri"/>
+                <a:sym typeface="Calibri"/>
+              </a:rPr>
+              <a:t>Google co-founder </a:t>
+            </a:r>
+            <a:r>
+              <a:rPr lang="en" sz="1300" b="1">
+                <a:solidFill>
+                  <a:srgbClr val="FF0000"/>
+                </a:solidFill>
+                <a:latin typeface="Calibri"/>
+                <a:ea typeface="Calibri"/>
+                <a:cs typeface="Calibri"/>
+                <a:sym typeface="Calibri"/>
+              </a:rPr>
+              <a:t>Larry Page</a:t>
+            </a:r>
+            <a:r>
+              <a:rPr lang="en" sz="1300">
+                <a:latin typeface="Calibri"/>
+                <a:ea typeface="Calibri"/>
+                <a:cs typeface="Calibri"/>
+                <a:sym typeface="Calibri"/>
+              </a:rPr>
+              <a:t> is building a new company called Dynatomics - </a:t>
+            </a:r>
+            <a:r>
+              <a:rPr lang="en" sz="1300" u="sng">
+                <a:solidFill>
+                  <a:schemeClr val="hlink"/>
+                </a:solidFill>
+                <a:latin typeface="Calibri"/>
+                <a:ea typeface="Calibri"/>
+                <a:cs typeface="Calibri"/>
+                <a:sym typeface="Calibri"/>
+                <a:hlinkClick r:id="rId3"/>
+              </a:rPr>
+              <a:t>https://dynatomics.com</a:t>
+            </a:r>
+            <a:endParaRPr sz="1300">
+              <a:latin typeface="Calibri"/>
+              <a:ea typeface="Calibri"/>
+              <a:cs typeface="Calibri"/>
+              <a:sym typeface="Calibri"/>
+            </a:endParaRPr>
+          </a:p>
+          <a:p>
+            <a:pPr marL="0" lvl="0" indent="0" algn="l" rtl="0">
+              <a:spcBef>
+                <a:spcPts val="0"/>
+              </a:spcBef>
+              <a:spcAft>
+                <a:spcPts val="0"/>
+              </a:spcAft>
+              <a:buNone/>
+            </a:pPr>
+            <a:r>
+              <a:rPr lang="en" sz="1300">
+                <a:latin typeface="Calibri"/>
+                <a:ea typeface="Calibri"/>
+                <a:cs typeface="Calibri"/>
+                <a:sym typeface="Calibri"/>
+              </a:rPr>
+              <a:t>The goal is to use AI to </a:t>
+            </a:r>
+            <a:r>
+              <a:rPr lang="en" sz="1300">
+                <a:solidFill>
+                  <a:schemeClr val="dk1"/>
+                </a:solidFill>
+                <a:latin typeface="Calibri"/>
+                <a:ea typeface="Calibri"/>
+                <a:cs typeface="Calibri"/>
+                <a:sym typeface="Calibri"/>
+              </a:rPr>
+              <a:t>create “highly optimized” designs for objects and then have a factory build them. The company is run by </a:t>
+            </a:r>
+            <a:r>
+              <a:rPr lang="en" sz="1300" b="1">
+                <a:solidFill>
+                  <a:srgbClr val="FF0000"/>
+                </a:solidFill>
+                <a:latin typeface="Calibri"/>
+                <a:ea typeface="Calibri"/>
+                <a:cs typeface="Calibri"/>
+                <a:sym typeface="Calibri"/>
+              </a:rPr>
+              <a:t>Chris Anderson</a:t>
+            </a:r>
+            <a:r>
+              <a:rPr lang="en" sz="1300">
+                <a:solidFill>
+                  <a:schemeClr val="dk1"/>
+                </a:solidFill>
+                <a:latin typeface="Calibri"/>
+                <a:ea typeface="Calibri"/>
+                <a:cs typeface="Calibri"/>
+                <a:sym typeface="Calibri"/>
+              </a:rPr>
+              <a:t>, previously the CTO of Page-backed electric airplane startup </a:t>
+            </a:r>
+            <a:r>
+              <a:rPr lang="en" sz="1300" b="1">
+                <a:solidFill>
+                  <a:srgbClr val="3C78D8"/>
+                </a:solidFill>
+                <a:latin typeface="Calibri"/>
+                <a:ea typeface="Calibri"/>
+                <a:cs typeface="Calibri"/>
+                <a:sym typeface="Calibri"/>
+              </a:rPr>
+              <a:t>Kittyhawk</a:t>
+            </a:r>
+            <a:r>
+              <a:rPr lang="en" sz="1300">
+                <a:solidFill>
+                  <a:schemeClr val="dk1"/>
+                </a:solidFill>
+                <a:latin typeface="Calibri"/>
+                <a:ea typeface="Calibri"/>
+                <a:cs typeface="Calibri"/>
+                <a:sym typeface="Calibri"/>
+              </a:rPr>
+              <a:t> ( </a:t>
+            </a:r>
+            <a:r>
+              <a:rPr lang="en" sz="1300" u="sng">
+                <a:solidFill>
+                  <a:schemeClr val="hlink"/>
+                </a:solidFill>
+                <a:latin typeface="Calibri"/>
+                <a:ea typeface="Calibri"/>
+                <a:cs typeface="Calibri"/>
+                <a:sym typeface="Calibri"/>
+                <a:hlinkClick r:id="rId4"/>
+              </a:rPr>
+              <a:t>https://www.kittyhawk.aero</a:t>
+            </a:r>
+            <a:r>
+              <a:rPr lang="en" sz="1300">
+                <a:solidFill>
+                  <a:schemeClr val="dk1"/>
+                </a:solidFill>
+                <a:latin typeface="Calibri"/>
+                <a:ea typeface="Calibri"/>
+                <a:cs typeface="Calibri"/>
+                <a:sym typeface="Calibri"/>
+              </a:rPr>
+              <a:t> ).</a:t>
+            </a:r>
+            <a:endParaRPr sz="1300">
+              <a:solidFill>
+                <a:schemeClr val="dk1"/>
+              </a:solidFill>
+              <a:latin typeface="Calibri"/>
+              <a:ea typeface="Calibri"/>
+              <a:cs typeface="Calibri"/>
+              <a:sym typeface="Calibri"/>
+            </a:endParaRPr>
+          </a:p>
+          <a:p>
+            <a:pPr marL="0" lvl="0" indent="0" algn="l" rtl="0">
+              <a:spcBef>
+                <a:spcPts val="0"/>
+              </a:spcBef>
+              <a:spcAft>
+                <a:spcPts val="0"/>
+              </a:spcAft>
+              <a:buNone/>
+            </a:pPr>
+            <a:r>
+              <a:rPr lang="en" sz="900" u="sng">
+                <a:solidFill>
+                  <a:schemeClr val="hlink"/>
+                </a:solidFill>
+                <a:latin typeface="Calibri"/>
+                <a:ea typeface="Calibri"/>
+                <a:cs typeface="Calibri"/>
+                <a:sym typeface="Calibri"/>
+                <a:hlinkClick r:id="rId5"/>
+              </a:rPr>
+              <a:t>https://techcrunch.com/2025/03/06/google-co-founder-larry-page-reportedly-has-a-new-ai-startup/</a:t>
+            </a:r>
+            <a:r>
+              <a:rPr lang="en" sz="900">
+                <a:latin typeface="Calibri"/>
+                <a:ea typeface="Calibri"/>
+                <a:cs typeface="Calibri"/>
+                <a:sym typeface="Calibri"/>
+              </a:rPr>
+              <a:t> </a:t>
+            </a:r>
+            <a:endParaRPr sz="900">
+              <a:latin typeface="Calibri"/>
+              <a:ea typeface="Calibri"/>
+              <a:cs typeface="Calibri"/>
+              <a:sym typeface="Calibri"/>
+            </a:endParaRPr>
+          </a:p>
+        </p:txBody>
+      </p:sp>
+      <p:pic>
+        <p:nvPicPr>
+          <p:cNvPr id="186" name="Google Shape;186;p26"/>
+          <p:cNvPicPr preferRelativeResize="0"/>
+          <p:nvPr/>
+        </p:nvPicPr>
+        <p:blipFill rotWithShape="1">
+          <a:blip r:embed="rId6" cstate="email">
+            <a:alphaModFix/>
+            <a:extLst>
+              <a:ext uri="{28A0092B-C50C-407E-A947-70E740481C1C}">
+                <a14:useLocalDpi xmlns:a14="http://schemas.microsoft.com/office/drawing/2010/main"/>
+              </a:ext>
+            </a:extLst>
+          </a:blip>
+          <a:srcRect/>
+          <a:stretch/>
+        </p:blipFill>
+        <p:spPr>
+          <a:xfrm>
+            <a:off x="4490225" y="518900"/>
+            <a:ext cx="1306550" cy="1373500"/>
+          </a:xfrm>
+          <a:prstGeom prst="rect">
+            <a:avLst/>
+          </a:prstGeom>
+          <a:noFill/>
+          <a:ln w="9525" cap="flat" cmpd="sng">
+            <a:solidFill>
+              <a:srgbClr val="FF0000"/>
+            </a:solidFill>
+            <a:prstDash val="solid"/>
+            <a:round/>
+            <a:headEnd type="none" w="sm" len="sm"/>
+            <a:tailEnd type="none" w="sm" len="sm"/>
+          </a:ln>
+        </p:spPr>
+      </p:pic>
+      <p:pic>
+        <p:nvPicPr>
+          <p:cNvPr id="187" name="Google Shape;187;p26"/>
+          <p:cNvPicPr preferRelativeResize="0"/>
+          <p:nvPr/>
+        </p:nvPicPr>
+        <p:blipFill>
+          <a:blip r:embed="rId7" cstate="email">
+            <a:alphaModFix/>
+            <a:extLst>
+              <a:ext uri="{28A0092B-C50C-407E-A947-70E740481C1C}">
+                <a14:useLocalDpi xmlns:a14="http://schemas.microsoft.com/office/drawing/2010/main"/>
+              </a:ext>
+            </a:extLst>
+          </a:blip>
+          <a:stretch>
+            <a:fillRect/>
+          </a:stretch>
+        </p:blipFill>
+        <p:spPr>
+          <a:xfrm>
+            <a:off x="5833400" y="518900"/>
+            <a:ext cx="1373500" cy="1373500"/>
+          </a:xfrm>
+          <a:prstGeom prst="rect">
+            <a:avLst/>
+          </a:prstGeom>
+          <a:noFill/>
+          <a:ln w="9525" cap="flat" cmpd="sng">
+            <a:solidFill>
+              <a:srgbClr val="FF0000"/>
+            </a:solidFill>
+            <a:prstDash val="solid"/>
+            <a:round/>
+            <a:headEnd type="none" w="sm" len="sm"/>
+            <a:tailEnd type="none" w="sm" len="sm"/>
+          </a:ln>
+        </p:spPr>
+      </p:pic>
+      <p:sp>
+        <p:nvSpPr>
+          <p:cNvPr id="188" name="Google Shape;188;p26"/>
+          <p:cNvSpPr txBox="1"/>
+          <p:nvPr/>
+        </p:nvSpPr>
+        <p:spPr>
+          <a:xfrm>
+            <a:off x="55075" y="2383350"/>
+            <a:ext cx="4353300" cy="2419500"/>
+          </a:xfrm>
+          <a:prstGeom prst="rect">
+            <a:avLst/>
+          </a:prstGeom>
+          <a:solidFill>
+            <a:srgbClr val="FFF2CC"/>
+          </a:solidFill>
+          <a:ln w="9525" cap="flat" cmpd="sng">
+            <a:solidFill>
+              <a:srgbClr val="FF0000"/>
+            </a:solidFill>
+            <a:prstDash val="solid"/>
+            <a:round/>
+            <a:headEnd type="none" w="sm" len="sm"/>
+            <a:tailEnd type="none" w="sm" len="sm"/>
+          </a:ln>
+        </p:spPr>
+        <p:txBody>
+          <a:bodyPr spcFirstLastPara="1" wrap="square" lIns="9125" tIns="9125" rIns="9125" bIns="9125" anchor="t" anchorCtr="0">
+            <a:spAutoFit/>
+          </a:bodyPr>
+          <a:lstStyle/>
+          <a:p>
+            <a:pPr marL="0" lvl="0" indent="0" algn="l" rtl="0">
+              <a:spcBef>
+                <a:spcPts val="0"/>
+              </a:spcBef>
+              <a:spcAft>
+                <a:spcPts val="0"/>
+              </a:spcAft>
+              <a:buNone/>
+            </a:pPr>
+            <a:r>
+              <a:rPr lang="en" sz="1300" b="1">
+                <a:solidFill>
+                  <a:srgbClr val="FF0000"/>
+                </a:solidFill>
+                <a:latin typeface="Calibri"/>
+                <a:ea typeface="Calibri"/>
+                <a:cs typeface="Calibri"/>
+                <a:sym typeface="Calibri"/>
+              </a:rPr>
+              <a:t>Mistral OCR</a:t>
+            </a:r>
+            <a:r>
+              <a:rPr lang="en" sz="1300">
+                <a:latin typeface="Calibri"/>
+                <a:ea typeface="Calibri"/>
+                <a:cs typeface="Calibri"/>
+                <a:sym typeface="Calibri"/>
+              </a:rPr>
+              <a:t> AI model converts documents into markdown</a:t>
+            </a:r>
+            <a:endParaRPr sz="1300">
+              <a:latin typeface="Calibri"/>
+              <a:ea typeface="Calibri"/>
+              <a:cs typeface="Calibri"/>
+              <a:sym typeface="Calibri"/>
+            </a:endParaRPr>
+          </a:p>
+          <a:p>
+            <a:pPr marL="228600" lvl="0" indent="-139700" algn="l" rtl="0">
+              <a:spcBef>
+                <a:spcPts val="0"/>
+              </a:spcBef>
+              <a:spcAft>
+                <a:spcPts val="0"/>
+              </a:spcAft>
+              <a:buSzPts val="1300"/>
+              <a:buFont typeface="Calibri"/>
+              <a:buChar char="●"/>
+            </a:pPr>
+            <a:r>
+              <a:rPr lang="en" sz="1300">
+                <a:latin typeface="Calibri"/>
+                <a:ea typeface="Calibri"/>
+                <a:cs typeface="Calibri"/>
+                <a:sym typeface="Calibri"/>
+              </a:rPr>
+              <a:t>document as input prompt, markdown document as output</a:t>
+            </a:r>
+            <a:endParaRPr sz="1300">
+              <a:latin typeface="Calibri"/>
+              <a:ea typeface="Calibri"/>
+              <a:cs typeface="Calibri"/>
+              <a:sym typeface="Calibri"/>
+            </a:endParaRPr>
+          </a:p>
+          <a:p>
+            <a:pPr marL="228600" lvl="0" indent="-139700" algn="l" rtl="0">
+              <a:spcBef>
+                <a:spcPts val="0"/>
+              </a:spcBef>
+              <a:spcAft>
+                <a:spcPts val="0"/>
+              </a:spcAft>
+              <a:buSzPts val="1300"/>
+              <a:buFont typeface="Calibri"/>
+              <a:buChar char="●"/>
+            </a:pPr>
+            <a:r>
+              <a:rPr lang="en" sz="1300">
+                <a:latin typeface="Calibri"/>
+                <a:ea typeface="Calibri"/>
+                <a:cs typeface="Calibri"/>
+                <a:sym typeface="Calibri"/>
+              </a:rPr>
+              <a:t>AI comprehends documents (images, PDFs)</a:t>
+            </a:r>
+            <a:endParaRPr sz="1300">
+              <a:latin typeface="Calibri"/>
+              <a:ea typeface="Calibri"/>
+              <a:cs typeface="Calibri"/>
+              <a:sym typeface="Calibri"/>
+            </a:endParaRPr>
+          </a:p>
+          <a:p>
+            <a:pPr marL="228600" lvl="0" indent="-139700" algn="l" rtl="0">
+              <a:spcBef>
+                <a:spcPts val="0"/>
+              </a:spcBef>
+              <a:spcAft>
+                <a:spcPts val="0"/>
+              </a:spcAft>
+              <a:buSzPts val="1300"/>
+              <a:buFont typeface="Calibri"/>
+              <a:buChar char="●"/>
+            </a:pPr>
+            <a:r>
+              <a:rPr lang="en" sz="1300">
+                <a:latin typeface="Calibri"/>
+                <a:ea typeface="Calibri"/>
+                <a:cs typeface="Calibri"/>
+                <a:sym typeface="Calibri"/>
+              </a:rPr>
+              <a:t>Extracts content (text, tables, formulas, images) into a markdown document</a:t>
+            </a:r>
+            <a:endParaRPr sz="1300">
+              <a:latin typeface="Calibri"/>
+              <a:ea typeface="Calibri"/>
+              <a:cs typeface="Calibri"/>
+              <a:sym typeface="Calibri"/>
+            </a:endParaRPr>
+          </a:p>
+          <a:p>
+            <a:pPr marL="228600" lvl="0" indent="-139700" algn="l" rtl="0">
+              <a:spcBef>
+                <a:spcPts val="0"/>
+              </a:spcBef>
+              <a:spcAft>
+                <a:spcPts val="0"/>
+              </a:spcAft>
+              <a:buSzPts val="1300"/>
+              <a:buFont typeface="Calibri"/>
+              <a:buChar char="●"/>
+            </a:pPr>
+            <a:r>
+              <a:rPr lang="en" sz="1300">
+                <a:latin typeface="Calibri"/>
+                <a:ea typeface="Calibri"/>
+                <a:cs typeface="Calibri"/>
+                <a:sym typeface="Calibri"/>
+              </a:rPr>
+              <a:t>It is multilingual and multimodal</a:t>
+            </a:r>
+            <a:endParaRPr sz="1300">
+              <a:latin typeface="Calibri"/>
+              <a:ea typeface="Calibri"/>
+              <a:cs typeface="Calibri"/>
+              <a:sym typeface="Calibri"/>
+            </a:endParaRPr>
+          </a:p>
+          <a:p>
+            <a:pPr marL="228600" lvl="0" indent="-139700" algn="l" rtl="0">
+              <a:spcBef>
+                <a:spcPts val="0"/>
+              </a:spcBef>
+              <a:spcAft>
+                <a:spcPts val="0"/>
+              </a:spcAft>
+              <a:buSzPts val="1300"/>
+              <a:buFont typeface="Calibri"/>
+              <a:buChar char="●"/>
+            </a:pPr>
+            <a:r>
+              <a:rPr lang="en" sz="1300">
+                <a:latin typeface="Calibri"/>
+                <a:ea typeface="Calibri"/>
+                <a:cs typeface="Calibri"/>
+                <a:sym typeface="Calibri"/>
+              </a:rPr>
+              <a:t>It is very fast</a:t>
+            </a:r>
+            <a:endParaRPr sz="1300">
+              <a:latin typeface="Calibri"/>
+              <a:ea typeface="Calibri"/>
+              <a:cs typeface="Calibri"/>
+              <a:sym typeface="Calibri"/>
+            </a:endParaRPr>
+          </a:p>
+          <a:p>
+            <a:pPr marL="228600" lvl="0" indent="-139700" algn="l" rtl="0">
+              <a:spcBef>
+                <a:spcPts val="0"/>
+              </a:spcBef>
+              <a:spcAft>
+                <a:spcPts val="0"/>
+              </a:spcAft>
+              <a:buSzPts val="1300"/>
+              <a:buFont typeface="Calibri"/>
+              <a:buChar char="●"/>
+            </a:pPr>
+            <a:r>
+              <a:rPr lang="en" sz="1300">
+                <a:latin typeface="Calibri"/>
+                <a:ea typeface="Calibri"/>
+                <a:cs typeface="Calibri"/>
+                <a:sym typeface="Calibri"/>
+              </a:rPr>
+              <a:t>Currently only available as self-hosting option to selected organizations dealing with highly sensitive or classified information</a:t>
+            </a:r>
+            <a:endParaRPr sz="1300">
+              <a:latin typeface="Calibri"/>
+              <a:ea typeface="Calibri"/>
+              <a:cs typeface="Calibri"/>
+              <a:sym typeface="Calibri"/>
+            </a:endParaRPr>
+          </a:p>
+          <a:p>
+            <a:pPr marL="228600" lvl="0" indent="-139700" algn="l" rtl="0">
+              <a:spcBef>
+                <a:spcPts val="0"/>
+              </a:spcBef>
+              <a:spcAft>
+                <a:spcPts val="0"/>
+              </a:spcAft>
+              <a:buSzPts val="1300"/>
+              <a:buFont typeface="Calibri"/>
+              <a:buChar char="●"/>
+            </a:pPr>
+            <a:r>
+              <a:rPr lang="en" sz="1300" u="sng">
+                <a:solidFill>
+                  <a:schemeClr val="hlink"/>
+                </a:solidFill>
+                <a:latin typeface="Calibri"/>
+                <a:ea typeface="Calibri"/>
+                <a:cs typeface="Calibri"/>
+                <a:sym typeface="Calibri"/>
+                <a:hlinkClick r:id="rId8"/>
+              </a:rPr>
+              <a:t>https://mistral.ai/en/news/mistral-ocr</a:t>
+            </a:r>
+            <a:r>
+              <a:rPr lang="en" sz="1300">
+                <a:latin typeface="Calibri"/>
+                <a:ea typeface="Calibri"/>
+                <a:cs typeface="Calibri"/>
+                <a:sym typeface="Calibri"/>
+              </a:rPr>
+              <a:t> </a:t>
+            </a:r>
+            <a:endParaRPr sz="1300">
+              <a:latin typeface="Calibri"/>
+              <a:ea typeface="Calibri"/>
+              <a:cs typeface="Calibri"/>
+              <a:sym typeface="Calibri"/>
+            </a:endParaRPr>
+          </a:p>
+          <a:p>
+            <a:pPr marL="228600" lvl="0" indent="-139700" algn="l" rtl="0">
+              <a:spcBef>
+                <a:spcPts val="0"/>
+              </a:spcBef>
+              <a:spcAft>
+                <a:spcPts val="0"/>
+              </a:spcAft>
+              <a:buSzPts val="1300"/>
+              <a:buFont typeface="Calibri"/>
+              <a:buChar char="●"/>
+            </a:pPr>
+            <a:r>
+              <a:rPr lang="en" sz="1300" u="sng">
+                <a:solidFill>
+                  <a:schemeClr val="hlink"/>
+                </a:solidFill>
+                <a:latin typeface="Calibri"/>
+                <a:ea typeface="Calibri"/>
+                <a:cs typeface="Calibri"/>
+                <a:sym typeface="Calibri"/>
+                <a:hlinkClick r:id="rId9"/>
+              </a:rPr>
+              <a:t>https://www.youtube.com/watch?v=6lRBm0KnzBI</a:t>
+            </a:r>
+            <a:r>
+              <a:rPr lang="en" sz="1300">
+                <a:latin typeface="Calibri"/>
+                <a:ea typeface="Calibri"/>
+                <a:cs typeface="Calibri"/>
+                <a:sym typeface="Calibri"/>
+              </a:rPr>
+              <a:t> - demo</a:t>
+            </a:r>
+            <a:endParaRPr sz="1300">
+              <a:latin typeface="Calibri"/>
+              <a:ea typeface="Calibri"/>
+              <a:cs typeface="Calibri"/>
+              <a:sym typeface="Calibri"/>
+            </a:endParaRPr>
+          </a:p>
+        </p:txBody>
+      </p:sp>
+      <p:pic>
+        <p:nvPicPr>
+          <p:cNvPr id="189" name="Google Shape;189;p26"/>
+          <p:cNvPicPr preferRelativeResize="0"/>
+          <p:nvPr/>
+        </p:nvPicPr>
+        <p:blipFill>
+          <a:blip r:embed="rId10">
+            <a:alphaModFix/>
+          </a:blip>
+          <a:stretch>
+            <a:fillRect/>
+          </a:stretch>
+        </p:blipFill>
+        <p:spPr>
+          <a:xfrm>
+            <a:off x="4560775" y="2449975"/>
+            <a:ext cx="2857500" cy="1600200"/>
+          </a:xfrm>
+          <a:prstGeom prst="rect">
+            <a:avLst/>
+          </a:prstGeom>
+          <a:noFill/>
+          <a:ln w="9525" cap="flat" cmpd="sng">
+            <a:solidFill>
+              <a:srgbClr val="FF0000"/>
+            </a:solidFill>
+            <a:prstDash val="solid"/>
+            <a:round/>
+            <a:headEnd type="none" w="sm" len="sm"/>
+            <a:tailEnd type="none" w="sm" len="sm"/>
+          </a:ln>
+        </p:spPr>
+      </p:pic>
+    </p:spTree>
+  </p:cSld>
+  <p:clrMapOvr>
+    <a:masterClrMapping/>
+  </p:clrMapOvr>
+</p:sld>
+</file>
+
+<file path=ppt/slides/slide13.xml><?xml version="1.0" encoding="utf-8"?>
+<p:sld xmlns:a="http://schemas.openxmlformats.org/drawingml/2006/main" xmlns:r="http://schemas.openxmlformats.org/officeDocument/2006/relationships" xmlns:p="http://schemas.openxmlformats.org/presentationml/2006/main">
+  <p:cSld>
+    <p:spTree>
+      <p:nvGrpSpPr>
+        <p:cNvPr id="1" name="Shape 193"/>
+        <p:cNvGrpSpPr/>
+        <p:nvPr/>
+      </p:nvGrpSpPr>
+      <p:grpSpPr>
+        <a:xfrm>
+          <a:off x="0" y="0"/>
+          <a:ext cx="0" cy="0"/>
+          <a:chOff x="0" y="0"/>
+          <a:chExt cx="0" cy="0"/>
+        </a:xfrm>
+      </p:grpSpPr>
+      <p:sp>
+        <p:nvSpPr>
+          <p:cNvPr id="194" name="Google Shape;194;p27"/>
+          <p:cNvSpPr txBox="1"/>
+          <p:nvPr/>
+        </p:nvSpPr>
+        <p:spPr>
+          <a:xfrm>
+            <a:off x="55075" y="52750"/>
+            <a:ext cx="2293500" cy="326400"/>
+          </a:xfrm>
+          <a:prstGeom prst="rect">
+            <a:avLst/>
+          </a:prstGeom>
+          <a:noFill/>
+          <a:ln>
+            <a:noFill/>
+          </a:ln>
+        </p:spPr>
+        <p:txBody>
+          <a:bodyPr spcFirstLastPara="1" wrap="square" lIns="9125" tIns="9125" rIns="9125" bIns="9125" anchor="t" anchorCtr="0">
+            <a:spAutoFit/>
+          </a:bodyPr>
+          <a:lstStyle/>
+          <a:p>
+            <a:pPr marL="0" lvl="0" indent="0" algn="l" rtl="0">
+              <a:spcBef>
+                <a:spcPts val="0"/>
+              </a:spcBef>
+              <a:spcAft>
+                <a:spcPts val="0"/>
+              </a:spcAft>
+              <a:buClr>
+                <a:schemeClr val="dk1"/>
+              </a:buClr>
+              <a:buSzPts val="1100"/>
+              <a:buFont typeface="Arial"/>
+              <a:buNone/>
+            </a:pPr>
+            <a:r>
+              <a:rPr lang="en" sz="2000" b="1">
+                <a:solidFill>
+                  <a:schemeClr val="dk1"/>
+                </a:solidFill>
+                <a:latin typeface="Calibri"/>
+                <a:ea typeface="Calibri"/>
+                <a:cs typeface="Calibri"/>
+                <a:sym typeface="Calibri"/>
+              </a:rPr>
+              <a:t>Manus AI Assistant</a:t>
+            </a:r>
+            <a:endParaRPr sz="2000" b="1">
+              <a:solidFill>
+                <a:schemeClr val="dk1"/>
+              </a:solidFill>
+              <a:latin typeface="Calibri"/>
+              <a:ea typeface="Calibri"/>
+              <a:cs typeface="Calibri"/>
+              <a:sym typeface="Calibri"/>
+            </a:endParaRPr>
+          </a:p>
+        </p:txBody>
+      </p:sp>
+      <p:sp>
+        <p:nvSpPr>
+          <p:cNvPr id="195" name="Google Shape;195;p27"/>
+          <p:cNvSpPr txBox="1"/>
+          <p:nvPr/>
+        </p:nvSpPr>
+        <p:spPr>
+          <a:xfrm>
+            <a:off x="55075" y="442700"/>
+            <a:ext cx="4353300" cy="2342700"/>
+          </a:xfrm>
+          <a:prstGeom prst="rect">
+            <a:avLst/>
+          </a:prstGeom>
+          <a:solidFill>
+            <a:srgbClr val="FFF2CC"/>
+          </a:solidFill>
+          <a:ln w="9525" cap="flat" cmpd="sng">
+            <a:solidFill>
+              <a:srgbClr val="FF0000"/>
+            </a:solidFill>
+            <a:prstDash val="solid"/>
+            <a:round/>
+            <a:headEnd type="none" w="sm" len="sm"/>
+            <a:tailEnd type="none" w="sm" len="sm"/>
+          </a:ln>
+        </p:spPr>
+        <p:txBody>
+          <a:bodyPr spcFirstLastPara="1" wrap="square" lIns="9125" tIns="9125" rIns="9125" bIns="9125" anchor="t" anchorCtr="0">
+            <a:spAutoFit/>
+          </a:bodyPr>
+          <a:lstStyle/>
+          <a:p>
+            <a:pPr marL="0" lvl="0" indent="0" algn="l" rtl="0">
+              <a:spcBef>
+                <a:spcPts val="0"/>
+              </a:spcBef>
+              <a:spcAft>
+                <a:spcPts val="0"/>
+              </a:spcAft>
+              <a:buClr>
+                <a:schemeClr val="dk1"/>
+              </a:buClr>
+              <a:buSzPts val="1100"/>
+              <a:buFont typeface="Arial"/>
+              <a:buNone/>
+            </a:pPr>
+            <a:r>
+              <a:rPr lang="en" sz="1300" b="1">
+                <a:solidFill>
+                  <a:srgbClr val="FF0000"/>
+                </a:solidFill>
+                <a:latin typeface="Calibri"/>
+                <a:ea typeface="Calibri"/>
+                <a:cs typeface="Calibri"/>
+                <a:sym typeface="Calibri"/>
+              </a:rPr>
+              <a:t>Manus AI Assistant</a:t>
+            </a:r>
+            <a:endParaRPr sz="1300" b="1">
+              <a:solidFill>
+                <a:srgbClr val="FF0000"/>
+              </a:solidFill>
+              <a:latin typeface="Calibri"/>
+              <a:ea typeface="Calibri"/>
+              <a:cs typeface="Calibri"/>
+              <a:sym typeface="Calibri"/>
+            </a:endParaRPr>
+          </a:p>
+          <a:p>
+            <a:pPr marL="228600" lvl="0" indent="-133350" algn="l" rtl="0">
+              <a:spcBef>
+                <a:spcPts val="0"/>
+              </a:spcBef>
+              <a:spcAft>
+                <a:spcPts val="0"/>
+              </a:spcAft>
+              <a:buSzPts val="1200"/>
+              <a:buFont typeface="Calibri"/>
+              <a:buChar char="●"/>
+            </a:pPr>
+            <a:r>
+              <a:rPr lang="en" sz="1200">
+                <a:latin typeface="Calibri"/>
+                <a:ea typeface="Calibri"/>
+                <a:cs typeface="Calibri"/>
+                <a:sym typeface="Calibri"/>
+              </a:rPr>
+              <a:t>Manus = </a:t>
+            </a:r>
+            <a:r>
+              <a:rPr lang="en" sz="1200">
+                <a:solidFill>
+                  <a:schemeClr val="dk1"/>
+                </a:solidFill>
+                <a:latin typeface="Calibri"/>
+                <a:ea typeface="Calibri"/>
+                <a:cs typeface="Calibri"/>
+                <a:sym typeface="Calibri"/>
+              </a:rPr>
+              <a:t>"hand" (</a:t>
+            </a:r>
+            <a:r>
+              <a:rPr lang="en" sz="1200">
+                <a:latin typeface="Calibri"/>
+                <a:ea typeface="Calibri"/>
+                <a:cs typeface="Calibri"/>
+                <a:sym typeface="Calibri"/>
+              </a:rPr>
+              <a:t>Latin word)</a:t>
+            </a:r>
+            <a:endParaRPr sz="1200">
+              <a:latin typeface="Calibri"/>
+              <a:ea typeface="Calibri"/>
+              <a:cs typeface="Calibri"/>
+              <a:sym typeface="Calibri"/>
+            </a:endParaRPr>
+          </a:p>
+          <a:p>
+            <a:pPr marL="228600" lvl="0" indent="-133350" algn="l" rtl="0">
+              <a:spcBef>
+                <a:spcPts val="0"/>
+              </a:spcBef>
+              <a:spcAft>
+                <a:spcPts val="0"/>
+              </a:spcAft>
+              <a:buSzPts val="1200"/>
+              <a:buFont typeface="Calibri"/>
+              <a:buChar char="●"/>
+            </a:pPr>
+            <a:r>
+              <a:rPr lang="en" sz="1200">
+                <a:latin typeface="Calibri"/>
+                <a:ea typeface="Calibri"/>
+                <a:cs typeface="Calibri"/>
+                <a:sym typeface="Calibri"/>
+              </a:rPr>
+              <a:t>a general AI agent as your assistant</a:t>
+            </a:r>
+            <a:endParaRPr sz="1200">
+              <a:latin typeface="Calibri"/>
+              <a:ea typeface="Calibri"/>
+              <a:cs typeface="Calibri"/>
+              <a:sym typeface="Calibri"/>
+            </a:endParaRPr>
+          </a:p>
+          <a:p>
+            <a:pPr marL="228600" lvl="0" indent="-133350" algn="l" rtl="0">
+              <a:spcBef>
+                <a:spcPts val="0"/>
+              </a:spcBef>
+              <a:spcAft>
+                <a:spcPts val="0"/>
+              </a:spcAft>
+              <a:buSzPts val="1200"/>
+              <a:buFont typeface="Calibri"/>
+              <a:buChar char="●"/>
+            </a:pPr>
+            <a:r>
+              <a:rPr lang="en" sz="1200">
+                <a:latin typeface="Calibri"/>
+                <a:ea typeface="Calibri"/>
+                <a:cs typeface="Calibri"/>
+                <a:sym typeface="Calibri"/>
+              </a:rPr>
+              <a:t>resume screening and property research, accessing its own independent computer instance, web browsing, coding, and creating visuals</a:t>
+            </a:r>
+            <a:endParaRPr sz="1200">
+              <a:latin typeface="Calibri"/>
+              <a:ea typeface="Calibri"/>
+              <a:cs typeface="Calibri"/>
+              <a:sym typeface="Calibri"/>
+            </a:endParaRPr>
+          </a:p>
+          <a:p>
+            <a:pPr marL="228600" lvl="0" indent="-133350" algn="l" rtl="0">
+              <a:spcBef>
+                <a:spcPts val="0"/>
+              </a:spcBef>
+              <a:spcAft>
+                <a:spcPts val="0"/>
+              </a:spcAft>
+              <a:buSzPts val="1200"/>
+              <a:buFont typeface="Calibri"/>
+              <a:buChar char="●"/>
+            </a:pPr>
+            <a:r>
+              <a:rPr lang="en" sz="1200">
+                <a:latin typeface="Calibri"/>
+                <a:ea typeface="Calibri"/>
+                <a:cs typeface="Calibri"/>
+                <a:sym typeface="Calibri"/>
+              </a:rPr>
+              <a:t>handle tasks on sites like Upwork and Fiverr.</a:t>
+            </a:r>
+            <a:endParaRPr sz="1200">
+              <a:latin typeface="Calibri"/>
+              <a:ea typeface="Calibri"/>
+              <a:cs typeface="Calibri"/>
+              <a:sym typeface="Calibri"/>
+            </a:endParaRPr>
+          </a:p>
+          <a:p>
+            <a:pPr marL="228600" lvl="0" indent="-133350" algn="l" rtl="0">
+              <a:spcBef>
+                <a:spcPts val="0"/>
+              </a:spcBef>
+              <a:spcAft>
+                <a:spcPts val="0"/>
+              </a:spcAft>
+              <a:buSzPts val="1200"/>
+              <a:buFont typeface="Calibri"/>
+              <a:buChar char="●"/>
+            </a:pPr>
+            <a:r>
+              <a:rPr lang="en" sz="1200">
+                <a:latin typeface="Calibri"/>
+                <a:ea typeface="Calibri"/>
+                <a:cs typeface="Calibri"/>
+                <a:sym typeface="Calibri"/>
+              </a:rPr>
+              <a:t>outperformed leading general-purpose assistants like ChatGPT and Gemini on the GAIA benchmark (General AI Assistant)</a:t>
+            </a:r>
+            <a:endParaRPr sz="1200">
+              <a:latin typeface="Calibri"/>
+              <a:ea typeface="Calibri"/>
+              <a:cs typeface="Calibri"/>
+              <a:sym typeface="Calibri"/>
+            </a:endParaRPr>
+          </a:p>
+          <a:p>
+            <a:pPr marL="228600" lvl="0" indent="-133350" algn="l" rtl="0">
+              <a:spcBef>
+                <a:spcPts val="0"/>
+              </a:spcBef>
+              <a:spcAft>
+                <a:spcPts val="0"/>
+              </a:spcAft>
+              <a:buSzPts val="1200"/>
+              <a:buFont typeface="Calibri"/>
+              <a:buChar char="●"/>
+            </a:pPr>
+            <a:r>
+              <a:rPr lang="en" sz="1200">
+                <a:latin typeface="Calibri"/>
+                <a:ea typeface="Calibri"/>
+                <a:cs typeface="Calibri"/>
+                <a:sym typeface="Calibri"/>
+              </a:rPr>
+              <a:t>Currently operates on an invite-only basis</a:t>
+            </a:r>
+            <a:endParaRPr sz="1200">
+              <a:latin typeface="Calibri"/>
+              <a:ea typeface="Calibri"/>
+              <a:cs typeface="Calibri"/>
+              <a:sym typeface="Calibri"/>
+            </a:endParaRPr>
+          </a:p>
+          <a:p>
+            <a:pPr marL="228600" lvl="0" indent="-133350" algn="l" rtl="0">
+              <a:spcBef>
+                <a:spcPts val="0"/>
+              </a:spcBef>
+              <a:spcAft>
+                <a:spcPts val="0"/>
+              </a:spcAft>
+              <a:buSzPts val="1200"/>
+              <a:buFont typeface="Calibri"/>
+              <a:buChar char="●"/>
+            </a:pPr>
+            <a:r>
+              <a:rPr lang="en" sz="1200">
+                <a:latin typeface="Calibri"/>
+                <a:ea typeface="Calibri"/>
+                <a:cs typeface="Calibri"/>
+                <a:sym typeface="Calibri"/>
+              </a:rPr>
+              <a:t>Planning to open-source later this year.</a:t>
+            </a:r>
+            <a:endParaRPr sz="1200">
+              <a:latin typeface="Calibri"/>
+              <a:ea typeface="Calibri"/>
+              <a:cs typeface="Calibri"/>
+              <a:sym typeface="Calibri"/>
+            </a:endParaRPr>
+          </a:p>
+          <a:p>
+            <a:pPr marL="228600" lvl="0" indent="-114300" algn="l" rtl="0">
+              <a:spcBef>
+                <a:spcPts val="0"/>
+              </a:spcBef>
+              <a:spcAft>
+                <a:spcPts val="0"/>
+              </a:spcAft>
+              <a:buSzPts val="900"/>
+              <a:buFont typeface="Calibri"/>
+              <a:buChar char="●"/>
+            </a:pPr>
+            <a:r>
+              <a:rPr lang="en" sz="900" u="sng">
+                <a:solidFill>
+                  <a:schemeClr val="hlink"/>
+                </a:solidFill>
+                <a:latin typeface="Calibri"/>
+                <a:ea typeface="Calibri"/>
+                <a:cs typeface="Calibri"/>
+                <a:sym typeface="Calibri"/>
+                <a:hlinkClick r:id="rId3"/>
+              </a:rPr>
+              <a:t>https://manus.im</a:t>
+            </a:r>
+            <a:endParaRPr sz="900">
+              <a:latin typeface="Calibri"/>
+              <a:ea typeface="Calibri"/>
+              <a:cs typeface="Calibri"/>
+              <a:sym typeface="Calibri"/>
+            </a:endParaRPr>
+          </a:p>
+          <a:p>
+            <a:pPr marL="228600" lvl="0" indent="-114300" algn="l" rtl="0">
+              <a:spcBef>
+                <a:spcPts val="0"/>
+              </a:spcBef>
+              <a:spcAft>
+                <a:spcPts val="0"/>
+              </a:spcAft>
+              <a:buSzPts val="900"/>
+              <a:buFont typeface="Calibri"/>
+              <a:buChar char="●"/>
+            </a:pPr>
+            <a:r>
+              <a:rPr lang="en" sz="900" u="sng">
+                <a:solidFill>
+                  <a:schemeClr val="hlink"/>
+                </a:solidFill>
+                <a:latin typeface="Calibri"/>
+                <a:ea typeface="Calibri"/>
+                <a:cs typeface="Calibri"/>
+                <a:sym typeface="Calibri"/>
+                <a:hlinkClick r:id="rId4"/>
+              </a:rPr>
+              <a:t>https://www.youtube.com/watch?v=K27diMbCsuw</a:t>
+            </a:r>
+            <a:r>
+              <a:rPr lang="en" sz="900">
+                <a:latin typeface="Calibri"/>
+                <a:ea typeface="Calibri"/>
+                <a:cs typeface="Calibri"/>
+                <a:sym typeface="Calibri"/>
+              </a:rPr>
+              <a:t> - video</a:t>
+            </a:r>
+            <a:endParaRPr sz="900">
+              <a:latin typeface="Calibri"/>
+              <a:ea typeface="Calibri"/>
+              <a:cs typeface="Calibri"/>
+              <a:sym typeface="Calibri"/>
+            </a:endParaRPr>
+          </a:p>
+        </p:txBody>
+      </p:sp>
+      <p:pic>
+        <p:nvPicPr>
+          <p:cNvPr id="196" name="Google Shape;196;p27"/>
+          <p:cNvPicPr preferRelativeResize="0"/>
+          <p:nvPr/>
+        </p:nvPicPr>
+        <p:blipFill>
+          <a:blip r:embed="rId5" cstate="email">
+            <a:alphaModFix/>
+            <a:extLst>
+              <a:ext uri="{28A0092B-C50C-407E-A947-70E740481C1C}">
+                <a14:useLocalDpi xmlns:a14="http://schemas.microsoft.com/office/drawing/2010/main"/>
+              </a:ext>
+            </a:extLst>
+          </a:blip>
+          <a:stretch>
+            <a:fillRect/>
+          </a:stretch>
+        </p:blipFill>
+        <p:spPr>
+          <a:xfrm>
+            <a:off x="4560775" y="518900"/>
+            <a:ext cx="4430825" cy="2853752"/>
+          </a:xfrm>
+          <a:prstGeom prst="rect">
+            <a:avLst/>
+          </a:prstGeom>
+          <a:noFill/>
+          <a:ln w="9525" cap="flat" cmpd="sng">
+            <a:solidFill>
+              <a:srgbClr val="FF0000"/>
+            </a:solidFill>
+            <a:prstDash val="solid"/>
+            <a:round/>
+            <a:headEnd type="none" w="sm" len="sm"/>
+            <a:tailEnd type="none" w="sm" len="sm"/>
+          </a:ln>
+        </p:spPr>
+      </p:pic>
+      <p:pic>
+        <p:nvPicPr>
+          <p:cNvPr id="197" name="Google Shape;197;p27"/>
+          <p:cNvPicPr preferRelativeResize="0"/>
+          <p:nvPr/>
+        </p:nvPicPr>
+        <p:blipFill>
+          <a:blip r:embed="rId6" cstate="email">
+            <a:alphaModFix/>
+            <a:extLst>
+              <a:ext uri="{28A0092B-C50C-407E-A947-70E740481C1C}">
+                <a14:useLocalDpi xmlns:a14="http://schemas.microsoft.com/office/drawing/2010/main"/>
+              </a:ext>
+            </a:extLst>
+          </a:blip>
+          <a:stretch>
+            <a:fillRect/>
+          </a:stretch>
+        </p:blipFill>
+        <p:spPr>
+          <a:xfrm>
+            <a:off x="400303" y="2933600"/>
+            <a:ext cx="3694525" cy="2011424"/>
+          </a:xfrm>
+          <a:prstGeom prst="rect">
+            <a:avLst/>
+          </a:prstGeom>
+          <a:noFill/>
+          <a:ln w="9525" cap="flat" cmpd="sng">
+            <a:solidFill>
+              <a:srgbClr val="FF0000"/>
+            </a:solidFill>
+            <a:prstDash val="solid"/>
+            <a:round/>
+            <a:headEnd type="none" w="sm" len="sm"/>
+            <a:tailEnd type="none" w="sm" len="sm"/>
+          </a:ln>
+        </p:spPr>
+      </p:pic>
+    </p:spTree>
+  </p:cSld>
+  <p:clrMapOvr>
+    <a:masterClrMapping/>
+  </p:clrMapOvr>
+</p:sld>
+</file>
+
+<file path=ppt/slides/slide14.xml><?xml version="1.0" encoding="utf-8"?>
+<p:sld xmlns:a="http://schemas.openxmlformats.org/drawingml/2006/main" xmlns:r="http://schemas.openxmlformats.org/officeDocument/2006/relationships" xmlns:p="http://schemas.openxmlformats.org/presentationml/2006/main">
+  <p:cSld>
+    <p:spTree>
+      <p:nvGrpSpPr>
+        <p:cNvPr id="1" name="Shape 201"/>
+        <p:cNvGrpSpPr/>
+        <p:nvPr/>
+      </p:nvGrpSpPr>
+      <p:grpSpPr>
+        <a:xfrm>
+          <a:off x="0" y="0"/>
+          <a:ext cx="0" cy="0"/>
+          <a:chOff x="0" y="0"/>
+          <a:chExt cx="0" cy="0"/>
+        </a:xfrm>
+      </p:grpSpPr>
+      <p:sp>
+        <p:nvSpPr>
+          <p:cNvPr id="202" name="Google Shape;202;p28"/>
           <p:cNvSpPr txBox="1"/>
           <p:nvPr/>
         </p:nvSpPr>
@@ -14808,7 +16655,7 @@
       </p:sp>
       <p:sp>
         <p:nvSpPr>
-          <p:cNvPr id="181" name="Google Shape;181;p26"/>
+          <p:cNvPr id="203" name="Google Shape;203;p28"/>
           <p:cNvSpPr txBox="1"/>
           <p:nvPr/>
         </p:nvSpPr>
@@ -14874,7 +16721,7 @@
       </p:sp>
       <p:sp>
         <p:nvSpPr>
-          <p:cNvPr id="182" name="Google Shape;182;p26"/>
+          <p:cNvPr id="204" name="Google Shape;204;p28"/>
           <p:cNvSpPr txBox="1"/>
           <p:nvPr/>
         </p:nvSpPr>
@@ -15000,7 +16847,7 @@
       </p:sp>
       <p:sp>
         <p:nvSpPr>
-          <p:cNvPr id="183" name="Google Shape;183;p26"/>
+          <p:cNvPr id="205" name="Google Shape;205;p28"/>
           <p:cNvSpPr txBox="1"/>
           <p:nvPr/>
         </p:nvSpPr>
@@ -15074,7 +16921,7 @@
       </p:sp>
       <p:sp>
         <p:nvSpPr>
-          <p:cNvPr id="184" name="Google Shape;184;p26"/>
+          <p:cNvPr id="206" name="Google Shape;206;p28"/>
           <p:cNvSpPr txBox="1"/>
           <p:nvPr/>
         </p:nvSpPr>
@@ -15235,7 +17082,7 @@
       </p:sp>
       <p:sp>
         <p:nvSpPr>
-          <p:cNvPr id="185" name="Google Shape;185;p26"/>
+          <p:cNvPr id="207" name="Google Shape;207;p28"/>
           <p:cNvSpPr txBox="1"/>
           <p:nvPr/>
         </p:nvSpPr>
@@ -15309,7 +17156,7 @@
       </p:sp>
       <p:sp>
         <p:nvSpPr>
-          <p:cNvPr id="186" name="Google Shape;186;p26"/>
+          <p:cNvPr id="208" name="Google Shape;208;p28"/>
           <p:cNvSpPr txBox="1"/>
           <p:nvPr/>
         </p:nvSpPr>
@@ -15384,7 +17231,7 @@
       </p:sp>
       <p:sp>
         <p:nvSpPr>
-          <p:cNvPr id="187" name="Google Shape;187;p26"/>
+          <p:cNvPr id="209" name="Google Shape;209;p28"/>
           <p:cNvSpPr/>
           <p:nvPr/>
         </p:nvSpPr>
@@ -15430,7 +17277,7 @@
       </p:sp>
       <p:sp>
         <p:nvSpPr>
-          <p:cNvPr id="188" name="Google Shape;188;p26"/>
+          <p:cNvPr id="210" name="Google Shape;210;p28"/>
           <p:cNvSpPr/>
           <p:nvPr/>
         </p:nvSpPr>
@@ -15476,7 +17323,7 @@
       </p:sp>
       <p:sp>
         <p:nvSpPr>
-          <p:cNvPr id="189" name="Google Shape;189;p26"/>
+          <p:cNvPr id="211" name="Google Shape;211;p28"/>
           <p:cNvSpPr txBox="1"/>
           <p:nvPr/>
         </p:nvSpPr>
@@ -15551,7 +17398,7 @@
       </p:sp>
       <p:sp>
         <p:nvSpPr>
-          <p:cNvPr id="190" name="Google Shape;190;p26"/>
+          <p:cNvPr id="212" name="Google Shape;212;p28"/>
           <p:cNvSpPr/>
           <p:nvPr/>
         </p:nvSpPr>
@@ -15597,7 +17444,7 @@
       </p:sp>
       <p:sp>
         <p:nvSpPr>
-          <p:cNvPr id="191" name="Google Shape;191;p26"/>
+          <p:cNvPr id="213" name="Google Shape;213;p28"/>
           <p:cNvSpPr/>
           <p:nvPr/>
         </p:nvSpPr>
@@ -15643,7 +17490,7 @@
       </p:sp>
       <p:sp>
         <p:nvSpPr>
-          <p:cNvPr id="192" name="Google Shape;192;p26"/>
+          <p:cNvPr id="214" name="Google Shape;214;p28"/>
           <p:cNvSpPr/>
           <p:nvPr/>
         </p:nvSpPr>
@@ -15689,7 +17536,7 @@
       </p:sp>
       <p:sp>
         <p:nvSpPr>
-          <p:cNvPr id="193" name="Google Shape;193;p26"/>
+          <p:cNvPr id="215" name="Google Shape;215;p28"/>
           <p:cNvSpPr txBox="1"/>
           <p:nvPr/>
         </p:nvSpPr>
@@ -15764,7 +17611,7 @@
       </p:sp>
       <p:sp>
         <p:nvSpPr>
-          <p:cNvPr id="194" name="Google Shape;194;p26"/>
+          <p:cNvPr id="216" name="Google Shape;216;p28"/>
           <p:cNvSpPr/>
           <p:nvPr/>
         </p:nvSpPr>
@@ -15810,7 +17657,7 @@
       </p:sp>
       <p:sp>
         <p:nvSpPr>
-          <p:cNvPr id="195" name="Google Shape;195;p26"/>
+          <p:cNvPr id="217" name="Google Shape;217;p28"/>
           <p:cNvSpPr/>
           <p:nvPr/>
         </p:nvSpPr>
@@ -15856,7 +17703,7 @@
       </p:sp>
       <p:sp>
         <p:nvSpPr>
-          <p:cNvPr id="196" name="Google Shape;196;p26"/>
+          <p:cNvPr id="218" name="Google Shape;218;p28"/>
           <p:cNvSpPr/>
           <p:nvPr/>
         </p:nvSpPr>
@@ -15902,7 +17749,7 @@
       </p:sp>
       <p:sp>
         <p:nvSpPr>
-          <p:cNvPr id="197" name="Google Shape;197;p26"/>
+          <p:cNvPr id="219" name="Google Shape;219;p28"/>
           <p:cNvSpPr/>
           <p:nvPr/>
         </p:nvSpPr>
@@ -15948,7 +17795,7 @@
       </p:sp>
       <p:sp>
         <p:nvSpPr>
-          <p:cNvPr id="198" name="Google Shape;198;p26"/>
+          <p:cNvPr id="220" name="Google Shape;220;p28"/>
           <p:cNvSpPr/>
           <p:nvPr/>
         </p:nvSpPr>
@@ -15994,7 +17841,7 @@
       </p:sp>
       <p:sp>
         <p:nvSpPr>
-          <p:cNvPr id="199" name="Google Shape;199;p26"/>
+          <p:cNvPr id="221" name="Google Shape;221;p28"/>
           <p:cNvSpPr/>
           <p:nvPr/>
         </p:nvSpPr>
@@ -16040,7 +17887,7 @@
       </p:sp>
       <p:sp>
         <p:nvSpPr>
-          <p:cNvPr id="200" name="Google Shape;200;p26"/>
+          <p:cNvPr id="222" name="Google Shape;222;p28"/>
           <p:cNvSpPr/>
           <p:nvPr/>
         </p:nvSpPr>
@@ -16086,7 +17933,7 @@
       </p:sp>
       <p:sp>
         <p:nvSpPr>
-          <p:cNvPr id="201" name="Google Shape;201;p26"/>
+          <p:cNvPr id="223" name="Google Shape;223;p28"/>
           <p:cNvSpPr/>
           <p:nvPr/>
         </p:nvSpPr>
@@ -16132,7 +17979,7 @@
       </p:sp>
       <p:sp>
         <p:nvSpPr>
-          <p:cNvPr id="202" name="Google Shape;202;p26"/>
+          <p:cNvPr id="224" name="Google Shape;224;p28"/>
           <p:cNvSpPr/>
           <p:nvPr/>
         </p:nvSpPr>
@@ -16178,7 +18025,7 @@
       </p:sp>
       <p:sp>
         <p:nvSpPr>
-          <p:cNvPr id="203" name="Google Shape;203;p26"/>
+          <p:cNvPr id="225" name="Google Shape;225;p28"/>
           <p:cNvSpPr txBox="1"/>
           <p:nvPr/>
         </p:nvSpPr>
@@ -16253,7 +18100,7 @@
       </p:sp>
       <p:sp>
         <p:nvSpPr>
-          <p:cNvPr id="204" name="Google Shape;204;p26"/>
+          <p:cNvPr id="226" name="Google Shape;226;p28"/>
           <p:cNvSpPr txBox="1"/>
           <p:nvPr/>
         </p:nvSpPr>
@@ -16328,7 +18175,7 @@
       </p:sp>
       <p:sp>
         <p:nvSpPr>
-          <p:cNvPr id="205" name="Google Shape;205;p26"/>
+          <p:cNvPr id="227" name="Google Shape;227;p28"/>
           <p:cNvSpPr/>
           <p:nvPr/>
         </p:nvSpPr>
@@ -16374,7 +18221,7 @@
       </p:sp>
       <p:sp>
         <p:nvSpPr>
-          <p:cNvPr id="206" name="Google Shape;206;p26"/>
+          <p:cNvPr id="228" name="Google Shape;228;p28"/>
           <p:cNvSpPr txBox="1"/>
           <p:nvPr/>
         </p:nvSpPr>
@@ -16449,7 +18296,7 @@
       </p:sp>
       <p:sp>
         <p:nvSpPr>
-          <p:cNvPr id="207" name="Google Shape;207;p26"/>
+          <p:cNvPr id="229" name="Google Shape;229;p28"/>
           <p:cNvSpPr txBox="1"/>
           <p:nvPr/>
         </p:nvSpPr>
@@ -16524,7 +18371,7 @@
       </p:sp>
       <p:sp>
         <p:nvSpPr>
-          <p:cNvPr id="208" name="Google Shape;208;p26"/>
+          <p:cNvPr id="230" name="Google Shape;230;p28"/>
           <p:cNvSpPr txBox="1"/>
           <p:nvPr/>
         </p:nvSpPr>
@@ -16599,7 +18446,7 @@
       </p:sp>
       <p:sp>
         <p:nvSpPr>
-          <p:cNvPr id="209" name="Google Shape;209;p26"/>
+          <p:cNvPr id="231" name="Google Shape;231;p28"/>
           <p:cNvSpPr/>
           <p:nvPr/>
         </p:nvSpPr>
@@ -16645,7 +18492,7 @@
       </p:sp>
       <p:sp>
         <p:nvSpPr>
-          <p:cNvPr id="210" name="Google Shape;210;p26"/>
+          <p:cNvPr id="232" name="Google Shape;232;p28"/>
           <p:cNvSpPr txBox="1"/>
           <p:nvPr/>
         </p:nvSpPr>
@@ -16720,7 +18567,7 @@
       </p:sp>
       <p:sp>
         <p:nvSpPr>
-          <p:cNvPr id="211" name="Google Shape;211;p26"/>
+          <p:cNvPr id="233" name="Google Shape;233;p28"/>
           <p:cNvSpPr/>
           <p:nvPr/>
         </p:nvSpPr>
@@ -16766,7 +18613,7 @@
       </p:sp>
       <p:sp>
         <p:nvSpPr>
-          <p:cNvPr id="212" name="Google Shape;212;p26"/>
+          <p:cNvPr id="234" name="Google Shape;234;p28"/>
           <p:cNvSpPr/>
           <p:nvPr/>
         </p:nvSpPr>
@@ -16812,7 +18659,7 @@
       </p:sp>
       <p:sp>
         <p:nvSpPr>
-          <p:cNvPr id="213" name="Google Shape;213;p26"/>
+          <p:cNvPr id="235" name="Google Shape;235;p28"/>
           <p:cNvSpPr txBox="1"/>
           <p:nvPr/>
         </p:nvSpPr>
@@ -16887,7 +18734,7 @@
       </p:sp>
       <p:sp>
         <p:nvSpPr>
-          <p:cNvPr id="214" name="Google Shape;214;p26"/>
+          <p:cNvPr id="236" name="Google Shape;236;p28"/>
           <p:cNvSpPr/>
           <p:nvPr/>
         </p:nvSpPr>
@@ -16933,7 +18780,7 @@
       </p:sp>
       <p:sp>
         <p:nvSpPr>
-          <p:cNvPr id="215" name="Google Shape;215;p26"/>
+          <p:cNvPr id="237" name="Google Shape;237;p28"/>
           <p:cNvSpPr txBox="1"/>
           <p:nvPr/>
         </p:nvSpPr>
@@ -17008,7 +18855,7 @@
       </p:sp>
       <p:sp>
         <p:nvSpPr>
-          <p:cNvPr id="216" name="Google Shape;216;p26"/>
+          <p:cNvPr id="238" name="Google Shape;238;p28"/>
           <p:cNvSpPr/>
           <p:nvPr/>
         </p:nvSpPr>
@@ -17054,7 +18901,7 @@
       </p:sp>
       <p:sp>
         <p:nvSpPr>
-          <p:cNvPr id="217" name="Google Shape;217;p26"/>
+          <p:cNvPr id="239" name="Google Shape;239;p28"/>
           <p:cNvSpPr txBox="1"/>
           <p:nvPr/>
         </p:nvSpPr>
@@ -17129,7 +18976,7 @@
       </p:sp>
       <p:sp>
         <p:nvSpPr>
-          <p:cNvPr id="218" name="Google Shape;218;p26"/>
+          <p:cNvPr id="240" name="Google Shape;240;p28"/>
           <p:cNvSpPr/>
           <p:nvPr/>
         </p:nvSpPr>
@@ -17175,7 +19022,7 @@
       </p:sp>
       <p:sp>
         <p:nvSpPr>
-          <p:cNvPr id="219" name="Google Shape;219;p26"/>
+          <p:cNvPr id="241" name="Google Shape;241;p28"/>
           <p:cNvSpPr txBox="1"/>
           <p:nvPr/>
         </p:nvSpPr>
@@ -17250,7 +19097,7 @@
       </p:sp>
       <p:sp>
         <p:nvSpPr>
-          <p:cNvPr id="220" name="Google Shape;220;p26"/>
+          <p:cNvPr id="242" name="Google Shape;242;p28"/>
           <p:cNvSpPr/>
           <p:nvPr/>
         </p:nvSpPr>
@@ -17296,7 +19143,7 @@
       </p:sp>
       <p:sp>
         <p:nvSpPr>
-          <p:cNvPr id="221" name="Google Shape;221;p26"/>
+          <p:cNvPr id="243" name="Google Shape;243;p28"/>
           <p:cNvSpPr txBox="1"/>
           <p:nvPr/>
         </p:nvSpPr>
@@ -17367,7 +19214,7 @@
       </p:sp>
       <p:sp>
         <p:nvSpPr>
-          <p:cNvPr id="222" name="Google Shape;222;p26"/>
+          <p:cNvPr id="244" name="Google Shape;244;p28"/>
           <p:cNvSpPr txBox="1"/>
           <p:nvPr/>
         </p:nvSpPr>
@@ -17442,7 +19289,7 @@
       </p:sp>
       <p:sp>
         <p:nvSpPr>
-          <p:cNvPr id="223" name="Google Shape;223;p26"/>
+          <p:cNvPr id="245" name="Google Shape;245;p28"/>
           <p:cNvSpPr txBox="1"/>
           <p:nvPr/>
         </p:nvSpPr>
@@ -17513,7 +19360,7 @@
       </p:sp>
       <p:sp>
         <p:nvSpPr>
-          <p:cNvPr id="224" name="Google Shape;224;p26"/>
+          <p:cNvPr id="246" name="Google Shape;246;p28"/>
           <p:cNvSpPr/>
           <p:nvPr/>
         </p:nvSpPr>
@@ -17559,7 +19406,7 @@
       </p:sp>
       <p:sp>
         <p:nvSpPr>
-          <p:cNvPr id="225" name="Google Shape;225;p26"/>
+          <p:cNvPr id="247" name="Google Shape;247;p28"/>
           <p:cNvSpPr txBox="1"/>
           <p:nvPr/>
         </p:nvSpPr>
@@ -17634,7 +19481,7 @@
       </p:sp>
       <p:sp>
         <p:nvSpPr>
-          <p:cNvPr id="226" name="Google Shape;226;p26"/>
+          <p:cNvPr id="248" name="Google Shape;248;p28"/>
           <p:cNvSpPr/>
           <p:nvPr/>
         </p:nvSpPr>
@@ -17680,7 +19527,7 @@
       </p:sp>
       <p:sp>
         <p:nvSpPr>
-          <p:cNvPr id="227" name="Google Shape;227;p26"/>
+          <p:cNvPr id="249" name="Google Shape;249;p28"/>
           <p:cNvSpPr txBox="1"/>
           <p:nvPr/>
         </p:nvSpPr>
@@ -17755,7 +19602,7 @@
       </p:sp>
       <p:sp>
         <p:nvSpPr>
-          <p:cNvPr id="228" name="Google Shape;228;p26"/>
+          <p:cNvPr id="250" name="Google Shape;250;p28"/>
           <p:cNvSpPr/>
           <p:nvPr/>
         </p:nvSpPr>
@@ -17801,7 +19648,7 @@
       </p:sp>
       <p:sp>
         <p:nvSpPr>
-          <p:cNvPr id="229" name="Google Shape;229;p26"/>
+          <p:cNvPr id="251" name="Google Shape;251;p28"/>
           <p:cNvSpPr/>
           <p:nvPr/>
         </p:nvSpPr>
@@ -17847,7 +19694,7 @@
       </p:sp>
       <p:sp>
         <p:nvSpPr>
-          <p:cNvPr id="230" name="Google Shape;230;p26"/>
+          <p:cNvPr id="252" name="Google Shape;252;p28"/>
           <p:cNvSpPr/>
           <p:nvPr/>
         </p:nvSpPr>
@@ -17893,7 +19740,7 @@
       </p:sp>
       <p:sp>
         <p:nvSpPr>
-          <p:cNvPr id="231" name="Google Shape;231;p26"/>
+          <p:cNvPr id="253" name="Google Shape;253;p28"/>
           <p:cNvSpPr/>
           <p:nvPr/>
         </p:nvSpPr>
@@ -17939,7 +19786,7 @@
       </p:sp>
       <p:pic>
         <p:nvPicPr>
-          <p:cNvPr id="232" name="Google Shape;232;p26"/>
+          <p:cNvPr id="254" name="Google Shape;254;p28"/>
           <p:cNvPicPr preferRelativeResize="0"/>
           <p:nvPr/>
         </p:nvPicPr>
@@ -17978,7 +19825,7 @@
       </p:pic>
       <p:pic>
         <p:nvPicPr>
-          <p:cNvPr id="233" name="Google Shape;233;p26"/>
+          <p:cNvPr id="255" name="Google Shape;255;p28"/>
           <p:cNvPicPr preferRelativeResize="0"/>
           <p:nvPr/>
         </p:nvPicPr>
@@ -18017,7 +19864,7 @@
       </p:pic>
       <p:sp>
         <p:nvSpPr>
-          <p:cNvPr id="234" name="Google Shape;234;p26"/>
+          <p:cNvPr id="256" name="Google Shape;256;p28"/>
           <p:cNvSpPr/>
           <p:nvPr/>
         </p:nvSpPr>
@@ -18069,12 +19916,12 @@
 </p:sld>
 </file>
 
-<file path=ppt/slides/slide13.xml><?xml version="1.0" encoding="utf-8"?>
+<file path=ppt/slides/slide15.xml><?xml version="1.0" encoding="utf-8"?>
 <p:sld xmlns:a="http://schemas.openxmlformats.org/drawingml/2006/main" xmlns:r="http://schemas.openxmlformats.org/officeDocument/2006/relationships" xmlns:p="http://schemas.openxmlformats.org/presentationml/2006/main">
   <p:cSld>
     <p:spTree>
       <p:nvGrpSpPr>
-        <p:cNvPr id="1" name="Shape 238"/>
+        <p:cNvPr id="1" name="Shape 260"/>
         <p:cNvGrpSpPr/>
         <p:nvPr/>
       </p:nvGrpSpPr>
@@ -18088,7 +19935,7 @@
       </p:grpSpPr>
       <p:sp>
         <p:nvSpPr>
-          <p:cNvPr id="239" name="Google Shape;239;p27"/>
+          <p:cNvPr id="261" name="Google Shape;261;p29"/>
           <p:cNvSpPr txBox="1"/>
           <p:nvPr/>
         </p:nvSpPr>
@@ -18154,7 +20001,7 @@
       </p:sp>
       <p:sp>
         <p:nvSpPr>
-          <p:cNvPr id="240" name="Google Shape;240;p27"/>
+          <p:cNvPr id="262" name="Google Shape;262;p29"/>
           <p:cNvSpPr txBox="1"/>
           <p:nvPr/>
         </p:nvSpPr>
@@ -18230,7 +20077,7 @@
       </p:sp>
       <p:pic>
         <p:nvPicPr>
-          <p:cNvPr id="241" name="Google Shape;241;p27"/>
+          <p:cNvPr id="263" name="Google Shape;263;p29"/>
           <p:cNvPicPr preferRelativeResize="0"/>
           <p:nvPr/>
         </p:nvPicPr>
@@ -18269,12 +20116,12 @@
 </p:sld>
 </file>
 
-<file path=ppt/slides/slide14.xml><?xml version="1.0" encoding="utf-8"?>
+<file path=ppt/slides/slide16.xml><?xml version="1.0" encoding="utf-8"?>
 <p:sld xmlns:a="http://schemas.openxmlformats.org/drawingml/2006/main" xmlns:r="http://schemas.openxmlformats.org/officeDocument/2006/relationships" xmlns:p="http://schemas.openxmlformats.org/presentationml/2006/main">
   <p:cSld>
     <p:spTree>
       <p:nvGrpSpPr>
-        <p:cNvPr id="1" name="Shape 245"/>
+        <p:cNvPr id="1" name="Shape 267"/>
         <p:cNvGrpSpPr/>
         <p:nvPr/>
       </p:nvGrpSpPr>
@@ -18288,7 +20135,7 @@
       </p:grpSpPr>
       <p:sp>
         <p:nvSpPr>
-          <p:cNvPr id="246" name="Google Shape;246;p28"/>
+          <p:cNvPr id="268" name="Google Shape;268;p30"/>
           <p:cNvSpPr txBox="1"/>
           <p:nvPr/>
         </p:nvSpPr>
@@ -18354,7 +20201,7 @@
       </p:sp>
       <p:sp>
         <p:nvSpPr>
-          <p:cNvPr id="247" name="Google Shape;247;p28"/>
+          <p:cNvPr id="269" name="Google Shape;269;p30"/>
           <p:cNvSpPr txBox="1"/>
           <p:nvPr/>
         </p:nvSpPr>
@@ -18617,7 +20464,7 @@
       </p:sp>
       <p:pic>
         <p:nvPicPr>
-          <p:cNvPr id="248" name="Google Shape;248;p28"/>
+          <p:cNvPr id="270" name="Google Shape;270;p30"/>
           <p:cNvPicPr preferRelativeResize="0"/>
           <p:nvPr/>
         </p:nvPicPr>
@@ -18656,14 +20503,14 @@
       </p:pic>
       <p:sp>
         <p:nvSpPr>
-          <p:cNvPr id="249" name="Google Shape;249;p28"/>
+          <p:cNvPr id="271" name="Google Shape;271;p30"/>
           <p:cNvSpPr txBox="1"/>
           <p:nvPr/>
         </p:nvSpPr>
         <p:spPr>
           <a:xfrm>
             <a:off x="121850" y="1374075"/>
-            <a:ext cx="2323800" cy="554100"/>
+            <a:ext cx="2323800" cy="738900"/>
           </a:xfrm>
           <a:prstGeom prst="rect">
             <a:avLst/>
@@ -18696,18 +20543,34 @@
               <a:buFont typeface="Arial"/>
               <a:buNone/>
             </a:pPr>
-            <a:r>
-              <a:rPr lang="en" sz="1200">
-                <a:solidFill>
-                  <a:srgbClr val="0F0F0F"/>
-                </a:solidFill>
-                <a:latin typeface="Calibri"/>
-                <a:ea typeface="Calibri"/>
-                <a:cs typeface="Calibri"/>
-                <a:sym typeface="Calibri"/>
-              </a:rPr>
-              <a:t>Autodesk - 1,350 workers</a:t>
-            </a:r>
+            <a:endParaRPr sz="1200">
+              <a:solidFill>
+                <a:schemeClr val="dk1"/>
+              </a:solidFill>
+              <a:latin typeface="Calibri"/>
+              <a:ea typeface="Calibri"/>
+              <a:cs typeface="Calibri"/>
+              <a:sym typeface="Calibri"/>
+            </a:endParaRPr>
+          </a:p>
+          <a:p>
+            <a:pPr marL="0" marR="0" lvl="0" indent="0" algn="l" rtl="0">
+              <a:lnSpc>
+                <a:spcPct val="100000"/>
+              </a:lnSpc>
+              <a:spcBef>
+                <a:spcPts val="0"/>
+              </a:spcBef>
+              <a:spcAft>
+                <a:spcPts val="0"/>
+              </a:spcAft>
+              <a:buClr>
+                <a:srgbClr val="000000"/>
+              </a:buClr>
+              <a:buSzPts val="1300"/>
+              <a:buFont typeface="Arial"/>
+              <a:buNone/>
+            </a:pPr>
             <a:endParaRPr sz="1200">
               <a:solidFill>
                 <a:srgbClr val="0F0F0F"/>
@@ -18736,6 +20599,108 @@
               <a:buFont typeface="Arial"/>
               <a:buNone/>
             </a:pPr>
+            <a:endParaRPr sz="1200">
+              <a:solidFill>
+                <a:srgbClr val="0F0F0F"/>
+              </a:solidFill>
+              <a:latin typeface="Calibri"/>
+              <a:ea typeface="Calibri"/>
+              <a:cs typeface="Calibri"/>
+              <a:sym typeface="Calibri"/>
+            </a:endParaRPr>
+          </a:p>
+        </p:txBody>
+      </p:sp>
+      <p:sp>
+        <p:nvSpPr>
+          <p:cNvPr id="272" name="Google Shape;272;p30"/>
+          <p:cNvSpPr txBox="1"/>
+          <p:nvPr/>
+        </p:nvSpPr>
+        <p:spPr>
+          <a:xfrm>
+            <a:off x="295050" y="981463"/>
+            <a:ext cx="2950500" cy="415500"/>
+          </a:xfrm>
+          <a:prstGeom prst="rect">
+            <a:avLst/>
+          </a:prstGeom>
+          <a:noFill/>
+          <a:ln>
+            <a:noFill/>
+          </a:ln>
+        </p:spPr>
+        <p:txBody>
+          <a:bodyPr spcFirstLastPara="1" wrap="square" lIns="91425" tIns="91425" rIns="91425" bIns="91425" anchor="t" anchorCtr="0">
+            <a:spAutoFit/>
+          </a:bodyPr>
+          <a:lstStyle/>
+          <a:p>
+            <a:pPr marL="0" lvl="0" indent="0" algn="l" rtl="0">
+              <a:lnSpc>
+                <a:spcPct val="115000"/>
+              </a:lnSpc>
+              <a:spcBef>
+                <a:spcPts val="0"/>
+              </a:spcBef>
+              <a:spcAft>
+                <a:spcPts val="1800"/>
+              </a:spcAft>
+              <a:buNone/>
+            </a:pPr>
+            <a:endParaRPr sz="1500">
+              <a:solidFill>
+                <a:srgbClr val="4F4F4F"/>
+              </a:solidFill>
+              <a:highlight>
+                <a:srgbClr val="FFFFFF"/>
+              </a:highlight>
+            </a:endParaRPr>
+          </a:p>
+        </p:txBody>
+      </p:sp>
+      <p:sp>
+        <p:nvSpPr>
+          <p:cNvPr id="273" name="Google Shape;273;p30"/>
+          <p:cNvSpPr txBox="1"/>
+          <p:nvPr/>
+        </p:nvSpPr>
+        <p:spPr>
+          <a:xfrm>
+            <a:off x="121850" y="1249000"/>
+            <a:ext cx="4221900" cy="2142600"/>
+          </a:xfrm>
+          <a:prstGeom prst="rect">
+            <a:avLst/>
+          </a:prstGeom>
+          <a:solidFill>
+            <a:srgbClr val="FFF2CC"/>
+          </a:solidFill>
+          <a:ln w="9525" cap="flat" cmpd="sng">
+            <a:solidFill>
+              <a:srgbClr val="FF0000"/>
+            </a:solidFill>
+            <a:prstDash val="solid"/>
+            <a:round/>
+            <a:headEnd type="none" w="sm" len="sm"/>
+            <a:tailEnd type="none" w="sm" len="sm"/>
+          </a:ln>
+        </p:spPr>
+        <p:txBody>
+          <a:bodyPr spcFirstLastPara="1" wrap="square" lIns="9125" tIns="9125" rIns="9125" bIns="9125" anchor="t" anchorCtr="0">
+            <a:spAutoFit/>
+          </a:bodyPr>
+          <a:lstStyle/>
+          <a:p>
+            <a:pPr marL="57150" lvl="0" indent="0" algn="l" rtl="0">
+              <a:spcBef>
+                <a:spcPts val="0"/>
+              </a:spcBef>
+              <a:spcAft>
+                <a:spcPts val="0"/>
+              </a:spcAft>
+              <a:buNone/>
+            </a:pPr>
             <a:r>
               <a:rPr lang="en" sz="1200">
                 <a:solidFill>
@@ -18746,7 +20711,77 @@
                 <a:cs typeface="Calibri"/>
                 <a:sym typeface="Calibri"/>
               </a:rPr>
-              <a:t>Hewlett-Packard - 2,000 people</a:t>
+              <a:t>The latest layoffs across US tech companies</a:t>
+            </a:r>
+            <a:endParaRPr sz="1200">
+              <a:solidFill>
+                <a:srgbClr val="0F0F0F"/>
+              </a:solidFill>
+              <a:latin typeface="Calibri"/>
+              <a:ea typeface="Calibri"/>
+              <a:cs typeface="Calibri"/>
+              <a:sym typeface="Calibri"/>
+            </a:endParaRPr>
+          </a:p>
+          <a:p>
+            <a:pPr marL="228600" lvl="0" indent="-114300" algn="l" rtl="0">
+              <a:spcBef>
+                <a:spcPts val="0"/>
+              </a:spcBef>
+              <a:spcAft>
+                <a:spcPts val="0"/>
+              </a:spcAft>
+              <a:buSzPts val="900"/>
+              <a:buFont typeface="Calibri"/>
+              <a:buChar char="●"/>
+            </a:pPr>
+            <a:r>
+              <a:rPr lang="en" sz="900" u="sng">
+                <a:solidFill>
+                  <a:schemeClr val="hlink"/>
+                </a:solidFill>
+                <a:latin typeface="Calibri"/>
+                <a:ea typeface="Calibri"/>
+                <a:cs typeface="Calibri"/>
+                <a:sym typeface="Calibri"/>
+                <a:hlinkClick r:id="rId8"/>
+              </a:rPr>
+              <a:t>https://news.crunchbase.com/startups/tech-layoffs/</a:t>
+            </a:r>
+            <a:endParaRPr sz="900">
+              <a:solidFill>
+                <a:schemeClr val="dk1"/>
+              </a:solidFill>
+              <a:latin typeface="Calibri"/>
+              <a:ea typeface="Calibri"/>
+              <a:cs typeface="Calibri"/>
+              <a:sym typeface="Calibri"/>
+            </a:endParaRPr>
+          </a:p>
+          <a:p>
+            <a:pPr marL="228600" lvl="0" indent="-114300" algn="l" rtl="0">
+              <a:spcBef>
+                <a:spcPts val="0"/>
+              </a:spcBef>
+              <a:spcAft>
+                <a:spcPts val="0"/>
+              </a:spcAft>
+              <a:buSzPts val="900"/>
+              <a:buFont typeface="Calibri"/>
+              <a:buChar char="●"/>
+            </a:pPr>
+            <a:r>
+              <a:rPr lang="en" sz="900" u="sng">
+                <a:solidFill>
+                  <a:schemeClr val="hlink"/>
+                </a:solidFill>
+                <a:latin typeface="Calibri"/>
+                <a:ea typeface="Calibri"/>
+                <a:cs typeface="Calibri"/>
+                <a:sym typeface="Calibri"/>
+                <a:hlinkClick r:id="rId9"/>
+              </a:rPr>
+              <a:t>https://www.trueup.io/layoffs</a:t>
             </a:r>
             <a:endParaRPr sz="900">
               <a:solidFill>
@@ -18758,8 +20793,354 @@
               <a:sym typeface="Calibri"/>
             </a:endParaRPr>
           </a:p>
+          <a:p>
+            <a:pPr marL="0" lvl="0" indent="0" algn="l" rtl="0">
+              <a:spcBef>
+                <a:spcPts val="0"/>
+              </a:spcBef>
+              <a:spcAft>
+                <a:spcPts val="0"/>
+              </a:spcAft>
+              <a:buClr>
+                <a:schemeClr val="dk1"/>
+              </a:buClr>
+              <a:buSzPts val="1100"/>
+              <a:buFont typeface="Arial"/>
+              <a:buNone/>
+            </a:pPr>
+            <a:endParaRPr sz="1200">
+              <a:solidFill>
+                <a:srgbClr val="0F0F0F"/>
+              </a:solidFill>
+              <a:latin typeface="Calibri"/>
+              <a:ea typeface="Calibri"/>
+              <a:cs typeface="Calibri"/>
+              <a:sym typeface="Calibri"/>
+            </a:endParaRPr>
+          </a:p>
+          <a:p>
+            <a:pPr marL="171450" lvl="0" indent="-133350" algn="l" rtl="0">
+              <a:spcBef>
+                <a:spcPts val="0"/>
+              </a:spcBef>
+              <a:spcAft>
+                <a:spcPts val="0"/>
+              </a:spcAft>
+              <a:buClr>
+                <a:schemeClr val="dk1"/>
+              </a:buClr>
+              <a:buSzPts val="1200"/>
+              <a:buFont typeface="Calibri"/>
+              <a:buChar char="●"/>
+            </a:pPr>
+            <a:r>
+              <a:rPr lang="en" sz="1200">
+                <a:solidFill>
+                  <a:srgbClr val="0F0F0F"/>
+                </a:solidFill>
+                <a:latin typeface="Calibri"/>
+                <a:ea typeface="Calibri"/>
+                <a:cs typeface="Calibri"/>
+                <a:sym typeface="Calibri"/>
+              </a:rPr>
+              <a:t>in 2025: so far 34,803 workers (167 layoffs, 535 people per day).</a:t>
+            </a:r>
+            <a:br>
+              <a:rPr lang="en" sz="1200">
+                <a:solidFill>
+                  <a:srgbClr val="0F0F0F"/>
+                </a:solidFill>
+                <a:latin typeface="Calibri"/>
+                <a:ea typeface="Calibri"/>
+                <a:cs typeface="Calibri"/>
+                <a:sym typeface="Calibri"/>
+              </a:rPr>
+            </a:br>
+            <a:r>
+              <a:rPr lang="en" sz="1200">
+                <a:solidFill>
+                  <a:schemeClr val="dk1"/>
+                </a:solidFill>
+                <a:latin typeface="Calibri"/>
+                <a:ea typeface="Calibri"/>
+                <a:cs typeface="Calibri"/>
+                <a:sym typeface="Calibri"/>
+              </a:rPr>
+              <a:t>for week ending Feb. 28, 2025: at least 6,071, including:</a:t>
+            </a:r>
+            <a:endParaRPr sz="1200">
+              <a:solidFill>
+                <a:schemeClr val="dk1"/>
+              </a:solidFill>
+              <a:latin typeface="Calibri"/>
+              <a:ea typeface="Calibri"/>
+              <a:cs typeface="Calibri"/>
+              <a:sym typeface="Calibri"/>
+            </a:endParaRPr>
+          </a:p>
+          <a:p>
+            <a:pPr marL="457200" lvl="0" indent="0" algn="l" rtl="0">
+              <a:spcBef>
+                <a:spcPts val="0"/>
+              </a:spcBef>
+              <a:spcAft>
+                <a:spcPts val="0"/>
+              </a:spcAft>
+              <a:buClr>
+                <a:schemeClr val="dk1"/>
+              </a:buClr>
+              <a:buSzPts val="1300"/>
+              <a:buFont typeface="Arial"/>
+              <a:buNone/>
+            </a:pPr>
+            <a:r>
+              <a:rPr lang="en" sz="1200">
+                <a:solidFill>
+                  <a:srgbClr val="0F0F0F"/>
+                </a:solidFill>
+                <a:latin typeface="Calibri"/>
+                <a:ea typeface="Calibri"/>
+                <a:cs typeface="Calibri"/>
+                <a:sym typeface="Calibri"/>
+              </a:rPr>
+              <a:t>Autodesk - 1,350 people</a:t>
+            </a:r>
+            <a:endParaRPr sz="1200">
+              <a:solidFill>
+                <a:srgbClr val="0F0F0F"/>
+              </a:solidFill>
+              <a:latin typeface="Calibri"/>
+              <a:ea typeface="Calibri"/>
+              <a:cs typeface="Calibri"/>
+              <a:sym typeface="Calibri"/>
+            </a:endParaRPr>
+          </a:p>
+          <a:p>
+            <a:pPr marL="457200" lvl="0" indent="0" algn="l" rtl="0">
+              <a:spcBef>
+                <a:spcPts val="0"/>
+              </a:spcBef>
+              <a:spcAft>
+                <a:spcPts val="0"/>
+              </a:spcAft>
+              <a:buClr>
+                <a:schemeClr val="dk1"/>
+              </a:buClr>
+              <a:buSzPts val="1300"/>
+              <a:buFont typeface="Arial"/>
+              <a:buNone/>
+            </a:pPr>
+            <a:r>
+              <a:rPr lang="en" sz="1200">
+                <a:solidFill>
+                  <a:srgbClr val="0F0F0F"/>
+                </a:solidFill>
+                <a:latin typeface="Calibri"/>
+                <a:ea typeface="Calibri"/>
+                <a:cs typeface="Calibri"/>
+                <a:sym typeface="Calibri"/>
+              </a:rPr>
+              <a:t>Hewlett-Packard - 2,000 people</a:t>
+            </a:r>
+            <a:endParaRPr sz="1200">
+              <a:solidFill>
+                <a:srgbClr val="0F0F0F"/>
+              </a:solidFill>
+              <a:latin typeface="Calibri"/>
+              <a:ea typeface="Calibri"/>
+              <a:cs typeface="Calibri"/>
+              <a:sym typeface="Calibri"/>
+            </a:endParaRPr>
+          </a:p>
+          <a:p>
+            <a:pPr marL="457200" lvl="0" indent="0" algn="l" rtl="0">
+              <a:spcBef>
+                <a:spcPts val="0"/>
+              </a:spcBef>
+              <a:spcAft>
+                <a:spcPts val="0"/>
+              </a:spcAft>
+              <a:buClr>
+                <a:schemeClr val="dk1"/>
+              </a:buClr>
+              <a:buSzPts val="1300"/>
+              <a:buFont typeface="Arial"/>
+              <a:buNone/>
+            </a:pPr>
+            <a:r>
+              <a:rPr lang="en" sz="1200">
+                <a:solidFill>
+                  <a:srgbClr val="0F0F0F"/>
+                </a:solidFill>
+                <a:latin typeface="Calibri"/>
+                <a:ea typeface="Calibri"/>
+                <a:cs typeface="Calibri"/>
+                <a:sym typeface="Calibri"/>
+              </a:rPr>
+              <a:t>Onsemi - 2,400 people</a:t>
+            </a:r>
+            <a:endParaRPr sz="1200">
+              <a:solidFill>
+                <a:schemeClr val="dk1"/>
+              </a:solidFill>
+              <a:latin typeface="Calibri"/>
+              <a:ea typeface="Calibri"/>
+              <a:cs typeface="Calibri"/>
+              <a:sym typeface="Calibri"/>
+            </a:endParaRPr>
+          </a:p>
+          <a:p>
+            <a:pPr marL="171450" lvl="0" indent="-133350" algn="l" rtl="0">
+              <a:spcBef>
+                <a:spcPts val="0"/>
+              </a:spcBef>
+              <a:spcAft>
+                <a:spcPts val="0"/>
+              </a:spcAft>
+              <a:buClr>
+                <a:schemeClr val="dk1"/>
+              </a:buClr>
+              <a:buSzPts val="1200"/>
+              <a:buFont typeface="Calibri"/>
+              <a:buChar char="●"/>
+            </a:pPr>
+            <a:r>
+              <a:rPr lang="en" sz="1200">
+                <a:solidFill>
+                  <a:schemeClr val="dk1"/>
+                </a:solidFill>
+                <a:latin typeface="Calibri"/>
+                <a:ea typeface="Calibri"/>
+                <a:cs typeface="Calibri"/>
+                <a:sym typeface="Calibri"/>
+              </a:rPr>
+              <a:t>In 2024: At least 95,667 workers</a:t>
+            </a:r>
+            <a:endParaRPr sz="1200">
+              <a:solidFill>
+                <a:schemeClr val="dk1"/>
+              </a:solidFill>
+              <a:latin typeface="Calibri"/>
+              <a:ea typeface="Calibri"/>
+              <a:cs typeface="Calibri"/>
+              <a:sym typeface="Calibri"/>
+            </a:endParaRPr>
+          </a:p>
+          <a:p>
+            <a:pPr marL="171450" lvl="0" indent="-133350" algn="l" rtl="0">
+              <a:spcBef>
+                <a:spcPts val="0"/>
+              </a:spcBef>
+              <a:spcAft>
+                <a:spcPts val="0"/>
+              </a:spcAft>
+              <a:buClr>
+                <a:schemeClr val="dk1"/>
+              </a:buClr>
+              <a:buSzPts val="1200"/>
+              <a:buFont typeface="Calibri"/>
+              <a:buChar char="●"/>
+            </a:pPr>
+            <a:r>
+              <a:rPr lang="en" sz="1200">
+                <a:solidFill>
+                  <a:schemeClr val="dk1"/>
+                </a:solidFill>
+                <a:latin typeface="Calibri"/>
+                <a:ea typeface="Calibri"/>
+                <a:cs typeface="Calibri"/>
+                <a:sym typeface="Calibri"/>
+              </a:rPr>
+              <a:t>In 2023: More than 191,000 workers </a:t>
+            </a:r>
+            <a:endParaRPr sz="1200">
+              <a:solidFill>
+                <a:schemeClr val="dk1"/>
+              </a:solidFill>
+              <a:latin typeface="Calibri"/>
+              <a:ea typeface="Calibri"/>
+              <a:cs typeface="Calibri"/>
+              <a:sym typeface="Calibri"/>
+            </a:endParaRPr>
+          </a:p>
+          <a:p>
+            <a:pPr marL="171450" lvl="0" indent="-133350" algn="l" rtl="0">
+              <a:spcBef>
+                <a:spcPts val="0"/>
+              </a:spcBef>
+              <a:spcAft>
+                <a:spcPts val="0"/>
+              </a:spcAft>
+              <a:buClr>
+                <a:schemeClr val="dk1"/>
+              </a:buClr>
+              <a:buSzPts val="1200"/>
+              <a:buFont typeface="Calibri"/>
+              <a:buChar char="●"/>
+            </a:pPr>
+            <a:r>
+              <a:rPr lang="en" sz="1200">
+                <a:solidFill>
+                  <a:schemeClr val="dk1"/>
+                </a:solidFill>
+                <a:latin typeface="Calibri"/>
+                <a:ea typeface="Calibri"/>
+                <a:cs typeface="Calibri"/>
+                <a:sym typeface="Calibri"/>
+              </a:rPr>
+              <a:t>In 2022: More than 93,000 workers</a:t>
+            </a:r>
+            <a:endParaRPr sz="1200">
+              <a:solidFill>
+                <a:schemeClr val="dk1"/>
+              </a:solidFill>
+              <a:latin typeface="Calibri"/>
+              <a:ea typeface="Calibri"/>
+              <a:cs typeface="Calibri"/>
+              <a:sym typeface="Calibri"/>
+            </a:endParaRPr>
+          </a:p>
         </p:txBody>
       </p:sp>
+      <p:pic>
+        <p:nvPicPr>
+          <p:cNvPr id="274" name="Google Shape;274;p30"/>
+          <p:cNvPicPr preferRelativeResize="0"/>
+          <p:nvPr/>
+        </p:nvPicPr>
+        <p:blipFill>
+          <a:blip r:embed="rId10" cstate="email">
+            <a:alphaModFix/>
+            <a:extLst>
+              <a:ext uri="{28A0092B-C50C-407E-A947-70E740481C1C}">
+                <a14:useLocalDpi xmlns:a14="http://schemas.microsoft.com/office/drawing/2010/main"/>
+              </a:ext>
+            </a:extLst>
+          </a:blip>
+          <a:stretch>
+            <a:fillRect/>
+          </a:stretch>
+        </p:blipFill>
+        <p:spPr>
+          <a:xfrm>
+            <a:off x="4505350" y="2301326"/>
+            <a:ext cx="4569798" cy="2579725"/>
+          </a:xfrm>
+          <a:prstGeom prst="rect">
+            <a:avLst/>
+          </a:prstGeom>
+          <a:noFill/>
+          <a:ln w="9525" cap="flat" cmpd="sng">
+            <a:solidFill>
+              <a:srgbClr val="FF0000"/>
+            </a:solidFill>
+            <a:prstDash val="solid"/>
+            <a:round/>
+            <a:headEnd type="none" w="sm" len="sm"/>
+            <a:tailEnd type="none" w="sm" len="sm"/>
+          </a:ln>
+        </p:spPr>
+      </p:pic>
     </p:spTree>
   </p:cSld>
   <p:clrMapOvr>
@@ -18768,12 +21149,12 @@
 </p:sld>
 </file>
 
-<file path=ppt/slides/slide15.xml><?xml version="1.0" encoding="utf-8"?>
+<file path=ppt/slides/slide17.xml><?xml version="1.0" encoding="utf-8"?>
 <p:sld xmlns:a="http://schemas.openxmlformats.org/drawingml/2006/main" xmlns:r="http://schemas.openxmlformats.org/officeDocument/2006/relationships" xmlns:p="http://schemas.openxmlformats.org/presentationml/2006/main">
   <p:cSld>
     <p:spTree>
       <p:nvGrpSpPr>
-        <p:cNvPr id="1" name="Shape 253"/>
+        <p:cNvPr id="1" name="Shape 278"/>
         <p:cNvGrpSpPr/>
         <p:nvPr/>
       </p:nvGrpSpPr>
@@ -18787,7 +21168,7 @@
       </p:grpSpPr>
       <p:sp>
         <p:nvSpPr>
-          <p:cNvPr id="254" name="Google Shape;254;p29"/>
+          <p:cNvPr id="279" name="Google Shape;279;p31"/>
           <p:cNvSpPr txBox="1"/>
           <p:nvPr/>
         </p:nvSpPr>
@@ -18850,7 +21231,7 @@
       </p:sp>
       <p:sp>
         <p:nvSpPr>
-          <p:cNvPr id="255" name="Google Shape;255;p29"/>
+          <p:cNvPr id="280" name="Google Shape;280;p31"/>
           <p:cNvSpPr txBox="1"/>
           <p:nvPr/>
         </p:nvSpPr>
@@ -18916,7 +21297,7 @@
       </p:sp>
       <p:sp>
         <p:nvSpPr>
-          <p:cNvPr id="256" name="Google Shape;256;p29"/>
+          <p:cNvPr id="281" name="Google Shape;281;p31"/>
           <p:cNvSpPr txBox="1"/>
           <p:nvPr/>
         </p:nvSpPr>
@@ -20123,7 +22504,7 @@
       </p:sp>
       <p:sp>
         <p:nvSpPr>
-          <p:cNvPr id="257" name="Google Shape;257;p29"/>
+          <p:cNvPr id="282" name="Google Shape;282;p31"/>
           <p:cNvSpPr txBox="1"/>
           <p:nvPr/>
         </p:nvSpPr>
@@ -21339,7 +23720,7 @@
       </p:sp>
       <p:pic>
         <p:nvPicPr>
-          <p:cNvPr id="258" name="Google Shape;258;p29"/>
+          <p:cNvPr id="283" name="Google Shape;283;p31"/>
           <p:cNvPicPr preferRelativeResize="0"/>
           <p:nvPr/>
         </p:nvPicPr>
@@ -21384,12 +23765,12 @@
 </p:sld>
 </file>
 
-<file path=ppt/slides/slide16.xml><?xml version="1.0" encoding="utf-8"?>
+<file path=ppt/slides/slide18.xml><?xml version="1.0" encoding="utf-8"?>
 <p:sld xmlns:a="http://schemas.openxmlformats.org/drawingml/2006/main" xmlns:r="http://schemas.openxmlformats.org/officeDocument/2006/relationships" xmlns:p="http://schemas.openxmlformats.org/presentationml/2006/main">
   <p:cSld>
     <p:spTree>
       <p:nvGrpSpPr>
-        <p:cNvPr id="1" name="Shape 262"/>
+        <p:cNvPr id="1" name="Shape 287"/>
         <p:cNvGrpSpPr/>
         <p:nvPr/>
       </p:nvGrpSpPr>
@@ -21403,7 +23784,7 @@
       </p:grpSpPr>
       <p:pic>
         <p:nvPicPr>
-          <p:cNvPr id="263" name="Google Shape;263;p30"/>
+          <p:cNvPr id="288" name="Google Shape;288;p32"/>
           <p:cNvPicPr preferRelativeResize="0"/>
           <p:nvPr/>
         </p:nvPicPr>
@@ -21435,7 +23816,7 @@
       </p:pic>
       <p:sp>
         <p:nvSpPr>
-          <p:cNvPr id="264" name="Google Shape;264;p30"/>
+          <p:cNvPr id="289" name="Google Shape;289;p32"/>
           <p:cNvSpPr txBox="1"/>
           <p:nvPr/>
         </p:nvSpPr>
@@ -21501,7 +23882,7 @@
       </p:sp>
       <p:sp>
         <p:nvSpPr>
-          <p:cNvPr id="265" name="Google Shape;265;p30"/>
+          <p:cNvPr id="290" name="Google Shape;290;p32"/>
           <p:cNvSpPr txBox="1"/>
           <p:nvPr/>
         </p:nvSpPr>
@@ -21931,7 +24312,7 @@
       </p:sp>
       <p:pic>
         <p:nvPicPr>
-          <p:cNvPr id="266" name="Google Shape;266;p30"/>
+          <p:cNvPr id="291" name="Google Shape;291;p32"/>
           <p:cNvPicPr preferRelativeResize="0"/>
           <p:nvPr/>
         </p:nvPicPr>
@@ -21963,7 +24344,7 @@
       </p:pic>
       <p:sp>
         <p:nvSpPr>
-          <p:cNvPr id="267" name="Google Shape;267;p30"/>
+          <p:cNvPr id="292" name="Google Shape;292;p32"/>
           <p:cNvSpPr txBox="1"/>
           <p:nvPr/>
         </p:nvSpPr>
@@ -22042,7 +24423,7 @@
       </p:sp>
       <p:sp>
         <p:nvSpPr>
-          <p:cNvPr id="268" name="Google Shape;268;p30"/>
+          <p:cNvPr id="293" name="Google Shape;293;p32"/>
           <p:cNvSpPr txBox="1"/>
           <p:nvPr/>
         </p:nvSpPr>
@@ -22114,12 +24495,12 @@
 </p:sld>
 </file>
 
-<file path=ppt/slides/slide17.xml><?xml version="1.0" encoding="utf-8"?>
+<file path=ppt/slides/slide19.xml><?xml version="1.0" encoding="utf-8"?>
 <p:sld xmlns:a="http://schemas.openxmlformats.org/drawingml/2006/main" xmlns:r="http://schemas.openxmlformats.org/officeDocument/2006/relationships" xmlns:p="http://schemas.openxmlformats.org/presentationml/2006/main">
   <p:cSld>
     <p:spTree>
       <p:nvGrpSpPr>
-        <p:cNvPr id="1" name="Shape 272"/>
+        <p:cNvPr id="1" name="Shape 297"/>
         <p:cNvGrpSpPr/>
         <p:nvPr/>
       </p:nvGrpSpPr>
@@ -22133,7 +24514,7 @@
       </p:grpSpPr>
       <p:sp>
         <p:nvSpPr>
-          <p:cNvPr id="273" name="Google Shape;273;p31"/>
+          <p:cNvPr id="298" name="Google Shape;298;p33"/>
           <p:cNvSpPr txBox="1"/>
           <p:nvPr/>
         </p:nvSpPr>
@@ -23538,7 +25919,7 @@
         <p:spPr>
           <a:xfrm>
             <a:off x="55075" y="426375"/>
-            <a:ext cx="4512900" cy="4174500"/>
+            <a:ext cx="4512900" cy="4312800"/>
           </a:xfrm>
           <a:prstGeom prst="rect">
             <a:avLst/>
@@ -23962,6 +26343,56 @@
             </a:endParaRPr>
           </a:p>
           <a:p>
+            <a:pPr marL="171450" lvl="0" indent="-114300" algn="l" rtl="0">
+              <a:spcBef>
+                <a:spcPts val="0"/>
+              </a:spcBef>
+              <a:spcAft>
+                <a:spcPts val="0"/>
+              </a:spcAft>
+              <a:buClr>
+                <a:schemeClr val="dk1"/>
+              </a:buClr>
+              <a:buSzPts val="900"/>
+              <a:buFont typeface="Calibri"/>
+              <a:buChar char="●"/>
+            </a:pPr>
+            <a:r>
+              <a:rPr lang="en" sz="900" u="sng">
+                <a:solidFill>
+                  <a:schemeClr val="hlink"/>
+                </a:solidFill>
+                <a:latin typeface="Calibri"/>
+                <a:ea typeface="Calibri"/>
+                <a:cs typeface="Calibri"/>
+                <a:sym typeface="Calibri"/>
+                <a:hlinkClick r:id="rId7"/>
+              </a:rPr>
+              <a:t>https://www.youtube.com/watch?v=X1rD3NhlIcE</a:t>
+            </a:r>
+            <a:r>
+              <a:rPr lang="en" sz="900">
+                <a:solidFill>
+                  <a:schemeClr val="dk1"/>
+                </a:solidFill>
+                <a:latin typeface="Calibri"/>
+                <a:ea typeface="Calibri"/>
+                <a:cs typeface="Calibri"/>
+                <a:sym typeface="Calibri"/>
+              </a:rPr>
+              <a:t> - video</a:t>
+            </a:r>
+            <a:endParaRPr sz="900">
+              <a:solidFill>
+                <a:schemeClr val="dk1"/>
+              </a:solidFill>
+              <a:latin typeface="Calibri"/>
+              <a:ea typeface="Calibri"/>
+              <a:cs typeface="Calibri"/>
+              <a:sym typeface="Calibri"/>
+            </a:endParaRPr>
+          </a:p>
+          <a:p>
             <a:pPr marL="171450" lvl="0" indent="-133350" algn="l" rtl="0">
               <a:spcBef>
                 <a:spcPts val="0"/>
@@ -24130,7 +26561,7 @@
           <p:nvPr/>
         </p:nvPicPr>
         <p:blipFill>
-          <a:blip r:embed="rId7" cstate="email">
+          <a:blip r:embed="rId8" cstate="email">
             <a:alphaModFix/>
             <a:extLst>
               <a:ext uri="{28A0092B-C50C-407E-A947-70E740481C1C}">
@@ -24273,7 +26704,7 @@
           <p:nvPr/>
         </p:nvPicPr>
         <p:blipFill>
-          <a:blip r:embed="rId8" cstate="email">
+          <a:blip r:embed="rId9" cstate="email">
             <a:alphaModFix/>
             <a:extLst>
               <a:ext uri="{28A0092B-C50C-407E-A947-70E740481C1C}">
@@ -28098,73 +30529,7 @@
         </p:nvSpPr>
         <p:spPr>
           <a:xfrm>
-            <a:off x="5460100" y="4344650"/>
-            <a:ext cx="582600" cy="203100"/>
-          </a:xfrm>
-          <a:prstGeom prst="rect">
-            <a:avLst/>
-          </a:prstGeom>
-          <a:solidFill>
-            <a:srgbClr val="D9EAD3"/>
-          </a:solidFill>
-          <a:ln w="9525" cap="flat" cmpd="sng">
-            <a:solidFill>
-              <a:srgbClr val="FF0000"/>
-            </a:solidFill>
-            <a:prstDash val="solid"/>
-            <a:round/>
-            <a:headEnd type="none" w="sm" len="sm"/>
-            <a:tailEnd type="none" w="sm" len="sm"/>
-          </a:ln>
-        </p:spPr>
-        <p:txBody>
-          <a:bodyPr spcFirstLastPara="1" wrap="square" lIns="9125" tIns="9125" rIns="9125" bIns="9125" anchor="t" anchorCtr="0">
-            <a:spAutoFit/>
-          </a:bodyPr>
-          <a:lstStyle/>
-          <a:p>
-            <a:pPr marL="0" lvl="0" indent="0" algn="ctr" rtl="0">
-              <a:spcBef>
-                <a:spcPts val="0"/>
-              </a:spcBef>
-              <a:spcAft>
-                <a:spcPts val="0"/>
-              </a:spcAft>
-              <a:buNone/>
-            </a:pPr>
-            <a:r>
-              <a:rPr lang="en" sz="1200">
-                <a:solidFill>
-                  <a:schemeClr val="dk1"/>
-                </a:solidFill>
-                <a:latin typeface="Calibri"/>
-                <a:ea typeface="Calibri"/>
-                <a:cs typeface="Calibri"/>
-                <a:sym typeface="Calibri"/>
-              </a:rPr>
-              <a:t>Nvidia</a:t>
-            </a:r>
-            <a:endParaRPr sz="900">
-              <a:solidFill>
-                <a:schemeClr val="dk1"/>
-              </a:solidFill>
-              <a:latin typeface="Calibri"/>
-              <a:ea typeface="Calibri"/>
-              <a:cs typeface="Calibri"/>
-              <a:sym typeface="Calibri"/>
-            </a:endParaRPr>
-          </a:p>
-        </p:txBody>
-      </p:sp>
-      <p:sp>
-        <p:nvSpPr>
-          <p:cNvPr id="135" name="Google Shape;135;p22"/>
-          <p:cNvSpPr txBox="1"/>
-          <p:nvPr/>
-        </p:nvSpPr>
-        <p:spPr>
-          <a:xfrm>
-            <a:off x="8504582" y="4337950"/>
+            <a:off x="8306568" y="4770664"/>
             <a:ext cx="582600" cy="203100"/>
           </a:xfrm>
           <a:prstGeom prst="rect">
@@ -28224,7 +30589,7 @@
       </p:sp>
       <p:sp>
         <p:nvSpPr>
-          <p:cNvPr id="136" name="Google Shape;136;p22"/>
+          <p:cNvPr id="135" name="Google Shape;135;p22"/>
           <p:cNvSpPr txBox="1"/>
           <p:nvPr/>
         </p:nvSpPr>
@@ -28290,7 +30655,7 @@
       </p:sp>
       <p:sp>
         <p:nvSpPr>
-          <p:cNvPr id="137" name="Google Shape;137;p22"/>
+          <p:cNvPr id="136" name="Google Shape;136;p22"/>
           <p:cNvSpPr txBox="1"/>
           <p:nvPr/>
         </p:nvSpPr>
@@ -28356,7 +30721,7 @@
       </p:sp>
       <p:sp>
         <p:nvSpPr>
-          <p:cNvPr id="138" name="Google Shape;138;p22"/>
+          <p:cNvPr id="137" name="Google Shape;137;p22"/>
           <p:cNvSpPr txBox="1"/>
           <p:nvPr/>
         </p:nvSpPr>
@@ -28422,7 +30787,7 @@
       </p:sp>
       <p:sp>
         <p:nvSpPr>
-          <p:cNvPr id="139" name="Google Shape;139;p22"/>
+          <p:cNvPr id="138" name="Google Shape;138;p22"/>
           <p:cNvSpPr txBox="1"/>
           <p:nvPr/>
         </p:nvSpPr>
@@ -28488,7 +30853,7 @@
       </p:sp>
       <p:sp>
         <p:nvSpPr>
-          <p:cNvPr id="140" name="Google Shape;140;p22"/>
+          <p:cNvPr id="139" name="Google Shape;139;p22"/>
           <p:cNvSpPr/>
           <p:nvPr/>
         </p:nvSpPr>
@@ -28534,7 +30899,7 @@
       </p:sp>
       <p:sp>
         <p:nvSpPr>
-          <p:cNvPr id="141" name="Google Shape;141;p22"/>
+          <p:cNvPr id="140" name="Google Shape;140;p22"/>
           <p:cNvSpPr/>
           <p:nvPr/>
         </p:nvSpPr>
@@ -28580,7 +30945,7 @@
       </p:sp>
       <p:sp>
         <p:nvSpPr>
-          <p:cNvPr id="142" name="Google Shape;142;p22"/>
+          <p:cNvPr id="141" name="Google Shape;141;p22"/>
           <p:cNvSpPr/>
           <p:nvPr/>
         </p:nvSpPr>
@@ -28626,7 +30991,7 @@
       </p:sp>
       <p:sp>
         <p:nvSpPr>
-          <p:cNvPr id="143" name="Google Shape;143;p22"/>
+          <p:cNvPr id="142" name="Google Shape;142;p22"/>
           <p:cNvSpPr/>
           <p:nvPr/>
         </p:nvSpPr>
@@ -28672,13 +31037,13 @@
       </p:sp>
       <p:sp>
         <p:nvSpPr>
-          <p:cNvPr id="144" name="Google Shape;144;p22"/>
+          <p:cNvPr id="143" name="Google Shape;143;p22"/>
           <p:cNvSpPr/>
           <p:nvPr/>
         </p:nvSpPr>
         <p:spPr>
           <a:xfrm>
-            <a:off x="6204625" y="4285750"/>
+            <a:off x="6256332" y="4285750"/>
             <a:ext cx="546600" cy="326400"/>
           </a:xfrm>
           <a:prstGeom prst="rightArrow">
@@ -28721,13 +31086,13 @@
       </p:sp>
       <p:sp>
         <p:nvSpPr>
-          <p:cNvPr id="145" name="Google Shape;145;p22"/>
+          <p:cNvPr id="144" name="Google Shape;144;p22"/>
           <p:cNvSpPr/>
           <p:nvPr/>
         </p:nvSpPr>
         <p:spPr>
           <a:xfrm>
-            <a:off x="7804825" y="4285750"/>
+            <a:off x="7704132" y="4285750"/>
             <a:ext cx="546600" cy="326400"/>
           </a:xfrm>
           <a:prstGeom prst="rightArrow">
@@ -28770,14 +31135,14 @@
       </p:sp>
       <p:sp>
         <p:nvSpPr>
-          <p:cNvPr id="146" name="Google Shape;146;p22"/>
+          <p:cNvPr id="145" name="Google Shape;145;p22"/>
           <p:cNvSpPr txBox="1"/>
           <p:nvPr/>
         </p:nvSpPr>
         <p:spPr>
           <a:xfrm>
             <a:off x="4600075" y="1355600"/>
-            <a:ext cx="4487100" cy="1865400"/>
+            <a:ext cx="4487100" cy="2050200"/>
           </a:xfrm>
           <a:prstGeom prst="rect">
             <a:avLst/>
@@ -29016,7 +31381,31 @@
                 <a:cs typeface="Calibri"/>
                 <a:sym typeface="Calibri"/>
               </a:rPr>
-              <a:t>, AI CLoud, has filed for an IPO, aiming for a valuation above $35 billion. The company’s revenue skyrocketed 700% in 2024 to $1.9 billion, driven by demand for AI computing power</a:t>
+              <a:t>, AI CLoud, has filed for an IPO, aiming for a valuation above $35 billion. The company’s revenue skyrocketed 700% in 2024 to $1.9 billion, driven by demand for AI computing power. CoreWeave acquires "</a:t>
+            </a:r>
+            <a:r>
+              <a:rPr lang="en" sz="1200" b="1">
+                <a:solidFill>
+                  <a:srgbClr val="3C78D8"/>
+                </a:solidFill>
+                <a:latin typeface="Calibri"/>
+                <a:ea typeface="Calibri"/>
+                <a:cs typeface="Calibri"/>
+                <a:sym typeface="Calibri"/>
+              </a:rPr>
+              <a:t>Weights &amp; Biases</a:t>
+            </a:r>
+            <a:r>
+              <a:rPr lang="en" sz="1200">
+                <a:solidFill>
+                  <a:schemeClr val="dk1"/>
+                </a:solidFill>
+                <a:latin typeface="Calibri"/>
+                <a:ea typeface="Calibri"/>
+                <a:cs typeface="Calibri"/>
+                <a:sym typeface="Calibri"/>
+              </a:rPr>
+              <a:t>" for $1.7 Billion</a:t>
             </a:r>
             <a:endParaRPr sz="1200">
               <a:solidFill>
@@ -29032,7 +31421,7 @@
       </p:sp>
       <p:sp>
         <p:nvSpPr>
-          <p:cNvPr id="147" name="Google Shape;147;p22"/>
+          <p:cNvPr id="146" name="Google Shape;146;p22"/>
           <p:cNvSpPr txBox="1"/>
           <p:nvPr/>
         </p:nvSpPr>
@@ -29210,6 +31599,71 @@
           </a:p>
         </p:txBody>
       </p:sp>
+      <p:pic>
+        <p:nvPicPr>
+          <p:cNvPr id="147" name="Google Shape;147;p22"/>
+          <p:cNvPicPr preferRelativeResize="0"/>
+          <p:nvPr/>
+        </p:nvPicPr>
+        <p:blipFill>
+          <a:blip r:embed="rId7" cstate="email">
+            <a:alphaModFix/>
+            <a:extLst>
+              <a:ext uri="{28A0092B-C50C-407E-A947-70E740481C1C}">
+                <a14:useLocalDpi xmlns:a14="http://schemas.microsoft.com/office/drawing/2010/main"/>
+              </a:ext>
+            </a:extLst>
+          </a:blip>
+          <a:stretch>
+            <a:fillRect/>
+          </a:stretch>
+        </p:blipFill>
+        <p:spPr>
+          <a:xfrm>
+            <a:off x="8309198" y="4157648"/>
+            <a:ext cx="582600" cy="582600"/>
+          </a:xfrm>
+          <a:prstGeom prst="rect">
+            <a:avLst/>
+          </a:prstGeom>
+          <a:noFill/>
+          <a:ln>
+            <a:noFill/>
+          </a:ln>
+        </p:spPr>
+      </p:pic>
+      <p:pic>
+        <p:nvPicPr>
+          <p:cNvPr id="148" name="Google Shape;148;p22"/>
+          <p:cNvPicPr preferRelativeResize="0"/>
+          <p:nvPr/>
+        </p:nvPicPr>
+        <p:blipFill rotWithShape="1">
+          <a:blip r:embed="rId8" cstate="email">
+            <a:alphaModFix/>
+            <a:extLst>
+              <a:ext uri="{28A0092B-C50C-407E-A947-70E740481C1C}">
+                <a14:useLocalDpi xmlns:a14="http://schemas.microsoft.com/office/drawing/2010/main"/>
+              </a:ext>
+            </a:extLst>
+          </a:blip>
+          <a:srcRect/>
+          <a:stretch/>
+        </p:blipFill>
+        <p:spPr>
+          <a:xfrm>
+            <a:off x="5608632" y="4245802"/>
+            <a:ext cx="582600" cy="468713"/>
+          </a:xfrm>
+          <a:prstGeom prst="rect">
+            <a:avLst/>
+          </a:prstGeom>
+          <a:noFill/>
+          <a:ln>
+            <a:noFill/>
+          </a:ln>
+        </p:spPr>
+      </p:pic>
     </p:spTree>
   </p:cSld>
   <p:clrMapOvr>
@@ -29223,7 +31677,7 @@
   <p:cSld>
     <p:spTree>
       <p:nvGrpSpPr>
-        <p:cNvPr id="1" name="Shape 151"/>
+        <p:cNvPr id="1" name="Shape 152"/>
         <p:cNvGrpSpPr/>
         <p:nvPr/>
       </p:nvGrpSpPr>
@@ -29237,7 +31691,7 @@
       </p:grpSpPr>
       <p:sp>
         <p:nvSpPr>
-          <p:cNvPr id="152" name="Google Shape;152;p23"/>
+          <p:cNvPr id="153" name="Google Shape;153;p23"/>
           <p:cNvSpPr txBox="1"/>
           <p:nvPr/>
         </p:nvSpPr>
@@ -29300,7 +31754,7 @@
       </p:sp>
       <p:sp>
         <p:nvSpPr>
-          <p:cNvPr id="153" name="Google Shape;153;p23"/>
+          <p:cNvPr id="154" name="Google Shape;154;p23"/>
           <p:cNvSpPr txBox="1"/>
           <p:nvPr/>
         </p:nvSpPr>
@@ -29387,7 +31841,7 @@
                 <a:cs typeface="Calibri"/>
                 <a:sym typeface="Calibri"/>
               </a:rPr>
-              <a:t>MacBook Air with M4 chip</a:t>
+              <a:t>MacBook Air with M4 chip (and discontinue M2 &amp; M3)</a:t>
             </a:r>
             <a:endParaRPr sz="1200">
               <a:solidFill>
@@ -29551,7 +32005,7 @@
       </p:sp>
       <p:pic>
         <p:nvPicPr>
-          <p:cNvPr id="154" name="Google Shape;154;p23"/>
+          <p:cNvPr id="155" name="Google Shape;155;p23"/>
           <p:cNvPicPr preferRelativeResize="0"/>
           <p:nvPr/>
         </p:nvPicPr>
@@ -29590,7 +32044,7 @@
       </p:pic>
       <p:sp>
         <p:nvSpPr>
-          <p:cNvPr id="155" name="Google Shape;155;p23"/>
+          <p:cNvPr id="156" name="Google Shape;156;p23"/>
           <p:cNvSpPr txBox="1"/>
           <p:nvPr/>
         </p:nvSpPr>
@@ -29749,7 +32203,7 @@
       </p:sp>
       <p:pic>
         <p:nvPicPr>
-          <p:cNvPr id="156" name="Google Shape;156;p23"/>
+          <p:cNvPr id="157" name="Google Shape;157;p23"/>
           <p:cNvPicPr preferRelativeResize="0"/>
           <p:nvPr/>
         </p:nvPicPr>

--- a/2025/2025-03-07-AI-Updates.pptx
+++ b/2025/2025-03-07-AI-Updates.pptx
@@ -5,7 +5,7 @@
     <p:sldMasterId id="2147483661" r:id="rId1"/>
   </p:sldMasterIdLst>
   <p:notesMasterIdLst>
-    <p:notesMasterId r:id="rId21"/>
+    <p:notesMasterId r:id="rId22"/>
   </p:notesMasterIdLst>
   <p:sldIdLst>
     <p:sldId id="256" r:id="rId2"/>
@@ -27,6 +27,7 @@
     <p:sldId id="272" r:id="rId18"/>
     <p:sldId id="273" r:id="rId19"/>
     <p:sldId id="274" r:id="rId20"/>
+    <p:sldId id="275" r:id="rId21"/>
   </p:sldIdLst>
   <p:sldSz cx="9144000" cy="5143500" type="screen16x9"/>
   <p:notesSz cx="6858000" cy="9144000"/>
@@ -968,7 +969,7 @@
   <p:cSld>
     <p:spTree>
       <p:nvGrpSpPr>
-        <p:cNvPr id="1" name="Shape 158"/>
+        <p:cNvPr id="1" name="Shape 162"/>
         <p:cNvGrpSpPr/>
         <p:nvPr/>
       </p:nvGrpSpPr>
@@ -982,7 +983,7 @@
       </p:grpSpPr>
       <p:sp>
         <p:nvSpPr>
-          <p:cNvPr id="159" name="Google Shape;159;g2dd0a008ffc_1_0:notes"/>
+          <p:cNvPr id="163" name="Google Shape;163;g2e3b457214a_0_12:notes"/>
           <p:cNvSpPr>
             <a:spLocks noGrp="1" noRot="1" noChangeAspect="1"/>
           </p:cNvSpPr>
@@ -1033,7 +1034,7 @@
       </p:sp>
       <p:sp>
         <p:nvSpPr>
-          <p:cNvPr id="160" name="Google Shape;160;g2dd0a008ffc_1_0:notes"/>
+          <p:cNvPr id="164" name="Google Shape;164;g2e3b457214a_0_12:notes"/>
           <p:cNvSpPr txBox="1">
             <a:spLocks noGrp="1"/>
           </p:cNvSpPr>
@@ -1090,7 +1091,7 @@
   <p:cSld>
     <p:spTree>
       <p:nvGrpSpPr>
-        <p:cNvPr id="1" name="Shape 170"/>
+        <p:cNvPr id="1" name="Shape 171"/>
         <p:cNvGrpSpPr/>
         <p:nvPr/>
       </p:nvGrpSpPr>
@@ -1104,7 +1105,7 @@
       </p:grpSpPr>
       <p:sp>
         <p:nvSpPr>
-          <p:cNvPr id="171" name="Google Shape;171;g2e3b457214a_0_41:notes"/>
+          <p:cNvPr id="172" name="Google Shape;172;g2dd0a008ffc_1_0:notes"/>
           <p:cNvSpPr>
             <a:spLocks noGrp="1" noRot="1" noChangeAspect="1"/>
           </p:cNvSpPr>
@@ -1155,7 +1156,7 @@
       </p:sp>
       <p:sp>
         <p:nvSpPr>
-          <p:cNvPr id="172" name="Google Shape;172;g2e3b457214a_0_41:notes"/>
+          <p:cNvPr id="173" name="Google Shape;173;g2dd0a008ffc_1_0:notes"/>
           <p:cNvSpPr txBox="1">
             <a:spLocks noGrp="1"/>
           </p:cNvSpPr>
@@ -1212,7 +1213,7 @@
   <p:cSld>
     <p:spTree>
       <p:nvGrpSpPr>
-        <p:cNvPr id="1" name="Shape 180"/>
+        <p:cNvPr id="1" name="Shape 183"/>
         <p:cNvGrpSpPr/>
         <p:nvPr/>
       </p:nvGrpSpPr>
@@ -1226,7 +1227,7 @@
       </p:grpSpPr>
       <p:sp>
         <p:nvSpPr>
-          <p:cNvPr id="181" name="Google Shape;181;g2e3c69944a1_0_0:notes"/>
+          <p:cNvPr id="184" name="Google Shape;184;g2e3b457214a_0_41:notes"/>
           <p:cNvSpPr>
             <a:spLocks noGrp="1" noRot="1" noChangeAspect="1"/>
           </p:cNvSpPr>
@@ -1277,7 +1278,7 @@
       </p:sp>
       <p:sp>
         <p:nvSpPr>
-          <p:cNvPr id="182" name="Google Shape;182;g2e3c69944a1_0_0:notes"/>
+          <p:cNvPr id="185" name="Google Shape;185;g2e3b457214a_0_41:notes"/>
           <p:cNvSpPr txBox="1">
             <a:spLocks noGrp="1"/>
           </p:cNvSpPr>
@@ -1334,7 +1335,7 @@
   <p:cSld>
     <p:spTree>
       <p:nvGrpSpPr>
-        <p:cNvPr id="1" name="Shape 190"/>
+        <p:cNvPr id="1" name="Shape 193"/>
         <p:cNvGrpSpPr/>
         <p:nvPr/>
       </p:nvGrpSpPr>
@@ -1348,7 +1349,7 @@
       </p:grpSpPr>
       <p:sp>
         <p:nvSpPr>
-          <p:cNvPr id="191" name="Google Shape;191;g2e3cbcb3af6_1_9:notes"/>
+          <p:cNvPr id="194" name="Google Shape;194;g2e3c69944a1_0_0:notes"/>
           <p:cNvSpPr>
             <a:spLocks noGrp="1" noRot="1" noChangeAspect="1"/>
           </p:cNvSpPr>
@@ -1399,7 +1400,7 @@
       </p:sp>
       <p:sp>
         <p:nvSpPr>
-          <p:cNvPr id="192" name="Google Shape;192;g2e3cbcb3af6_1_9:notes"/>
+          <p:cNvPr id="195" name="Google Shape;195;g2e3c69944a1_0_0:notes"/>
           <p:cNvSpPr txBox="1">
             <a:spLocks noGrp="1"/>
           </p:cNvSpPr>
@@ -1456,7 +1457,7 @@
   <p:cSld>
     <p:spTree>
       <p:nvGrpSpPr>
-        <p:cNvPr id="1" name="Shape 198"/>
+        <p:cNvPr id="1" name="Shape 203"/>
         <p:cNvGrpSpPr/>
         <p:nvPr/>
       </p:nvGrpSpPr>
@@ -1470,7 +1471,129 @@
       </p:grpSpPr>
       <p:sp>
         <p:nvSpPr>
-          <p:cNvPr id="199" name="Google Shape;199;g2f03ac7ac9f_0_5:notes"/>
+          <p:cNvPr id="204" name="Google Shape;204;g2e3cbcb3af6_1_22:notes"/>
+          <p:cNvSpPr>
+            <a:spLocks noGrp="1" noRot="1" noChangeAspect="1"/>
+          </p:cNvSpPr>
+          <p:nvPr>
+            <p:ph type="sldImg" idx="2"/>
+          </p:nvPr>
+        </p:nvSpPr>
+        <p:spPr>
+          <a:xfrm>
+            <a:off x="381000" y="685800"/>
+            <a:ext cx="6096000" cy="3429000"/>
+          </a:xfrm>
+          <a:custGeom>
+            <a:avLst/>
+            <a:gdLst/>
+            <a:ahLst/>
+            <a:cxnLst/>
+            <a:rect l="l" t="t" r="r" b="b"/>
+            <a:pathLst>
+              <a:path w="120000" h="120000" extrusionOk="0">
+                <a:moveTo>
+                  <a:pt x="0" y="0"/>
+                </a:moveTo>
+                <a:lnTo>
+                  <a:pt x="120000" y="0"/>
+                </a:lnTo>
+                <a:lnTo>
+                  <a:pt x="120000" y="120000"/>
+                </a:lnTo>
+                <a:lnTo>
+                  <a:pt x="0" y="120000"/>
+                </a:lnTo>
+                <a:close/>
+              </a:path>
+            </a:pathLst>
+          </a:custGeom>
+          <a:noFill/>
+          <a:ln w="9525" cap="flat" cmpd="sng">
+            <a:solidFill>
+              <a:srgbClr val="000000"/>
+            </a:solidFill>
+            <a:prstDash val="solid"/>
+            <a:round/>
+            <a:headEnd type="none" w="sm" len="sm"/>
+            <a:tailEnd type="none" w="sm" len="sm"/>
+          </a:ln>
+        </p:spPr>
+      </p:sp>
+      <p:sp>
+        <p:nvSpPr>
+          <p:cNvPr id="205" name="Google Shape;205;g2e3cbcb3af6_1_22:notes"/>
+          <p:cNvSpPr txBox="1">
+            <a:spLocks noGrp="1"/>
+          </p:cNvSpPr>
+          <p:nvPr>
+            <p:ph type="body" idx="1"/>
+          </p:nvPr>
+        </p:nvSpPr>
+        <p:spPr>
+          <a:xfrm>
+            <a:off x="685800" y="4343400"/>
+            <a:ext cx="5486400" cy="4114800"/>
+          </a:xfrm>
+          <a:prstGeom prst="rect">
+            <a:avLst/>
+          </a:prstGeom>
+          <a:noFill/>
+          <a:ln>
+            <a:noFill/>
+          </a:ln>
+        </p:spPr>
+        <p:txBody>
+          <a:bodyPr spcFirstLastPara="1" wrap="square" lIns="91425" tIns="91425" rIns="91425" bIns="91425" anchor="t" anchorCtr="0">
+            <a:noAutofit/>
+          </a:bodyPr>
+          <a:lstStyle/>
+          <a:p>
+            <a:pPr marL="0" lvl="0" indent="0" algn="l" rtl="0">
+              <a:lnSpc>
+                <a:spcPct val="100000"/>
+              </a:lnSpc>
+              <a:spcBef>
+                <a:spcPts val="0"/>
+              </a:spcBef>
+              <a:spcAft>
+                <a:spcPts val="0"/>
+              </a:spcAft>
+              <a:buSzPts val="1100"/>
+              <a:buNone/>
+            </a:pPr>
+            <a:endParaRPr/>
+          </a:p>
+        </p:txBody>
+      </p:sp>
+    </p:spTree>
+  </p:cSld>
+  <p:clrMapOvr>
+    <a:masterClrMapping/>
+  </p:clrMapOvr>
+</p:notes>
+</file>
+
+<file path=ppt/notesSlides/notesSlide15.xml><?xml version="1.0" encoding="utf-8"?>
+<p:notes xmlns:a="http://schemas.openxmlformats.org/drawingml/2006/main" xmlns:r="http://schemas.openxmlformats.org/officeDocument/2006/relationships" xmlns:p="http://schemas.openxmlformats.org/presentationml/2006/main" showMasterSp="0" showMasterPhAnim="0">
+  <p:cSld>
+    <p:spTree>
+      <p:nvGrpSpPr>
+        <p:cNvPr id="1" name="Shape 211"/>
+        <p:cNvGrpSpPr/>
+        <p:nvPr/>
+      </p:nvGrpSpPr>
+      <p:grpSpPr>
+        <a:xfrm>
+          <a:off x="0" y="0"/>
+          <a:ext cx="0" cy="0"/>
+          <a:chOff x="0" y="0"/>
+          <a:chExt cx="0" cy="0"/>
+        </a:xfrm>
+      </p:grpSpPr>
+      <p:sp>
+        <p:nvSpPr>
+          <p:cNvPr id="212" name="Google Shape;212;g2f03ac7ac9f_0_5:notes"/>
           <p:cNvSpPr>
             <a:spLocks noGrp="1" noRot="1" noChangeAspect="1"/>
           </p:cNvSpPr>
@@ -1521,7 +1644,7 @@
       </p:sp>
       <p:sp>
         <p:nvSpPr>
-          <p:cNvPr id="200" name="Google Shape;200;g2f03ac7ac9f_0_5:notes"/>
+          <p:cNvPr id="213" name="Google Shape;213;g2f03ac7ac9f_0_5:notes"/>
           <p:cNvSpPr txBox="1">
             <a:spLocks noGrp="1"/>
           </p:cNvSpPr>
@@ -1573,12 +1696,12 @@
 </p:notes>
 </file>
 
-<file path=ppt/notesSlides/notesSlide15.xml><?xml version="1.0" encoding="utf-8"?>
+<file path=ppt/notesSlides/notesSlide16.xml><?xml version="1.0" encoding="utf-8"?>
 <p:notes xmlns:a="http://schemas.openxmlformats.org/drawingml/2006/main" xmlns:r="http://schemas.openxmlformats.org/officeDocument/2006/relationships" xmlns:p="http://schemas.openxmlformats.org/presentationml/2006/main" showMasterSp="0" showMasterPhAnim="0">
   <p:cSld>
     <p:spTree>
       <p:nvGrpSpPr>
-        <p:cNvPr id="1" name="Shape 257"/>
+        <p:cNvPr id="1" name="Shape 270"/>
         <p:cNvGrpSpPr/>
         <p:nvPr/>
       </p:nvGrpSpPr>
@@ -1592,7 +1715,7 @@
       </p:grpSpPr>
       <p:sp>
         <p:nvSpPr>
-          <p:cNvPr id="258" name="Google Shape;258;g2dcea13964c_1_9:notes"/>
+          <p:cNvPr id="271" name="Google Shape;271;g2dcea13964c_1_9:notes"/>
           <p:cNvSpPr>
             <a:spLocks noGrp="1" noRot="1" noChangeAspect="1"/>
           </p:cNvSpPr>
@@ -1643,7 +1766,7 @@
       </p:sp>
       <p:sp>
         <p:nvSpPr>
-          <p:cNvPr id="259" name="Google Shape;259;g2dcea13964c_1_9:notes"/>
+          <p:cNvPr id="272" name="Google Shape;272;g2dcea13964c_1_9:notes"/>
           <p:cNvSpPr txBox="1">
             <a:spLocks noGrp="1"/>
           </p:cNvSpPr>
@@ -1695,12 +1818,12 @@
 </p:notes>
 </file>
 
-<file path=ppt/notesSlides/notesSlide16.xml><?xml version="1.0" encoding="utf-8"?>
+<file path=ppt/notesSlides/notesSlide17.xml><?xml version="1.0" encoding="utf-8"?>
 <p:notes xmlns:a="http://schemas.openxmlformats.org/drawingml/2006/main" xmlns:r="http://schemas.openxmlformats.org/officeDocument/2006/relationships" xmlns:p="http://schemas.openxmlformats.org/presentationml/2006/main" showMasterSp="0" showMasterPhAnim="0">
   <p:cSld>
     <p:spTree>
       <p:nvGrpSpPr>
-        <p:cNvPr id="1" name="Shape 264"/>
+        <p:cNvPr id="1" name="Shape 277"/>
         <p:cNvGrpSpPr/>
         <p:nvPr/>
       </p:nvGrpSpPr>
@@ -1714,7 +1837,7 @@
       </p:grpSpPr>
       <p:sp>
         <p:nvSpPr>
-          <p:cNvPr id="265" name="Google Shape;265;g33b7881e569_2_0:notes"/>
+          <p:cNvPr id="278" name="Google Shape;278;g33b7881e569_2_0:notes"/>
           <p:cNvSpPr>
             <a:spLocks noGrp="1" noRot="1" noChangeAspect="1"/>
           </p:cNvSpPr>
@@ -1765,7 +1888,7 @@
       </p:sp>
       <p:sp>
         <p:nvSpPr>
-          <p:cNvPr id="266" name="Google Shape;266;g33b7881e569_2_0:notes"/>
+          <p:cNvPr id="279" name="Google Shape;279;g33b7881e569_2_0:notes"/>
           <p:cNvSpPr txBox="1">
             <a:spLocks noGrp="1"/>
           </p:cNvSpPr>
@@ -1817,12 +1940,12 @@
 </p:notes>
 </file>
 
-<file path=ppt/notesSlides/notesSlide17.xml><?xml version="1.0" encoding="utf-8"?>
+<file path=ppt/notesSlides/notesSlide18.xml><?xml version="1.0" encoding="utf-8"?>
 <p:notes xmlns:a="http://schemas.openxmlformats.org/drawingml/2006/main" xmlns:r="http://schemas.openxmlformats.org/officeDocument/2006/relationships" xmlns:p="http://schemas.openxmlformats.org/presentationml/2006/main" showMasterSp="0" showMasterPhAnim="0">
   <p:cSld>
     <p:spTree>
       <p:nvGrpSpPr>
-        <p:cNvPr id="1" name="Shape 275"/>
+        <p:cNvPr id="1" name="Shape 288"/>
         <p:cNvGrpSpPr/>
         <p:nvPr/>
       </p:nvGrpSpPr>
@@ -1836,7 +1959,7 @@
       </p:grpSpPr>
       <p:sp>
         <p:nvSpPr>
-          <p:cNvPr id="276" name="Google Shape;276;g33bf17572e6_0_0:notes"/>
+          <p:cNvPr id="289" name="Google Shape;289;g33bf17572e6_0_0:notes"/>
           <p:cNvSpPr>
             <a:spLocks noGrp="1" noRot="1" noChangeAspect="1"/>
           </p:cNvSpPr>
@@ -1887,7 +2010,7 @@
       </p:sp>
       <p:sp>
         <p:nvSpPr>
-          <p:cNvPr id="277" name="Google Shape;277;g33bf17572e6_0_0:notes"/>
+          <p:cNvPr id="290" name="Google Shape;290;g33bf17572e6_0_0:notes"/>
           <p:cNvSpPr txBox="1">
             <a:spLocks noGrp="1"/>
           </p:cNvSpPr>
@@ -1939,12 +2062,12 @@
 </p:notes>
 </file>
 
-<file path=ppt/notesSlides/notesSlide18.xml><?xml version="1.0" encoding="utf-8"?>
+<file path=ppt/notesSlides/notesSlide19.xml><?xml version="1.0" encoding="utf-8"?>
 <p:notes xmlns:a="http://schemas.openxmlformats.org/drawingml/2006/main" xmlns:r="http://schemas.openxmlformats.org/officeDocument/2006/relationships" xmlns:p="http://schemas.openxmlformats.org/presentationml/2006/main" showMasterSp="0" showMasterPhAnim="0">
   <p:cSld>
     <p:spTree>
       <p:nvGrpSpPr>
-        <p:cNvPr id="1" name="Shape 284"/>
+        <p:cNvPr id="1" name="Shape 297"/>
         <p:cNvGrpSpPr/>
         <p:nvPr/>
       </p:nvGrpSpPr>
@@ -1958,7 +2081,7 @@
       </p:grpSpPr>
       <p:sp>
         <p:nvSpPr>
-          <p:cNvPr id="285" name="Google Shape;285;p22:notes"/>
+          <p:cNvPr id="298" name="Google Shape;298;p22:notes"/>
           <p:cNvSpPr>
             <a:spLocks noGrp="1" noRot="1" noChangeAspect="1"/>
           </p:cNvSpPr>
@@ -2009,7 +2132,7 @@
       </p:sp>
       <p:sp>
         <p:nvSpPr>
-          <p:cNvPr id="286" name="Google Shape;286;p22:notes"/>
+          <p:cNvPr id="299" name="Google Shape;299;p22:notes"/>
           <p:cNvSpPr txBox="1">
             <a:spLocks noGrp="1"/>
           </p:cNvSpPr>
@@ -2061,12 +2184,12 @@
 </p:notes>
 </file>
 
-<file path=ppt/notesSlides/notesSlide19.xml><?xml version="1.0" encoding="utf-8"?>
+<file path=ppt/notesSlides/notesSlide2.xml><?xml version="1.0" encoding="utf-8"?>
 <p:notes xmlns:a="http://schemas.openxmlformats.org/drawingml/2006/main" xmlns:r="http://schemas.openxmlformats.org/officeDocument/2006/relationships" xmlns:p="http://schemas.openxmlformats.org/presentationml/2006/main" showMasterSp="0" showMasterPhAnim="0">
   <p:cSld>
     <p:spTree>
       <p:nvGrpSpPr>
-        <p:cNvPr id="1" name="Shape 294"/>
+        <p:cNvPr id="1" name="Shape 70"/>
         <p:cNvGrpSpPr/>
         <p:nvPr/>
       </p:nvGrpSpPr>
@@ -2080,7 +2203,129 @@
       </p:grpSpPr>
       <p:sp>
         <p:nvSpPr>
-          <p:cNvPr id="295" name="Google Shape;295;p23:notes"/>
+          <p:cNvPr id="71" name="Google Shape;71;g33bed641da9_0_1:notes"/>
+          <p:cNvSpPr>
+            <a:spLocks noGrp="1" noRot="1" noChangeAspect="1"/>
+          </p:cNvSpPr>
+          <p:nvPr>
+            <p:ph type="sldImg" idx="2"/>
+          </p:nvPr>
+        </p:nvSpPr>
+        <p:spPr>
+          <a:xfrm>
+            <a:off x="381000" y="685800"/>
+            <a:ext cx="6096000" cy="3429000"/>
+          </a:xfrm>
+          <a:custGeom>
+            <a:avLst/>
+            <a:gdLst/>
+            <a:ahLst/>
+            <a:cxnLst/>
+            <a:rect l="l" t="t" r="r" b="b"/>
+            <a:pathLst>
+              <a:path w="120000" h="120000" extrusionOk="0">
+                <a:moveTo>
+                  <a:pt x="0" y="0"/>
+                </a:moveTo>
+                <a:lnTo>
+                  <a:pt x="120000" y="0"/>
+                </a:lnTo>
+                <a:lnTo>
+                  <a:pt x="120000" y="120000"/>
+                </a:lnTo>
+                <a:lnTo>
+                  <a:pt x="0" y="120000"/>
+                </a:lnTo>
+                <a:close/>
+              </a:path>
+            </a:pathLst>
+          </a:custGeom>
+          <a:noFill/>
+          <a:ln w="9525" cap="flat" cmpd="sng">
+            <a:solidFill>
+              <a:srgbClr val="000000"/>
+            </a:solidFill>
+            <a:prstDash val="solid"/>
+            <a:round/>
+            <a:headEnd type="none" w="sm" len="sm"/>
+            <a:tailEnd type="none" w="sm" len="sm"/>
+          </a:ln>
+        </p:spPr>
+      </p:sp>
+      <p:sp>
+        <p:nvSpPr>
+          <p:cNvPr id="72" name="Google Shape;72;g33bed641da9_0_1:notes"/>
+          <p:cNvSpPr txBox="1">
+            <a:spLocks noGrp="1"/>
+          </p:cNvSpPr>
+          <p:nvPr>
+            <p:ph type="body" idx="1"/>
+          </p:nvPr>
+        </p:nvSpPr>
+        <p:spPr>
+          <a:xfrm>
+            <a:off x="685800" y="4343400"/>
+            <a:ext cx="5486400" cy="4114800"/>
+          </a:xfrm>
+          <a:prstGeom prst="rect">
+            <a:avLst/>
+          </a:prstGeom>
+          <a:noFill/>
+          <a:ln>
+            <a:noFill/>
+          </a:ln>
+        </p:spPr>
+        <p:txBody>
+          <a:bodyPr spcFirstLastPara="1" wrap="square" lIns="91425" tIns="91425" rIns="91425" bIns="91425" anchor="t" anchorCtr="0">
+            <a:noAutofit/>
+          </a:bodyPr>
+          <a:lstStyle/>
+          <a:p>
+            <a:pPr marL="0" lvl="0" indent="0" algn="l" rtl="0">
+              <a:lnSpc>
+                <a:spcPct val="100000"/>
+              </a:lnSpc>
+              <a:spcBef>
+                <a:spcPts val="0"/>
+              </a:spcBef>
+              <a:spcAft>
+                <a:spcPts val="0"/>
+              </a:spcAft>
+              <a:buSzPts val="1100"/>
+              <a:buNone/>
+            </a:pPr>
+            <a:endParaRPr/>
+          </a:p>
+        </p:txBody>
+      </p:sp>
+    </p:spTree>
+  </p:cSld>
+  <p:clrMapOvr>
+    <a:masterClrMapping/>
+  </p:clrMapOvr>
+</p:notes>
+</file>
+
+<file path=ppt/notesSlides/notesSlide20.xml><?xml version="1.0" encoding="utf-8"?>
+<p:notes xmlns:a="http://schemas.openxmlformats.org/drawingml/2006/main" xmlns:r="http://schemas.openxmlformats.org/officeDocument/2006/relationships" xmlns:p="http://schemas.openxmlformats.org/presentationml/2006/main" showMasterSp="0" showMasterPhAnim="0">
+  <p:cSld>
+    <p:spTree>
+      <p:nvGrpSpPr>
+        <p:cNvPr id="1" name="Shape 307"/>
+        <p:cNvGrpSpPr/>
+        <p:nvPr/>
+      </p:nvGrpSpPr>
+      <p:grpSpPr>
+        <a:xfrm>
+          <a:off x="0" y="0"/>
+          <a:ext cx="0" cy="0"/>
+          <a:chOff x="0" y="0"/>
+          <a:chExt cx="0" cy="0"/>
+        </a:xfrm>
+      </p:grpSpPr>
+      <p:sp>
+        <p:nvSpPr>
+          <p:cNvPr id="308" name="Google Shape;308;p23:notes"/>
           <p:cNvSpPr>
             <a:spLocks noGrp="1" noRot="1" noChangeAspect="1"/>
           </p:cNvSpPr>
@@ -2131,7 +2376,7 @@
       </p:sp>
       <p:sp>
         <p:nvSpPr>
-          <p:cNvPr id="296" name="Google Shape;296;p23:notes"/>
+          <p:cNvPr id="309" name="Google Shape;309;p23:notes"/>
           <p:cNvSpPr txBox="1">
             <a:spLocks noGrp="1"/>
           </p:cNvSpPr>
@@ -2183,12 +2428,12 @@
 </p:notes>
 </file>
 
-<file path=ppt/notesSlides/notesSlide2.xml><?xml version="1.0" encoding="utf-8"?>
+<file path=ppt/notesSlides/notesSlide3.xml><?xml version="1.0" encoding="utf-8"?>
 <p:notes xmlns:a="http://schemas.openxmlformats.org/drawingml/2006/main" xmlns:r="http://schemas.openxmlformats.org/officeDocument/2006/relationships" xmlns:p="http://schemas.openxmlformats.org/presentationml/2006/main" showMasterSp="0" showMasterPhAnim="0">
   <p:cSld>
     <p:spTree>
       <p:nvGrpSpPr>
-        <p:cNvPr id="1" name="Shape 68"/>
+        <p:cNvPr id="1" name="Shape 78"/>
         <p:cNvGrpSpPr/>
         <p:nvPr/>
       </p:nvGrpSpPr>
@@ -2202,7 +2447,7 @@
       </p:grpSpPr>
       <p:sp>
         <p:nvSpPr>
-          <p:cNvPr id="69" name="Google Shape;69;g33bed641da9_0_1:notes"/>
+          <p:cNvPr id="79" name="Google Shape;79;g2dd092b5a2d_0_0:notes"/>
           <p:cNvSpPr>
             <a:spLocks noGrp="1" noRot="1" noChangeAspect="1"/>
           </p:cNvSpPr>
@@ -2253,7 +2498,7 @@
       </p:sp>
       <p:sp>
         <p:nvSpPr>
-          <p:cNvPr id="70" name="Google Shape;70;g33bed641da9_0_1:notes"/>
+          <p:cNvPr id="80" name="Google Shape;80;g2dd092b5a2d_0_0:notes"/>
           <p:cNvSpPr txBox="1">
             <a:spLocks noGrp="1"/>
           </p:cNvSpPr>
@@ -2305,12 +2550,12 @@
 </p:notes>
 </file>
 
-<file path=ppt/notesSlides/notesSlide3.xml><?xml version="1.0" encoding="utf-8"?>
+<file path=ppt/notesSlides/notesSlide4.xml><?xml version="1.0" encoding="utf-8"?>
 <p:notes xmlns:a="http://schemas.openxmlformats.org/drawingml/2006/main" xmlns:r="http://schemas.openxmlformats.org/officeDocument/2006/relationships" xmlns:p="http://schemas.openxmlformats.org/presentationml/2006/main" showMasterSp="0" showMasterPhAnim="0">
   <p:cSld>
     <p:spTree>
       <p:nvGrpSpPr>
-        <p:cNvPr id="1" name="Shape 76"/>
+        <p:cNvPr id="1" name="Shape 87"/>
         <p:cNvGrpSpPr/>
         <p:nvPr/>
       </p:nvGrpSpPr>
@@ -2324,7 +2569,7 @@
       </p:grpSpPr>
       <p:sp>
         <p:nvSpPr>
-          <p:cNvPr id="77" name="Google Shape;77;g2e3b457214a_0_0:notes"/>
+          <p:cNvPr id="88" name="Google Shape;88;g2e3cbcb3af6_1_9:notes"/>
           <p:cNvSpPr>
             <a:spLocks noGrp="1" noRot="1" noChangeAspect="1"/>
           </p:cNvSpPr>
@@ -2375,7 +2620,7 @@
       </p:sp>
       <p:sp>
         <p:nvSpPr>
-          <p:cNvPr id="78" name="Google Shape;78;g2e3b457214a_0_0:notes"/>
+          <p:cNvPr id="89" name="Google Shape;89;g2e3cbcb3af6_1_9:notes"/>
           <p:cNvSpPr txBox="1">
             <a:spLocks noGrp="1"/>
           </p:cNvSpPr>
@@ -2427,12 +2672,12 @@
 </p:notes>
 </file>
 
-<file path=ppt/notesSlides/notesSlide4.xml><?xml version="1.0" encoding="utf-8"?>
+<file path=ppt/notesSlides/notesSlide5.xml><?xml version="1.0" encoding="utf-8"?>
 <p:notes xmlns:a="http://schemas.openxmlformats.org/drawingml/2006/main" xmlns:r="http://schemas.openxmlformats.org/officeDocument/2006/relationships" xmlns:p="http://schemas.openxmlformats.org/presentationml/2006/main" showMasterSp="0" showMasterPhAnim="0">
   <p:cSld>
     <p:spTree>
       <p:nvGrpSpPr>
-        <p:cNvPr id="1" name="Shape 83"/>
+        <p:cNvPr id="1" name="Shape 98"/>
         <p:cNvGrpSpPr/>
         <p:nvPr/>
       </p:nvGrpSpPr>
@@ -2446,7 +2691,7 @@
       </p:grpSpPr>
       <p:sp>
         <p:nvSpPr>
-          <p:cNvPr id="84" name="Google Shape;84;g2dd092b5a2d_0_0:notes"/>
+          <p:cNvPr id="99" name="Google Shape;99;g2e3b457214a_0_0:notes"/>
           <p:cNvSpPr>
             <a:spLocks noGrp="1" noRot="1" noChangeAspect="1"/>
           </p:cNvSpPr>
@@ -2497,7 +2742,7 @@
       </p:sp>
       <p:sp>
         <p:nvSpPr>
-          <p:cNvPr id="85" name="Google Shape;85;g2dd092b5a2d_0_0:notes"/>
+          <p:cNvPr id="100" name="Google Shape;100;g2e3b457214a_0_0:notes"/>
           <p:cNvSpPr txBox="1">
             <a:spLocks noGrp="1"/>
           </p:cNvSpPr>
@@ -2549,12 +2794,12 @@
 </p:notes>
 </file>
 
-<file path=ppt/notesSlides/notesSlide5.xml><?xml version="1.0" encoding="utf-8"?>
+<file path=ppt/notesSlides/notesSlide6.xml><?xml version="1.0" encoding="utf-8"?>
 <p:notes xmlns:a="http://schemas.openxmlformats.org/drawingml/2006/main" xmlns:r="http://schemas.openxmlformats.org/officeDocument/2006/relationships" xmlns:p="http://schemas.openxmlformats.org/presentationml/2006/main" showMasterSp="0" showMasterPhAnim="0">
   <p:cSld>
     <p:spTree>
       <p:nvGrpSpPr>
-        <p:cNvPr id="1" name="Shape 92"/>
+        <p:cNvPr id="1" name="Shape 105"/>
         <p:cNvGrpSpPr/>
         <p:nvPr/>
       </p:nvGrpSpPr>
@@ -2568,7 +2813,7 @@
       </p:grpSpPr>
       <p:sp>
         <p:nvSpPr>
-          <p:cNvPr id="93" name="Google Shape;93;g33bed641da9_0_9:notes"/>
+          <p:cNvPr id="106" name="Google Shape;106;g33bed641da9_0_9:notes"/>
           <p:cNvSpPr>
             <a:spLocks noGrp="1" noRot="1" noChangeAspect="1"/>
           </p:cNvSpPr>
@@ -2619,7 +2864,7 @@
       </p:sp>
       <p:sp>
         <p:nvSpPr>
-          <p:cNvPr id="94" name="Google Shape;94;g33bed641da9_0_9:notes"/>
+          <p:cNvPr id="107" name="Google Shape;107;g33bed641da9_0_9:notes"/>
           <p:cNvSpPr txBox="1">
             <a:spLocks noGrp="1"/>
           </p:cNvSpPr>
@@ -2671,12 +2916,12 @@
 </p:notes>
 </file>
 
-<file path=ppt/notesSlides/notesSlide6.xml><?xml version="1.0" encoding="utf-8"?>
+<file path=ppt/notesSlides/notesSlide7.xml><?xml version="1.0" encoding="utf-8"?>
 <p:notes xmlns:a="http://schemas.openxmlformats.org/drawingml/2006/main" xmlns:r="http://schemas.openxmlformats.org/officeDocument/2006/relationships" xmlns:p="http://schemas.openxmlformats.org/presentationml/2006/main" showMasterSp="0" showMasterPhAnim="0">
   <p:cSld>
     <p:spTree>
       <p:nvGrpSpPr>
-        <p:cNvPr id="1" name="Shape 100"/>
+        <p:cNvPr id="1" name="Shape 113"/>
         <p:cNvGrpSpPr/>
         <p:nvPr/>
       </p:nvGrpSpPr>
@@ -2690,7 +2935,7 @@
       </p:grpSpPr>
       <p:sp>
         <p:nvSpPr>
-          <p:cNvPr id="101" name="Google Shape;101;g2d96479dbb5_0_4:notes"/>
+          <p:cNvPr id="114" name="Google Shape;114;g2d96479dbb5_0_4:notes"/>
           <p:cNvSpPr>
             <a:spLocks noGrp="1" noRot="1" noChangeAspect="1"/>
           </p:cNvSpPr>
@@ -2741,7 +2986,7 @@
       </p:sp>
       <p:sp>
         <p:nvSpPr>
-          <p:cNvPr id="102" name="Google Shape;102;g2d96479dbb5_0_4:notes"/>
+          <p:cNvPr id="115" name="Google Shape;115;g2d96479dbb5_0_4:notes"/>
           <p:cNvSpPr txBox="1">
             <a:spLocks noGrp="1"/>
           </p:cNvSpPr>
@@ -2793,12 +3038,12 @@
 </p:notes>
 </file>
 
-<file path=ppt/notesSlides/notesSlide7.xml><?xml version="1.0" encoding="utf-8"?>
+<file path=ppt/notesSlides/notesSlide8.xml><?xml version="1.0" encoding="utf-8"?>
 <p:notes xmlns:a="http://schemas.openxmlformats.org/drawingml/2006/main" xmlns:r="http://schemas.openxmlformats.org/officeDocument/2006/relationships" xmlns:p="http://schemas.openxmlformats.org/presentationml/2006/main" showMasterSp="0" showMasterPhAnim="0">
   <p:cSld>
     <p:spTree>
       <p:nvGrpSpPr>
-        <p:cNvPr id="1" name="Shape 109"/>
+        <p:cNvPr id="1" name="Shape 122"/>
         <p:cNvGrpSpPr/>
         <p:nvPr/>
       </p:nvGrpSpPr>
@@ -2812,7 +3057,7 @@
       </p:grpSpPr>
       <p:sp>
         <p:nvSpPr>
-          <p:cNvPr id="110" name="Google Shape;110;g2dd2c1f7b0e_0_0:notes"/>
+          <p:cNvPr id="123" name="Google Shape;123;g2dd2c1f7b0e_0_0:notes"/>
           <p:cNvSpPr>
             <a:spLocks noGrp="1" noRot="1" noChangeAspect="1"/>
           </p:cNvSpPr>
@@ -2863,7 +3108,7 @@
       </p:sp>
       <p:sp>
         <p:nvSpPr>
-          <p:cNvPr id="111" name="Google Shape;111;g2dd2c1f7b0e_0_0:notes"/>
+          <p:cNvPr id="124" name="Google Shape;124;g2dd2c1f7b0e_0_0:notes"/>
           <p:cNvSpPr txBox="1">
             <a:spLocks noGrp="1"/>
           </p:cNvSpPr>
@@ -2915,12 +3160,12 @@
 </p:notes>
 </file>
 
-<file path=ppt/notesSlides/notesSlide8.xml><?xml version="1.0" encoding="utf-8"?>
+<file path=ppt/notesSlides/notesSlide9.xml><?xml version="1.0" encoding="utf-8"?>
 <p:notes xmlns:a="http://schemas.openxmlformats.org/drawingml/2006/main" xmlns:r="http://schemas.openxmlformats.org/officeDocument/2006/relationships" xmlns:p="http://schemas.openxmlformats.org/presentationml/2006/main" showMasterSp="0" showMasterPhAnim="0">
   <p:cSld>
     <p:spTree>
       <p:nvGrpSpPr>
-        <p:cNvPr id="1" name="Shape 124"/>
+        <p:cNvPr id="1" name="Shape 137"/>
         <p:cNvGrpSpPr/>
         <p:nvPr/>
       </p:nvGrpSpPr>
@@ -2934,7 +3179,7 @@
       </p:grpSpPr>
       <p:sp>
         <p:nvSpPr>
-          <p:cNvPr id="125" name="Google Shape;125;g33ccb384d9e_1_7:notes"/>
+          <p:cNvPr id="138" name="Google Shape;138;g33ccb384d9e_1_7:notes"/>
           <p:cNvSpPr>
             <a:spLocks noGrp="1" noRot="1" noChangeAspect="1"/>
           </p:cNvSpPr>
@@ -2985,129 +3230,7 @@
       </p:sp>
       <p:sp>
         <p:nvSpPr>
-          <p:cNvPr id="126" name="Google Shape;126;g33ccb384d9e_1_7:notes"/>
-          <p:cNvSpPr txBox="1">
-            <a:spLocks noGrp="1"/>
-          </p:cNvSpPr>
-          <p:nvPr>
-            <p:ph type="body" idx="1"/>
-          </p:nvPr>
-        </p:nvSpPr>
-        <p:spPr>
-          <a:xfrm>
-            <a:off x="685800" y="4343400"/>
-            <a:ext cx="5486400" cy="4114800"/>
-          </a:xfrm>
-          <a:prstGeom prst="rect">
-            <a:avLst/>
-          </a:prstGeom>
-          <a:noFill/>
-          <a:ln>
-            <a:noFill/>
-          </a:ln>
-        </p:spPr>
-        <p:txBody>
-          <a:bodyPr spcFirstLastPara="1" wrap="square" lIns="91425" tIns="91425" rIns="91425" bIns="91425" anchor="t" anchorCtr="0">
-            <a:noAutofit/>
-          </a:bodyPr>
-          <a:lstStyle/>
-          <a:p>
-            <a:pPr marL="0" lvl="0" indent="0" algn="l" rtl="0">
-              <a:lnSpc>
-                <a:spcPct val="100000"/>
-              </a:lnSpc>
-              <a:spcBef>
-                <a:spcPts val="0"/>
-              </a:spcBef>
-              <a:spcAft>
-                <a:spcPts val="0"/>
-              </a:spcAft>
-              <a:buSzPts val="1100"/>
-              <a:buNone/>
-            </a:pPr>
-            <a:endParaRPr/>
-          </a:p>
-        </p:txBody>
-      </p:sp>
-    </p:spTree>
-  </p:cSld>
-  <p:clrMapOvr>
-    <a:masterClrMapping/>
-  </p:clrMapOvr>
-</p:notes>
-</file>
-
-<file path=ppt/notesSlides/notesSlide9.xml><?xml version="1.0" encoding="utf-8"?>
-<p:notes xmlns:a="http://schemas.openxmlformats.org/drawingml/2006/main" xmlns:r="http://schemas.openxmlformats.org/officeDocument/2006/relationships" xmlns:p="http://schemas.openxmlformats.org/presentationml/2006/main" showMasterSp="0" showMasterPhAnim="0">
-  <p:cSld>
-    <p:spTree>
-      <p:nvGrpSpPr>
-        <p:cNvPr id="1" name="Shape 149"/>
-        <p:cNvGrpSpPr/>
-        <p:nvPr/>
-      </p:nvGrpSpPr>
-      <p:grpSpPr>
-        <a:xfrm>
-          <a:off x="0" y="0"/>
-          <a:ext cx="0" cy="0"/>
-          <a:chOff x="0" y="0"/>
-          <a:chExt cx="0" cy="0"/>
-        </a:xfrm>
-      </p:grpSpPr>
-      <p:sp>
-        <p:nvSpPr>
-          <p:cNvPr id="150" name="Google Shape;150;g2e3b457214a_0_12:notes"/>
-          <p:cNvSpPr>
-            <a:spLocks noGrp="1" noRot="1" noChangeAspect="1"/>
-          </p:cNvSpPr>
-          <p:nvPr>
-            <p:ph type="sldImg" idx="2"/>
-          </p:nvPr>
-        </p:nvSpPr>
-        <p:spPr>
-          <a:xfrm>
-            <a:off x="381000" y="685800"/>
-            <a:ext cx="6096000" cy="3429000"/>
-          </a:xfrm>
-          <a:custGeom>
-            <a:avLst/>
-            <a:gdLst/>
-            <a:ahLst/>
-            <a:cxnLst/>
-            <a:rect l="l" t="t" r="r" b="b"/>
-            <a:pathLst>
-              <a:path w="120000" h="120000" extrusionOk="0">
-                <a:moveTo>
-                  <a:pt x="0" y="0"/>
-                </a:moveTo>
-                <a:lnTo>
-                  <a:pt x="120000" y="0"/>
-                </a:lnTo>
-                <a:lnTo>
-                  <a:pt x="120000" y="120000"/>
-                </a:lnTo>
-                <a:lnTo>
-                  <a:pt x="0" y="120000"/>
-                </a:lnTo>
-                <a:close/>
-              </a:path>
-            </a:pathLst>
-          </a:custGeom>
-          <a:noFill/>
-          <a:ln w="9525" cap="flat" cmpd="sng">
-            <a:solidFill>
-              <a:srgbClr val="000000"/>
-            </a:solidFill>
-            <a:prstDash val="solid"/>
-            <a:round/>
-            <a:headEnd type="none" w="sm" len="sm"/>
-            <a:tailEnd type="none" w="sm" len="sm"/>
-          </a:ln>
-        </p:spPr>
-      </p:sp>
-      <p:sp>
-        <p:nvSpPr>
-          <p:cNvPr id="151" name="Google Shape;151;g2e3b457214a_0_12:notes"/>
+          <p:cNvPr id="139" name="Google Shape;139;g33ccb384d9e_1_7:notes"/>
           <p:cNvSpPr txBox="1">
             <a:spLocks noGrp="1"/>
           </p:cNvSpPr>
@@ -12430,8 +12553,8 @@
         </p:nvSpPr>
         <p:spPr>
           <a:xfrm>
-            <a:off x="110352" y="1111683"/>
-            <a:ext cx="4420200" cy="1569900"/>
+            <a:off x="110352" y="959283"/>
+            <a:ext cx="4420200" cy="1800900"/>
           </a:xfrm>
           <a:prstGeom prst="rect">
             <a:avLst/>
@@ -12516,7 +12639,7 @@
                 <a:cs typeface="Calibri"/>
                 <a:sym typeface="Calibri"/>
               </a:rPr>
-              <a:t>DeepSeek R2</a:t>
+              <a:t>Inception Labs - Mercury diffusion LLM</a:t>
             </a:r>
             <a:endParaRPr sz="1500" b="1">
               <a:solidFill>
@@ -12553,7 +12676,44 @@
                 <a:cs typeface="Calibri"/>
                 <a:sym typeface="Calibri"/>
               </a:rPr>
-              <a:t>Inception Labs - Mercury diffusion LLM</a:t>
+              <a:t>Jamba 1.6 from AI21 Labs</a:t>
+            </a:r>
+            <a:endParaRPr sz="1500" b="1">
+              <a:solidFill>
+                <a:srgbClr val="3C78D8"/>
+              </a:solidFill>
+              <a:latin typeface="Calibri"/>
+              <a:ea typeface="Calibri"/>
+              <a:cs typeface="Calibri"/>
+              <a:sym typeface="Calibri"/>
+            </a:endParaRPr>
+          </a:p>
+          <a:p>
+            <a:pPr marL="228600" lvl="0" indent="-209550" algn="l" rtl="0">
+              <a:spcBef>
+                <a:spcPts val="0"/>
+              </a:spcBef>
+              <a:spcAft>
+                <a:spcPts val="0"/>
+              </a:spcAft>
+              <a:buClr>
+                <a:srgbClr val="3C78D8"/>
+              </a:buClr>
+              <a:buSzPts val="1500"/>
+              <a:buFont typeface="Calibri"/>
+              <a:buChar char="●"/>
+            </a:pPr>
+            <a:r>
+              <a:rPr lang="en" sz="1500" b="1">
+                <a:solidFill>
+                  <a:srgbClr val="3C78D8"/>
+                </a:solidFill>
+                <a:latin typeface="Calibri"/>
+                <a:ea typeface="Calibri"/>
+                <a:cs typeface="Calibri"/>
+                <a:sym typeface="Calibri"/>
+              </a:rPr>
+              <a:t>DeepSeek R2</a:t>
             </a:r>
             <a:endParaRPr sz="1500" b="1">
               <a:solidFill>
@@ -12686,7 +12846,7 @@
         </p:nvSpPr>
         <p:spPr>
           <a:xfrm>
-            <a:off x="1398325" y="85037"/>
+            <a:off x="3227125" y="8837"/>
             <a:ext cx="2775000" cy="880500"/>
           </a:xfrm>
           <a:prstGeom prst="rect">
@@ -12816,7 +12976,7 @@
         </p:nvSpPr>
         <p:spPr>
           <a:xfrm>
-            <a:off x="4606752" y="3911177"/>
+            <a:off x="4606752" y="3977331"/>
             <a:ext cx="4420200" cy="1108200"/>
           </a:xfrm>
           <a:prstGeom prst="rect">
@@ -12998,7 +13158,7 @@
         </p:nvSpPr>
         <p:spPr>
           <a:xfrm>
-            <a:off x="110352" y="2767544"/>
+            <a:off x="110352" y="2827206"/>
             <a:ext cx="4420200" cy="2262600"/>
           </a:xfrm>
           <a:prstGeom prst="rect">
@@ -13365,8 +13525,8 @@
         </p:nvSpPr>
         <p:spPr>
           <a:xfrm>
-            <a:off x="4606752" y="569060"/>
-            <a:ext cx="4420200" cy="3186300"/>
+            <a:off x="4606752" y="973091"/>
+            <a:ext cx="4420200" cy="2955300"/>
           </a:xfrm>
           <a:prstGeom prst="rect">
             <a:avLst/>
@@ -13451,7 +13611,7 @@
                 <a:cs typeface="Calibri"/>
                 <a:sym typeface="Calibri"/>
               </a:rPr>
-              <a:t>NextGenAI - consortium of 15 leading research institutions</a:t>
+              <a:t>NextGenAI - consortium of 15 research institutions</a:t>
             </a:r>
             <a:endParaRPr sz="1500" b="1">
               <a:solidFill>
@@ -13835,6 +13995,72 @@
           </a:p>
         </p:txBody>
       </p:sp>
+      <p:pic>
+        <p:nvPicPr>
+          <p:cNvPr id="68" name="Google Shape;68;p15"/>
+          <p:cNvPicPr preferRelativeResize="0"/>
+          <p:nvPr/>
+        </p:nvPicPr>
+        <p:blipFill>
+          <a:blip r:embed="rId3" cstate="email">
+            <a:alphaModFix/>
+            <a:extLst>
+              <a:ext uri="{28A0092B-C50C-407E-A947-70E740481C1C}">
+                <a14:useLocalDpi xmlns:a14="http://schemas.microsoft.com/office/drawing/2010/main"/>
+              </a:ext>
+            </a:extLst>
+          </a:blip>
+          <a:stretch>
+            <a:fillRect/>
+          </a:stretch>
+        </p:blipFill>
+        <p:spPr>
+          <a:xfrm>
+            <a:off x="1116068" y="124275"/>
+            <a:ext cx="1375955" cy="767975"/>
+          </a:xfrm>
+          <a:prstGeom prst="rect">
+            <a:avLst/>
+          </a:prstGeom>
+          <a:noFill/>
+          <a:ln>
+            <a:noFill/>
+          </a:ln>
+        </p:spPr>
+      </p:pic>
+      <p:pic>
+        <p:nvPicPr>
+          <p:cNvPr id="69" name="Google Shape;69;p15"/>
+          <p:cNvPicPr preferRelativeResize="0"/>
+          <p:nvPr/>
+        </p:nvPicPr>
+        <p:blipFill>
+          <a:blip r:embed="rId4" cstate="email">
+            <a:alphaModFix/>
+            <a:extLst>
+              <a:ext uri="{28A0092B-C50C-407E-A947-70E740481C1C}">
+                <a14:useLocalDpi xmlns:a14="http://schemas.microsoft.com/office/drawing/2010/main"/>
+              </a:ext>
+            </a:extLst>
+          </a:blip>
+          <a:stretch>
+            <a:fillRect/>
+          </a:stretch>
+        </p:blipFill>
+        <p:spPr>
+          <a:xfrm>
+            <a:off x="6375625" y="167195"/>
+            <a:ext cx="2204775" cy="682150"/>
+          </a:xfrm>
+          <a:prstGeom prst="rect">
+            <a:avLst/>
+          </a:prstGeom>
+          <a:noFill/>
+          <a:ln>
+            <a:noFill/>
+          </a:ln>
+        </p:spPr>
+      </p:pic>
     </p:spTree>
   </p:cSld>
   <p:clrMapOvr>
@@ -13848,7 +14074,7 @@
   <p:cSld>
     <p:spTree>
       <p:nvGrpSpPr>
-        <p:cNvPr id="1" name="Shape 161"/>
+        <p:cNvPr id="1" name="Shape 165"/>
         <p:cNvGrpSpPr/>
         <p:nvPr/>
       </p:nvGrpSpPr>
@@ -13862,7 +14088,583 @@
       </p:grpSpPr>
       <p:sp>
         <p:nvSpPr>
-          <p:cNvPr id="162" name="Google Shape;162;p24"/>
+          <p:cNvPr id="166" name="Google Shape;166;p24"/>
+          <p:cNvSpPr txBox="1"/>
+          <p:nvPr/>
+        </p:nvSpPr>
+        <p:spPr>
+          <a:xfrm>
+            <a:off x="55075" y="52750"/>
+            <a:ext cx="3700200" cy="326400"/>
+          </a:xfrm>
+          <a:prstGeom prst="rect">
+            <a:avLst/>
+          </a:prstGeom>
+          <a:noFill/>
+          <a:ln>
+            <a:noFill/>
+          </a:ln>
+        </p:spPr>
+        <p:txBody>
+          <a:bodyPr spcFirstLastPara="1" wrap="square" lIns="9125" tIns="9125" rIns="9125" bIns="9125" anchor="t" anchorCtr="0">
+            <a:spAutoFit/>
+          </a:bodyPr>
+          <a:lstStyle/>
+          <a:p>
+            <a:pPr marL="0" lvl="0" indent="0" algn="l" rtl="0">
+              <a:spcBef>
+                <a:spcPts val="0"/>
+              </a:spcBef>
+              <a:spcAft>
+                <a:spcPts val="0"/>
+              </a:spcAft>
+              <a:buClr>
+                <a:schemeClr val="dk1"/>
+              </a:buClr>
+              <a:buSzPts val="1100"/>
+              <a:buFont typeface="Arial"/>
+              <a:buNone/>
+            </a:pPr>
+            <a:r>
+              <a:rPr lang="en" sz="2000" b="1">
+                <a:solidFill>
+                  <a:schemeClr val="dk1"/>
+                </a:solidFill>
+                <a:latin typeface="Calibri"/>
+                <a:ea typeface="Calibri"/>
+                <a:cs typeface="Calibri"/>
+                <a:sym typeface="Calibri"/>
+              </a:rPr>
+              <a:t>Apple Studio 512GB</a:t>
+            </a:r>
+            <a:endParaRPr sz="2000" b="1">
+              <a:solidFill>
+                <a:schemeClr val="dk1"/>
+              </a:solidFill>
+              <a:latin typeface="Calibri"/>
+              <a:ea typeface="Calibri"/>
+              <a:cs typeface="Calibri"/>
+              <a:sym typeface="Calibri"/>
+            </a:endParaRPr>
+          </a:p>
+        </p:txBody>
+      </p:sp>
+      <p:sp>
+        <p:nvSpPr>
+          <p:cNvPr id="167" name="Google Shape;167;p24"/>
+          <p:cNvSpPr txBox="1"/>
+          <p:nvPr/>
+        </p:nvSpPr>
+        <p:spPr>
+          <a:xfrm>
+            <a:off x="55075" y="731275"/>
+            <a:ext cx="4243800" cy="1126800"/>
+          </a:xfrm>
+          <a:prstGeom prst="rect">
+            <a:avLst/>
+          </a:prstGeom>
+          <a:solidFill>
+            <a:srgbClr val="FFF2CC"/>
+          </a:solidFill>
+          <a:ln w="9525" cap="flat" cmpd="sng">
+            <a:solidFill>
+              <a:srgbClr val="FF0000"/>
+            </a:solidFill>
+            <a:prstDash val="solid"/>
+            <a:round/>
+            <a:headEnd type="none" w="sm" len="sm"/>
+            <a:tailEnd type="none" w="sm" len="sm"/>
+          </a:ln>
+        </p:spPr>
+        <p:txBody>
+          <a:bodyPr spcFirstLastPara="1" wrap="square" lIns="9125" tIns="9125" rIns="9125" bIns="9125" anchor="t" anchorCtr="0">
+            <a:spAutoFit/>
+          </a:bodyPr>
+          <a:lstStyle/>
+          <a:p>
+            <a:pPr marL="0" lvl="0" indent="0" algn="l" rtl="0">
+              <a:spcBef>
+                <a:spcPts val="0"/>
+              </a:spcBef>
+              <a:spcAft>
+                <a:spcPts val="0"/>
+              </a:spcAft>
+              <a:buNone/>
+            </a:pPr>
+            <a:r>
+              <a:rPr lang="en" sz="1200" b="1">
+                <a:solidFill>
+                  <a:srgbClr val="FF0000"/>
+                </a:solidFill>
+                <a:latin typeface="Calibri"/>
+                <a:ea typeface="Calibri"/>
+                <a:cs typeface="Calibri"/>
+                <a:sym typeface="Calibri"/>
+              </a:rPr>
+              <a:t>Apple announced several new products:</a:t>
+            </a:r>
+            <a:endParaRPr sz="1200" b="1">
+              <a:solidFill>
+                <a:srgbClr val="FF0000"/>
+              </a:solidFill>
+              <a:latin typeface="Calibri"/>
+              <a:ea typeface="Calibri"/>
+              <a:cs typeface="Calibri"/>
+              <a:sym typeface="Calibri"/>
+            </a:endParaRPr>
+          </a:p>
+          <a:p>
+            <a:pPr marL="171450" lvl="0" indent="-133350" algn="l" rtl="0">
+              <a:spcBef>
+                <a:spcPts val="0"/>
+              </a:spcBef>
+              <a:spcAft>
+                <a:spcPts val="0"/>
+              </a:spcAft>
+              <a:buClr>
+                <a:schemeClr val="dk1"/>
+              </a:buClr>
+              <a:buSzPts val="1200"/>
+              <a:buFont typeface="Calibri"/>
+              <a:buChar char="●"/>
+            </a:pPr>
+            <a:r>
+              <a:rPr lang="en" sz="1200">
+                <a:solidFill>
+                  <a:schemeClr val="dk1"/>
+                </a:solidFill>
+                <a:latin typeface="Calibri"/>
+                <a:ea typeface="Calibri"/>
+                <a:cs typeface="Calibri"/>
+                <a:sym typeface="Calibri"/>
+              </a:rPr>
+              <a:t>MacBook Air with M4 chip (and discontinue M2 &amp; M3)</a:t>
+            </a:r>
+            <a:endParaRPr sz="1200">
+              <a:solidFill>
+                <a:schemeClr val="dk1"/>
+              </a:solidFill>
+              <a:latin typeface="Calibri"/>
+              <a:ea typeface="Calibri"/>
+              <a:cs typeface="Calibri"/>
+              <a:sym typeface="Calibri"/>
+            </a:endParaRPr>
+          </a:p>
+          <a:p>
+            <a:pPr marL="171450" lvl="0" indent="-133350" algn="l" rtl="0">
+              <a:spcBef>
+                <a:spcPts val="0"/>
+              </a:spcBef>
+              <a:spcAft>
+                <a:spcPts val="0"/>
+              </a:spcAft>
+              <a:buClr>
+                <a:srgbClr val="3C78D8"/>
+              </a:buClr>
+              <a:buSzPts val="1200"/>
+              <a:buFont typeface="Calibri"/>
+              <a:buChar char="●"/>
+            </a:pPr>
+            <a:r>
+              <a:rPr lang="en" sz="1200" b="1">
+                <a:solidFill>
+                  <a:srgbClr val="3C78D8"/>
+                </a:solidFill>
+                <a:latin typeface="Calibri"/>
+                <a:ea typeface="Calibri"/>
+                <a:cs typeface="Calibri"/>
+                <a:sym typeface="Calibri"/>
+              </a:rPr>
+              <a:t>Mac Studio with the M4 Max and M3 Ultra chips, 512GB RAM !</a:t>
+            </a:r>
+            <a:endParaRPr sz="1200" b="1">
+              <a:solidFill>
+                <a:srgbClr val="3C78D8"/>
+              </a:solidFill>
+              <a:latin typeface="Calibri"/>
+              <a:ea typeface="Calibri"/>
+              <a:cs typeface="Calibri"/>
+              <a:sym typeface="Calibri"/>
+            </a:endParaRPr>
+          </a:p>
+          <a:p>
+            <a:pPr marL="171450" lvl="0" indent="-133350" algn="l" rtl="0">
+              <a:spcBef>
+                <a:spcPts val="0"/>
+              </a:spcBef>
+              <a:spcAft>
+                <a:spcPts val="0"/>
+              </a:spcAft>
+              <a:buClr>
+                <a:schemeClr val="dk1"/>
+              </a:buClr>
+              <a:buSzPts val="1200"/>
+              <a:buFont typeface="Calibri"/>
+              <a:buChar char="●"/>
+            </a:pPr>
+            <a:r>
+              <a:rPr lang="en" sz="1200">
+                <a:solidFill>
+                  <a:schemeClr val="dk1"/>
+                </a:solidFill>
+                <a:latin typeface="Calibri"/>
+                <a:ea typeface="Calibri"/>
+                <a:cs typeface="Calibri"/>
+                <a:sym typeface="Calibri"/>
+              </a:rPr>
+              <a:t>iPad Air with M3 chip</a:t>
+            </a:r>
+            <a:endParaRPr sz="1200">
+              <a:solidFill>
+                <a:schemeClr val="dk1"/>
+              </a:solidFill>
+              <a:latin typeface="Calibri"/>
+              <a:ea typeface="Calibri"/>
+              <a:cs typeface="Calibri"/>
+              <a:sym typeface="Calibri"/>
+            </a:endParaRPr>
+          </a:p>
+          <a:p>
+            <a:pPr marL="171450" lvl="0" indent="-133350" algn="l" rtl="0">
+              <a:spcBef>
+                <a:spcPts val="0"/>
+              </a:spcBef>
+              <a:spcAft>
+                <a:spcPts val="0"/>
+              </a:spcAft>
+              <a:buClr>
+                <a:schemeClr val="dk1"/>
+              </a:buClr>
+              <a:buSzPts val="1200"/>
+              <a:buFont typeface="Calibri"/>
+              <a:buChar char="●"/>
+            </a:pPr>
+            <a:r>
+              <a:rPr lang="en" sz="1200">
+                <a:solidFill>
+                  <a:schemeClr val="dk1"/>
+                </a:solidFill>
+                <a:latin typeface="Calibri"/>
+                <a:ea typeface="Calibri"/>
+                <a:cs typeface="Calibri"/>
+                <a:sym typeface="Calibri"/>
+              </a:rPr>
+              <a:t>base Ipad, with an A16 chip, doubling the starting storage</a:t>
+            </a:r>
+            <a:endParaRPr sz="1200">
+              <a:solidFill>
+                <a:schemeClr val="dk1"/>
+              </a:solidFill>
+              <a:latin typeface="Calibri"/>
+              <a:ea typeface="Calibri"/>
+              <a:cs typeface="Calibri"/>
+              <a:sym typeface="Calibri"/>
+            </a:endParaRPr>
+          </a:p>
+          <a:p>
+            <a:pPr marL="171450" lvl="0" indent="-133350" algn="l" rtl="0">
+              <a:spcBef>
+                <a:spcPts val="0"/>
+              </a:spcBef>
+              <a:spcAft>
+                <a:spcPts val="0"/>
+              </a:spcAft>
+              <a:buClr>
+                <a:schemeClr val="dk1"/>
+              </a:buClr>
+              <a:buSzPts val="1200"/>
+              <a:buFont typeface="Calibri"/>
+              <a:buChar char="●"/>
+            </a:pPr>
+            <a:r>
+              <a:rPr lang="en" sz="1200">
+                <a:solidFill>
+                  <a:schemeClr val="dk1"/>
+                </a:solidFill>
+                <a:latin typeface="Calibri"/>
+                <a:ea typeface="Calibri"/>
+                <a:cs typeface="Calibri"/>
+                <a:sym typeface="Calibri"/>
+              </a:rPr>
+              <a:t>iPhone 16e</a:t>
+            </a:r>
+            <a:endParaRPr sz="1200">
+              <a:solidFill>
+                <a:schemeClr val="dk1"/>
+              </a:solidFill>
+              <a:latin typeface="Calibri"/>
+              <a:ea typeface="Calibri"/>
+              <a:cs typeface="Calibri"/>
+              <a:sym typeface="Calibri"/>
+            </a:endParaRPr>
+          </a:p>
+        </p:txBody>
+      </p:sp>
+      <p:pic>
+        <p:nvPicPr>
+          <p:cNvPr id="168" name="Google Shape;168;p24"/>
+          <p:cNvPicPr preferRelativeResize="0"/>
+          <p:nvPr/>
+        </p:nvPicPr>
+        <p:blipFill>
+          <a:blip r:embed="rId3" cstate="email">
+            <a:alphaModFix/>
+            <a:extLst>
+              <a:ext uri="{28A0092B-C50C-407E-A947-70E740481C1C}">
+                <a14:useLocalDpi xmlns:a14="http://schemas.microsoft.com/office/drawing/2010/main"/>
+              </a:ext>
+            </a:extLst>
+          </a:blip>
+          <a:stretch>
+            <a:fillRect/>
+          </a:stretch>
+        </p:blipFill>
+        <p:spPr>
+          <a:xfrm>
+            <a:off x="4377575" y="93500"/>
+            <a:ext cx="4687650" cy="4956501"/>
+          </a:xfrm>
+          <a:prstGeom prst="rect">
+            <a:avLst/>
+          </a:prstGeom>
+          <a:noFill/>
+          <a:ln w="9525" cap="flat" cmpd="sng">
+            <a:solidFill>
+              <a:srgbClr val="FF0000"/>
+            </a:solidFill>
+            <a:prstDash val="solid"/>
+            <a:round/>
+            <a:headEnd type="none" w="sm" len="sm"/>
+            <a:tailEnd type="none" w="sm" len="sm"/>
+          </a:ln>
+        </p:spPr>
+      </p:pic>
+      <p:sp>
+        <p:nvSpPr>
+          <p:cNvPr id="169" name="Google Shape;169;p24"/>
+          <p:cNvSpPr txBox="1"/>
+          <p:nvPr/>
+        </p:nvSpPr>
+        <p:spPr>
+          <a:xfrm>
+            <a:off x="55075" y="2008350"/>
+            <a:ext cx="4243800" cy="480300"/>
+          </a:xfrm>
+          <a:prstGeom prst="rect">
+            <a:avLst/>
+          </a:prstGeom>
+          <a:solidFill>
+            <a:srgbClr val="FFF2CC"/>
+          </a:solidFill>
+          <a:ln w="9525" cap="flat" cmpd="sng">
+            <a:solidFill>
+              <a:srgbClr val="FF0000"/>
+            </a:solidFill>
+            <a:prstDash val="solid"/>
+            <a:round/>
+            <a:headEnd type="none" w="sm" len="sm"/>
+            <a:tailEnd type="none" w="sm" len="sm"/>
+          </a:ln>
+        </p:spPr>
+        <p:txBody>
+          <a:bodyPr spcFirstLastPara="1" wrap="square" lIns="9125" tIns="9125" rIns="9125" bIns="9125" anchor="t" anchorCtr="0">
+            <a:spAutoFit/>
+          </a:bodyPr>
+          <a:lstStyle/>
+          <a:p>
+            <a:pPr marL="171450" lvl="0" indent="-133350" algn="l" rtl="0">
+              <a:spcBef>
+                <a:spcPts val="0"/>
+              </a:spcBef>
+              <a:spcAft>
+                <a:spcPts val="0"/>
+              </a:spcAft>
+              <a:buClr>
+                <a:schemeClr val="dk1"/>
+              </a:buClr>
+              <a:buSzPts val="1200"/>
+              <a:buFont typeface="Calibri"/>
+              <a:buChar char="●"/>
+            </a:pPr>
+            <a:r>
+              <a:rPr lang="en" sz="1200">
+                <a:solidFill>
+                  <a:schemeClr val="dk1"/>
+                </a:solidFill>
+                <a:latin typeface="Calibri"/>
+                <a:ea typeface="Calibri"/>
+                <a:cs typeface="Calibri"/>
+                <a:sym typeface="Calibri"/>
+              </a:rPr>
+              <a:t>PolySoft - affordable Mac storage expansion (x2 times cheaper):</a:t>
+            </a:r>
+            <a:endParaRPr sz="1200">
+              <a:solidFill>
+                <a:schemeClr val="dk1"/>
+              </a:solidFill>
+              <a:latin typeface="Calibri"/>
+              <a:ea typeface="Calibri"/>
+              <a:cs typeface="Calibri"/>
+              <a:sym typeface="Calibri"/>
+            </a:endParaRPr>
+          </a:p>
+          <a:p>
+            <a:pPr marL="171450" lvl="0" indent="-114300" algn="l" rtl="0">
+              <a:spcBef>
+                <a:spcPts val="0"/>
+              </a:spcBef>
+              <a:spcAft>
+                <a:spcPts val="0"/>
+              </a:spcAft>
+              <a:buClr>
+                <a:schemeClr val="dk1"/>
+              </a:buClr>
+              <a:buSzPts val="900"/>
+              <a:buFont typeface="Calibri"/>
+              <a:buChar char="●"/>
+            </a:pPr>
+            <a:r>
+              <a:rPr lang="en" sz="900" u="sng">
+                <a:solidFill>
+                  <a:schemeClr val="hlink"/>
+                </a:solidFill>
+                <a:latin typeface="Calibri"/>
+                <a:ea typeface="Calibri"/>
+                <a:cs typeface="Calibri"/>
+                <a:sym typeface="Calibri"/>
+                <a:hlinkClick r:id="rId4"/>
+              </a:rPr>
+              <a:t>https://www.kickstarter.com/projects/polysoftservices/studio-drive</a:t>
+            </a:r>
+            <a:endParaRPr sz="900">
+              <a:solidFill>
+                <a:schemeClr val="dk1"/>
+              </a:solidFill>
+              <a:latin typeface="Calibri"/>
+              <a:ea typeface="Calibri"/>
+              <a:cs typeface="Calibri"/>
+              <a:sym typeface="Calibri"/>
+            </a:endParaRPr>
+          </a:p>
+          <a:p>
+            <a:pPr marL="171450" lvl="0" indent="-114300" algn="l" rtl="0">
+              <a:spcBef>
+                <a:spcPts val="0"/>
+              </a:spcBef>
+              <a:spcAft>
+                <a:spcPts val="0"/>
+              </a:spcAft>
+              <a:buClr>
+                <a:schemeClr val="dk1"/>
+              </a:buClr>
+              <a:buSzPts val="900"/>
+              <a:buFont typeface="Calibri"/>
+              <a:buChar char="●"/>
+            </a:pPr>
+            <a:r>
+              <a:rPr lang="en" sz="900" u="sng">
+                <a:solidFill>
+                  <a:schemeClr val="hlink"/>
+                </a:solidFill>
+                <a:latin typeface="Calibri"/>
+                <a:ea typeface="Calibri"/>
+                <a:cs typeface="Calibri"/>
+                <a:sym typeface="Calibri"/>
+                <a:hlinkClick r:id="rId5"/>
+              </a:rPr>
+              <a:t>https://www.youtube.com/watch?v=6ze3kEj4IqU</a:t>
+            </a:r>
+            <a:r>
+              <a:rPr lang="en" sz="900">
+                <a:solidFill>
+                  <a:schemeClr val="dk1"/>
+                </a:solidFill>
+                <a:latin typeface="Calibri"/>
+                <a:ea typeface="Calibri"/>
+                <a:cs typeface="Calibri"/>
+                <a:sym typeface="Calibri"/>
+              </a:rPr>
+              <a:t> </a:t>
+            </a:r>
+            <a:endParaRPr sz="1200">
+              <a:solidFill>
+                <a:schemeClr val="dk1"/>
+              </a:solidFill>
+              <a:latin typeface="Calibri"/>
+              <a:ea typeface="Calibri"/>
+              <a:cs typeface="Calibri"/>
+              <a:sym typeface="Calibri"/>
+            </a:endParaRPr>
+          </a:p>
+        </p:txBody>
+      </p:sp>
+      <p:pic>
+        <p:nvPicPr>
+          <p:cNvPr id="170" name="Google Shape;170;p24"/>
+          <p:cNvPicPr preferRelativeResize="0"/>
+          <p:nvPr/>
+        </p:nvPicPr>
+        <p:blipFill>
+          <a:blip r:embed="rId6" cstate="email">
+            <a:alphaModFix/>
+            <a:extLst>
+              <a:ext uri="{28A0092B-C50C-407E-A947-70E740481C1C}">
+                <a14:useLocalDpi xmlns:a14="http://schemas.microsoft.com/office/drawing/2010/main"/>
+              </a:ext>
+            </a:extLst>
+          </a:blip>
+          <a:stretch>
+            <a:fillRect/>
+          </a:stretch>
+        </p:blipFill>
+        <p:spPr>
+          <a:xfrm>
+            <a:off x="1249325" y="2573150"/>
+            <a:ext cx="1855303" cy="2350050"/>
+          </a:xfrm>
+          <a:prstGeom prst="rect">
+            <a:avLst/>
+          </a:prstGeom>
+          <a:noFill/>
+          <a:ln w="9525" cap="flat" cmpd="sng">
+            <a:solidFill>
+              <a:srgbClr val="FF0000"/>
+            </a:solidFill>
+            <a:prstDash val="solid"/>
+            <a:round/>
+            <a:headEnd type="none" w="sm" len="sm"/>
+            <a:tailEnd type="none" w="sm" len="sm"/>
+          </a:ln>
+        </p:spPr>
+      </p:pic>
+    </p:spTree>
+  </p:cSld>
+  <p:clrMapOvr>
+    <a:masterClrMapping/>
+  </p:clrMapOvr>
+</p:sld>
+</file>
+
+<file path=ppt/slides/slide11.xml><?xml version="1.0" encoding="utf-8"?>
+<p:sld xmlns:a="http://schemas.openxmlformats.org/drawingml/2006/main" xmlns:r="http://schemas.openxmlformats.org/officeDocument/2006/relationships" xmlns:p="http://schemas.openxmlformats.org/presentationml/2006/main">
+  <p:cSld>
+    <p:spTree>
+      <p:nvGrpSpPr>
+        <p:cNvPr id="1" name="Shape 174"/>
+        <p:cNvGrpSpPr/>
+        <p:nvPr/>
+      </p:nvGrpSpPr>
+      <p:grpSpPr>
+        <a:xfrm>
+          <a:off x="0" y="0"/>
+          <a:ext cx="0" cy="0"/>
+          <a:chOff x="0" y="0"/>
+          <a:chExt cx="0" cy="0"/>
+        </a:xfrm>
+      </p:grpSpPr>
+      <p:sp>
+        <p:nvSpPr>
+          <p:cNvPr id="175" name="Google Shape;175;p25"/>
           <p:cNvSpPr txBox="1"/>
           <p:nvPr/>
         </p:nvSpPr>
@@ -13925,7 +14727,7 @@
       </p:sp>
       <p:sp>
         <p:nvSpPr>
-          <p:cNvPr id="163" name="Google Shape;163;p24"/>
+          <p:cNvPr id="176" name="Google Shape;176;p25"/>
           <p:cNvSpPr txBox="1"/>
           <p:nvPr/>
         </p:nvSpPr>
@@ -14081,7 +14883,7 @@
       </p:sp>
       <p:pic>
         <p:nvPicPr>
-          <p:cNvPr id="164" name="Google Shape;164;p24"/>
+          <p:cNvPr id="177" name="Google Shape;177;p25"/>
           <p:cNvPicPr preferRelativeResize="0"/>
           <p:nvPr/>
         </p:nvPicPr>
@@ -14120,7 +14922,7 @@
       </p:pic>
       <p:pic>
         <p:nvPicPr>
-          <p:cNvPr id="165" name="Google Shape;165;p24"/>
+          <p:cNvPr id="178" name="Google Shape;178;p25"/>
           <p:cNvPicPr preferRelativeResize="0"/>
           <p:nvPr/>
         </p:nvPicPr>
@@ -14159,7 +14961,7 @@
       </p:pic>
       <p:sp>
         <p:nvSpPr>
-          <p:cNvPr id="166" name="Google Shape;166;p24"/>
+          <p:cNvPr id="179" name="Google Shape;179;p25"/>
           <p:cNvSpPr txBox="1"/>
           <p:nvPr/>
         </p:nvSpPr>
@@ -14636,7 +15438,7 @@
       </p:sp>
       <p:pic>
         <p:nvPicPr>
-          <p:cNvPr id="167" name="Google Shape;167;p24"/>
+          <p:cNvPr id="180" name="Google Shape;180;p25"/>
           <p:cNvPicPr preferRelativeResize="0"/>
           <p:nvPr/>
         </p:nvPicPr>
@@ -14669,7 +15471,7 @@
       </p:pic>
       <p:sp>
         <p:nvSpPr>
-          <p:cNvPr id="168" name="Google Shape;168;p24"/>
+          <p:cNvPr id="181" name="Google Shape;181;p25"/>
           <p:cNvSpPr txBox="1"/>
           <p:nvPr/>
         </p:nvSpPr>
@@ -14755,7 +15557,7 @@
       </p:sp>
       <p:pic>
         <p:nvPicPr>
-          <p:cNvPr id="169" name="Google Shape;169;p24"/>
+          <p:cNvPr id="182" name="Google Shape;182;p25"/>
           <p:cNvPicPr preferRelativeResize="0"/>
           <p:nvPr/>
         </p:nvPicPr>
@@ -14800,12 +15602,12 @@
 </p:sld>
 </file>
 
-<file path=ppt/slides/slide11.xml><?xml version="1.0" encoding="utf-8"?>
+<file path=ppt/slides/slide12.xml><?xml version="1.0" encoding="utf-8"?>
 <p:sld xmlns:a="http://schemas.openxmlformats.org/drawingml/2006/main" xmlns:r="http://schemas.openxmlformats.org/officeDocument/2006/relationships" xmlns:p="http://schemas.openxmlformats.org/presentationml/2006/main">
   <p:cSld>
     <p:spTree>
       <p:nvGrpSpPr>
-        <p:cNvPr id="1" name="Shape 173"/>
+        <p:cNvPr id="1" name="Shape 186"/>
         <p:cNvGrpSpPr/>
         <p:nvPr/>
       </p:nvGrpSpPr>
@@ -14819,7 +15621,7 @@
       </p:grpSpPr>
       <p:sp>
         <p:nvSpPr>
-          <p:cNvPr id="174" name="Google Shape;174;p25"/>
+          <p:cNvPr id="187" name="Google Shape;187;p26"/>
           <p:cNvSpPr txBox="1"/>
           <p:nvPr/>
         </p:nvSpPr>
@@ -14882,7 +15684,7 @@
       </p:sp>
       <p:sp>
         <p:nvSpPr>
-          <p:cNvPr id="175" name="Google Shape;175;p25"/>
+          <p:cNvPr id="188" name="Google Shape;188;p26"/>
           <p:cNvSpPr txBox="1"/>
           <p:nvPr/>
         </p:nvSpPr>
@@ -14975,7 +15777,7 @@
       </p:sp>
       <p:pic>
         <p:nvPicPr>
-          <p:cNvPr id="176" name="Google Shape;176;p25"/>
+          <p:cNvPr id="189" name="Google Shape;189;p26"/>
           <p:cNvPicPr preferRelativeResize="0"/>
           <p:nvPr/>
         </p:nvPicPr>
@@ -15014,7 +15816,7 @@
       </p:pic>
       <p:pic>
         <p:nvPicPr>
-          <p:cNvPr id="177" name="Google Shape;177;p25"/>
+          <p:cNvPr id="190" name="Google Shape;190;p26"/>
           <p:cNvPicPr preferRelativeResize="0"/>
           <p:nvPr/>
         </p:nvPicPr>
@@ -15053,7 +15855,7 @@
       </p:pic>
       <p:pic>
         <p:nvPicPr>
-          <p:cNvPr id="178" name="Google Shape;178;p25"/>
+          <p:cNvPr id="191" name="Google Shape;191;p26"/>
           <p:cNvPicPr preferRelativeResize="0"/>
           <p:nvPr/>
         </p:nvPicPr>
@@ -15092,7 +15894,7 @@
       </p:pic>
       <p:pic>
         <p:nvPicPr>
-          <p:cNvPr id="179" name="Google Shape;179;p25"/>
+          <p:cNvPr id="192" name="Google Shape;192;p26"/>
           <p:cNvPicPr preferRelativeResize="0"/>
           <p:nvPr/>
         </p:nvPicPr>
@@ -15137,12 +15939,12 @@
 </p:sld>
 </file>
 
-<file path=ppt/slides/slide12.xml><?xml version="1.0" encoding="utf-8"?>
+<file path=ppt/slides/slide13.xml><?xml version="1.0" encoding="utf-8"?>
 <p:sld xmlns:a="http://schemas.openxmlformats.org/drawingml/2006/main" xmlns:r="http://schemas.openxmlformats.org/officeDocument/2006/relationships" xmlns:p="http://schemas.openxmlformats.org/presentationml/2006/main">
   <p:cSld>
     <p:spTree>
       <p:nvGrpSpPr>
-        <p:cNvPr id="1" name="Shape 183"/>
+        <p:cNvPr id="1" name="Shape 196"/>
         <p:cNvGrpSpPr/>
         <p:nvPr/>
       </p:nvGrpSpPr>
@@ -15156,7 +15958,7 @@
       </p:grpSpPr>
       <p:sp>
         <p:nvSpPr>
-          <p:cNvPr id="184" name="Google Shape;184;p26"/>
+          <p:cNvPr id="197" name="Google Shape;197;p27"/>
           <p:cNvSpPr txBox="1"/>
           <p:nvPr/>
         </p:nvSpPr>
@@ -15219,7 +16021,7 @@
       </p:sp>
       <p:sp>
         <p:nvSpPr>
-          <p:cNvPr id="185" name="Google Shape;185;p26"/>
+          <p:cNvPr id="198" name="Google Shape;198;p27"/>
           <p:cNvSpPr txBox="1"/>
           <p:nvPr/>
         </p:nvSpPr>
@@ -15503,7 +16305,7 @@
       </p:sp>
       <p:pic>
         <p:nvPicPr>
-          <p:cNvPr id="186" name="Google Shape;186;p26"/>
+          <p:cNvPr id="199" name="Google Shape;199;p27"/>
           <p:cNvPicPr preferRelativeResize="0"/>
           <p:nvPr/>
         </p:nvPicPr>
@@ -15541,7 +16343,7 @@
       </p:pic>
       <p:pic>
         <p:nvPicPr>
-          <p:cNvPr id="187" name="Google Shape;187;p26"/>
+          <p:cNvPr id="200" name="Google Shape;200;p27"/>
           <p:cNvPicPr preferRelativeResize="0"/>
           <p:nvPr/>
         </p:nvPicPr>
@@ -15580,7 +16382,7 @@
       </p:pic>
       <p:sp>
         <p:nvSpPr>
-          <p:cNvPr id="188" name="Google Shape;188;p26"/>
+          <p:cNvPr id="201" name="Google Shape;201;p27"/>
           <p:cNvSpPr txBox="1"/>
           <p:nvPr/>
         </p:nvSpPr>
@@ -15902,7 +16704,7 @@
       </p:sp>
       <p:pic>
         <p:nvPicPr>
-          <p:cNvPr id="189" name="Google Shape;189;p26"/>
+          <p:cNvPr id="202" name="Google Shape;202;p27"/>
           <p:cNvPicPr preferRelativeResize="0"/>
           <p:nvPr/>
         </p:nvPicPr>
@@ -15942,12 +16744,12 @@
 </p:sld>
 </file>
 
-<file path=ppt/slides/slide13.xml><?xml version="1.0" encoding="utf-8"?>
+<file path=ppt/slides/slide14.xml><?xml version="1.0" encoding="utf-8"?>
 <p:sld xmlns:a="http://schemas.openxmlformats.org/drawingml/2006/main" xmlns:r="http://schemas.openxmlformats.org/officeDocument/2006/relationships" xmlns:p="http://schemas.openxmlformats.org/presentationml/2006/main">
   <p:cSld>
     <p:spTree>
       <p:nvGrpSpPr>
-        <p:cNvPr id="1" name="Shape 193"/>
+        <p:cNvPr id="1" name="Shape 206"/>
         <p:cNvGrpSpPr/>
         <p:nvPr/>
       </p:nvGrpSpPr>
@@ -15961,7 +16763,7 @@
       </p:grpSpPr>
       <p:sp>
         <p:nvSpPr>
-          <p:cNvPr id="194" name="Google Shape;194;p27"/>
+          <p:cNvPr id="207" name="Google Shape;207;p28"/>
           <p:cNvSpPr txBox="1"/>
           <p:nvPr/>
         </p:nvSpPr>
@@ -16024,7 +16826,7 @@
       </p:sp>
       <p:sp>
         <p:nvSpPr>
-          <p:cNvPr id="195" name="Google Shape;195;p27"/>
+          <p:cNvPr id="208" name="Google Shape;208;p28"/>
           <p:cNvSpPr txBox="1"/>
           <p:nvPr/>
         </p:nvSpPr>
@@ -16062,11 +16864,6 @@
               <a:spcAft>
                 <a:spcPts val="0"/>
               </a:spcAft>
-              <a:buClr>
-                <a:schemeClr val="dk1"/>
-              </a:buClr>
-              <a:buSzPts val="1100"/>
-              <a:buFont typeface="Arial"/>
               <a:buNone/>
             </a:pPr>
             <a:r>
@@ -16385,7 +17182,7 @@
       </p:sp>
       <p:pic>
         <p:nvPicPr>
-          <p:cNvPr id="196" name="Google Shape;196;p27"/>
+          <p:cNvPr id="209" name="Google Shape;209;p28"/>
           <p:cNvPicPr preferRelativeResize="0"/>
           <p:nvPr/>
         </p:nvPicPr>
@@ -16424,7 +17221,7 @@
       </p:pic>
       <p:pic>
         <p:nvPicPr>
-          <p:cNvPr id="197" name="Google Shape;197;p27"/>
+          <p:cNvPr id="210" name="Google Shape;210;p28"/>
           <p:cNvPicPr preferRelativeResize="0"/>
           <p:nvPr/>
         </p:nvPicPr>
@@ -16469,12 +17266,12 @@
 </p:sld>
 </file>
 
-<file path=ppt/slides/slide14.xml><?xml version="1.0" encoding="utf-8"?>
+<file path=ppt/slides/slide15.xml><?xml version="1.0" encoding="utf-8"?>
 <p:sld xmlns:a="http://schemas.openxmlformats.org/drawingml/2006/main" xmlns:r="http://schemas.openxmlformats.org/officeDocument/2006/relationships" xmlns:p="http://schemas.openxmlformats.org/presentationml/2006/main">
   <p:cSld>
     <p:spTree>
       <p:nvGrpSpPr>
-        <p:cNvPr id="1" name="Shape 201"/>
+        <p:cNvPr id="1" name="Shape 214"/>
         <p:cNvGrpSpPr/>
         <p:nvPr/>
       </p:nvGrpSpPr>
@@ -16488,7 +17285,7 @@
       </p:grpSpPr>
       <p:sp>
         <p:nvSpPr>
-          <p:cNvPr id="202" name="Google Shape;202;p28"/>
+          <p:cNvPr id="215" name="Google Shape;215;p29"/>
           <p:cNvSpPr txBox="1"/>
           <p:nvPr/>
         </p:nvSpPr>
@@ -16655,7 +17452,7 @@
       </p:sp>
       <p:sp>
         <p:nvSpPr>
-          <p:cNvPr id="203" name="Google Shape;203;p28"/>
+          <p:cNvPr id="216" name="Google Shape;216;p29"/>
           <p:cNvSpPr txBox="1"/>
           <p:nvPr/>
         </p:nvSpPr>
@@ -16721,7 +17518,7 @@
       </p:sp>
       <p:sp>
         <p:nvSpPr>
-          <p:cNvPr id="204" name="Google Shape;204;p28"/>
+          <p:cNvPr id="217" name="Google Shape;217;p29"/>
           <p:cNvSpPr txBox="1"/>
           <p:nvPr/>
         </p:nvSpPr>
@@ -16847,7 +17644,7 @@
       </p:sp>
       <p:sp>
         <p:nvSpPr>
-          <p:cNvPr id="205" name="Google Shape;205;p28"/>
+          <p:cNvPr id="218" name="Google Shape;218;p29"/>
           <p:cNvSpPr txBox="1"/>
           <p:nvPr/>
         </p:nvSpPr>
@@ -16921,7 +17718,7 @@
       </p:sp>
       <p:sp>
         <p:nvSpPr>
-          <p:cNvPr id="206" name="Google Shape;206;p28"/>
+          <p:cNvPr id="219" name="Google Shape;219;p29"/>
           <p:cNvSpPr txBox="1"/>
           <p:nvPr/>
         </p:nvSpPr>
@@ -17082,7 +17879,7 @@
       </p:sp>
       <p:sp>
         <p:nvSpPr>
-          <p:cNvPr id="207" name="Google Shape;207;p28"/>
+          <p:cNvPr id="220" name="Google Shape;220;p29"/>
           <p:cNvSpPr txBox="1"/>
           <p:nvPr/>
         </p:nvSpPr>
@@ -17156,7 +17953,7 @@
       </p:sp>
       <p:sp>
         <p:nvSpPr>
-          <p:cNvPr id="208" name="Google Shape;208;p28"/>
+          <p:cNvPr id="221" name="Google Shape;221;p29"/>
           <p:cNvSpPr txBox="1"/>
           <p:nvPr/>
         </p:nvSpPr>
@@ -17231,7 +18028,7 @@
       </p:sp>
       <p:sp>
         <p:nvSpPr>
-          <p:cNvPr id="209" name="Google Shape;209;p28"/>
+          <p:cNvPr id="222" name="Google Shape;222;p29"/>
           <p:cNvSpPr/>
           <p:nvPr/>
         </p:nvSpPr>
@@ -17277,7 +18074,7 @@
       </p:sp>
       <p:sp>
         <p:nvSpPr>
-          <p:cNvPr id="210" name="Google Shape;210;p28"/>
+          <p:cNvPr id="223" name="Google Shape;223;p29"/>
           <p:cNvSpPr/>
           <p:nvPr/>
         </p:nvSpPr>
@@ -17323,13 +18120,13 @@
       </p:sp>
       <p:sp>
         <p:nvSpPr>
-          <p:cNvPr id="211" name="Google Shape;211;p28"/>
+          <p:cNvPr id="224" name="Google Shape;224;p29"/>
           <p:cNvSpPr txBox="1"/>
           <p:nvPr/>
         </p:nvSpPr>
         <p:spPr>
           <a:xfrm>
-            <a:off x="4720823" y="4139221"/>
+            <a:off x="4873223" y="4139221"/>
             <a:ext cx="288900" cy="141600"/>
           </a:xfrm>
           <a:prstGeom prst="rect">
@@ -17398,13 +18195,13 @@
       </p:sp>
       <p:sp>
         <p:nvSpPr>
-          <p:cNvPr id="212" name="Google Shape;212;p28"/>
+          <p:cNvPr id="225" name="Google Shape;225;p29"/>
           <p:cNvSpPr/>
           <p:nvPr/>
         </p:nvSpPr>
         <p:spPr>
           <a:xfrm>
-            <a:off x="5036114" y="2037302"/>
+            <a:off x="5034713" y="2249923"/>
             <a:ext cx="125400" cy="125400"/>
           </a:xfrm>
           <a:prstGeom prst="ellipse">
@@ -17444,13 +18241,13 @@
       </p:sp>
       <p:sp>
         <p:nvSpPr>
-          <p:cNvPr id="213" name="Google Shape;213;p28"/>
+          <p:cNvPr id="226" name="Google Shape;226;p29"/>
           <p:cNvSpPr/>
           <p:nvPr/>
         </p:nvSpPr>
         <p:spPr>
           <a:xfrm>
-            <a:off x="5034960" y="2603744"/>
+            <a:off x="5037201" y="2809932"/>
             <a:ext cx="125400" cy="125400"/>
           </a:xfrm>
           <a:prstGeom prst="ellipse">
@@ -17490,13 +18287,13 @@
       </p:sp>
       <p:sp>
         <p:nvSpPr>
-          <p:cNvPr id="214" name="Google Shape;214;p28"/>
+          <p:cNvPr id="227" name="Google Shape;227;p29"/>
           <p:cNvSpPr/>
           <p:nvPr/>
         </p:nvSpPr>
         <p:spPr>
           <a:xfrm>
-            <a:off x="5027999" y="1271909"/>
+            <a:off x="5027999" y="1469259"/>
             <a:ext cx="125400" cy="125400"/>
           </a:xfrm>
           <a:prstGeom prst="ellipse">
@@ -17536,7 +18333,7 @@
       </p:sp>
       <p:sp>
         <p:nvSpPr>
-          <p:cNvPr id="215" name="Google Shape;215;p28"/>
+          <p:cNvPr id="228" name="Google Shape;228;p29"/>
           <p:cNvSpPr txBox="1"/>
           <p:nvPr/>
         </p:nvSpPr>
@@ -17611,7 +18408,7 @@
       </p:sp>
       <p:sp>
         <p:nvSpPr>
-          <p:cNvPr id="216" name="Google Shape;216;p28"/>
+          <p:cNvPr id="229" name="Google Shape;229;p29"/>
           <p:cNvSpPr/>
           <p:nvPr/>
         </p:nvSpPr>
@@ -17657,7 +18454,7 @@
       </p:sp>
       <p:sp>
         <p:nvSpPr>
-          <p:cNvPr id="217" name="Google Shape;217;p28"/>
+          <p:cNvPr id="230" name="Google Shape;230;p29"/>
           <p:cNvSpPr/>
           <p:nvPr/>
         </p:nvSpPr>
@@ -17703,7 +18500,7 @@
       </p:sp>
       <p:sp>
         <p:nvSpPr>
-          <p:cNvPr id="218" name="Google Shape;218;p28"/>
+          <p:cNvPr id="231" name="Google Shape;231;p29"/>
           <p:cNvSpPr/>
           <p:nvPr/>
         </p:nvSpPr>
@@ -17749,7 +18546,7 @@
       </p:sp>
       <p:sp>
         <p:nvSpPr>
-          <p:cNvPr id="219" name="Google Shape;219;p28"/>
+          <p:cNvPr id="232" name="Google Shape;232;p29"/>
           <p:cNvSpPr/>
           <p:nvPr/>
         </p:nvSpPr>
@@ -17795,7 +18592,7 @@
       </p:sp>
       <p:sp>
         <p:nvSpPr>
-          <p:cNvPr id="220" name="Google Shape;220;p28"/>
+          <p:cNvPr id="233" name="Google Shape;233;p29"/>
           <p:cNvSpPr/>
           <p:nvPr/>
         </p:nvSpPr>
@@ -17841,13 +18638,13 @@
       </p:sp>
       <p:sp>
         <p:nvSpPr>
-          <p:cNvPr id="221" name="Google Shape;221;p28"/>
+          <p:cNvPr id="234" name="Google Shape;234;p29"/>
           <p:cNvSpPr/>
           <p:nvPr/>
         </p:nvSpPr>
         <p:spPr>
           <a:xfrm>
-            <a:off x="5027996" y="2419688"/>
+            <a:off x="5037196" y="3384798"/>
             <a:ext cx="125400" cy="125400"/>
           </a:xfrm>
           <a:prstGeom prst="ellipse">
@@ -17887,7 +18684,7 @@
       </p:sp>
       <p:sp>
         <p:nvSpPr>
-          <p:cNvPr id="222" name="Google Shape;222;p28"/>
+          <p:cNvPr id="235" name="Google Shape;235;p29"/>
           <p:cNvSpPr/>
           <p:nvPr/>
         </p:nvSpPr>
@@ -17933,7 +18730,7 @@
       </p:sp>
       <p:sp>
         <p:nvSpPr>
-          <p:cNvPr id="223" name="Google Shape;223;p28"/>
+          <p:cNvPr id="236" name="Google Shape;236;p29"/>
           <p:cNvSpPr/>
           <p:nvPr/>
         </p:nvSpPr>
@@ -17979,7 +18776,7 @@
       </p:sp>
       <p:sp>
         <p:nvSpPr>
-          <p:cNvPr id="224" name="Google Shape;224;p28"/>
+          <p:cNvPr id="237" name="Google Shape;237;p29"/>
           <p:cNvSpPr/>
           <p:nvPr/>
         </p:nvSpPr>
@@ -18025,13 +18822,13 @@
       </p:sp>
       <p:sp>
         <p:nvSpPr>
-          <p:cNvPr id="225" name="Google Shape;225;p28"/>
+          <p:cNvPr id="238" name="Google Shape;238;p29"/>
           <p:cNvSpPr txBox="1"/>
           <p:nvPr/>
         </p:nvSpPr>
         <p:spPr>
           <a:xfrm>
-            <a:off x="4875222" y="4324107"/>
+            <a:off x="4868499" y="4513243"/>
             <a:ext cx="288900" cy="141600"/>
           </a:xfrm>
           <a:prstGeom prst="rect">
@@ -18100,7 +18897,7 @@
       </p:sp>
       <p:sp>
         <p:nvSpPr>
-          <p:cNvPr id="226" name="Google Shape;226;p28"/>
+          <p:cNvPr id="239" name="Google Shape;239;p29"/>
           <p:cNvSpPr txBox="1"/>
           <p:nvPr/>
         </p:nvSpPr>
@@ -18175,7 +18972,7 @@
       </p:sp>
       <p:sp>
         <p:nvSpPr>
-          <p:cNvPr id="227" name="Google Shape;227;p28"/>
+          <p:cNvPr id="240" name="Google Shape;240;p29"/>
           <p:cNvSpPr/>
           <p:nvPr/>
         </p:nvSpPr>
@@ -18221,157 +19018,7 @@
       </p:sp>
       <p:sp>
         <p:nvSpPr>
-          <p:cNvPr id="228" name="Google Shape;228;p28"/>
-          <p:cNvSpPr txBox="1"/>
-          <p:nvPr/>
-        </p:nvSpPr>
-        <p:spPr>
-          <a:xfrm>
-            <a:off x="4881033" y="3951366"/>
-            <a:ext cx="288900" cy="141600"/>
-          </a:xfrm>
-          <a:prstGeom prst="rect">
-            <a:avLst/>
-          </a:prstGeom>
-          <a:noFill/>
-          <a:ln w="9525" cap="flat" cmpd="sng">
-            <a:solidFill>
-              <a:srgbClr val="FF0000"/>
-            </a:solidFill>
-            <a:prstDash val="solid"/>
-            <a:round/>
-            <a:headEnd type="none" w="sm" len="sm"/>
-            <a:tailEnd type="none" w="sm" len="sm"/>
-          </a:ln>
-        </p:spPr>
-        <p:txBody>
-          <a:bodyPr spcFirstLastPara="1" wrap="square" lIns="9125" tIns="9125" rIns="9125" bIns="9125" anchor="t" anchorCtr="0">
-            <a:spAutoFit/>
-          </a:bodyPr>
-          <a:lstStyle/>
-          <a:p>
-            <a:pPr marL="0" lvl="0" indent="0" algn="l" rtl="0">
-              <a:spcBef>
-                <a:spcPts val="0"/>
-              </a:spcBef>
-              <a:spcAft>
-                <a:spcPts val="0"/>
-              </a:spcAft>
-              <a:buClr>
-                <a:srgbClr val="000000"/>
-              </a:buClr>
-              <a:buSzPts val="1100"/>
-              <a:buFont typeface="Arial"/>
-              <a:buNone/>
-            </a:pPr>
-            <a:r>
-              <a:rPr lang="en" sz="800">
-                <a:solidFill>
-                  <a:srgbClr val="1F2937"/>
-                </a:solidFill>
-                <a:highlight>
-                  <a:srgbClr val="FFFFFF"/>
-                </a:highlight>
-                <a:latin typeface="Calibri"/>
-                <a:ea typeface="Calibri"/>
-                <a:cs typeface="Calibri"/>
-                <a:sym typeface="Calibri"/>
-              </a:rPr>
-              <a:t>China</a:t>
-            </a:r>
-            <a:endParaRPr sz="800">
-              <a:solidFill>
-                <a:srgbClr val="1F2937"/>
-              </a:solidFill>
-              <a:highlight>
-                <a:srgbClr val="FFFFFF"/>
-              </a:highlight>
-              <a:latin typeface="Calibri"/>
-              <a:ea typeface="Calibri"/>
-              <a:cs typeface="Calibri"/>
-              <a:sym typeface="Calibri"/>
-            </a:endParaRPr>
-          </a:p>
-        </p:txBody>
-      </p:sp>
-      <p:sp>
-        <p:nvSpPr>
-          <p:cNvPr id="229" name="Google Shape;229;p28"/>
-          <p:cNvSpPr txBox="1"/>
-          <p:nvPr/>
-        </p:nvSpPr>
-        <p:spPr>
-          <a:xfrm>
-            <a:off x="4872265" y="4705964"/>
-            <a:ext cx="288900" cy="141600"/>
-          </a:xfrm>
-          <a:prstGeom prst="rect">
-            <a:avLst/>
-          </a:prstGeom>
-          <a:noFill/>
-          <a:ln w="9525" cap="flat" cmpd="sng">
-            <a:solidFill>
-              <a:srgbClr val="FF0000"/>
-            </a:solidFill>
-            <a:prstDash val="solid"/>
-            <a:round/>
-            <a:headEnd type="none" w="sm" len="sm"/>
-            <a:tailEnd type="none" w="sm" len="sm"/>
-          </a:ln>
-        </p:spPr>
-        <p:txBody>
-          <a:bodyPr spcFirstLastPara="1" wrap="square" lIns="9125" tIns="9125" rIns="9125" bIns="9125" anchor="t" anchorCtr="0">
-            <a:spAutoFit/>
-          </a:bodyPr>
-          <a:lstStyle/>
-          <a:p>
-            <a:pPr marL="0" lvl="0" indent="0" algn="l" rtl="0">
-              <a:spcBef>
-                <a:spcPts val="0"/>
-              </a:spcBef>
-              <a:spcAft>
-                <a:spcPts val="0"/>
-              </a:spcAft>
-              <a:buClr>
-                <a:srgbClr val="000000"/>
-              </a:buClr>
-              <a:buSzPts val="1100"/>
-              <a:buFont typeface="Arial"/>
-              <a:buNone/>
-            </a:pPr>
-            <a:r>
-              <a:rPr lang="en" sz="800">
-                <a:solidFill>
-                  <a:srgbClr val="1F2937"/>
-                </a:solidFill>
-                <a:highlight>
-                  <a:srgbClr val="FFFFFF"/>
-                </a:highlight>
-                <a:latin typeface="Calibri"/>
-                <a:ea typeface="Calibri"/>
-                <a:cs typeface="Calibri"/>
-                <a:sym typeface="Calibri"/>
-              </a:rPr>
-              <a:t>China</a:t>
-            </a:r>
-            <a:endParaRPr sz="800">
-              <a:solidFill>
-                <a:srgbClr val="1F2937"/>
-              </a:solidFill>
-              <a:highlight>
-                <a:srgbClr val="FFFFFF"/>
-              </a:highlight>
-              <a:latin typeface="Calibri"/>
-              <a:ea typeface="Calibri"/>
-              <a:cs typeface="Calibri"/>
-              <a:sym typeface="Calibri"/>
-            </a:endParaRPr>
-          </a:p>
-        </p:txBody>
-      </p:sp>
-      <p:sp>
-        <p:nvSpPr>
-          <p:cNvPr id="230" name="Google Shape;230;p28"/>
+          <p:cNvPr id="241" name="Google Shape;241;p29"/>
           <p:cNvSpPr txBox="1"/>
           <p:nvPr/>
         </p:nvSpPr>
@@ -18446,7 +19093,7 @@
       </p:sp>
       <p:sp>
         <p:nvSpPr>
-          <p:cNvPr id="231" name="Google Shape;231;p28"/>
+          <p:cNvPr id="242" name="Google Shape;242;p29"/>
           <p:cNvSpPr/>
           <p:nvPr/>
         </p:nvSpPr>
@@ -18492,7 +19139,7 @@
       </p:sp>
       <p:sp>
         <p:nvSpPr>
-          <p:cNvPr id="232" name="Google Shape;232;p28"/>
+          <p:cNvPr id="243" name="Google Shape;243;p29"/>
           <p:cNvSpPr txBox="1"/>
           <p:nvPr/>
         </p:nvSpPr>
@@ -18567,7 +19214,7 @@
       </p:sp>
       <p:sp>
         <p:nvSpPr>
-          <p:cNvPr id="233" name="Google Shape;233;p28"/>
+          <p:cNvPr id="244" name="Google Shape;244;p29"/>
           <p:cNvSpPr/>
           <p:nvPr/>
         </p:nvSpPr>
@@ -18613,13 +19260,13 @@
       </p:sp>
       <p:sp>
         <p:nvSpPr>
-          <p:cNvPr id="234" name="Google Shape;234;p28"/>
+          <p:cNvPr id="245" name="Google Shape;245;p29"/>
           <p:cNvSpPr/>
           <p:nvPr/>
         </p:nvSpPr>
         <p:spPr>
           <a:xfrm>
-            <a:off x="5036124" y="2226458"/>
+            <a:off x="5036124" y="2039795"/>
             <a:ext cx="125400" cy="125400"/>
           </a:xfrm>
           <a:prstGeom prst="ellipse">
@@ -18659,13 +19306,13 @@
       </p:sp>
       <p:sp>
         <p:nvSpPr>
-          <p:cNvPr id="235" name="Google Shape;235;p28"/>
+          <p:cNvPr id="246" name="Google Shape;246;p29"/>
           <p:cNvSpPr txBox="1"/>
           <p:nvPr/>
         </p:nvSpPr>
         <p:spPr>
           <a:xfrm>
-            <a:off x="4875235" y="3365722"/>
+            <a:off x="4875235" y="3560704"/>
             <a:ext cx="288900" cy="141600"/>
           </a:xfrm>
           <a:prstGeom prst="rect">
@@ -18734,59 +19381,13 @@
       </p:sp>
       <p:sp>
         <p:nvSpPr>
-          <p:cNvPr id="236" name="Google Shape;236;p28"/>
-          <p:cNvSpPr/>
-          <p:nvPr/>
-        </p:nvSpPr>
-        <p:spPr>
-          <a:xfrm>
-            <a:off x="5031812" y="4145843"/>
-            <a:ext cx="125400" cy="125400"/>
-          </a:xfrm>
-          <a:prstGeom prst="ellipse">
-            <a:avLst/>
-          </a:prstGeom>
-          <a:solidFill>
-            <a:srgbClr val="6AA84F"/>
-          </a:solidFill>
-          <a:ln w="9525" cap="flat" cmpd="sng">
-            <a:solidFill>
-              <a:srgbClr val="595959"/>
-            </a:solidFill>
-            <a:prstDash val="solid"/>
-            <a:round/>
-            <a:headEnd type="none" w="sm" len="sm"/>
-            <a:tailEnd type="none" w="sm" len="sm"/>
-          </a:ln>
-        </p:spPr>
-        <p:txBody>
-          <a:bodyPr spcFirstLastPara="1" wrap="square" lIns="91425" tIns="91425" rIns="91425" bIns="91425" anchor="ctr" anchorCtr="0">
-            <a:noAutofit/>
-          </a:bodyPr>
-          <a:lstStyle/>
-          <a:p>
-            <a:pPr marL="0" lvl="0" indent="0" algn="ctr" rtl="0">
-              <a:spcBef>
-                <a:spcPts val="0"/>
-              </a:spcBef>
-              <a:spcAft>
-                <a:spcPts val="0"/>
-              </a:spcAft>
-              <a:buNone/>
-            </a:pPr>
-            <a:endParaRPr/>
-          </a:p>
-        </p:txBody>
-      </p:sp>
-      <p:sp>
-        <p:nvSpPr>
-          <p:cNvPr id="237" name="Google Shape;237;p28"/>
+          <p:cNvPr id="247" name="Google Shape;247;p29"/>
           <p:cNvSpPr txBox="1"/>
           <p:nvPr/>
         </p:nvSpPr>
         <p:spPr>
           <a:xfrm>
-            <a:off x="4733079" y="4515030"/>
+            <a:off x="4733079" y="4320048"/>
             <a:ext cx="288900" cy="141600"/>
           </a:xfrm>
           <a:prstGeom prst="rect">
@@ -18855,7 +19456,7 @@
       </p:sp>
       <p:sp>
         <p:nvSpPr>
-          <p:cNvPr id="238" name="Google Shape;238;p28"/>
+          <p:cNvPr id="248" name="Google Shape;248;p29"/>
           <p:cNvSpPr/>
           <p:nvPr/>
         </p:nvSpPr>
@@ -18901,7 +19502,7 @@
       </p:sp>
       <p:sp>
         <p:nvSpPr>
-          <p:cNvPr id="239" name="Google Shape;239;p28"/>
+          <p:cNvPr id="249" name="Google Shape;249;p29"/>
           <p:cNvSpPr txBox="1"/>
           <p:nvPr/>
         </p:nvSpPr>
@@ -18976,13 +19577,13 @@
       </p:sp>
       <p:sp>
         <p:nvSpPr>
-          <p:cNvPr id="240" name="Google Shape;240;p28"/>
+          <p:cNvPr id="250" name="Google Shape;250;p29"/>
           <p:cNvSpPr/>
           <p:nvPr/>
         </p:nvSpPr>
         <p:spPr>
           <a:xfrm>
-            <a:off x="5036121" y="2798460"/>
+            <a:off x="5036121" y="2612442"/>
             <a:ext cx="125400" cy="125400"/>
           </a:xfrm>
           <a:prstGeom prst="ellipse">
@@ -19022,7 +19623,7 @@
       </p:sp>
       <p:sp>
         <p:nvSpPr>
-          <p:cNvPr id="241" name="Google Shape;241;p28"/>
+          <p:cNvPr id="251" name="Google Shape;251;p29"/>
           <p:cNvSpPr txBox="1"/>
           <p:nvPr/>
         </p:nvSpPr>
@@ -19097,13 +19698,13 @@
       </p:sp>
       <p:sp>
         <p:nvSpPr>
-          <p:cNvPr id="242" name="Google Shape;242;p28"/>
+          <p:cNvPr id="252" name="Google Shape;252;p29"/>
           <p:cNvSpPr/>
           <p:nvPr/>
         </p:nvSpPr>
         <p:spPr>
           <a:xfrm>
-            <a:off x="5035954" y="3762064"/>
+            <a:off x="5035954" y="3936876"/>
             <a:ext cx="125400" cy="125400"/>
           </a:xfrm>
           <a:prstGeom prst="ellipse">
@@ -19143,7 +19744,7 @@
       </p:sp>
       <p:sp>
         <p:nvSpPr>
-          <p:cNvPr id="243" name="Google Shape;243;p28"/>
+          <p:cNvPr id="253" name="Google Shape;253;p29"/>
           <p:cNvSpPr txBox="1"/>
           <p:nvPr/>
         </p:nvSpPr>
@@ -19214,7 +19815,7 @@
       </p:sp>
       <p:sp>
         <p:nvSpPr>
-          <p:cNvPr id="244" name="Google Shape;244;p28"/>
+          <p:cNvPr id="254" name="Google Shape;254;p29"/>
           <p:cNvSpPr txBox="1"/>
           <p:nvPr/>
         </p:nvSpPr>
@@ -19289,13 +19890,13 @@
       </p:sp>
       <p:sp>
         <p:nvSpPr>
-          <p:cNvPr id="245" name="Google Shape;245;p28"/>
+          <p:cNvPr id="255" name="Google Shape;255;p29"/>
           <p:cNvSpPr txBox="1"/>
           <p:nvPr/>
         </p:nvSpPr>
         <p:spPr>
           <a:xfrm flipH="1">
-            <a:off x="4952622" y="1076147"/>
+            <a:off x="4966603" y="1269183"/>
             <a:ext cx="194400" cy="141600"/>
           </a:xfrm>
           <a:prstGeom prst="rect">
@@ -19360,13 +19961,13 @@
       </p:sp>
       <p:sp>
         <p:nvSpPr>
-          <p:cNvPr id="246" name="Google Shape;246;p28"/>
+          <p:cNvPr id="256" name="Google Shape;256;p29"/>
           <p:cNvSpPr/>
           <p:nvPr/>
         </p:nvSpPr>
         <p:spPr>
           <a:xfrm>
-            <a:off x="5031375" y="4529891"/>
+            <a:off x="5031375" y="4334908"/>
             <a:ext cx="125400" cy="125400"/>
           </a:xfrm>
           <a:prstGeom prst="ellipse">
@@ -19406,7 +20007,7 @@
       </p:sp>
       <p:sp>
         <p:nvSpPr>
-          <p:cNvPr id="247" name="Google Shape;247;p28"/>
+          <p:cNvPr id="257" name="Google Shape;257;p29"/>
           <p:cNvSpPr txBox="1"/>
           <p:nvPr/>
         </p:nvSpPr>
@@ -19481,7 +20082,7 @@
       </p:sp>
       <p:sp>
         <p:nvSpPr>
-          <p:cNvPr id="248" name="Google Shape;248;p28"/>
+          <p:cNvPr id="258" name="Google Shape;258;p29"/>
           <p:cNvSpPr/>
           <p:nvPr/>
         </p:nvSpPr>
@@ -19527,7 +20128,7 @@
       </p:sp>
       <p:sp>
         <p:nvSpPr>
-          <p:cNvPr id="249" name="Google Shape;249;p28"/>
+          <p:cNvPr id="259" name="Google Shape;259;p29"/>
           <p:cNvSpPr txBox="1"/>
           <p:nvPr/>
         </p:nvSpPr>
@@ -19602,7 +20203,7 @@
       </p:sp>
       <p:sp>
         <p:nvSpPr>
-          <p:cNvPr id="250" name="Google Shape;250;p28"/>
+          <p:cNvPr id="260" name="Google Shape;260;p29"/>
           <p:cNvSpPr/>
           <p:nvPr/>
         </p:nvSpPr>
@@ -19648,13 +20249,13 @@
       </p:sp>
       <p:sp>
         <p:nvSpPr>
-          <p:cNvPr id="251" name="Google Shape;251;p28"/>
+          <p:cNvPr id="261" name="Google Shape;261;p29"/>
           <p:cNvSpPr/>
           <p:nvPr/>
         </p:nvSpPr>
         <p:spPr>
           <a:xfrm>
-            <a:off x="5029165" y="1449601"/>
+            <a:off x="5035888" y="2426839"/>
             <a:ext cx="125400" cy="125400"/>
           </a:xfrm>
           <a:prstGeom prst="ellipse">
@@ -19694,7 +20295,7 @@
       </p:sp>
       <p:sp>
         <p:nvSpPr>
-          <p:cNvPr id="252" name="Google Shape;252;p28"/>
+          <p:cNvPr id="262" name="Google Shape;262;p29"/>
           <p:cNvSpPr/>
           <p:nvPr/>
         </p:nvSpPr>
@@ -19740,13 +20341,13 @@
       </p:sp>
       <p:sp>
         <p:nvSpPr>
-          <p:cNvPr id="253" name="Google Shape;253;p28"/>
+          <p:cNvPr id="263" name="Google Shape;263;p29"/>
           <p:cNvSpPr/>
           <p:nvPr/>
         </p:nvSpPr>
         <p:spPr>
           <a:xfrm>
-            <a:off x="5029165" y="3567313"/>
+            <a:off x="5035888" y="3755571"/>
             <a:ext cx="125400" cy="125400"/>
           </a:xfrm>
           <a:prstGeom prst="ellipse">
@@ -19786,7 +20387,7 @@
       </p:sp>
       <p:pic>
         <p:nvPicPr>
-          <p:cNvPr id="254" name="Google Shape;254;p28"/>
+          <p:cNvPr id="264" name="Google Shape;264;p29"/>
           <p:cNvPicPr preferRelativeResize="0"/>
           <p:nvPr/>
         </p:nvPicPr>
@@ -19825,7 +20426,7 @@
       </p:pic>
       <p:pic>
         <p:nvPicPr>
-          <p:cNvPr id="255" name="Google Shape;255;p28"/>
+          <p:cNvPr id="265" name="Google Shape;265;p29"/>
           <p:cNvPicPr preferRelativeResize="0"/>
           <p:nvPr/>
         </p:nvPicPr>
@@ -19864,7 +20465,7 @@
       </p:pic>
       <p:sp>
         <p:nvSpPr>
-          <p:cNvPr id="256" name="Google Shape;256;p28"/>
+          <p:cNvPr id="266" name="Google Shape;266;p29"/>
           <p:cNvSpPr/>
           <p:nvPr/>
         </p:nvSpPr>
@@ -19908,6 +20509,173 @@
           </a:p>
         </p:txBody>
       </p:sp>
+      <p:sp>
+        <p:nvSpPr>
+          <p:cNvPr id="267" name="Google Shape;267;p29"/>
+          <p:cNvSpPr/>
+          <p:nvPr/>
+        </p:nvSpPr>
+        <p:spPr>
+          <a:xfrm>
+            <a:off x="5036123" y="1081613"/>
+            <a:ext cx="125400" cy="125400"/>
+          </a:xfrm>
+          <a:prstGeom prst="ellipse">
+            <a:avLst/>
+          </a:prstGeom>
+          <a:solidFill>
+            <a:srgbClr val="FFFF00"/>
+          </a:solidFill>
+          <a:ln w="9525" cap="flat" cmpd="sng">
+            <a:solidFill>
+              <a:srgbClr val="595959"/>
+            </a:solidFill>
+            <a:prstDash val="solid"/>
+            <a:round/>
+            <a:headEnd type="none" w="sm" len="sm"/>
+            <a:tailEnd type="none" w="sm" len="sm"/>
+          </a:ln>
+        </p:spPr>
+        <p:txBody>
+          <a:bodyPr spcFirstLastPara="1" wrap="square" lIns="91425" tIns="91425" rIns="91425" bIns="91425" anchor="ctr" anchorCtr="0">
+            <a:noAutofit/>
+          </a:bodyPr>
+          <a:lstStyle/>
+          <a:p>
+            <a:pPr marL="0" lvl="0" indent="0" algn="ctr" rtl="0">
+              <a:spcBef>
+                <a:spcPts val="0"/>
+              </a:spcBef>
+              <a:spcAft>
+                <a:spcPts val="0"/>
+              </a:spcAft>
+              <a:buNone/>
+            </a:pPr>
+            <a:endParaRPr/>
+          </a:p>
+        </p:txBody>
+      </p:sp>
+      <p:sp>
+        <p:nvSpPr>
+          <p:cNvPr id="268" name="Google Shape;268;p29"/>
+          <p:cNvSpPr txBox="1"/>
+          <p:nvPr/>
+        </p:nvSpPr>
+        <p:spPr>
+          <a:xfrm>
+            <a:off x="4733079" y="4694325"/>
+            <a:ext cx="288900" cy="141600"/>
+          </a:xfrm>
+          <a:prstGeom prst="rect">
+            <a:avLst/>
+          </a:prstGeom>
+          <a:noFill/>
+          <a:ln w="9525" cap="flat" cmpd="sng">
+            <a:solidFill>
+              <a:srgbClr val="FF0000"/>
+            </a:solidFill>
+            <a:prstDash val="solid"/>
+            <a:round/>
+            <a:headEnd type="none" w="sm" len="sm"/>
+            <a:tailEnd type="none" w="sm" len="sm"/>
+          </a:ln>
+        </p:spPr>
+        <p:txBody>
+          <a:bodyPr spcFirstLastPara="1" wrap="square" lIns="9125" tIns="9125" rIns="9125" bIns="9125" anchor="t" anchorCtr="0">
+            <a:spAutoFit/>
+          </a:bodyPr>
+          <a:lstStyle/>
+          <a:p>
+            <a:pPr marL="0" lvl="0" indent="0" algn="l" rtl="0">
+              <a:spcBef>
+                <a:spcPts val="0"/>
+              </a:spcBef>
+              <a:spcAft>
+                <a:spcPts val="0"/>
+              </a:spcAft>
+              <a:buClr>
+                <a:srgbClr val="000000"/>
+              </a:buClr>
+              <a:buSzPts val="1100"/>
+              <a:buFont typeface="Arial"/>
+              <a:buNone/>
+            </a:pPr>
+            <a:r>
+              <a:rPr lang="en" sz="800">
+                <a:solidFill>
+                  <a:srgbClr val="1F2937"/>
+                </a:solidFill>
+                <a:highlight>
+                  <a:srgbClr val="FFFFFF"/>
+                </a:highlight>
+                <a:latin typeface="Calibri"/>
+                <a:ea typeface="Calibri"/>
+                <a:cs typeface="Calibri"/>
+                <a:sym typeface="Calibri"/>
+              </a:rPr>
+              <a:t>China</a:t>
+            </a:r>
+            <a:endParaRPr sz="800">
+              <a:solidFill>
+                <a:srgbClr val="1F2937"/>
+              </a:solidFill>
+              <a:highlight>
+                <a:srgbClr val="FFFFFF"/>
+              </a:highlight>
+              <a:latin typeface="Calibri"/>
+              <a:ea typeface="Calibri"/>
+              <a:cs typeface="Calibri"/>
+              <a:sym typeface="Calibri"/>
+            </a:endParaRPr>
+          </a:p>
+        </p:txBody>
+      </p:sp>
+      <p:sp>
+        <p:nvSpPr>
+          <p:cNvPr id="269" name="Google Shape;269;p29"/>
+          <p:cNvSpPr/>
+          <p:nvPr/>
+        </p:nvSpPr>
+        <p:spPr>
+          <a:xfrm>
+            <a:off x="5031375" y="4709185"/>
+            <a:ext cx="125400" cy="125400"/>
+          </a:xfrm>
+          <a:prstGeom prst="ellipse">
+            <a:avLst/>
+          </a:prstGeom>
+          <a:solidFill>
+            <a:srgbClr val="6AA84F"/>
+          </a:solidFill>
+          <a:ln w="9525" cap="flat" cmpd="sng">
+            <a:solidFill>
+              <a:srgbClr val="595959"/>
+            </a:solidFill>
+            <a:prstDash val="solid"/>
+            <a:round/>
+            <a:headEnd type="none" w="sm" len="sm"/>
+            <a:tailEnd type="none" w="sm" len="sm"/>
+          </a:ln>
+        </p:spPr>
+        <p:txBody>
+          <a:bodyPr spcFirstLastPara="1" wrap="square" lIns="91425" tIns="91425" rIns="91425" bIns="91425" anchor="ctr" anchorCtr="0">
+            <a:noAutofit/>
+          </a:bodyPr>
+          <a:lstStyle/>
+          <a:p>
+            <a:pPr marL="0" lvl="0" indent="0" algn="ctr" rtl="0">
+              <a:spcBef>
+                <a:spcPts val="0"/>
+              </a:spcBef>
+              <a:spcAft>
+                <a:spcPts val="0"/>
+              </a:spcAft>
+              <a:buNone/>
+            </a:pPr>
+            <a:endParaRPr/>
+          </a:p>
+        </p:txBody>
+      </p:sp>
     </p:spTree>
   </p:cSld>
   <p:clrMapOvr>
@@ -19916,12 +20684,12 @@
 </p:sld>
 </file>
 
-<file path=ppt/slides/slide15.xml><?xml version="1.0" encoding="utf-8"?>
+<file path=ppt/slides/slide16.xml><?xml version="1.0" encoding="utf-8"?>
 <p:sld xmlns:a="http://schemas.openxmlformats.org/drawingml/2006/main" xmlns:r="http://schemas.openxmlformats.org/officeDocument/2006/relationships" xmlns:p="http://schemas.openxmlformats.org/presentationml/2006/main">
   <p:cSld>
     <p:spTree>
       <p:nvGrpSpPr>
-        <p:cNvPr id="1" name="Shape 260"/>
+        <p:cNvPr id="1" name="Shape 273"/>
         <p:cNvGrpSpPr/>
         <p:nvPr/>
       </p:nvGrpSpPr>
@@ -19935,7 +20703,7 @@
       </p:grpSpPr>
       <p:sp>
         <p:nvSpPr>
-          <p:cNvPr id="261" name="Google Shape;261;p29"/>
+          <p:cNvPr id="274" name="Google Shape;274;p30"/>
           <p:cNvSpPr txBox="1"/>
           <p:nvPr/>
         </p:nvSpPr>
@@ -20001,7 +20769,7 @@
       </p:sp>
       <p:sp>
         <p:nvSpPr>
-          <p:cNvPr id="262" name="Google Shape;262;p29"/>
+          <p:cNvPr id="275" name="Google Shape;275;p30"/>
           <p:cNvSpPr txBox="1"/>
           <p:nvPr/>
         </p:nvSpPr>
@@ -20077,7 +20845,7 @@
       </p:sp>
       <p:pic>
         <p:nvPicPr>
-          <p:cNvPr id="263" name="Google Shape;263;p29"/>
+          <p:cNvPr id="276" name="Google Shape;276;p30"/>
           <p:cNvPicPr preferRelativeResize="0"/>
           <p:nvPr/>
         </p:nvPicPr>
@@ -20116,12 +20884,12 @@
 </p:sld>
 </file>
 
-<file path=ppt/slides/slide16.xml><?xml version="1.0" encoding="utf-8"?>
+<file path=ppt/slides/slide17.xml><?xml version="1.0" encoding="utf-8"?>
 <p:sld xmlns:a="http://schemas.openxmlformats.org/drawingml/2006/main" xmlns:r="http://schemas.openxmlformats.org/officeDocument/2006/relationships" xmlns:p="http://schemas.openxmlformats.org/presentationml/2006/main">
   <p:cSld>
     <p:spTree>
       <p:nvGrpSpPr>
-        <p:cNvPr id="1" name="Shape 267"/>
+        <p:cNvPr id="1" name="Shape 280"/>
         <p:cNvGrpSpPr/>
         <p:nvPr/>
       </p:nvGrpSpPr>
@@ -20135,7 +20903,7 @@
       </p:grpSpPr>
       <p:sp>
         <p:nvSpPr>
-          <p:cNvPr id="268" name="Google Shape;268;p30"/>
+          <p:cNvPr id="281" name="Google Shape;281;p31"/>
           <p:cNvSpPr txBox="1"/>
           <p:nvPr/>
         </p:nvSpPr>
@@ -20201,21 +20969,27 @@
       </p:sp>
       <p:sp>
         <p:nvSpPr>
-          <p:cNvPr id="269" name="Google Shape;269;p30"/>
+          <p:cNvPr id="282" name="Google Shape;282;p31"/>
           <p:cNvSpPr txBox="1"/>
           <p:nvPr/>
         </p:nvSpPr>
         <p:spPr>
           <a:xfrm>
-            <a:off x="970200" y="1500"/>
+            <a:off x="970200" y="77700"/>
             <a:ext cx="3831900" cy="923400"/>
           </a:xfrm>
           <a:prstGeom prst="rect">
             <a:avLst/>
           </a:prstGeom>
           <a:noFill/>
-          <a:ln>
-            <a:noFill/>
+          <a:ln w="9525" cap="flat" cmpd="sng">
+            <a:solidFill>
+              <a:srgbClr val="FF0000"/>
+            </a:solidFill>
+            <a:prstDash val="solid"/>
+            <a:round/>
+            <a:headEnd type="none" w="sm" len="sm"/>
+            <a:tailEnd type="none" w="sm" len="sm"/>
           </a:ln>
         </p:spPr>
         <p:txBody>
@@ -20464,7 +21238,7 @@
       </p:sp>
       <p:pic>
         <p:nvPicPr>
-          <p:cNvPr id="270" name="Google Shape;270;p30"/>
+          <p:cNvPr id="283" name="Google Shape;283;p31"/>
           <p:cNvPicPr preferRelativeResize="0"/>
           <p:nvPr/>
         </p:nvPicPr>
@@ -20503,7 +21277,7 @@
       </p:pic>
       <p:sp>
         <p:nvSpPr>
-          <p:cNvPr id="271" name="Google Shape;271;p30"/>
+          <p:cNvPr id="284" name="Google Shape;284;p31"/>
           <p:cNvSpPr txBox="1"/>
           <p:nvPr/>
         </p:nvSpPr>
@@ -20613,7 +21387,7 @@
       </p:sp>
       <p:sp>
         <p:nvSpPr>
-          <p:cNvPr id="272" name="Google Shape;272;p30"/>
+          <p:cNvPr id="285" name="Google Shape;285;p31"/>
           <p:cNvSpPr txBox="1"/>
           <p:nvPr/>
         </p:nvSpPr>
@@ -20661,7 +21435,7 @@
       </p:sp>
       <p:sp>
         <p:nvSpPr>
-          <p:cNvPr id="273" name="Google Shape;273;p30"/>
+          <p:cNvPr id="286" name="Google Shape;286;p31"/>
           <p:cNvSpPr txBox="1"/>
           <p:nvPr/>
         </p:nvSpPr>
@@ -21104,7 +21878,7 @@
       </p:sp>
       <p:pic>
         <p:nvPicPr>
-          <p:cNvPr id="274" name="Google Shape;274;p30"/>
+          <p:cNvPr id="287" name="Google Shape;287;p31"/>
           <p:cNvPicPr preferRelativeResize="0"/>
           <p:nvPr/>
         </p:nvPicPr>
@@ -21149,12 +21923,12 @@
 </p:sld>
 </file>
 
-<file path=ppt/slides/slide17.xml><?xml version="1.0" encoding="utf-8"?>
+<file path=ppt/slides/slide18.xml><?xml version="1.0" encoding="utf-8"?>
 <p:sld xmlns:a="http://schemas.openxmlformats.org/drawingml/2006/main" xmlns:r="http://schemas.openxmlformats.org/officeDocument/2006/relationships" xmlns:p="http://schemas.openxmlformats.org/presentationml/2006/main">
   <p:cSld>
     <p:spTree>
       <p:nvGrpSpPr>
-        <p:cNvPr id="1" name="Shape 278"/>
+        <p:cNvPr id="1" name="Shape 291"/>
         <p:cNvGrpSpPr/>
         <p:nvPr/>
       </p:nvGrpSpPr>
@@ -21168,7 +21942,7 @@
       </p:grpSpPr>
       <p:sp>
         <p:nvSpPr>
-          <p:cNvPr id="279" name="Google Shape;279;p31"/>
+          <p:cNvPr id="292" name="Google Shape;292;p32"/>
           <p:cNvSpPr txBox="1"/>
           <p:nvPr/>
         </p:nvSpPr>
@@ -21231,7 +22005,7 @@
       </p:sp>
       <p:sp>
         <p:nvSpPr>
-          <p:cNvPr id="280" name="Google Shape;280;p31"/>
+          <p:cNvPr id="293" name="Google Shape;293;p32"/>
           <p:cNvSpPr txBox="1"/>
           <p:nvPr/>
         </p:nvSpPr>
@@ -21297,7 +22071,7 @@
       </p:sp>
       <p:sp>
         <p:nvSpPr>
-          <p:cNvPr id="281" name="Google Shape;281;p31"/>
+          <p:cNvPr id="294" name="Google Shape;294;p32"/>
           <p:cNvSpPr txBox="1"/>
           <p:nvPr/>
         </p:nvSpPr>
@@ -22504,7 +23278,7 @@
       </p:sp>
       <p:sp>
         <p:nvSpPr>
-          <p:cNvPr id="282" name="Google Shape;282;p31"/>
+          <p:cNvPr id="295" name="Google Shape;295;p32"/>
           <p:cNvSpPr txBox="1"/>
           <p:nvPr/>
         </p:nvSpPr>
@@ -23720,7 +24494,7 @@
       </p:sp>
       <p:pic>
         <p:nvPicPr>
-          <p:cNvPr id="283" name="Google Shape;283;p31"/>
+          <p:cNvPr id="296" name="Google Shape;296;p32"/>
           <p:cNvPicPr preferRelativeResize="0"/>
           <p:nvPr/>
         </p:nvPicPr>
@@ -23765,12 +24539,12 @@
 </p:sld>
 </file>
 
-<file path=ppt/slides/slide18.xml><?xml version="1.0" encoding="utf-8"?>
+<file path=ppt/slides/slide19.xml><?xml version="1.0" encoding="utf-8"?>
 <p:sld xmlns:a="http://schemas.openxmlformats.org/drawingml/2006/main" xmlns:r="http://schemas.openxmlformats.org/officeDocument/2006/relationships" xmlns:p="http://schemas.openxmlformats.org/presentationml/2006/main">
   <p:cSld>
     <p:spTree>
       <p:nvGrpSpPr>
-        <p:cNvPr id="1" name="Shape 287"/>
+        <p:cNvPr id="1" name="Shape 300"/>
         <p:cNvGrpSpPr/>
         <p:nvPr/>
       </p:nvGrpSpPr>
@@ -23784,7 +24558,7 @@
       </p:grpSpPr>
       <p:pic>
         <p:nvPicPr>
-          <p:cNvPr id="288" name="Google Shape;288;p32"/>
+          <p:cNvPr id="301" name="Google Shape;301;p33"/>
           <p:cNvPicPr preferRelativeResize="0"/>
           <p:nvPr/>
         </p:nvPicPr>
@@ -23816,7 +24590,7 @@
       </p:pic>
       <p:sp>
         <p:nvSpPr>
-          <p:cNvPr id="289" name="Google Shape;289;p32"/>
+          <p:cNvPr id="302" name="Google Shape;302;p33"/>
           <p:cNvSpPr txBox="1"/>
           <p:nvPr/>
         </p:nvSpPr>
@@ -23882,7 +24656,7 @@
       </p:sp>
       <p:sp>
         <p:nvSpPr>
-          <p:cNvPr id="290" name="Google Shape;290;p32"/>
+          <p:cNvPr id="303" name="Google Shape;303;p33"/>
           <p:cNvSpPr txBox="1"/>
           <p:nvPr/>
         </p:nvSpPr>
@@ -24312,7 +25086,7 @@
       </p:sp>
       <p:pic>
         <p:nvPicPr>
-          <p:cNvPr id="291" name="Google Shape;291;p32"/>
+          <p:cNvPr id="304" name="Google Shape;304;p33"/>
           <p:cNvPicPr preferRelativeResize="0"/>
           <p:nvPr/>
         </p:nvPicPr>
@@ -24344,7 +25118,7 @@
       </p:pic>
       <p:sp>
         <p:nvSpPr>
-          <p:cNvPr id="292" name="Google Shape;292;p32"/>
+          <p:cNvPr id="305" name="Google Shape;305;p33"/>
           <p:cNvSpPr txBox="1"/>
           <p:nvPr/>
         </p:nvSpPr>
@@ -24423,7 +25197,7 @@
       </p:sp>
       <p:sp>
         <p:nvSpPr>
-          <p:cNvPr id="293" name="Google Shape;293;p32"/>
+          <p:cNvPr id="306" name="Google Shape;306;p33"/>
           <p:cNvSpPr txBox="1"/>
           <p:nvPr/>
         </p:nvSpPr>
@@ -24495,12 +25269,12 @@
 </p:sld>
 </file>
 
-<file path=ppt/slides/slide19.xml><?xml version="1.0" encoding="utf-8"?>
+<file path=ppt/slides/slide2.xml><?xml version="1.0" encoding="utf-8"?>
 <p:sld xmlns:a="http://schemas.openxmlformats.org/drawingml/2006/main" xmlns:r="http://schemas.openxmlformats.org/officeDocument/2006/relationships" xmlns:p="http://schemas.openxmlformats.org/presentationml/2006/main">
   <p:cSld>
     <p:spTree>
       <p:nvGrpSpPr>
-        <p:cNvPr id="1" name="Shape 297"/>
+        <p:cNvPr id="1" name="Shape 73"/>
         <p:cNvGrpSpPr/>
         <p:nvPr/>
       </p:nvGrpSpPr>
@@ -24514,98 +25288,7 @@
       </p:grpSpPr>
       <p:sp>
         <p:nvSpPr>
-          <p:cNvPr id="298" name="Google Shape;298;p33"/>
-          <p:cNvSpPr txBox="1"/>
-          <p:nvPr/>
-        </p:nvSpPr>
-        <p:spPr>
-          <a:xfrm>
-            <a:off x="2151375" y="1533150"/>
-            <a:ext cx="4632600" cy="1262100"/>
-          </a:xfrm>
-          <a:prstGeom prst="rect">
-            <a:avLst/>
-          </a:prstGeom>
-          <a:noFill/>
-          <a:ln>
-            <a:noFill/>
-          </a:ln>
-        </p:spPr>
-        <p:txBody>
-          <a:bodyPr spcFirstLastPara="1" wrap="square" lIns="91425" tIns="91425" rIns="91425" bIns="91425" anchor="t" anchorCtr="0">
-            <a:spAutoFit/>
-          </a:bodyPr>
-          <a:lstStyle/>
-          <a:p>
-            <a:pPr marL="0" marR="0" lvl="0" indent="0" algn="ctr" rtl="0">
-              <a:lnSpc>
-                <a:spcPct val="100000"/>
-              </a:lnSpc>
-              <a:spcBef>
-                <a:spcPts val="0"/>
-              </a:spcBef>
-              <a:spcAft>
-                <a:spcPts val="0"/>
-              </a:spcAft>
-              <a:buClr>
-                <a:srgbClr val="000000"/>
-              </a:buClr>
-              <a:buSzPts val="7000"/>
-              <a:buFont typeface="Arial"/>
-              <a:buNone/>
-            </a:pPr>
-            <a:r>
-              <a:rPr lang="en" sz="7000" b="1" i="0" u="none" strike="noStrike" cap="none">
-                <a:solidFill>
-                  <a:srgbClr val="3C78D8"/>
-                </a:solidFill>
-                <a:latin typeface="Calibri"/>
-                <a:ea typeface="Calibri"/>
-                <a:cs typeface="Calibri"/>
-                <a:sym typeface="Calibri"/>
-              </a:rPr>
-              <a:t>Thank You!</a:t>
-            </a:r>
-            <a:endParaRPr sz="7000" b="1" i="0" u="none" strike="noStrike" cap="none">
-              <a:solidFill>
-                <a:srgbClr val="3C78D8"/>
-              </a:solidFill>
-              <a:latin typeface="Calibri"/>
-              <a:ea typeface="Calibri"/>
-              <a:cs typeface="Calibri"/>
-              <a:sym typeface="Calibri"/>
-            </a:endParaRPr>
-          </a:p>
-        </p:txBody>
-      </p:sp>
-    </p:spTree>
-  </p:cSld>
-  <p:clrMapOvr>
-    <a:masterClrMapping/>
-  </p:clrMapOvr>
-</p:sld>
-</file>
-
-<file path=ppt/slides/slide2.xml><?xml version="1.0" encoding="utf-8"?>
-<p:sld xmlns:a="http://schemas.openxmlformats.org/drawingml/2006/main" xmlns:r="http://schemas.openxmlformats.org/officeDocument/2006/relationships" xmlns:p="http://schemas.openxmlformats.org/presentationml/2006/main">
-  <p:cSld>
-    <p:spTree>
-      <p:nvGrpSpPr>
-        <p:cNvPr id="1" name="Shape 71"/>
-        <p:cNvGrpSpPr/>
-        <p:nvPr/>
-      </p:nvGrpSpPr>
-      <p:grpSpPr>
-        <a:xfrm>
-          <a:off x="0" y="0"/>
-          <a:ext cx="0" cy="0"/>
-          <a:chOff x="0" y="0"/>
-          <a:chExt cx="0" cy="0"/>
-        </a:xfrm>
-      </p:grpSpPr>
-      <p:sp>
-        <p:nvSpPr>
-          <p:cNvPr id="72" name="Google Shape;72;p16"/>
+          <p:cNvPr id="74" name="Google Shape;74;p16"/>
           <p:cNvSpPr txBox="1"/>
           <p:nvPr/>
         </p:nvSpPr>
@@ -24668,7 +25351,7 @@
       </p:sp>
       <p:sp>
         <p:nvSpPr>
-          <p:cNvPr id="73" name="Google Shape;73;p16"/>
+          <p:cNvPr id="75" name="Google Shape;75;p16"/>
           <p:cNvSpPr txBox="1"/>
           <p:nvPr/>
         </p:nvSpPr>
@@ -25405,7 +26088,7 @@
       </p:sp>
       <p:pic>
         <p:nvPicPr>
-          <p:cNvPr id="74" name="Google Shape;74;p16"/>
+          <p:cNvPr id="76" name="Google Shape;76;p16"/>
           <p:cNvPicPr preferRelativeResize="0"/>
           <p:nvPr/>
         </p:nvPicPr>
@@ -25444,7 +26127,7 @@
       </p:pic>
       <p:pic>
         <p:nvPicPr>
-          <p:cNvPr id="75" name="Google Shape;75;p16"/>
+          <p:cNvPr id="77" name="Google Shape;77;p16"/>
           <p:cNvPicPr preferRelativeResize="0"/>
           <p:nvPr/>
         </p:nvPicPr>
@@ -25489,12 +26172,12 @@
 </p:sld>
 </file>
 
-<file path=ppt/slides/slide3.xml><?xml version="1.0" encoding="utf-8"?>
+<file path=ppt/slides/slide20.xml><?xml version="1.0" encoding="utf-8"?>
 <p:sld xmlns:a="http://schemas.openxmlformats.org/drawingml/2006/main" xmlns:r="http://schemas.openxmlformats.org/officeDocument/2006/relationships" xmlns:p="http://schemas.openxmlformats.org/presentationml/2006/main">
   <p:cSld>
     <p:spTree>
       <p:nvGrpSpPr>
-        <p:cNvPr id="1" name="Shape 79"/>
+        <p:cNvPr id="1" name="Shape 310"/>
         <p:cNvGrpSpPr/>
         <p:nvPr/>
       </p:nvGrpSpPr>
@@ -25508,14 +26191,14 @@
       </p:grpSpPr>
       <p:sp>
         <p:nvSpPr>
-          <p:cNvPr id="80" name="Google Shape;80;p17"/>
+          <p:cNvPr id="311" name="Google Shape;311;p34"/>
           <p:cNvSpPr txBox="1"/>
           <p:nvPr/>
         </p:nvSpPr>
         <p:spPr>
           <a:xfrm>
-            <a:off x="55075" y="52750"/>
-            <a:ext cx="1823400" cy="326400"/>
+            <a:off x="2151375" y="1533150"/>
+            <a:ext cx="4632600" cy="1262100"/>
           </a:xfrm>
           <a:prstGeom prst="rect">
             <a:avLst/>
@@ -25526,40 +26209,43 @@
           </a:ln>
         </p:spPr>
         <p:txBody>
-          <a:bodyPr spcFirstLastPara="1" wrap="square" lIns="9125" tIns="9125" rIns="9125" bIns="9125" anchor="t" anchorCtr="0">
+          <a:bodyPr spcFirstLastPara="1" wrap="square" lIns="91425" tIns="91425" rIns="91425" bIns="91425" anchor="t" anchorCtr="0">
             <a:spAutoFit/>
           </a:bodyPr>
           <a:lstStyle/>
           <a:p>
-            <a:pPr marL="0" lvl="0" indent="0" algn="l" rtl="0">
-              <a:spcBef>
-                <a:spcPts val="0"/>
-              </a:spcBef>
-              <a:spcAft>
-                <a:spcPts val="0"/>
-              </a:spcAft>
-              <a:buClr>
-                <a:schemeClr val="dk1"/>
-              </a:buClr>
-              <a:buSzPts val="1100"/>
+            <a:pPr marL="0" marR="0" lvl="0" indent="0" algn="ctr" rtl="0">
+              <a:lnSpc>
+                <a:spcPct val="100000"/>
+              </a:lnSpc>
+              <a:spcBef>
+                <a:spcPts val="0"/>
+              </a:spcBef>
+              <a:spcAft>
+                <a:spcPts val="0"/>
+              </a:spcAft>
+              <a:buClr>
+                <a:srgbClr val="000000"/>
+              </a:buClr>
+              <a:buSzPts val="7000"/>
               <a:buFont typeface="Arial"/>
               <a:buNone/>
             </a:pPr>
             <a:r>
-              <a:rPr lang="en" sz="2000" b="1">
-                <a:solidFill>
-                  <a:schemeClr val="dk1"/>
-                </a:solidFill>
-                <a:latin typeface="Calibri"/>
-                <a:ea typeface="Calibri"/>
-                <a:cs typeface="Calibri"/>
-                <a:sym typeface="Calibri"/>
-              </a:rPr>
-              <a:t>DeepSeek R2</a:t>
-            </a:r>
-            <a:endParaRPr sz="2000" b="1">
+              <a:rPr lang="en" sz="7000" b="1" i="0" u="none" strike="noStrike" cap="none">
+                <a:solidFill>
+                  <a:srgbClr val="3C78D8"/>
+                </a:solidFill>
+                <a:latin typeface="Calibri"/>
+                <a:ea typeface="Calibri"/>
+                <a:cs typeface="Calibri"/>
+                <a:sym typeface="Calibri"/>
+              </a:rPr>
+              <a:t>Thank You!</a:t>
+            </a:r>
+            <a:endParaRPr sz="7000" b="1" i="0" u="none" strike="noStrike" cap="none">
               <a:solidFill>
-                <a:schemeClr val="dk1"/>
+                <a:srgbClr val="3C78D8"/>
               </a:solidFill>
               <a:latin typeface="Calibri"/>
               <a:ea typeface="Calibri"/>
@@ -25569,259 +26255,6 @@
           </a:p>
         </p:txBody>
       </p:sp>
-      <p:sp>
-        <p:nvSpPr>
-          <p:cNvPr id="81" name="Google Shape;81;p17"/>
-          <p:cNvSpPr txBox="1"/>
-          <p:nvPr/>
-        </p:nvSpPr>
-        <p:spPr>
-          <a:xfrm>
-            <a:off x="131275" y="554200"/>
-            <a:ext cx="3318000" cy="942000"/>
-          </a:xfrm>
-          <a:prstGeom prst="rect">
-            <a:avLst/>
-          </a:prstGeom>
-          <a:solidFill>
-            <a:srgbClr val="FFF2CC"/>
-          </a:solidFill>
-          <a:ln w="9525" cap="flat" cmpd="sng">
-            <a:solidFill>
-              <a:srgbClr val="FF0000"/>
-            </a:solidFill>
-            <a:prstDash val="solid"/>
-            <a:round/>
-            <a:headEnd type="none" w="sm" len="sm"/>
-            <a:tailEnd type="none" w="sm" len="sm"/>
-          </a:ln>
-        </p:spPr>
-        <p:txBody>
-          <a:bodyPr spcFirstLastPara="1" wrap="square" lIns="9125" tIns="9125" rIns="9125" bIns="9125" anchor="t" anchorCtr="0">
-            <a:spAutoFit/>
-          </a:bodyPr>
-          <a:lstStyle/>
-          <a:p>
-            <a:pPr marL="171450" lvl="0" indent="-133350" algn="l" rtl="0">
-              <a:spcBef>
-                <a:spcPts val="0"/>
-              </a:spcBef>
-              <a:spcAft>
-                <a:spcPts val="0"/>
-              </a:spcAft>
-              <a:buClr>
-                <a:schemeClr val="dk1"/>
-              </a:buClr>
-              <a:buSzPts val="1200"/>
-              <a:buFont typeface="Calibri"/>
-              <a:buChar char="●"/>
-            </a:pPr>
-            <a:r>
-              <a:rPr lang="en" sz="1200">
-                <a:solidFill>
-                  <a:schemeClr val="dk1"/>
-                </a:solidFill>
-                <a:latin typeface="Calibri"/>
-                <a:ea typeface="Calibri"/>
-                <a:cs typeface="Calibri"/>
-                <a:sym typeface="Calibri"/>
-              </a:rPr>
-              <a:t>DeepSeek R2  - improved version of DeepSeek R1</a:t>
-            </a:r>
-            <a:endParaRPr sz="1200">
-              <a:solidFill>
-                <a:schemeClr val="dk1"/>
-              </a:solidFill>
-              <a:latin typeface="Calibri"/>
-              <a:ea typeface="Calibri"/>
-              <a:cs typeface="Calibri"/>
-              <a:sym typeface="Calibri"/>
-            </a:endParaRPr>
-          </a:p>
-          <a:p>
-            <a:pPr marL="171450" lvl="0" indent="-133350" algn="l" rtl="0">
-              <a:spcBef>
-                <a:spcPts val="0"/>
-              </a:spcBef>
-              <a:spcAft>
-                <a:spcPts val="0"/>
-              </a:spcAft>
-              <a:buClr>
-                <a:schemeClr val="dk1"/>
-              </a:buClr>
-              <a:buSzPts val="1200"/>
-              <a:buFont typeface="Calibri"/>
-              <a:buChar char="●"/>
-            </a:pPr>
-            <a:r>
-              <a:rPr lang="en" sz="1200">
-                <a:solidFill>
-                  <a:schemeClr val="dk1"/>
-                </a:solidFill>
-                <a:latin typeface="Calibri"/>
-                <a:ea typeface="Calibri"/>
-                <a:cs typeface="Calibri"/>
-                <a:sym typeface="Calibri"/>
-              </a:rPr>
-              <a:t>Enhanced coding capabilities</a:t>
-            </a:r>
-            <a:endParaRPr sz="1200">
-              <a:solidFill>
-                <a:schemeClr val="dk1"/>
-              </a:solidFill>
-              <a:latin typeface="Calibri"/>
-              <a:ea typeface="Calibri"/>
-              <a:cs typeface="Calibri"/>
-              <a:sym typeface="Calibri"/>
-            </a:endParaRPr>
-          </a:p>
-          <a:p>
-            <a:pPr marL="171450" lvl="0" indent="-133350" algn="l" rtl="0">
-              <a:spcBef>
-                <a:spcPts val="0"/>
-              </a:spcBef>
-              <a:spcAft>
-                <a:spcPts val="0"/>
-              </a:spcAft>
-              <a:buClr>
-                <a:schemeClr val="dk1"/>
-              </a:buClr>
-              <a:buSzPts val="1200"/>
-              <a:buFont typeface="Calibri"/>
-              <a:buChar char="●"/>
-            </a:pPr>
-            <a:r>
-              <a:rPr lang="en" sz="1200">
-                <a:solidFill>
-                  <a:schemeClr val="dk1"/>
-                </a:solidFill>
-                <a:latin typeface="Calibri"/>
-                <a:ea typeface="Calibri"/>
-                <a:cs typeface="Calibri"/>
-                <a:sym typeface="Calibri"/>
-              </a:rPr>
-              <a:t>Multilingual reasoning abilities</a:t>
-            </a:r>
-            <a:endParaRPr sz="1200">
-              <a:solidFill>
-                <a:schemeClr val="dk1"/>
-              </a:solidFill>
-              <a:latin typeface="Calibri"/>
-              <a:ea typeface="Calibri"/>
-              <a:cs typeface="Calibri"/>
-              <a:sym typeface="Calibri"/>
-            </a:endParaRPr>
-          </a:p>
-          <a:p>
-            <a:pPr marL="171450" lvl="0" indent="-133350" algn="l" rtl="0">
-              <a:spcBef>
-                <a:spcPts val="0"/>
-              </a:spcBef>
-              <a:spcAft>
-                <a:spcPts val="0"/>
-              </a:spcAft>
-              <a:buClr>
-                <a:schemeClr val="dk1"/>
-              </a:buClr>
-              <a:buSzPts val="1200"/>
-              <a:buFont typeface="Calibri"/>
-              <a:buChar char="●"/>
-            </a:pPr>
-            <a:r>
-              <a:rPr lang="en" sz="1200">
-                <a:solidFill>
-                  <a:schemeClr val="dk1"/>
-                </a:solidFill>
-                <a:latin typeface="Calibri"/>
-                <a:ea typeface="Calibri"/>
-                <a:cs typeface="Calibri"/>
-                <a:sym typeface="Calibri"/>
-              </a:rPr>
-              <a:t>Generally superior logical reasoning</a:t>
-            </a:r>
-            <a:endParaRPr sz="1200">
-              <a:solidFill>
-                <a:schemeClr val="dk1"/>
-              </a:solidFill>
-              <a:latin typeface="Calibri"/>
-              <a:ea typeface="Calibri"/>
-              <a:cs typeface="Calibri"/>
-              <a:sym typeface="Calibri"/>
-            </a:endParaRPr>
-          </a:p>
-          <a:p>
-            <a:pPr marL="171450" lvl="0" indent="-133350" algn="l" rtl="0">
-              <a:spcBef>
-                <a:spcPts val="0"/>
-              </a:spcBef>
-              <a:spcAft>
-                <a:spcPts val="0"/>
-              </a:spcAft>
-              <a:buClr>
-                <a:schemeClr val="dk1"/>
-              </a:buClr>
-              <a:buSzPts val="1200"/>
-              <a:buFont typeface="Calibri"/>
-              <a:buChar char="●"/>
-            </a:pPr>
-            <a:r>
-              <a:rPr lang="en" sz="1200">
-                <a:solidFill>
-                  <a:schemeClr val="dk1"/>
-                </a:solidFill>
-                <a:latin typeface="Calibri"/>
-                <a:ea typeface="Calibri"/>
-                <a:cs typeface="Calibri"/>
-                <a:sym typeface="Calibri"/>
-              </a:rPr>
-              <a:t>Cost-efficiency and accessibility</a:t>
-            </a:r>
-            <a:endParaRPr sz="1200">
-              <a:solidFill>
-                <a:schemeClr val="dk1"/>
-              </a:solidFill>
-              <a:latin typeface="Calibri"/>
-              <a:ea typeface="Calibri"/>
-              <a:cs typeface="Calibri"/>
-              <a:sym typeface="Calibri"/>
-            </a:endParaRPr>
-          </a:p>
-        </p:txBody>
-      </p:sp>
-      <p:pic>
-        <p:nvPicPr>
-          <p:cNvPr id="82" name="Google Shape;82;p17"/>
-          <p:cNvPicPr preferRelativeResize="0"/>
-          <p:nvPr/>
-        </p:nvPicPr>
-        <p:blipFill>
-          <a:blip r:embed="rId3">
-            <a:alphaModFix/>
-          </a:blip>
-          <a:stretch>
-            <a:fillRect/>
-          </a:stretch>
-        </p:blipFill>
-        <p:spPr>
-          <a:xfrm>
-            <a:off x="3606700" y="554200"/>
-            <a:ext cx="2847975" cy="1600200"/>
-          </a:xfrm>
-          <a:prstGeom prst="rect">
-            <a:avLst/>
-          </a:prstGeom>
-          <a:noFill/>
-          <a:ln w="9525" cap="flat" cmpd="sng">
-            <a:solidFill>
-              <a:srgbClr val="FF0000"/>
-            </a:solidFill>
-            <a:prstDash val="solid"/>
-            <a:round/>
-            <a:headEnd type="none" w="sm" len="sm"/>
-            <a:tailEnd type="none" w="sm" len="sm"/>
-          </a:ln>
-        </p:spPr>
-      </p:pic>
     </p:spTree>
   </p:cSld>
   <p:clrMapOvr>
@@ -25830,12 +26263,12 @@
 </p:sld>
 </file>
 
-<file path=ppt/slides/slide4.xml><?xml version="1.0" encoding="utf-8"?>
+<file path=ppt/slides/slide3.xml><?xml version="1.0" encoding="utf-8"?>
 <p:sld xmlns:a="http://schemas.openxmlformats.org/drawingml/2006/main" xmlns:r="http://schemas.openxmlformats.org/officeDocument/2006/relationships" xmlns:p="http://schemas.openxmlformats.org/presentationml/2006/main">
   <p:cSld>
     <p:spTree>
       <p:nvGrpSpPr>
-        <p:cNvPr id="1" name="Shape 86"/>
+        <p:cNvPr id="1" name="Shape 81"/>
         <p:cNvGrpSpPr/>
         <p:nvPr/>
       </p:nvGrpSpPr>
@@ -25849,7 +26282,7 @@
       </p:grpSpPr>
       <p:sp>
         <p:nvSpPr>
-          <p:cNvPr id="87" name="Google Shape;87;p18"/>
+          <p:cNvPr id="82" name="Google Shape;82;p17"/>
           <p:cNvSpPr txBox="1"/>
           <p:nvPr/>
         </p:nvSpPr>
@@ -25912,7 +26345,7 @@
       </p:sp>
       <p:sp>
         <p:nvSpPr>
-          <p:cNvPr id="88" name="Google Shape;88;p18"/>
+          <p:cNvPr id="83" name="Google Shape;83;p17"/>
           <p:cNvSpPr txBox="1"/>
           <p:nvPr/>
         </p:nvSpPr>
@@ -25951,16 +26384,16 @@
                 <a:spcPts val="0"/>
               </a:spcAft>
               <a:buClr>
-                <a:schemeClr val="dk1"/>
+                <a:srgbClr val="FF0000"/>
               </a:buClr>
               <a:buSzPts val="1200"/>
               <a:buFont typeface="Calibri"/>
               <a:buChar char="●"/>
             </a:pPr>
             <a:r>
-              <a:rPr lang="en" sz="1200">
-                <a:solidFill>
-                  <a:schemeClr val="dk1"/>
+              <a:rPr lang="en" sz="1200" b="1">
+                <a:solidFill>
+                  <a:srgbClr val="FF0000"/>
                 </a:solidFill>
                 <a:latin typeface="Calibri"/>
                 <a:ea typeface="Calibri"/>
@@ -25969,9 +26402,9 @@
               </a:rPr>
               <a:t>Mercury - family of dLLMs (diffusion LLMs)</a:t>
             </a:r>
-            <a:endParaRPr sz="1200">
+            <a:endParaRPr sz="1200" b="1">
               <a:solidFill>
-                <a:schemeClr val="dk1"/>
+                <a:srgbClr val="FF0000"/>
               </a:solidFill>
               <a:latin typeface="Calibri"/>
               <a:ea typeface="Calibri"/>
@@ -25988,7 +26421,7 @@
                 <a:spcPts val="0"/>
               </a:spcAft>
               <a:buClr>
-                <a:srgbClr val="FF0000"/>
+                <a:srgbClr val="3C78D8"/>
               </a:buClr>
               <a:buSzPts val="1200"/>
               <a:buFont typeface="Calibri"/>
@@ -25997,18 +26430,41 @@
             <a:r>
               <a:rPr lang="en" sz="1200" b="1">
                 <a:solidFill>
-                  <a:srgbClr val="FF0000"/>
-                </a:solidFill>
-                <a:latin typeface="Calibri"/>
-                <a:ea typeface="Calibri"/>
-                <a:cs typeface="Calibri"/>
-                <a:sym typeface="Calibri"/>
-              </a:rPr>
-              <a:t>First successful application of diffusion to discrete data such as text and code</a:t>
+                  <a:srgbClr val="3C78D8"/>
+                </a:solidFill>
+                <a:latin typeface="Calibri"/>
+                <a:ea typeface="Calibri"/>
+                <a:cs typeface="Calibri"/>
+                <a:sym typeface="Calibri"/>
+              </a:rPr>
+              <a:t>First successful application of diffusion </a:t>
+            </a:r>
+            <a:br>
+              <a:rPr lang="en" sz="1200" b="1">
+                <a:solidFill>
+                  <a:srgbClr val="3C78D8"/>
+                </a:solidFill>
+                <a:latin typeface="Calibri"/>
+                <a:ea typeface="Calibri"/>
+                <a:cs typeface="Calibri"/>
+                <a:sym typeface="Calibri"/>
+              </a:rPr>
+            </a:br>
+            <a:r>
+              <a:rPr lang="en" sz="1200" b="1">
+                <a:solidFill>
+                  <a:srgbClr val="3C78D8"/>
+                </a:solidFill>
+                <a:latin typeface="Calibri"/>
+                <a:ea typeface="Calibri"/>
+                <a:cs typeface="Calibri"/>
+                <a:sym typeface="Calibri"/>
+              </a:rPr>
+              <a:t>to discrete data such as text and code</a:t>
             </a:r>
             <a:endParaRPr sz="1200" b="1">
               <a:solidFill>
-                <a:srgbClr val="FF0000"/>
+                <a:srgbClr val="3C78D8"/>
               </a:solidFill>
               <a:latin typeface="Calibri"/>
               <a:ea typeface="Calibri"/>
@@ -26556,7 +27012,7 @@
       </p:sp>
       <p:pic>
         <p:nvPicPr>
-          <p:cNvPr id="89" name="Google Shape;89;p18"/>
+          <p:cNvPr id="84" name="Google Shape;84;p17"/>
           <p:cNvPicPr preferRelativeResize="0"/>
           <p:nvPr/>
         </p:nvPicPr>
@@ -26589,7 +27045,7 @@
       </p:pic>
       <p:sp>
         <p:nvSpPr>
-          <p:cNvPr id="90" name="Google Shape;90;p18"/>
+          <p:cNvPr id="85" name="Google Shape;85;p17"/>
           <p:cNvSpPr txBox="1"/>
           <p:nvPr/>
         </p:nvSpPr>
@@ -26699,7 +27155,7 @@
       </p:sp>
       <p:pic>
         <p:nvPicPr>
-          <p:cNvPr id="91" name="Google Shape;91;p18"/>
+          <p:cNvPr id="86" name="Google Shape;86;p17"/>
           <p:cNvPicPr preferRelativeResize="0"/>
           <p:nvPr/>
         </p:nvPicPr>
@@ -26738,12 +27194,12 @@
 </p:sld>
 </file>
 
-<file path=ppt/slides/slide5.xml><?xml version="1.0" encoding="utf-8"?>
+<file path=ppt/slides/slide4.xml><?xml version="1.0" encoding="utf-8"?>
 <p:sld xmlns:a="http://schemas.openxmlformats.org/drawingml/2006/main" xmlns:r="http://schemas.openxmlformats.org/officeDocument/2006/relationships" xmlns:p="http://schemas.openxmlformats.org/presentationml/2006/main">
   <p:cSld>
     <p:spTree>
       <p:nvGrpSpPr>
-        <p:cNvPr id="1" name="Shape 95"/>
+        <p:cNvPr id="1" name="Shape 90"/>
         <p:cNvGrpSpPr/>
         <p:nvPr/>
       </p:nvGrpSpPr>
@@ -26757,7 +27213,1383 @@
       </p:grpSpPr>
       <p:sp>
         <p:nvSpPr>
-          <p:cNvPr id="96" name="Google Shape;96;p19"/>
+          <p:cNvPr id="91" name="Google Shape;91;p18"/>
+          <p:cNvSpPr txBox="1"/>
+          <p:nvPr/>
+        </p:nvSpPr>
+        <p:spPr>
+          <a:xfrm>
+            <a:off x="55075" y="52750"/>
+            <a:ext cx="2938500" cy="326400"/>
+          </a:xfrm>
+          <a:prstGeom prst="rect">
+            <a:avLst/>
+          </a:prstGeom>
+          <a:noFill/>
+          <a:ln>
+            <a:noFill/>
+          </a:ln>
+        </p:spPr>
+        <p:txBody>
+          <a:bodyPr spcFirstLastPara="1" wrap="square" lIns="9125" tIns="9125" rIns="9125" bIns="9125" anchor="t" anchorCtr="0">
+            <a:spAutoFit/>
+          </a:bodyPr>
+          <a:lstStyle/>
+          <a:p>
+            <a:pPr marL="0" lvl="0" indent="0" algn="l" rtl="0">
+              <a:spcBef>
+                <a:spcPts val="0"/>
+              </a:spcBef>
+              <a:spcAft>
+                <a:spcPts val="0"/>
+              </a:spcAft>
+              <a:buClr>
+                <a:schemeClr val="dk1"/>
+              </a:buClr>
+              <a:buSzPts val="1100"/>
+              <a:buFont typeface="Arial"/>
+              <a:buNone/>
+            </a:pPr>
+            <a:r>
+              <a:rPr lang="en" sz="2000" b="1">
+                <a:solidFill>
+                  <a:schemeClr val="dk1"/>
+                </a:solidFill>
+                <a:latin typeface="Calibri"/>
+                <a:ea typeface="Calibri"/>
+                <a:cs typeface="Calibri"/>
+                <a:sym typeface="Calibri"/>
+              </a:rPr>
+              <a:t>Jamba 1.6 from AI21 Labs</a:t>
+            </a:r>
+            <a:endParaRPr sz="2000" b="1">
+              <a:solidFill>
+                <a:schemeClr val="dk1"/>
+              </a:solidFill>
+              <a:latin typeface="Calibri"/>
+              <a:ea typeface="Calibri"/>
+              <a:cs typeface="Calibri"/>
+              <a:sym typeface="Calibri"/>
+            </a:endParaRPr>
+          </a:p>
+        </p:txBody>
+      </p:sp>
+      <p:sp>
+        <p:nvSpPr>
+          <p:cNvPr id="92" name="Google Shape;92;p18"/>
+          <p:cNvSpPr txBox="1"/>
+          <p:nvPr/>
+        </p:nvSpPr>
+        <p:spPr>
+          <a:xfrm>
+            <a:off x="55075" y="442700"/>
+            <a:ext cx="4641000" cy="957300"/>
+          </a:xfrm>
+          <a:prstGeom prst="rect">
+            <a:avLst/>
+          </a:prstGeom>
+          <a:solidFill>
+            <a:srgbClr val="FFF2CC"/>
+          </a:solidFill>
+          <a:ln w="9525" cap="flat" cmpd="sng">
+            <a:solidFill>
+              <a:srgbClr val="FF0000"/>
+            </a:solidFill>
+            <a:prstDash val="solid"/>
+            <a:round/>
+            <a:headEnd type="none" w="sm" len="sm"/>
+            <a:tailEnd type="none" w="sm" len="sm"/>
+          </a:ln>
+        </p:spPr>
+        <p:txBody>
+          <a:bodyPr spcFirstLastPara="1" wrap="square" lIns="9125" tIns="9125" rIns="9125" bIns="9125" anchor="t" anchorCtr="0">
+            <a:spAutoFit/>
+          </a:bodyPr>
+          <a:lstStyle/>
+          <a:p>
+            <a:pPr marL="0" lvl="0" indent="0" algn="l" rtl="0">
+              <a:spcBef>
+                <a:spcPts val="0"/>
+              </a:spcBef>
+              <a:spcAft>
+                <a:spcPts val="0"/>
+              </a:spcAft>
+              <a:buNone/>
+            </a:pPr>
+            <a:r>
+              <a:rPr lang="en" sz="1300" b="1">
+                <a:solidFill>
+                  <a:srgbClr val="FF0000"/>
+                </a:solidFill>
+                <a:latin typeface="Calibri"/>
+                <a:ea typeface="Calibri"/>
+                <a:cs typeface="Calibri"/>
+                <a:sym typeface="Calibri"/>
+              </a:rPr>
+              <a:t>Jamba 1.6 from AI21 Labs - </a:t>
+            </a:r>
+            <a:r>
+              <a:rPr lang="en" sz="1200" u="sng">
+                <a:solidFill>
+                  <a:schemeClr val="hlink"/>
+                </a:solidFill>
+                <a:latin typeface="Calibri"/>
+                <a:ea typeface="Calibri"/>
+                <a:cs typeface="Calibri"/>
+                <a:sym typeface="Calibri"/>
+                <a:hlinkClick r:id="rId3"/>
+              </a:rPr>
+              <a:t>https://www.ai21.com/jamba/</a:t>
+            </a:r>
+            <a:r>
+              <a:rPr lang="en" sz="1200">
+                <a:latin typeface="Calibri"/>
+                <a:ea typeface="Calibri"/>
+                <a:cs typeface="Calibri"/>
+                <a:sym typeface="Calibri"/>
+              </a:rPr>
+              <a:t> </a:t>
+            </a:r>
+            <a:endParaRPr sz="1200">
+              <a:latin typeface="Calibri"/>
+              <a:ea typeface="Calibri"/>
+              <a:cs typeface="Calibri"/>
+              <a:sym typeface="Calibri"/>
+            </a:endParaRPr>
+          </a:p>
+          <a:p>
+            <a:pPr marL="228600" lvl="0" indent="-133350" algn="l" rtl="0">
+              <a:spcBef>
+                <a:spcPts val="0"/>
+              </a:spcBef>
+              <a:spcAft>
+                <a:spcPts val="0"/>
+              </a:spcAft>
+              <a:buSzPts val="1200"/>
+              <a:buFont typeface="Calibri"/>
+              <a:buChar char="●"/>
+            </a:pPr>
+            <a:r>
+              <a:rPr lang="en" sz="1200">
+                <a:latin typeface="Calibri"/>
+                <a:ea typeface="Calibri"/>
+                <a:cs typeface="Calibri"/>
+                <a:sym typeface="Calibri"/>
+              </a:rPr>
+              <a:t>open model for private enterprise, outperfors Cohere, Mistral, Llama</a:t>
+            </a:r>
+            <a:endParaRPr sz="1200">
+              <a:latin typeface="Calibri"/>
+              <a:ea typeface="Calibri"/>
+              <a:cs typeface="Calibri"/>
+              <a:sym typeface="Calibri"/>
+            </a:endParaRPr>
+          </a:p>
+          <a:p>
+            <a:pPr marL="228600" lvl="0" indent="-133350" algn="l" rtl="0">
+              <a:spcBef>
+                <a:spcPts val="0"/>
+              </a:spcBef>
+              <a:spcAft>
+                <a:spcPts val="0"/>
+              </a:spcAft>
+              <a:buSzPts val="1200"/>
+              <a:buFont typeface="Calibri"/>
+              <a:buChar char="●"/>
+            </a:pPr>
+            <a:r>
+              <a:rPr lang="en" sz="1200">
+                <a:latin typeface="Calibri"/>
+                <a:ea typeface="Calibri"/>
+                <a:cs typeface="Calibri"/>
+                <a:sym typeface="Calibri"/>
+              </a:rPr>
+              <a:t>available on AI21 Studio and @Hugging Face</a:t>
+            </a:r>
+            <a:endParaRPr sz="1200">
+              <a:latin typeface="Calibri"/>
+              <a:ea typeface="Calibri"/>
+              <a:cs typeface="Calibri"/>
+              <a:sym typeface="Calibri"/>
+            </a:endParaRPr>
+          </a:p>
+          <a:p>
+            <a:pPr marL="228600" lvl="0" indent="-133350" algn="l" rtl="0">
+              <a:spcBef>
+                <a:spcPts val="0"/>
+              </a:spcBef>
+              <a:spcAft>
+                <a:spcPts val="0"/>
+              </a:spcAft>
+              <a:buSzPts val="1200"/>
+              <a:buFont typeface="Calibri"/>
+              <a:buChar char="●"/>
+            </a:pPr>
+            <a:r>
+              <a:rPr lang="en" sz="1200">
+                <a:latin typeface="Calibri"/>
+                <a:ea typeface="Calibri"/>
+                <a:cs typeface="Calibri"/>
+                <a:sym typeface="Calibri"/>
+              </a:rPr>
+              <a:t>256K context window</a:t>
+            </a:r>
+            <a:endParaRPr sz="1200">
+              <a:latin typeface="Calibri"/>
+              <a:ea typeface="Calibri"/>
+              <a:cs typeface="Calibri"/>
+              <a:sym typeface="Calibri"/>
+            </a:endParaRPr>
+          </a:p>
+          <a:p>
+            <a:pPr marL="228600" lvl="0" indent="-133350" algn="l" rtl="0">
+              <a:spcBef>
+                <a:spcPts val="0"/>
+              </a:spcBef>
+              <a:spcAft>
+                <a:spcPts val="0"/>
+              </a:spcAft>
+              <a:buSzPts val="1200"/>
+              <a:buFont typeface="Calibri"/>
+              <a:buChar char="●"/>
+            </a:pPr>
+            <a:r>
+              <a:rPr lang="en" sz="1200" b="1">
+                <a:solidFill>
+                  <a:srgbClr val="3C78D8"/>
+                </a:solidFill>
+                <a:latin typeface="Calibri"/>
+                <a:ea typeface="Calibri"/>
+                <a:cs typeface="Calibri"/>
+                <a:sym typeface="Calibri"/>
+              </a:rPr>
+              <a:t>Jamba 1.6 chat model</a:t>
+            </a:r>
+            <a:r>
+              <a:rPr lang="en" sz="1200">
+                <a:latin typeface="Calibri"/>
+                <a:ea typeface="Calibri"/>
+                <a:cs typeface="Calibri"/>
+                <a:sym typeface="Calibri"/>
+              </a:rPr>
+              <a:t>: 398B total parameters (94B active)</a:t>
+            </a:r>
+            <a:endParaRPr sz="1200">
+              <a:latin typeface="Calibri"/>
+              <a:ea typeface="Calibri"/>
+              <a:cs typeface="Calibri"/>
+              <a:sym typeface="Calibri"/>
+            </a:endParaRPr>
+          </a:p>
+        </p:txBody>
+      </p:sp>
+      <p:pic>
+        <p:nvPicPr>
+          <p:cNvPr id="93" name="Google Shape;93;p18"/>
+          <p:cNvPicPr preferRelativeResize="0"/>
+          <p:nvPr/>
+        </p:nvPicPr>
+        <p:blipFill>
+          <a:blip r:embed="rId4" cstate="email">
+            <a:alphaModFix/>
+            <a:extLst>
+              <a:ext uri="{28A0092B-C50C-407E-A947-70E740481C1C}">
+                <a14:useLocalDpi xmlns:a14="http://schemas.microsoft.com/office/drawing/2010/main"/>
+              </a:ext>
+            </a:extLst>
+          </a:blip>
+          <a:stretch>
+            <a:fillRect/>
+          </a:stretch>
+        </p:blipFill>
+        <p:spPr>
+          <a:xfrm>
+            <a:off x="4827400" y="3473100"/>
+            <a:ext cx="4210950" cy="1608950"/>
+          </a:xfrm>
+          <a:prstGeom prst="rect">
+            <a:avLst/>
+          </a:prstGeom>
+          <a:noFill/>
+          <a:ln w="9525" cap="flat" cmpd="sng">
+            <a:solidFill>
+              <a:srgbClr val="FF0000"/>
+            </a:solidFill>
+            <a:prstDash val="solid"/>
+            <a:round/>
+            <a:headEnd type="none" w="sm" len="sm"/>
+            <a:tailEnd type="none" w="sm" len="sm"/>
+          </a:ln>
+        </p:spPr>
+      </p:pic>
+      <p:pic>
+        <p:nvPicPr>
+          <p:cNvPr id="94" name="Google Shape;94;p18"/>
+          <p:cNvPicPr preferRelativeResize="0"/>
+          <p:nvPr/>
+        </p:nvPicPr>
+        <p:blipFill>
+          <a:blip r:embed="rId5" cstate="email">
+            <a:alphaModFix/>
+            <a:extLst>
+              <a:ext uri="{28A0092B-C50C-407E-A947-70E740481C1C}">
+                <a14:useLocalDpi xmlns:a14="http://schemas.microsoft.com/office/drawing/2010/main"/>
+              </a:ext>
+            </a:extLst>
+          </a:blip>
+          <a:stretch>
+            <a:fillRect/>
+          </a:stretch>
+        </p:blipFill>
+        <p:spPr>
+          <a:xfrm>
+            <a:off x="4827400" y="111050"/>
+            <a:ext cx="4210950" cy="2366312"/>
+          </a:xfrm>
+          <a:prstGeom prst="rect">
+            <a:avLst/>
+          </a:prstGeom>
+          <a:noFill/>
+          <a:ln w="9525" cap="flat" cmpd="sng">
+            <a:solidFill>
+              <a:srgbClr val="FF0000"/>
+            </a:solidFill>
+            <a:prstDash val="solid"/>
+            <a:round/>
+            <a:headEnd type="none" w="sm" len="sm"/>
+            <a:tailEnd type="none" w="sm" len="sm"/>
+          </a:ln>
+        </p:spPr>
+      </p:pic>
+      <p:sp>
+        <p:nvSpPr>
+          <p:cNvPr id="95" name="Google Shape;95;p18"/>
+          <p:cNvSpPr txBox="1"/>
+          <p:nvPr/>
+        </p:nvSpPr>
+        <p:spPr>
+          <a:xfrm>
+            <a:off x="55075" y="1493335"/>
+            <a:ext cx="4641000" cy="2789100"/>
+          </a:xfrm>
+          <a:prstGeom prst="rect">
+            <a:avLst/>
+          </a:prstGeom>
+          <a:solidFill>
+            <a:srgbClr val="FFF2CC"/>
+          </a:solidFill>
+          <a:ln w="9525" cap="flat" cmpd="sng">
+            <a:solidFill>
+              <a:srgbClr val="FF0000"/>
+            </a:solidFill>
+            <a:prstDash val="solid"/>
+            <a:round/>
+            <a:headEnd type="none" w="sm" len="sm"/>
+            <a:tailEnd type="none" w="sm" len="sm"/>
+          </a:ln>
+        </p:spPr>
+        <p:txBody>
+          <a:bodyPr spcFirstLastPara="1" wrap="square" lIns="9125" tIns="9125" rIns="9125" bIns="9125" anchor="t" anchorCtr="0">
+            <a:spAutoFit/>
+          </a:bodyPr>
+          <a:lstStyle/>
+          <a:p>
+            <a:pPr marL="0" lvl="0" indent="0" algn="l" rtl="0">
+              <a:spcBef>
+                <a:spcPts val="0"/>
+              </a:spcBef>
+              <a:spcAft>
+                <a:spcPts val="0"/>
+              </a:spcAft>
+              <a:buNone/>
+            </a:pPr>
+            <a:r>
+              <a:rPr lang="en" sz="1200" b="1">
+                <a:latin typeface="Calibri"/>
+                <a:ea typeface="Calibri"/>
+                <a:cs typeface="Calibri"/>
+                <a:sym typeface="Calibri"/>
+              </a:rPr>
+              <a:t>Mamba &amp; Jamba models:</a:t>
+            </a:r>
+            <a:endParaRPr sz="1200" b="1">
+              <a:latin typeface="Calibri"/>
+              <a:ea typeface="Calibri"/>
+              <a:cs typeface="Calibri"/>
+              <a:sym typeface="Calibri"/>
+            </a:endParaRPr>
+          </a:p>
+          <a:p>
+            <a:pPr marL="228600" lvl="0" indent="-133350" algn="l" rtl="0">
+              <a:spcBef>
+                <a:spcPts val="0"/>
+              </a:spcBef>
+              <a:spcAft>
+                <a:spcPts val="0"/>
+              </a:spcAft>
+              <a:buSzPts val="1200"/>
+              <a:buFont typeface="Calibri"/>
+              <a:buChar char="●"/>
+            </a:pPr>
+            <a:r>
+              <a:rPr lang="en" sz="1200" b="1">
+                <a:solidFill>
+                  <a:srgbClr val="FF0000"/>
+                </a:solidFill>
+                <a:latin typeface="Calibri"/>
+                <a:ea typeface="Calibri"/>
+                <a:cs typeface="Calibri"/>
+                <a:sym typeface="Calibri"/>
+              </a:rPr>
+              <a:t>Mamba</a:t>
+            </a:r>
+            <a:r>
+              <a:rPr lang="en" sz="1200">
+                <a:latin typeface="Calibri"/>
+                <a:ea typeface="Calibri"/>
+                <a:cs typeface="Calibri"/>
+                <a:sym typeface="Calibri"/>
+              </a:rPr>
+              <a:t> was developed by researchers from </a:t>
+            </a:r>
+            <a:r>
+              <a:rPr lang="en" sz="1200" b="1">
+                <a:solidFill>
+                  <a:srgbClr val="3C78D8"/>
+                </a:solidFill>
+                <a:latin typeface="Calibri"/>
+                <a:ea typeface="Calibri"/>
+                <a:cs typeface="Calibri"/>
+                <a:sym typeface="Calibri"/>
+              </a:rPr>
+              <a:t>Carnegie Mellon University and Princeton University</a:t>
+            </a:r>
+            <a:r>
+              <a:rPr lang="en" sz="1200">
+                <a:latin typeface="Calibri"/>
+                <a:ea typeface="Calibri"/>
+                <a:cs typeface="Calibri"/>
+                <a:sym typeface="Calibri"/>
+              </a:rPr>
+              <a:t> (December 2023) as a new </a:t>
+            </a:r>
+            <a:r>
+              <a:rPr lang="en" sz="1200" b="1">
+                <a:solidFill>
+                  <a:srgbClr val="3C78D8"/>
+                </a:solidFill>
+                <a:latin typeface="Calibri"/>
+                <a:ea typeface="Calibri"/>
+                <a:cs typeface="Calibri"/>
+                <a:sym typeface="Calibri"/>
+              </a:rPr>
+              <a:t>state space model (SSM) architecture</a:t>
+            </a:r>
+            <a:r>
+              <a:rPr lang="en" sz="1200">
+                <a:latin typeface="Calibri"/>
+                <a:ea typeface="Calibri"/>
+                <a:cs typeface="Calibri"/>
+                <a:sym typeface="Calibri"/>
+              </a:rPr>
+              <a:t> focused on efficient sequence modeling, particularly for </a:t>
+            </a:r>
+            <a:r>
+              <a:rPr lang="en" sz="1200" b="1">
+                <a:solidFill>
+                  <a:srgbClr val="3C78D8"/>
+                </a:solidFill>
+                <a:latin typeface="Calibri"/>
+                <a:ea typeface="Calibri"/>
+                <a:cs typeface="Calibri"/>
+                <a:sym typeface="Calibri"/>
+              </a:rPr>
+              <a:t>handling long sequences with linear complexity</a:t>
+            </a:r>
+            <a:r>
+              <a:rPr lang="en" sz="1200">
+                <a:latin typeface="Calibri"/>
+                <a:ea typeface="Calibri"/>
+                <a:cs typeface="Calibri"/>
+                <a:sym typeface="Calibri"/>
+              </a:rPr>
+              <a:t>.</a:t>
+            </a:r>
+            <a:endParaRPr sz="1200">
+              <a:latin typeface="Calibri"/>
+              <a:ea typeface="Calibri"/>
+              <a:cs typeface="Calibri"/>
+              <a:sym typeface="Calibri"/>
+            </a:endParaRPr>
+          </a:p>
+          <a:p>
+            <a:pPr marL="228600" lvl="0" indent="-133350" algn="l" rtl="0">
+              <a:spcBef>
+                <a:spcPts val="0"/>
+              </a:spcBef>
+              <a:spcAft>
+                <a:spcPts val="0"/>
+              </a:spcAft>
+              <a:buSzPts val="1200"/>
+              <a:buFont typeface="Calibri"/>
+              <a:buChar char="●"/>
+            </a:pPr>
+            <a:r>
+              <a:rPr lang="en" sz="1200" b="1">
+                <a:solidFill>
+                  <a:srgbClr val="FF0000"/>
+                </a:solidFill>
+                <a:latin typeface="Calibri"/>
+                <a:ea typeface="Calibri"/>
+                <a:cs typeface="Calibri"/>
+                <a:sym typeface="Calibri"/>
+              </a:rPr>
+              <a:t>Jamba</a:t>
+            </a:r>
+            <a:r>
+              <a:rPr lang="en" sz="1200">
+                <a:latin typeface="Calibri"/>
+                <a:ea typeface="Calibri"/>
+                <a:cs typeface="Calibri"/>
+                <a:sym typeface="Calibri"/>
+              </a:rPr>
+              <a:t> is a </a:t>
+            </a:r>
+            <a:r>
+              <a:rPr lang="en" sz="1200" b="1">
+                <a:solidFill>
+                  <a:srgbClr val="3C78D8"/>
+                </a:solidFill>
+                <a:latin typeface="Calibri"/>
+                <a:ea typeface="Calibri"/>
+                <a:cs typeface="Calibri"/>
+                <a:sym typeface="Calibri"/>
+              </a:rPr>
+              <a:t>hybrid model</a:t>
+            </a:r>
+            <a:r>
+              <a:rPr lang="en" sz="1200">
+                <a:latin typeface="Calibri"/>
+                <a:ea typeface="Calibri"/>
+                <a:cs typeface="Calibri"/>
+                <a:sym typeface="Calibri"/>
+              </a:rPr>
+              <a:t> developed by </a:t>
+            </a:r>
+            <a:r>
+              <a:rPr lang="en" sz="1200" b="1">
+                <a:solidFill>
+                  <a:srgbClr val="FF0000"/>
+                </a:solidFill>
+                <a:latin typeface="Calibri"/>
+                <a:ea typeface="Calibri"/>
+                <a:cs typeface="Calibri"/>
+                <a:sym typeface="Calibri"/>
+              </a:rPr>
+              <a:t>AI21 Labs in Israel</a:t>
+            </a:r>
+            <a:r>
+              <a:rPr lang="en" sz="1200">
+                <a:latin typeface="Calibri"/>
+                <a:ea typeface="Calibri"/>
+                <a:cs typeface="Calibri"/>
+                <a:sym typeface="Calibri"/>
+              </a:rPr>
+              <a:t>, combining the </a:t>
+            </a:r>
+            <a:r>
+              <a:rPr lang="en" sz="1200" b="1">
+                <a:solidFill>
+                  <a:srgbClr val="3C78D8"/>
+                </a:solidFill>
+                <a:latin typeface="Calibri"/>
+                <a:ea typeface="Calibri"/>
+                <a:cs typeface="Calibri"/>
+                <a:sym typeface="Calibri"/>
+              </a:rPr>
+              <a:t>Transformer</a:t>
+            </a:r>
+            <a:r>
+              <a:rPr lang="en" sz="1200">
+                <a:latin typeface="Calibri"/>
+                <a:ea typeface="Calibri"/>
+                <a:cs typeface="Calibri"/>
+                <a:sym typeface="Calibri"/>
+              </a:rPr>
+              <a:t> architecture with </a:t>
+            </a:r>
+            <a:r>
+              <a:rPr lang="en" sz="1200" b="1">
+                <a:solidFill>
+                  <a:srgbClr val="3C78D8"/>
+                </a:solidFill>
+                <a:latin typeface="Calibri"/>
+                <a:ea typeface="Calibri"/>
+                <a:cs typeface="Calibri"/>
+                <a:sym typeface="Calibri"/>
+              </a:rPr>
+              <a:t>Mamba's state space model (SSM)</a:t>
+            </a:r>
+            <a:r>
+              <a:rPr lang="en" sz="1200">
+                <a:latin typeface="Calibri"/>
+                <a:ea typeface="Calibri"/>
+                <a:cs typeface="Calibri"/>
+                <a:sym typeface="Calibri"/>
+              </a:rPr>
+              <a:t> technology. It incorporates a </a:t>
+            </a:r>
+            <a:r>
+              <a:rPr lang="en" sz="1200" b="1">
+                <a:solidFill>
+                  <a:srgbClr val="3C78D8"/>
+                </a:solidFill>
+                <a:latin typeface="Calibri"/>
+                <a:ea typeface="Calibri"/>
+                <a:cs typeface="Calibri"/>
+                <a:sym typeface="Calibri"/>
+              </a:rPr>
+              <a:t>mixture-of-experts (MoE)</a:t>
+            </a:r>
+            <a:r>
+              <a:rPr lang="en" sz="1200">
+                <a:latin typeface="Calibri"/>
+                <a:ea typeface="Calibri"/>
+                <a:cs typeface="Calibri"/>
+                <a:sym typeface="Calibri"/>
+              </a:rPr>
+              <a:t> module</a:t>
+            </a:r>
+            <a:endParaRPr sz="1200">
+              <a:latin typeface="Calibri"/>
+              <a:ea typeface="Calibri"/>
+              <a:cs typeface="Calibri"/>
+              <a:sym typeface="Calibri"/>
+            </a:endParaRPr>
+          </a:p>
+          <a:p>
+            <a:pPr marL="228600" lvl="0" indent="-133350" algn="l" rtl="0">
+              <a:spcBef>
+                <a:spcPts val="0"/>
+              </a:spcBef>
+              <a:spcAft>
+                <a:spcPts val="0"/>
+              </a:spcAft>
+              <a:buSzPts val="1200"/>
+              <a:buFont typeface="Calibri"/>
+              <a:buChar char="●"/>
+            </a:pPr>
+            <a:r>
+              <a:rPr lang="en" sz="1200" b="1">
+                <a:solidFill>
+                  <a:srgbClr val="FF0000"/>
+                </a:solidFill>
+                <a:latin typeface="Calibri"/>
+                <a:ea typeface="Calibri"/>
+                <a:cs typeface="Calibri"/>
+                <a:sym typeface="Calibri"/>
+              </a:rPr>
+              <a:t>Jamba 1.5</a:t>
+            </a:r>
+            <a:r>
+              <a:rPr lang="en" sz="1200">
+                <a:latin typeface="Calibri"/>
+                <a:ea typeface="Calibri"/>
+                <a:cs typeface="Calibri"/>
+                <a:sym typeface="Calibri"/>
+              </a:rPr>
+              <a:t> - released in July 2024 - long-context language capabilities, speed, efficiency, 398B params,  </a:t>
+            </a:r>
+            <a:r>
+              <a:rPr lang="en" sz="1200" b="1">
+                <a:solidFill>
+                  <a:srgbClr val="3C78D8"/>
+                </a:solidFill>
+                <a:latin typeface="Calibri"/>
+                <a:ea typeface="Calibri"/>
+                <a:cs typeface="Calibri"/>
+                <a:sym typeface="Calibri"/>
+              </a:rPr>
+              <a:t>comparable with Gemma-2-27B-it or Gemini-1.5-Flash - </a:t>
+            </a:r>
+            <a:r>
+              <a:rPr lang="en" sz="1200" u="sng">
+                <a:solidFill>
+                  <a:schemeClr val="hlink"/>
+                </a:solidFill>
+                <a:latin typeface="Calibri"/>
+                <a:ea typeface="Calibri"/>
+                <a:cs typeface="Calibri"/>
+                <a:sym typeface="Calibri"/>
+                <a:hlinkClick r:id="rId6"/>
+              </a:rPr>
+              <a:t>https://openlm.ai/chatbot-arena/</a:t>
+            </a:r>
+            <a:r>
+              <a:rPr lang="en" sz="1200">
+                <a:solidFill>
+                  <a:schemeClr val="dk1"/>
+                </a:solidFill>
+                <a:latin typeface="Calibri"/>
+                <a:ea typeface="Calibri"/>
+                <a:cs typeface="Calibri"/>
+                <a:sym typeface="Calibri"/>
+              </a:rPr>
+              <a:t> </a:t>
+            </a:r>
+            <a:endParaRPr sz="1200">
+              <a:solidFill>
+                <a:schemeClr val="dk1"/>
+              </a:solidFill>
+              <a:latin typeface="Calibri"/>
+              <a:ea typeface="Calibri"/>
+              <a:cs typeface="Calibri"/>
+              <a:sym typeface="Calibri"/>
+            </a:endParaRPr>
+          </a:p>
+          <a:p>
+            <a:pPr marL="228600" lvl="0" indent="-133350" algn="l" rtl="0">
+              <a:spcBef>
+                <a:spcPts val="0"/>
+              </a:spcBef>
+              <a:spcAft>
+                <a:spcPts val="0"/>
+              </a:spcAft>
+              <a:buSzPts val="1200"/>
+              <a:buFont typeface="Calibri"/>
+              <a:buChar char="●"/>
+            </a:pPr>
+            <a:r>
+              <a:rPr lang="en" sz="1200" b="1">
+                <a:solidFill>
+                  <a:srgbClr val="FF0000"/>
+                </a:solidFill>
+                <a:latin typeface="Calibri"/>
+                <a:ea typeface="Calibri"/>
+                <a:cs typeface="Calibri"/>
+                <a:sym typeface="Calibri"/>
+              </a:rPr>
+              <a:t>Jamba 1.6</a:t>
+            </a:r>
+            <a:r>
+              <a:rPr lang="en" sz="1200">
+                <a:latin typeface="Calibri"/>
+                <a:ea typeface="Calibri"/>
+                <a:cs typeface="Calibri"/>
+                <a:sym typeface="Calibri"/>
+              </a:rPr>
+              <a:t> - released March 6, 2025 - latest improved version. It outperforms models from Mistral, Meta, and Cohere in several benchmarks</a:t>
+            </a:r>
+            <a:endParaRPr sz="1200">
+              <a:latin typeface="Calibri"/>
+              <a:ea typeface="Calibri"/>
+              <a:cs typeface="Calibri"/>
+              <a:sym typeface="Calibri"/>
+            </a:endParaRPr>
+          </a:p>
+        </p:txBody>
+      </p:sp>
+      <p:pic>
+        <p:nvPicPr>
+          <p:cNvPr id="96" name="Google Shape;96;p18"/>
+          <p:cNvPicPr preferRelativeResize="0"/>
+          <p:nvPr/>
+        </p:nvPicPr>
+        <p:blipFill>
+          <a:blip r:embed="rId7" cstate="email">
+            <a:alphaModFix/>
+            <a:extLst>
+              <a:ext uri="{28A0092B-C50C-407E-A947-70E740481C1C}">
+                <a14:useLocalDpi xmlns:a14="http://schemas.microsoft.com/office/drawing/2010/main"/>
+              </a:ext>
+            </a:extLst>
+          </a:blip>
+          <a:stretch>
+            <a:fillRect/>
+          </a:stretch>
+        </p:blipFill>
+        <p:spPr>
+          <a:xfrm>
+            <a:off x="4827394" y="2564050"/>
+            <a:ext cx="1463587" cy="822350"/>
+          </a:xfrm>
+          <a:prstGeom prst="rect">
+            <a:avLst/>
+          </a:prstGeom>
+          <a:noFill/>
+          <a:ln>
+            <a:noFill/>
+          </a:ln>
+        </p:spPr>
+      </p:pic>
+      <p:sp>
+        <p:nvSpPr>
+          <p:cNvPr id="97" name="Google Shape;97;p18"/>
+          <p:cNvSpPr txBox="1"/>
+          <p:nvPr/>
+        </p:nvSpPr>
+        <p:spPr>
+          <a:xfrm>
+            <a:off x="55075" y="4390079"/>
+            <a:ext cx="4641000" cy="572700"/>
+          </a:xfrm>
+          <a:prstGeom prst="rect">
+            <a:avLst/>
+          </a:prstGeom>
+          <a:solidFill>
+            <a:srgbClr val="FFF2CC"/>
+          </a:solidFill>
+          <a:ln w="9525" cap="flat" cmpd="sng">
+            <a:solidFill>
+              <a:srgbClr val="FF0000"/>
+            </a:solidFill>
+            <a:prstDash val="solid"/>
+            <a:round/>
+            <a:headEnd type="none" w="sm" len="sm"/>
+            <a:tailEnd type="none" w="sm" len="sm"/>
+          </a:ln>
+        </p:spPr>
+        <p:txBody>
+          <a:bodyPr spcFirstLastPara="1" wrap="square" lIns="9125" tIns="9125" rIns="9125" bIns="9125" anchor="t" anchorCtr="0">
+            <a:spAutoFit/>
+          </a:bodyPr>
+          <a:lstStyle/>
+          <a:p>
+            <a:pPr marL="228600" lvl="0" indent="-133350" algn="l" rtl="0">
+              <a:spcBef>
+                <a:spcPts val="0"/>
+              </a:spcBef>
+              <a:spcAft>
+                <a:spcPts val="0"/>
+              </a:spcAft>
+              <a:buSzPts val="1200"/>
+              <a:buFont typeface="Calibri"/>
+              <a:buChar char="●"/>
+            </a:pPr>
+            <a:r>
+              <a:rPr lang="en" sz="1200" b="1">
+                <a:solidFill>
+                  <a:srgbClr val="FF0000"/>
+                </a:solidFill>
+                <a:latin typeface="Calibri"/>
+                <a:ea typeface="Calibri"/>
+                <a:cs typeface="Calibri"/>
+                <a:sym typeface="Calibri"/>
+              </a:rPr>
+              <a:t>AI21 Labs</a:t>
+            </a:r>
+            <a:r>
+              <a:rPr lang="en" sz="1200">
+                <a:latin typeface="Calibri"/>
+                <a:ea typeface="Calibri"/>
+                <a:cs typeface="Calibri"/>
+                <a:sym typeface="Calibri"/>
+              </a:rPr>
+              <a:t> - startup, since 2017, Tel Aviv, Israel &amp; in New York, USA</a:t>
+            </a:r>
+            <a:endParaRPr sz="1200">
+              <a:latin typeface="Calibri"/>
+              <a:ea typeface="Calibri"/>
+              <a:cs typeface="Calibri"/>
+              <a:sym typeface="Calibri"/>
+            </a:endParaRPr>
+          </a:p>
+          <a:p>
+            <a:pPr marL="228600" lvl="0" indent="-133350" algn="l" rtl="0">
+              <a:spcBef>
+                <a:spcPts val="0"/>
+              </a:spcBef>
+              <a:spcAft>
+                <a:spcPts val="0"/>
+              </a:spcAft>
+              <a:buSzPts val="1200"/>
+              <a:buFont typeface="Calibri"/>
+              <a:buChar char="●"/>
+            </a:pPr>
+            <a:r>
+              <a:rPr lang="en" sz="1200">
+                <a:latin typeface="Calibri"/>
+                <a:ea typeface="Calibri"/>
+                <a:cs typeface="Calibri"/>
+                <a:sym typeface="Calibri"/>
+              </a:rPr>
+              <a:t>founded in Nov 2017 by Amnon Shashua, Yoav Shoham, Ori Goshen</a:t>
+            </a:r>
+            <a:endParaRPr sz="1200">
+              <a:latin typeface="Calibri"/>
+              <a:ea typeface="Calibri"/>
+              <a:cs typeface="Calibri"/>
+              <a:sym typeface="Calibri"/>
+            </a:endParaRPr>
+          </a:p>
+          <a:p>
+            <a:pPr marL="228600" lvl="0" indent="-133350" algn="l" rtl="0">
+              <a:spcBef>
+                <a:spcPts val="0"/>
+              </a:spcBef>
+              <a:spcAft>
+                <a:spcPts val="0"/>
+              </a:spcAft>
+              <a:buSzPts val="1200"/>
+              <a:buFont typeface="Calibri"/>
+              <a:buChar char="●"/>
+            </a:pPr>
+            <a:r>
+              <a:rPr lang="en" sz="1200">
+                <a:latin typeface="Calibri"/>
+                <a:ea typeface="Calibri"/>
+                <a:cs typeface="Calibri"/>
+                <a:sym typeface="Calibri"/>
+              </a:rPr>
+              <a:t>AI21 received $336 Mln in funding, valuation $1.4 Bln</a:t>
+            </a:r>
+            <a:endParaRPr sz="1200">
+              <a:latin typeface="Calibri"/>
+              <a:ea typeface="Calibri"/>
+              <a:cs typeface="Calibri"/>
+              <a:sym typeface="Calibri"/>
+            </a:endParaRPr>
+          </a:p>
+        </p:txBody>
+      </p:sp>
+    </p:spTree>
+  </p:cSld>
+  <p:clrMapOvr>
+    <a:masterClrMapping/>
+  </p:clrMapOvr>
+</p:sld>
+</file>
+
+<file path=ppt/slides/slide5.xml><?xml version="1.0" encoding="utf-8"?>
+<p:sld xmlns:a="http://schemas.openxmlformats.org/drawingml/2006/main" xmlns:r="http://schemas.openxmlformats.org/officeDocument/2006/relationships" xmlns:p="http://schemas.openxmlformats.org/presentationml/2006/main">
+  <p:cSld>
+    <p:spTree>
+      <p:nvGrpSpPr>
+        <p:cNvPr id="1" name="Shape 101"/>
+        <p:cNvGrpSpPr/>
+        <p:nvPr/>
+      </p:nvGrpSpPr>
+      <p:grpSpPr>
+        <a:xfrm>
+          <a:off x="0" y="0"/>
+          <a:ext cx="0" cy="0"/>
+          <a:chOff x="0" y="0"/>
+          <a:chExt cx="0" cy="0"/>
+        </a:xfrm>
+      </p:grpSpPr>
+      <p:sp>
+        <p:nvSpPr>
+          <p:cNvPr id="102" name="Google Shape;102;p19"/>
+          <p:cNvSpPr txBox="1"/>
+          <p:nvPr/>
+        </p:nvSpPr>
+        <p:spPr>
+          <a:xfrm>
+            <a:off x="55075" y="52750"/>
+            <a:ext cx="1823400" cy="326400"/>
+          </a:xfrm>
+          <a:prstGeom prst="rect">
+            <a:avLst/>
+          </a:prstGeom>
+          <a:noFill/>
+          <a:ln>
+            <a:noFill/>
+          </a:ln>
+        </p:spPr>
+        <p:txBody>
+          <a:bodyPr spcFirstLastPara="1" wrap="square" lIns="9125" tIns="9125" rIns="9125" bIns="9125" anchor="t" anchorCtr="0">
+            <a:spAutoFit/>
+          </a:bodyPr>
+          <a:lstStyle/>
+          <a:p>
+            <a:pPr marL="0" lvl="0" indent="0" algn="l" rtl="0">
+              <a:spcBef>
+                <a:spcPts val="0"/>
+              </a:spcBef>
+              <a:spcAft>
+                <a:spcPts val="0"/>
+              </a:spcAft>
+              <a:buClr>
+                <a:schemeClr val="dk1"/>
+              </a:buClr>
+              <a:buSzPts val="1100"/>
+              <a:buFont typeface="Arial"/>
+              <a:buNone/>
+            </a:pPr>
+            <a:r>
+              <a:rPr lang="en" sz="2000" b="1">
+                <a:solidFill>
+                  <a:schemeClr val="dk1"/>
+                </a:solidFill>
+                <a:latin typeface="Calibri"/>
+                <a:ea typeface="Calibri"/>
+                <a:cs typeface="Calibri"/>
+                <a:sym typeface="Calibri"/>
+              </a:rPr>
+              <a:t>DeepSeek R2</a:t>
+            </a:r>
+            <a:endParaRPr sz="2000" b="1">
+              <a:solidFill>
+                <a:schemeClr val="dk1"/>
+              </a:solidFill>
+              <a:latin typeface="Calibri"/>
+              <a:ea typeface="Calibri"/>
+              <a:cs typeface="Calibri"/>
+              <a:sym typeface="Calibri"/>
+            </a:endParaRPr>
+          </a:p>
+        </p:txBody>
+      </p:sp>
+      <p:sp>
+        <p:nvSpPr>
+          <p:cNvPr id="103" name="Google Shape;103;p19"/>
+          <p:cNvSpPr txBox="1"/>
+          <p:nvPr/>
+        </p:nvSpPr>
+        <p:spPr>
+          <a:xfrm>
+            <a:off x="1156675" y="1707500"/>
+            <a:ext cx="3318000" cy="1311300"/>
+          </a:xfrm>
+          <a:prstGeom prst="rect">
+            <a:avLst/>
+          </a:prstGeom>
+          <a:solidFill>
+            <a:srgbClr val="FFF2CC"/>
+          </a:solidFill>
+          <a:ln w="9525" cap="flat" cmpd="sng">
+            <a:solidFill>
+              <a:srgbClr val="FF0000"/>
+            </a:solidFill>
+            <a:prstDash val="solid"/>
+            <a:round/>
+            <a:headEnd type="none" w="sm" len="sm"/>
+            <a:tailEnd type="none" w="sm" len="sm"/>
+          </a:ln>
+        </p:spPr>
+        <p:txBody>
+          <a:bodyPr spcFirstLastPara="1" wrap="square" lIns="9125" tIns="9125" rIns="9125" bIns="9125" anchor="t" anchorCtr="0">
+            <a:spAutoFit/>
+          </a:bodyPr>
+          <a:lstStyle/>
+          <a:p>
+            <a:pPr marL="0" lvl="0" indent="0" algn="l" rtl="0">
+              <a:spcBef>
+                <a:spcPts val="0"/>
+              </a:spcBef>
+              <a:spcAft>
+                <a:spcPts val="0"/>
+              </a:spcAft>
+              <a:buNone/>
+            </a:pPr>
+            <a:r>
+              <a:rPr lang="en" sz="1200">
+                <a:solidFill>
+                  <a:schemeClr val="dk1"/>
+                </a:solidFill>
+                <a:latin typeface="Calibri"/>
+                <a:ea typeface="Calibri"/>
+                <a:cs typeface="Calibri"/>
+                <a:sym typeface="Calibri"/>
+              </a:rPr>
+              <a:t>DeepSeek R2 - upcoming model</a:t>
+            </a:r>
+            <a:endParaRPr sz="1200">
+              <a:solidFill>
+                <a:schemeClr val="dk1"/>
+              </a:solidFill>
+              <a:latin typeface="Calibri"/>
+              <a:ea typeface="Calibri"/>
+              <a:cs typeface="Calibri"/>
+              <a:sym typeface="Calibri"/>
+            </a:endParaRPr>
+          </a:p>
+          <a:p>
+            <a:pPr marL="171450" lvl="0" indent="-133350" algn="l" rtl="0">
+              <a:spcBef>
+                <a:spcPts val="0"/>
+              </a:spcBef>
+              <a:spcAft>
+                <a:spcPts val="0"/>
+              </a:spcAft>
+              <a:buClr>
+                <a:schemeClr val="dk1"/>
+              </a:buClr>
+              <a:buSzPts val="1200"/>
+              <a:buFont typeface="Calibri"/>
+              <a:buChar char="●"/>
+            </a:pPr>
+            <a:r>
+              <a:rPr lang="en" sz="1200">
+                <a:solidFill>
+                  <a:schemeClr val="dk1"/>
+                </a:solidFill>
+                <a:latin typeface="Calibri"/>
+                <a:ea typeface="Calibri"/>
+                <a:cs typeface="Calibri"/>
+                <a:sym typeface="Calibri"/>
+              </a:rPr>
+              <a:t>Improved version of DeepSeek R1:</a:t>
+            </a:r>
+            <a:endParaRPr sz="1200">
+              <a:solidFill>
+                <a:schemeClr val="dk1"/>
+              </a:solidFill>
+              <a:latin typeface="Calibri"/>
+              <a:ea typeface="Calibri"/>
+              <a:cs typeface="Calibri"/>
+              <a:sym typeface="Calibri"/>
+            </a:endParaRPr>
+          </a:p>
+          <a:p>
+            <a:pPr marL="171450" lvl="0" indent="-133350" algn="l" rtl="0">
+              <a:spcBef>
+                <a:spcPts val="0"/>
+              </a:spcBef>
+              <a:spcAft>
+                <a:spcPts val="0"/>
+              </a:spcAft>
+              <a:buClr>
+                <a:schemeClr val="dk1"/>
+              </a:buClr>
+              <a:buSzPts val="1200"/>
+              <a:buFont typeface="Calibri"/>
+              <a:buChar char="●"/>
+            </a:pPr>
+            <a:r>
+              <a:rPr lang="en" sz="1200">
+                <a:solidFill>
+                  <a:schemeClr val="dk1"/>
+                </a:solidFill>
+                <a:latin typeface="Calibri"/>
+                <a:ea typeface="Calibri"/>
+                <a:cs typeface="Calibri"/>
+                <a:sym typeface="Calibri"/>
+              </a:rPr>
+              <a:t>Enhanced coding capabilities</a:t>
+            </a:r>
+            <a:endParaRPr sz="1200">
+              <a:solidFill>
+                <a:schemeClr val="dk1"/>
+              </a:solidFill>
+              <a:latin typeface="Calibri"/>
+              <a:ea typeface="Calibri"/>
+              <a:cs typeface="Calibri"/>
+              <a:sym typeface="Calibri"/>
+            </a:endParaRPr>
+          </a:p>
+          <a:p>
+            <a:pPr marL="171450" lvl="0" indent="-133350" algn="l" rtl="0">
+              <a:spcBef>
+                <a:spcPts val="0"/>
+              </a:spcBef>
+              <a:spcAft>
+                <a:spcPts val="0"/>
+              </a:spcAft>
+              <a:buClr>
+                <a:schemeClr val="dk1"/>
+              </a:buClr>
+              <a:buSzPts val="1200"/>
+              <a:buFont typeface="Calibri"/>
+              <a:buChar char="●"/>
+            </a:pPr>
+            <a:r>
+              <a:rPr lang="en" sz="1200">
+                <a:solidFill>
+                  <a:schemeClr val="dk1"/>
+                </a:solidFill>
+                <a:latin typeface="Calibri"/>
+                <a:ea typeface="Calibri"/>
+                <a:cs typeface="Calibri"/>
+                <a:sym typeface="Calibri"/>
+              </a:rPr>
+              <a:t>More languages (multilingual)</a:t>
+            </a:r>
+            <a:endParaRPr sz="1200">
+              <a:solidFill>
+                <a:schemeClr val="dk1"/>
+              </a:solidFill>
+              <a:latin typeface="Calibri"/>
+              <a:ea typeface="Calibri"/>
+              <a:cs typeface="Calibri"/>
+              <a:sym typeface="Calibri"/>
+            </a:endParaRPr>
+          </a:p>
+          <a:p>
+            <a:pPr marL="171450" lvl="0" indent="-133350" algn="l" rtl="0">
+              <a:spcBef>
+                <a:spcPts val="0"/>
+              </a:spcBef>
+              <a:spcAft>
+                <a:spcPts val="0"/>
+              </a:spcAft>
+              <a:buClr>
+                <a:schemeClr val="dk1"/>
+              </a:buClr>
+              <a:buSzPts val="1200"/>
+              <a:buFont typeface="Calibri"/>
+              <a:buChar char="●"/>
+            </a:pPr>
+            <a:r>
+              <a:rPr lang="en" sz="1200">
+                <a:solidFill>
+                  <a:schemeClr val="dk1"/>
+                </a:solidFill>
+                <a:latin typeface="Calibri"/>
+                <a:ea typeface="Calibri"/>
+                <a:cs typeface="Calibri"/>
+                <a:sym typeface="Calibri"/>
+              </a:rPr>
+              <a:t>Generally superior logical reasoning</a:t>
+            </a:r>
+            <a:endParaRPr sz="1200">
+              <a:solidFill>
+                <a:schemeClr val="dk1"/>
+              </a:solidFill>
+              <a:latin typeface="Calibri"/>
+              <a:ea typeface="Calibri"/>
+              <a:cs typeface="Calibri"/>
+              <a:sym typeface="Calibri"/>
+            </a:endParaRPr>
+          </a:p>
+          <a:p>
+            <a:pPr marL="171450" lvl="0" indent="-133350" algn="l" rtl="0">
+              <a:spcBef>
+                <a:spcPts val="0"/>
+              </a:spcBef>
+              <a:spcAft>
+                <a:spcPts val="0"/>
+              </a:spcAft>
+              <a:buClr>
+                <a:schemeClr val="dk1"/>
+              </a:buClr>
+              <a:buSzPts val="1200"/>
+              <a:buFont typeface="Calibri"/>
+              <a:buChar char="●"/>
+            </a:pPr>
+            <a:r>
+              <a:rPr lang="en" sz="1200">
+                <a:solidFill>
+                  <a:schemeClr val="dk1"/>
+                </a:solidFill>
+                <a:latin typeface="Calibri"/>
+                <a:ea typeface="Calibri"/>
+                <a:cs typeface="Calibri"/>
+                <a:sym typeface="Calibri"/>
+              </a:rPr>
+              <a:t>Cost-efficiency and accessibility</a:t>
+            </a:r>
+            <a:endParaRPr sz="1200">
+              <a:solidFill>
+                <a:schemeClr val="dk1"/>
+              </a:solidFill>
+              <a:latin typeface="Calibri"/>
+              <a:ea typeface="Calibri"/>
+              <a:cs typeface="Calibri"/>
+              <a:sym typeface="Calibri"/>
+            </a:endParaRPr>
+          </a:p>
+          <a:p>
+            <a:pPr marL="171450" lvl="0" indent="-133350" algn="l" rtl="0">
+              <a:spcBef>
+                <a:spcPts val="0"/>
+              </a:spcBef>
+              <a:spcAft>
+                <a:spcPts val="0"/>
+              </a:spcAft>
+              <a:buClr>
+                <a:schemeClr val="dk1"/>
+              </a:buClr>
+              <a:buSzPts val="1200"/>
+              <a:buFont typeface="Calibri"/>
+              <a:buChar char="●"/>
+            </a:pPr>
+            <a:r>
+              <a:rPr lang="en" sz="1200">
+                <a:solidFill>
+                  <a:schemeClr val="dk1"/>
+                </a:solidFill>
+                <a:latin typeface="Calibri"/>
+                <a:ea typeface="Calibri"/>
+                <a:cs typeface="Calibri"/>
+                <a:sym typeface="Calibri"/>
+              </a:rPr>
+              <a:t>Likely multimodal (image, video) ?</a:t>
+            </a:r>
+            <a:endParaRPr sz="1200">
+              <a:solidFill>
+                <a:schemeClr val="dk1"/>
+              </a:solidFill>
+              <a:latin typeface="Calibri"/>
+              <a:ea typeface="Calibri"/>
+              <a:cs typeface="Calibri"/>
+              <a:sym typeface="Calibri"/>
+            </a:endParaRPr>
+          </a:p>
+        </p:txBody>
+      </p:sp>
+      <p:pic>
+        <p:nvPicPr>
+          <p:cNvPr id="104" name="Google Shape;104;p19"/>
+          <p:cNvPicPr preferRelativeResize="0"/>
+          <p:nvPr/>
+        </p:nvPicPr>
+        <p:blipFill>
+          <a:blip r:embed="rId3">
+            <a:alphaModFix/>
+          </a:blip>
+          <a:stretch>
+            <a:fillRect/>
+          </a:stretch>
+        </p:blipFill>
+        <p:spPr>
+          <a:xfrm>
+            <a:off x="5119975" y="1563050"/>
+            <a:ext cx="2847975" cy="1600200"/>
+          </a:xfrm>
+          <a:prstGeom prst="rect">
+            <a:avLst/>
+          </a:prstGeom>
+          <a:noFill/>
+          <a:ln w="9525" cap="flat" cmpd="sng">
+            <a:solidFill>
+              <a:srgbClr val="FF0000"/>
+            </a:solidFill>
+            <a:prstDash val="solid"/>
+            <a:round/>
+            <a:headEnd type="none" w="sm" len="sm"/>
+            <a:tailEnd type="none" w="sm" len="sm"/>
+          </a:ln>
+        </p:spPr>
+      </p:pic>
+    </p:spTree>
+  </p:cSld>
+  <p:clrMapOvr>
+    <a:masterClrMapping/>
+  </p:clrMapOvr>
+</p:sld>
+</file>
+
+<file path=ppt/slides/slide6.xml><?xml version="1.0" encoding="utf-8"?>
+<p:sld xmlns:a="http://schemas.openxmlformats.org/drawingml/2006/main" xmlns:r="http://schemas.openxmlformats.org/officeDocument/2006/relationships" xmlns:p="http://schemas.openxmlformats.org/presentationml/2006/main">
+  <p:cSld>
+    <p:spTree>
+      <p:nvGrpSpPr>
+        <p:cNvPr id="1" name="Shape 108"/>
+        <p:cNvGrpSpPr/>
+        <p:nvPr/>
+      </p:nvGrpSpPr>
+      <p:grpSpPr>
+        <a:xfrm>
+          <a:off x="0" y="0"/>
+          <a:ext cx="0" cy="0"/>
+          <a:chOff x="0" y="0"/>
+          <a:chExt cx="0" cy="0"/>
+        </a:xfrm>
+      </p:grpSpPr>
+      <p:sp>
+        <p:nvSpPr>
+          <p:cNvPr id="109" name="Google Shape;109;p20"/>
           <p:cNvSpPr txBox="1"/>
           <p:nvPr/>
         </p:nvSpPr>
@@ -26820,7 +28652,7 @@
       </p:sp>
       <p:sp>
         <p:nvSpPr>
-          <p:cNvPr id="97" name="Google Shape;97;p19"/>
+          <p:cNvPr id="110" name="Google Shape;110;p20"/>
           <p:cNvSpPr txBox="1"/>
           <p:nvPr/>
         </p:nvSpPr>
@@ -27065,7 +28897,7 @@
       </p:sp>
       <p:pic>
         <p:nvPicPr>
-          <p:cNvPr id="98" name="Google Shape;98;p19"/>
+          <p:cNvPr id="111" name="Google Shape;111;p20"/>
           <p:cNvPicPr preferRelativeResize="0"/>
           <p:nvPr/>
         </p:nvPicPr>
@@ -27104,7 +28936,7 @@
       </p:pic>
       <p:sp>
         <p:nvSpPr>
-          <p:cNvPr id="99" name="Google Shape;99;p19"/>
+          <p:cNvPr id="112" name="Google Shape;112;p20"/>
           <p:cNvSpPr txBox="1"/>
           <p:nvPr/>
         </p:nvSpPr>
@@ -27240,12 +29072,12 @@
 </p:sld>
 </file>
 
-<file path=ppt/slides/slide6.xml><?xml version="1.0" encoding="utf-8"?>
+<file path=ppt/slides/slide7.xml><?xml version="1.0" encoding="utf-8"?>
 <p:sld xmlns:a="http://schemas.openxmlformats.org/drawingml/2006/main" xmlns:r="http://schemas.openxmlformats.org/officeDocument/2006/relationships" xmlns:p="http://schemas.openxmlformats.org/presentationml/2006/main">
   <p:cSld>
     <p:spTree>
       <p:nvGrpSpPr>
-        <p:cNvPr id="1" name="Shape 103"/>
+        <p:cNvPr id="1" name="Shape 116"/>
         <p:cNvGrpSpPr/>
         <p:nvPr/>
       </p:nvGrpSpPr>
@@ -27259,7 +29091,7 @@
       </p:grpSpPr>
       <p:sp>
         <p:nvSpPr>
-          <p:cNvPr id="104" name="Google Shape;104;p20"/>
+          <p:cNvPr id="117" name="Google Shape;117;p21"/>
           <p:cNvSpPr txBox="1"/>
           <p:nvPr/>
         </p:nvSpPr>
@@ -27322,7 +29154,7 @@
       </p:sp>
       <p:sp>
         <p:nvSpPr>
-          <p:cNvPr id="105" name="Google Shape;105;p20"/>
+          <p:cNvPr id="118" name="Google Shape;118;p21"/>
           <p:cNvSpPr txBox="1"/>
           <p:nvPr/>
         </p:nvSpPr>
@@ -27689,7 +29521,7 @@
       </p:sp>
       <p:sp>
         <p:nvSpPr>
-          <p:cNvPr id="106" name="Google Shape;106;p20"/>
+          <p:cNvPr id="119" name="Google Shape;119;p21"/>
           <p:cNvSpPr txBox="1"/>
           <p:nvPr/>
         </p:nvSpPr>
@@ -27822,7 +29654,7 @@
       </p:sp>
       <p:pic>
         <p:nvPicPr>
-          <p:cNvPr id="107" name="Google Shape;107;p20"/>
+          <p:cNvPr id="120" name="Google Shape;120;p21"/>
           <p:cNvPicPr preferRelativeResize="0"/>
           <p:nvPr/>
         </p:nvPicPr>
@@ -27861,7 +29693,7 @@
       </p:pic>
       <p:pic>
         <p:nvPicPr>
-          <p:cNvPr id="108" name="Google Shape;108;p20"/>
+          <p:cNvPr id="121" name="Google Shape;121;p21"/>
           <p:cNvPicPr preferRelativeResize="0"/>
           <p:nvPr/>
         </p:nvPicPr>
@@ -27906,12 +29738,12 @@
 </p:sld>
 </file>
 
-<file path=ppt/slides/slide7.xml><?xml version="1.0" encoding="utf-8"?>
+<file path=ppt/slides/slide8.xml><?xml version="1.0" encoding="utf-8"?>
 <p:sld xmlns:a="http://schemas.openxmlformats.org/drawingml/2006/main" xmlns:r="http://schemas.openxmlformats.org/officeDocument/2006/relationships" xmlns:p="http://schemas.openxmlformats.org/presentationml/2006/main">
   <p:cSld>
     <p:spTree>
       <p:nvGrpSpPr>
-        <p:cNvPr id="1" name="Shape 112"/>
+        <p:cNvPr id="1" name="Shape 125"/>
         <p:cNvGrpSpPr/>
         <p:nvPr/>
       </p:nvGrpSpPr>
@@ -27925,7 +29757,7 @@
       </p:grpSpPr>
       <p:sp>
         <p:nvSpPr>
-          <p:cNvPr id="113" name="Google Shape;113;p21"/>
+          <p:cNvPr id="126" name="Google Shape;126;p22"/>
           <p:cNvSpPr txBox="1"/>
           <p:nvPr/>
         </p:nvSpPr>
@@ -27988,7 +29820,7 @@
       </p:sp>
       <p:sp>
         <p:nvSpPr>
-          <p:cNvPr id="114" name="Google Shape;114;p21"/>
+          <p:cNvPr id="127" name="Google Shape;127;p22"/>
           <p:cNvSpPr txBox="1"/>
           <p:nvPr/>
         </p:nvSpPr>
@@ -28202,7 +30034,7 @@
       </p:sp>
       <p:sp>
         <p:nvSpPr>
-          <p:cNvPr id="115" name="Google Shape;115;p21"/>
+          <p:cNvPr id="128" name="Google Shape;128;p22"/>
           <p:cNvSpPr txBox="1"/>
           <p:nvPr/>
         </p:nvSpPr>
@@ -28540,7 +30372,7 @@
       </p:sp>
       <p:sp>
         <p:nvSpPr>
-          <p:cNvPr id="116" name="Google Shape;116;p21"/>
+          <p:cNvPr id="129" name="Google Shape;129;p22"/>
           <p:cNvSpPr txBox="1"/>
           <p:nvPr/>
         </p:nvSpPr>
@@ -28730,7 +30562,7 @@
       </p:sp>
       <p:sp>
         <p:nvSpPr>
-          <p:cNvPr id="117" name="Google Shape;117;p21"/>
+          <p:cNvPr id="130" name="Google Shape;130;p22"/>
           <p:cNvSpPr txBox="1"/>
           <p:nvPr/>
         </p:nvSpPr>
@@ -28981,7 +30813,7 @@
       </p:sp>
       <p:sp>
         <p:nvSpPr>
-          <p:cNvPr id="118" name="Google Shape;118;p21"/>
+          <p:cNvPr id="131" name="Google Shape;131;p22"/>
           <p:cNvSpPr txBox="1"/>
           <p:nvPr/>
         </p:nvSpPr>
@@ -29135,7 +30967,7 @@
       </p:sp>
       <p:sp>
         <p:nvSpPr>
-          <p:cNvPr id="119" name="Google Shape;119;p21"/>
+          <p:cNvPr id="132" name="Google Shape;132;p22"/>
           <p:cNvSpPr txBox="1"/>
           <p:nvPr/>
         </p:nvSpPr>
@@ -29268,7 +31100,7 @@
       </p:sp>
       <p:sp>
         <p:nvSpPr>
-          <p:cNvPr id="120" name="Google Shape;120;p21"/>
+          <p:cNvPr id="133" name="Google Shape;133;p22"/>
           <p:cNvSpPr txBox="1"/>
           <p:nvPr/>
         </p:nvSpPr>
@@ -29474,7 +31306,7 @@
       </p:sp>
       <p:pic>
         <p:nvPicPr>
-          <p:cNvPr id="121" name="Google Shape;121;p21"/>
+          <p:cNvPr id="134" name="Google Shape;134;p22"/>
           <p:cNvPicPr preferRelativeResize="0"/>
           <p:nvPr/>
         </p:nvPicPr>
@@ -29513,7 +31345,7 @@
       </p:pic>
       <p:sp>
         <p:nvSpPr>
-          <p:cNvPr id="122" name="Google Shape;122;p21"/>
+          <p:cNvPr id="135" name="Google Shape;135;p22"/>
           <p:cNvSpPr txBox="1"/>
           <p:nvPr/>
         </p:nvSpPr>
@@ -29670,7 +31502,7 @@
       </p:sp>
       <p:sp>
         <p:nvSpPr>
-          <p:cNvPr id="123" name="Google Shape;123;p21"/>
+          <p:cNvPr id="136" name="Google Shape;136;p22"/>
           <p:cNvSpPr txBox="1"/>
           <p:nvPr/>
         </p:nvSpPr>
@@ -29829,12 +31661,12 @@
 </p:sld>
 </file>
 
-<file path=ppt/slides/slide8.xml><?xml version="1.0" encoding="utf-8"?>
+<file path=ppt/slides/slide9.xml><?xml version="1.0" encoding="utf-8"?>
 <p:sld xmlns:a="http://schemas.openxmlformats.org/drawingml/2006/main" xmlns:r="http://schemas.openxmlformats.org/officeDocument/2006/relationships" xmlns:p="http://schemas.openxmlformats.org/presentationml/2006/main">
   <p:cSld>
     <p:spTree>
       <p:nvGrpSpPr>
-        <p:cNvPr id="1" name="Shape 127"/>
+        <p:cNvPr id="1" name="Shape 140"/>
         <p:cNvGrpSpPr/>
         <p:nvPr/>
       </p:nvGrpSpPr>
@@ -29848,7 +31680,7 @@
       </p:grpSpPr>
       <p:sp>
         <p:nvSpPr>
-          <p:cNvPr id="128" name="Google Shape;128;p22"/>
+          <p:cNvPr id="141" name="Google Shape;141;p23"/>
           <p:cNvSpPr txBox="1"/>
           <p:nvPr/>
         </p:nvSpPr>
@@ -29911,7 +31743,7 @@
       </p:sp>
       <p:sp>
         <p:nvSpPr>
-          <p:cNvPr id="129" name="Google Shape;129;p22"/>
+          <p:cNvPr id="142" name="Google Shape;142;p23"/>
           <p:cNvSpPr txBox="1"/>
           <p:nvPr/>
         </p:nvSpPr>
@@ -30051,7 +31883,7 @@
       </p:sp>
       <p:sp>
         <p:nvSpPr>
-          <p:cNvPr id="130" name="Google Shape;130;p22"/>
+          <p:cNvPr id="143" name="Google Shape;143;p23"/>
           <p:cNvSpPr txBox="1"/>
           <p:nvPr/>
         </p:nvSpPr>
@@ -30204,7 +32036,7 @@
       </p:sp>
       <p:sp>
         <p:nvSpPr>
-          <p:cNvPr id="131" name="Google Shape;131;p22"/>
+          <p:cNvPr id="144" name="Google Shape;144;p23"/>
           <p:cNvSpPr txBox="1"/>
           <p:nvPr/>
         </p:nvSpPr>
@@ -30337,7 +32169,7 @@
       </p:sp>
       <p:pic>
         <p:nvPicPr>
-          <p:cNvPr id="132" name="Google Shape;132;p22"/>
+          <p:cNvPr id="145" name="Google Shape;145;p23"/>
           <p:cNvPicPr preferRelativeResize="0"/>
           <p:nvPr/>
         </p:nvPicPr>
@@ -30370,7 +32202,7 @@
       </p:pic>
       <p:sp>
         <p:nvSpPr>
-          <p:cNvPr id="133" name="Google Shape;133;p22"/>
+          <p:cNvPr id="146" name="Google Shape;146;p23"/>
           <p:cNvSpPr txBox="1"/>
           <p:nvPr/>
         </p:nvSpPr>
@@ -30523,7 +32355,7 @@
       </p:sp>
       <p:sp>
         <p:nvSpPr>
-          <p:cNvPr id="134" name="Google Shape;134;p22"/>
+          <p:cNvPr id="147" name="Google Shape;147;p23"/>
           <p:cNvSpPr txBox="1"/>
           <p:nvPr/>
         </p:nvSpPr>
@@ -30589,7 +32421,7 @@
       </p:sp>
       <p:sp>
         <p:nvSpPr>
-          <p:cNvPr id="135" name="Google Shape;135;p22"/>
+          <p:cNvPr id="148" name="Google Shape;148;p23"/>
           <p:cNvSpPr txBox="1"/>
           <p:nvPr/>
         </p:nvSpPr>
@@ -30655,7 +32487,7 @@
       </p:sp>
       <p:sp>
         <p:nvSpPr>
-          <p:cNvPr id="136" name="Google Shape;136;p22"/>
+          <p:cNvPr id="149" name="Google Shape;149;p23"/>
           <p:cNvSpPr txBox="1"/>
           <p:nvPr/>
         </p:nvSpPr>
@@ -30721,7 +32553,7 @@
       </p:sp>
       <p:sp>
         <p:nvSpPr>
-          <p:cNvPr id="137" name="Google Shape;137;p22"/>
+          <p:cNvPr id="150" name="Google Shape;150;p23"/>
           <p:cNvSpPr txBox="1"/>
           <p:nvPr/>
         </p:nvSpPr>
@@ -30787,7 +32619,7 @@
       </p:sp>
       <p:sp>
         <p:nvSpPr>
-          <p:cNvPr id="138" name="Google Shape;138;p22"/>
+          <p:cNvPr id="151" name="Google Shape;151;p23"/>
           <p:cNvSpPr txBox="1"/>
           <p:nvPr/>
         </p:nvSpPr>
@@ -30853,7 +32685,7 @@
       </p:sp>
       <p:sp>
         <p:nvSpPr>
-          <p:cNvPr id="139" name="Google Shape;139;p22"/>
+          <p:cNvPr id="152" name="Google Shape;152;p23"/>
           <p:cNvSpPr/>
           <p:nvPr/>
         </p:nvSpPr>
@@ -30899,7 +32731,7 @@
       </p:sp>
       <p:sp>
         <p:nvSpPr>
-          <p:cNvPr id="140" name="Google Shape;140;p22"/>
+          <p:cNvPr id="153" name="Google Shape;153;p23"/>
           <p:cNvSpPr/>
           <p:nvPr/>
         </p:nvSpPr>
@@ -30945,7 +32777,7 @@
       </p:sp>
       <p:sp>
         <p:nvSpPr>
-          <p:cNvPr id="141" name="Google Shape;141;p22"/>
+          <p:cNvPr id="154" name="Google Shape;154;p23"/>
           <p:cNvSpPr/>
           <p:nvPr/>
         </p:nvSpPr>
@@ -30991,7 +32823,7 @@
       </p:sp>
       <p:sp>
         <p:nvSpPr>
-          <p:cNvPr id="142" name="Google Shape;142;p22"/>
+          <p:cNvPr id="155" name="Google Shape;155;p23"/>
           <p:cNvSpPr/>
           <p:nvPr/>
         </p:nvSpPr>
@@ -31037,7 +32869,7 @@
       </p:sp>
       <p:sp>
         <p:nvSpPr>
-          <p:cNvPr id="143" name="Google Shape;143;p22"/>
+          <p:cNvPr id="156" name="Google Shape;156;p23"/>
           <p:cNvSpPr/>
           <p:nvPr/>
         </p:nvSpPr>
@@ -31086,7 +32918,7 @@
       </p:sp>
       <p:sp>
         <p:nvSpPr>
-          <p:cNvPr id="144" name="Google Shape;144;p22"/>
+          <p:cNvPr id="157" name="Google Shape;157;p23"/>
           <p:cNvSpPr/>
           <p:nvPr/>
         </p:nvSpPr>
@@ -31135,7 +32967,7 @@
       </p:sp>
       <p:sp>
         <p:nvSpPr>
-          <p:cNvPr id="145" name="Google Shape;145;p22"/>
+          <p:cNvPr id="158" name="Google Shape;158;p23"/>
           <p:cNvSpPr txBox="1"/>
           <p:nvPr/>
         </p:nvSpPr>
@@ -31421,7 +33253,7 @@
       </p:sp>
       <p:sp>
         <p:nvSpPr>
-          <p:cNvPr id="146" name="Google Shape;146;p22"/>
+          <p:cNvPr id="159" name="Google Shape;159;p23"/>
           <p:cNvSpPr txBox="1"/>
           <p:nvPr/>
         </p:nvSpPr>
@@ -31601,7 +33433,7 @@
       </p:sp>
       <p:pic>
         <p:nvPicPr>
-          <p:cNvPr id="147" name="Google Shape;147;p22"/>
+          <p:cNvPr id="160" name="Google Shape;160;p23"/>
           <p:cNvPicPr preferRelativeResize="0"/>
           <p:nvPr/>
         </p:nvPicPr>
@@ -31634,7 +33466,7 @@
       </p:pic>
       <p:pic>
         <p:nvPicPr>
-          <p:cNvPr id="148" name="Google Shape;148;p22"/>
+          <p:cNvPr id="161" name="Google Shape;161;p23"/>
           <p:cNvPicPr preferRelativeResize="0"/>
           <p:nvPr/>
         </p:nvPicPr>
@@ -31661,582 +33493,6 @@
           <a:noFill/>
           <a:ln>
             <a:noFill/>
-          </a:ln>
-        </p:spPr>
-      </p:pic>
-    </p:spTree>
-  </p:cSld>
-  <p:clrMapOvr>
-    <a:masterClrMapping/>
-  </p:clrMapOvr>
-</p:sld>
-</file>
-
-<file path=ppt/slides/slide9.xml><?xml version="1.0" encoding="utf-8"?>
-<p:sld xmlns:a="http://schemas.openxmlformats.org/drawingml/2006/main" xmlns:r="http://schemas.openxmlformats.org/officeDocument/2006/relationships" xmlns:p="http://schemas.openxmlformats.org/presentationml/2006/main">
-  <p:cSld>
-    <p:spTree>
-      <p:nvGrpSpPr>
-        <p:cNvPr id="1" name="Shape 152"/>
-        <p:cNvGrpSpPr/>
-        <p:nvPr/>
-      </p:nvGrpSpPr>
-      <p:grpSpPr>
-        <a:xfrm>
-          <a:off x="0" y="0"/>
-          <a:ext cx="0" cy="0"/>
-          <a:chOff x="0" y="0"/>
-          <a:chExt cx="0" cy="0"/>
-        </a:xfrm>
-      </p:grpSpPr>
-      <p:sp>
-        <p:nvSpPr>
-          <p:cNvPr id="153" name="Google Shape;153;p23"/>
-          <p:cNvSpPr txBox="1"/>
-          <p:nvPr/>
-        </p:nvSpPr>
-        <p:spPr>
-          <a:xfrm>
-            <a:off x="55075" y="52750"/>
-            <a:ext cx="3700200" cy="326400"/>
-          </a:xfrm>
-          <a:prstGeom prst="rect">
-            <a:avLst/>
-          </a:prstGeom>
-          <a:noFill/>
-          <a:ln>
-            <a:noFill/>
-          </a:ln>
-        </p:spPr>
-        <p:txBody>
-          <a:bodyPr spcFirstLastPara="1" wrap="square" lIns="9125" tIns="9125" rIns="9125" bIns="9125" anchor="t" anchorCtr="0">
-            <a:spAutoFit/>
-          </a:bodyPr>
-          <a:lstStyle/>
-          <a:p>
-            <a:pPr marL="0" lvl="0" indent="0" algn="l" rtl="0">
-              <a:spcBef>
-                <a:spcPts val="0"/>
-              </a:spcBef>
-              <a:spcAft>
-                <a:spcPts val="0"/>
-              </a:spcAft>
-              <a:buClr>
-                <a:schemeClr val="dk1"/>
-              </a:buClr>
-              <a:buSzPts val="1100"/>
-              <a:buFont typeface="Arial"/>
-              <a:buNone/>
-            </a:pPr>
-            <a:r>
-              <a:rPr lang="en" sz="2000" b="1">
-                <a:solidFill>
-                  <a:schemeClr val="dk1"/>
-                </a:solidFill>
-                <a:latin typeface="Calibri"/>
-                <a:ea typeface="Calibri"/>
-                <a:cs typeface="Calibri"/>
-                <a:sym typeface="Calibri"/>
-              </a:rPr>
-              <a:t>Apple Studio 512GB</a:t>
-            </a:r>
-            <a:endParaRPr sz="2000" b="1">
-              <a:solidFill>
-                <a:schemeClr val="dk1"/>
-              </a:solidFill>
-              <a:latin typeface="Calibri"/>
-              <a:ea typeface="Calibri"/>
-              <a:cs typeface="Calibri"/>
-              <a:sym typeface="Calibri"/>
-            </a:endParaRPr>
-          </a:p>
-        </p:txBody>
-      </p:sp>
-      <p:sp>
-        <p:nvSpPr>
-          <p:cNvPr id="154" name="Google Shape;154;p23"/>
-          <p:cNvSpPr txBox="1"/>
-          <p:nvPr/>
-        </p:nvSpPr>
-        <p:spPr>
-          <a:xfrm>
-            <a:off x="55075" y="731275"/>
-            <a:ext cx="4243800" cy="1126800"/>
-          </a:xfrm>
-          <a:prstGeom prst="rect">
-            <a:avLst/>
-          </a:prstGeom>
-          <a:solidFill>
-            <a:srgbClr val="FFF2CC"/>
-          </a:solidFill>
-          <a:ln w="9525" cap="flat" cmpd="sng">
-            <a:solidFill>
-              <a:srgbClr val="FF0000"/>
-            </a:solidFill>
-            <a:prstDash val="solid"/>
-            <a:round/>
-            <a:headEnd type="none" w="sm" len="sm"/>
-            <a:tailEnd type="none" w="sm" len="sm"/>
-          </a:ln>
-        </p:spPr>
-        <p:txBody>
-          <a:bodyPr spcFirstLastPara="1" wrap="square" lIns="9125" tIns="9125" rIns="9125" bIns="9125" anchor="t" anchorCtr="0">
-            <a:spAutoFit/>
-          </a:bodyPr>
-          <a:lstStyle/>
-          <a:p>
-            <a:pPr marL="0" lvl="0" indent="0" algn="l" rtl="0">
-              <a:spcBef>
-                <a:spcPts val="0"/>
-              </a:spcBef>
-              <a:spcAft>
-                <a:spcPts val="0"/>
-              </a:spcAft>
-              <a:buNone/>
-            </a:pPr>
-            <a:r>
-              <a:rPr lang="en" sz="1200" b="1">
-                <a:solidFill>
-                  <a:srgbClr val="FF0000"/>
-                </a:solidFill>
-                <a:latin typeface="Calibri"/>
-                <a:ea typeface="Calibri"/>
-                <a:cs typeface="Calibri"/>
-                <a:sym typeface="Calibri"/>
-              </a:rPr>
-              <a:t>Apple announced several new products:</a:t>
-            </a:r>
-            <a:endParaRPr sz="1200" b="1">
-              <a:solidFill>
-                <a:srgbClr val="FF0000"/>
-              </a:solidFill>
-              <a:latin typeface="Calibri"/>
-              <a:ea typeface="Calibri"/>
-              <a:cs typeface="Calibri"/>
-              <a:sym typeface="Calibri"/>
-            </a:endParaRPr>
-          </a:p>
-          <a:p>
-            <a:pPr marL="171450" lvl="0" indent="-133350" algn="l" rtl="0">
-              <a:spcBef>
-                <a:spcPts val="0"/>
-              </a:spcBef>
-              <a:spcAft>
-                <a:spcPts val="0"/>
-              </a:spcAft>
-              <a:buClr>
-                <a:schemeClr val="dk1"/>
-              </a:buClr>
-              <a:buSzPts val="1200"/>
-              <a:buFont typeface="Calibri"/>
-              <a:buChar char="●"/>
-            </a:pPr>
-            <a:r>
-              <a:rPr lang="en" sz="1200">
-                <a:solidFill>
-                  <a:schemeClr val="dk1"/>
-                </a:solidFill>
-                <a:latin typeface="Calibri"/>
-                <a:ea typeface="Calibri"/>
-                <a:cs typeface="Calibri"/>
-                <a:sym typeface="Calibri"/>
-              </a:rPr>
-              <a:t>MacBook Air with M4 chip (and discontinue M2 &amp; M3)</a:t>
-            </a:r>
-            <a:endParaRPr sz="1200">
-              <a:solidFill>
-                <a:schemeClr val="dk1"/>
-              </a:solidFill>
-              <a:latin typeface="Calibri"/>
-              <a:ea typeface="Calibri"/>
-              <a:cs typeface="Calibri"/>
-              <a:sym typeface="Calibri"/>
-            </a:endParaRPr>
-          </a:p>
-          <a:p>
-            <a:pPr marL="171450" lvl="0" indent="-133350" algn="l" rtl="0">
-              <a:spcBef>
-                <a:spcPts val="0"/>
-              </a:spcBef>
-              <a:spcAft>
-                <a:spcPts val="0"/>
-              </a:spcAft>
-              <a:buClr>
-                <a:srgbClr val="3C78D8"/>
-              </a:buClr>
-              <a:buSzPts val="1200"/>
-              <a:buFont typeface="Calibri"/>
-              <a:buChar char="●"/>
-            </a:pPr>
-            <a:r>
-              <a:rPr lang="en" sz="1200" b="1">
-                <a:solidFill>
-                  <a:srgbClr val="3C78D8"/>
-                </a:solidFill>
-                <a:latin typeface="Calibri"/>
-                <a:ea typeface="Calibri"/>
-                <a:cs typeface="Calibri"/>
-                <a:sym typeface="Calibri"/>
-              </a:rPr>
-              <a:t>Mac Studio with the M4 Max and M3 Ultra chips, 512GB RAM !</a:t>
-            </a:r>
-            <a:endParaRPr sz="1200" b="1">
-              <a:solidFill>
-                <a:srgbClr val="3C78D8"/>
-              </a:solidFill>
-              <a:latin typeface="Calibri"/>
-              <a:ea typeface="Calibri"/>
-              <a:cs typeface="Calibri"/>
-              <a:sym typeface="Calibri"/>
-            </a:endParaRPr>
-          </a:p>
-          <a:p>
-            <a:pPr marL="171450" lvl="0" indent="-133350" algn="l" rtl="0">
-              <a:spcBef>
-                <a:spcPts val="0"/>
-              </a:spcBef>
-              <a:spcAft>
-                <a:spcPts val="0"/>
-              </a:spcAft>
-              <a:buClr>
-                <a:schemeClr val="dk1"/>
-              </a:buClr>
-              <a:buSzPts val="1200"/>
-              <a:buFont typeface="Calibri"/>
-              <a:buChar char="●"/>
-            </a:pPr>
-            <a:r>
-              <a:rPr lang="en" sz="1200">
-                <a:solidFill>
-                  <a:schemeClr val="dk1"/>
-                </a:solidFill>
-                <a:latin typeface="Calibri"/>
-                <a:ea typeface="Calibri"/>
-                <a:cs typeface="Calibri"/>
-                <a:sym typeface="Calibri"/>
-              </a:rPr>
-              <a:t>iPad Air with M3 chip</a:t>
-            </a:r>
-            <a:endParaRPr sz="1200">
-              <a:solidFill>
-                <a:schemeClr val="dk1"/>
-              </a:solidFill>
-              <a:latin typeface="Calibri"/>
-              <a:ea typeface="Calibri"/>
-              <a:cs typeface="Calibri"/>
-              <a:sym typeface="Calibri"/>
-            </a:endParaRPr>
-          </a:p>
-          <a:p>
-            <a:pPr marL="171450" lvl="0" indent="-133350" algn="l" rtl="0">
-              <a:spcBef>
-                <a:spcPts val="0"/>
-              </a:spcBef>
-              <a:spcAft>
-                <a:spcPts val="0"/>
-              </a:spcAft>
-              <a:buClr>
-                <a:schemeClr val="dk1"/>
-              </a:buClr>
-              <a:buSzPts val="1200"/>
-              <a:buFont typeface="Calibri"/>
-              <a:buChar char="●"/>
-            </a:pPr>
-            <a:r>
-              <a:rPr lang="en" sz="1200">
-                <a:solidFill>
-                  <a:schemeClr val="dk1"/>
-                </a:solidFill>
-                <a:latin typeface="Calibri"/>
-                <a:ea typeface="Calibri"/>
-                <a:cs typeface="Calibri"/>
-                <a:sym typeface="Calibri"/>
-              </a:rPr>
-              <a:t>base Ipad, with an A16 chip, doubling the starting storage</a:t>
-            </a:r>
-            <a:endParaRPr sz="1200">
-              <a:solidFill>
-                <a:schemeClr val="dk1"/>
-              </a:solidFill>
-              <a:latin typeface="Calibri"/>
-              <a:ea typeface="Calibri"/>
-              <a:cs typeface="Calibri"/>
-              <a:sym typeface="Calibri"/>
-            </a:endParaRPr>
-          </a:p>
-          <a:p>
-            <a:pPr marL="171450" lvl="0" indent="-133350" algn="l" rtl="0">
-              <a:spcBef>
-                <a:spcPts val="0"/>
-              </a:spcBef>
-              <a:spcAft>
-                <a:spcPts val="0"/>
-              </a:spcAft>
-              <a:buClr>
-                <a:schemeClr val="dk1"/>
-              </a:buClr>
-              <a:buSzPts val="1200"/>
-              <a:buFont typeface="Calibri"/>
-              <a:buChar char="●"/>
-            </a:pPr>
-            <a:r>
-              <a:rPr lang="en" sz="1200">
-                <a:solidFill>
-                  <a:schemeClr val="dk1"/>
-                </a:solidFill>
-                <a:latin typeface="Calibri"/>
-                <a:ea typeface="Calibri"/>
-                <a:cs typeface="Calibri"/>
-                <a:sym typeface="Calibri"/>
-              </a:rPr>
-              <a:t>iPhone 16e</a:t>
-            </a:r>
-            <a:endParaRPr sz="1200">
-              <a:solidFill>
-                <a:schemeClr val="dk1"/>
-              </a:solidFill>
-              <a:latin typeface="Calibri"/>
-              <a:ea typeface="Calibri"/>
-              <a:cs typeface="Calibri"/>
-              <a:sym typeface="Calibri"/>
-            </a:endParaRPr>
-          </a:p>
-        </p:txBody>
-      </p:sp>
-      <p:pic>
-        <p:nvPicPr>
-          <p:cNvPr id="155" name="Google Shape;155;p23"/>
-          <p:cNvPicPr preferRelativeResize="0"/>
-          <p:nvPr/>
-        </p:nvPicPr>
-        <p:blipFill>
-          <a:blip r:embed="rId3" cstate="email">
-            <a:alphaModFix/>
-            <a:extLst>
-              <a:ext uri="{28A0092B-C50C-407E-A947-70E740481C1C}">
-                <a14:useLocalDpi xmlns:a14="http://schemas.microsoft.com/office/drawing/2010/main"/>
-              </a:ext>
-            </a:extLst>
-          </a:blip>
-          <a:stretch>
-            <a:fillRect/>
-          </a:stretch>
-        </p:blipFill>
-        <p:spPr>
-          <a:xfrm>
-            <a:off x="4377575" y="93500"/>
-            <a:ext cx="4687650" cy="4956501"/>
-          </a:xfrm>
-          <a:prstGeom prst="rect">
-            <a:avLst/>
-          </a:prstGeom>
-          <a:noFill/>
-          <a:ln w="9525" cap="flat" cmpd="sng">
-            <a:solidFill>
-              <a:srgbClr val="FF0000"/>
-            </a:solidFill>
-            <a:prstDash val="solid"/>
-            <a:round/>
-            <a:headEnd type="none" w="sm" len="sm"/>
-            <a:tailEnd type="none" w="sm" len="sm"/>
-          </a:ln>
-        </p:spPr>
-      </p:pic>
-      <p:sp>
-        <p:nvSpPr>
-          <p:cNvPr id="156" name="Google Shape;156;p23"/>
-          <p:cNvSpPr txBox="1"/>
-          <p:nvPr/>
-        </p:nvSpPr>
-        <p:spPr>
-          <a:xfrm>
-            <a:off x="55075" y="2008350"/>
-            <a:ext cx="4243800" cy="480300"/>
-          </a:xfrm>
-          <a:prstGeom prst="rect">
-            <a:avLst/>
-          </a:prstGeom>
-          <a:solidFill>
-            <a:srgbClr val="FFF2CC"/>
-          </a:solidFill>
-          <a:ln w="9525" cap="flat" cmpd="sng">
-            <a:solidFill>
-              <a:srgbClr val="FF0000"/>
-            </a:solidFill>
-            <a:prstDash val="solid"/>
-            <a:round/>
-            <a:headEnd type="none" w="sm" len="sm"/>
-            <a:tailEnd type="none" w="sm" len="sm"/>
-          </a:ln>
-        </p:spPr>
-        <p:txBody>
-          <a:bodyPr spcFirstLastPara="1" wrap="square" lIns="9125" tIns="9125" rIns="9125" bIns="9125" anchor="t" anchorCtr="0">
-            <a:spAutoFit/>
-          </a:bodyPr>
-          <a:lstStyle/>
-          <a:p>
-            <a:pPr marL="171450" lvl="0" indent="-133350" algn="l" rtl="0">
-              <a:spcBef>
-                <a:spcPts val="0"/>
-              </a:spcBef>
-              <a:spcAft>
-                <a:spcPts val="0"/>
-              </a:spcAft>
-              <a:buClr>
-                <a:schemeClr val="dk1"/>
-              </a:buClr>
-              <a:buSzPts val="1200"/>
-              <a:buFont typeface="Calibri"/>
-              <a:buChar char="●"/>
-            </a:pPr>
-            <a:r>
-              <a:rPr lang="en" sz="1200">
-                <a:solidFill>
-                  <a:schemeClr val="dk1"/>
-                </a:solidFill>
-                <a:latin typeface="Calibri"/>
-                <a:ea typeface="Calibri"/>
-                <a:cs typeface="Calibri"/>
-                <a:sym typeface="Calibri"/>
-              </a:rPr>
-              <a:t>PolySoft - affordable Mac storage expansion (x2 times cheaper):</a:t>
-            </a:r>
-            <a:endParaRPr sz="1200">
-              <a:solidFill>
-                <a:schemeClr val="dk1"/>
-              </a:solidFill>
-              <a:latin typeface="Calibri"/>
-              <a:ea typeface="Calibri"/>
-              <a:cs typeface="Calibri"/>
-              <a:sym typeface="Calibri"/>
-            </a:endParaRPr>
-          </a:p>
-          <a:p>
-            <a:pPr marL="171450" lvl="0" indent="-114300" algn="l" rtl="0">
-              <a:spcBef>
-                <a:spcPts val="0"/>
-              </a:spcBef>
-              <a:spcAft>
-                <a:spcPts val="0"/>
-              </a:spcAft>
-              <a:buClr>
-                <a:schemeClr val="dk1"/>
-              </a:buClr>
-              <a:buSzPts val="900"/>
-              <a:buFont typeface="Calibri"/>
-              <a:buChar char="●"/>
-            </a:pPr>
-            <a:r>
-              <a:rPr lang="en" sz="900" u="sng">
-                <a:solidFill>
-                  <a:schemeClr val="hlink"/>
-                </a:solidFill>
-                <a:latin typeface="Calibri"/>
-                <a:ea typeface="Calibri"/>
-                <a:cs typeface="Calibri"/>
-                <a:sym typeface="Calibri"/>
-                <a:hlinkClick r:id="rId4"/>
-              </a:rPr>
-              <a:t>https://www.kickstarter.com/projects/polysoftservices/studio-drive</a:t>
-            </a:r>
-            <a:endParaRPr sz="900">
-              <a:solidFill>
-                <a:schemeClr val="dk1"/>
-              </a:solidFill>
-              <a:latin typeface="Calibri"/>
-              <a:ea typeface="Calibri"/>
-              <a:cs typeface="Calibri"/>
-              <a:sym typeface="Calibri"/>
-            </a:endParaRPr>
-          </a:p>
-          <a:p>
-            <a:pPr marL="171450" lvl="0" indent="-114300" algn="l" rtl="0">
-              <a:spcBef>
-                <a:spcPts val="0"/>
-              </a:spcBef>
-              <a:spcAft>
-                <a:spcPts val="0"/>
-              </a:spcAft>
-              <a:buClr>
-                <a:schemeClr val="dk1"/>
-              </a:buClr>
-              <a:buSzPts val="900"/>
-              <a:buFont typeface="Calibri"/>
-              <a:buChar char="●"/>
-            </a:pPr>
-            <a:r>
-              <a:rPr lang="en" sz="900" u="sng">
-                <a:solidFill>
-                  <a:schemeClr val="hlink"/>
-                </a:solidFill>
-                <a:latin typeface="Calibri"/>
-                <a:ea typeface="Calibri"/>
-                <a:cs typeface="Calibri"/>
-                <a:sym typeface="Calibri"/>
-                <a:hlinkClick r:id="rId5"/>
-              </a:rPr>
-              <a:t>https://www.youtube.com/watch?v=6ze3kEj4IqU</a:t>
-            </a:r>
-            <a:r>
-              <a:rPr lang="en" sz="900">
-                <a:solidFill>
-                  <a:schemeClr val="dk1"/>
-                </a:solidFill>
-                <a:latin typeface="Calibri"/>
-                <a:ea typeface="Calibri"/>
-                <a:cs typeface="Calibri"/>
-                <a:sym typeface="Calibri"/>
-              </a:rPr>
-              <a:t> </a:t>
-            </a:r>
-            <a:endParaRPr sz="1200">
-              <a:solidFill>
-                <a:schemeClr val="dk1"/>
-              </a:solidFill>
-              <a:latin typeface="Calibri"/>
-              <a:ea typeface="Calibri"/>
-              <a:cs typeface="Calibri"/>
-              <a:sym typeface="Calibri"/>
-            </a:endParaRPr>
-          </a:p>
-        </p:txBody>
-      </p:sp>
-      <p:pic>
-        <p:nvPicPr>
-          <p:cNvPr id="157" name="Google Shape;157;p23"/>
-          <p:cNvPicPr preferRelativeResize="0"/>
-          <p:nvPr/>
-        </p:nvPicPr>
-        <p:blipFill>
-          <a:blip r:embed="rId6" cstate="email">
-            <a:alphaModFix/>
-            <a:extLst>
-              <a:ext uri="{28A0092B-C50C-407E-A947-70E740481C1C}">
-                <a14:useLocalDpi xmlns:a14="http://schemas.microsoft.com/office/drawing/2010/main"/>
-              </a:ext>
-            </a:extLst>
-          </a:blip>
-          <a:stretch>
-            <a:fillRect/>
-          </a:stretch>
-        </p:blipFill>
-        <p:spPr>
-          <a:xfrm>
-            <a:off x="1249325" y="2573150"/>
-            <a:ext cx="1855303" cy="2350050"/>
-          </a:xfrm>
-          <a:prstGeom prst="rect">
-            <a:avLst/>
-          </a:prstGeom>
-          <a:noFill/>
-          <a:ln w="9525" cap="flat" cmpd="sng">
-            <a:solidFill>
-              <a:srgbClr val="FF0000"/>
-            </a:solidFill>
-            <a:prstDash val="solid"/>
-            <a:round/>
-            <a:headEnd type="none" w="sm" len="sm"/>
-            <a:tailEnd type="none" w="sm" len="sm"/>
           </a:ln>
         </p:spPr>
       </p:pic>
